--- a/doc/slides/Robot-Arm-Forward-Kinematics-CPP-Code.pptx
+++ b/doc/slides/Robot-Arm-Forward-Kinematics-CPP-Code.pptx
@@ -5,15 +5,17 @@
     <p:sldMasterId id="2147483732" r:id="rId1"/>
   </p:sldMasterIdLst>
   <p:notesMasterIdLst>
-    <p:notesMasterId r:id="rId5"/>
+    <p:notesMasterId r:id="rId7"/>
   </p:notesMasterIdLst>
   <p:handoutMasterIdLst>
-    <p:handoutMasterId r:id="rId6"/>
+    <p:handoutMasterId r:id="rId8"/>
   </p:handoutMasterIdLst>
   <p:sldIdLst>
     <p:sldId id="273" r:id="rId2"/>
     <p:sldId id="263" r:id="rId3"/>
-    <p:sldId id="272" r:id="rId4"/>
+    <p:sldId id="275" r:id="rId4"/>
+    <p:sldId id="272" r:id="rId5"/>
+    <p:sldId id="274" r:id="rId6"/>
   </p:sldIdLst>
   <p:sldSz cx="12192000" cy="6858000"/>
   <p:notesSz cx="6858000" cy="9144000"/>
@@ -892,7 +894,7 @@
           <a:p>
             <a:r>
               <a:rPr kumimoji="1" lang="en-US" altLang="ja-JP"/>
-              <a:t>2021-03-13</a:t>
+              <a:t>2021-03-14</a:t>
             </a:r>
             <a:endParaRPr kumimoji="1" lang="ja-JP" altLang="en-US"/>
           </a:p>
@@ -915,7 +917,7 @@
           <a:p>
             <a:r>
               <a:rPr kumimoji="1" lang="en-US" altLang="ja-JP"/>
-              <a:t>K.Naruse(UAizu) Robot Arm Forward Kinematics: Eigen Code</a:t>
+              <a:t>K.Naruse(UAizu) Robot Arm Forward Kinematics: C++ Coding</a:t>
             </a:r>
             <a:endParaRPr kumimoji="1" lang="ja-JP" altLang="en-US"/>
           </a:p>
@@ -1104,7 +1106,7 @@
           <a:p>
             <a:r>
               <a:rPr kumimoji="1" lang="en-US" altLang="ja-JP"/>
-              <a:t>2021-03-13</a:t>
+              <a:t>2021-03-14</a:t>
             </a:r>
             <a:endParaRPr kumimoji="1" lang="ja-JP" altLang="en-US"/>
           </a:p>
@@ -1127,7 +1129,7 @@
           <a:p>
             <a:r>
               <a:rPr kumimoji="1" lang="en-US" altLang="ja-JP"/>
-              <a:t>K.Naruse(UAizu) Robot Arm Forward Kinematics: Eigen Code</a:t>
+              <a:t>K.Naruse(UAizu) Robot Arm Forward Kinematics: C++ Coding</a:t>
             </a:r>
             <a:endParaRPr kumimoji="1" lang="ja-JP" altLang="en-US"/>
           </a:p>
@@ -1321,7 +1323,7 @@
           <a:p>
             <a:r>
               <a:rPr kumimoji="1" lang="en-US" altLang="ja-JP"/>
-              <a:t>2021-03-13</a:t>
+              <a:t>2021-03-14</a:t>
             </a:r>
             <a:endParaRPr kumimoji="1" lang="ja-JP" altLang="en-US"/>
           </a:p>
@@ -1344,7 +1346,7 @@
           <a:p>
             <a:r>
               <a:rPr kumimoji="1" lang="en-US" altLang="ja-JP"/>
-              <a:t>K.Naruse(UAizu) Robot Arm Forward Kinematics: Eigen Code</a:t>
+              <a:t>K.Naruse(UAizu) Robot Arm Forward Kinematics: C++ Coding</a:t>
             </a:r>
             <a:endParaRPr kumimoji="1" lang="ja-JP" altLang="en-US"/>
           </a:p>
@@ -1557,7 +1559,7 @@
           <a:p>
             <a:r>
               <a:rPr kumimoji="1" lang="en-US" altLang="ja-JP"/>
-              <a:t>2021-03-13</a:t>
+              <a:t>2021-03-14</a:t>
             </a:r>
             <a:endParaRPr kumimoji="1" lang="ja-JP" altLang="en-US" dirty="0"/>
           </a:p>
@@ -1580,7 +1582,7 @@
           <a:p>
             <a:r>
               <a:rPr kumimoji="1" lang="en-US" altLang="ja-JP"/>
-              <a:t>K.Naruse(UAizu) Robot Arm Forward Kinematics: Eigen Code</a:t>
+              <a:t>K.Naruse(UAizu) Robot Arm Forward Kinematics: C++ Coding</a:t>
             </a:r>
             <a:endParaRPr kumimoji="1" lang="ja-JP" altLang="en-US" dirty="0"/>
           </a:p>
@@ -1812,7 +1814,7 @@
           <a:p>
             <a:r>
               <a:rPr kumimoji="1" lang="en-US" altLang="ja-JP"/>
-              <a:t>2021-03-13</a:t>
+              <a:t>2021-03-14</a:t>
             </a:r>
             <a:endParaRPr kumimoji="1" lang="ja-JP" altLang="en-US"/>
           </a:p>
@@ -1835,7 +1837,7 @@
           <a:p>
             <a:r>
               <a:rPr kumimoji="1" lang="en-US" altLang="ja-JP"/>
-              <a:t>K.Naruse(UAizu) Robot Arm Forward Kinematics: Eigen Code</a:t>
+              <a:t>K.Naruse(UAizu) Robot Arm Forward Kinematics: C++ Coding</a:t>
             </a:r>
             <a:endParaRPr kumimoji="1" lang="ja-JP" altLang="en-US"/>
           </a:p>
@@ -2174,7 +2176,7 @@
           <a:p>
             <a:r>
               <a:rPr kumimoji="1" lang="en-US" altLang="ja-JP"/>
-              <a:t>2021-03-13</a:t>
+              <a:t>2021-03-14</a:t>
             </a:r>
             <a:endParaRPr kumimoji="1" lang="ja-JP" altLang="en-US"/>
           </a:p>
@@ -2197,7 +2199,7 @@
           <a:p>
             <a:r>
               <a:rPr kumimoji="1" lang="en-US" altLang="ja-JP"/>
-              <a:t>K.Naruse(UAizu) Robot Arm Forward Kinematics: Eigen Code</a:t>
+              <a:t>K.Naruse(UAizu) Robot Arm Forward Kinematics: C++ Coding</a:t>
             </a:r>
             <a:endParaRPr kumimoji="1" lang="ja-JP" altLang="en-US"/>
           </a:p>
@@ -2675,7 +2677,7 @@
           <a:p>
             <a:r>
               <a:rPr kumimoji="1" lang="en-US" altLang="ja-JP"/>
-              <a:t>2021-03-13</a:t>
+              <a:t>2021-03-14</a:t>
             </a:r>
             <a:endParaRPr kumimoji="1" lang="ja-JP" altLang="en-US"/>
           </a:p>
@@ -2698,7 +2700,7 @@
           <a:p>
             <a:r>
               <a:rPr kumimoji="1" lang="en-US" altLang="ja-JP"/>
-              <a:t>K.Naruse(UAizu) Robot Arm Forward Kinematics: Eigen Code</a:t>
+              <a:t>K.Naruse(UAizu) Robot Arm Forward Kinematics: C++ Coding</a:t>
             </a:r>
             <a:endParaRPr kumimoji="1" lang="ja-JP" altLang="en-US"/>
           </a:p>
@@ -2803,7 +2805,7 @@
           <a:p>
             <a:r>
               <a:rPr kumimoji="1" lang="en-US" altLang="ja-JP"/>
-              <a:t>2021-03-13</a:t>
+              <a:t>2021-03-14</a:t>
             </a:r>
             <a:endParaRPr kumimoji="1" lang="ja-JP" altLang="en-US"/>
           </a:p>
@@ -2826,7 +2828,7 @@
           <a:p>
             <a:r>
               <a:rPr kumimoji="1" lang="en-US" altLang="ja-JP"/>
-              <a:t>K.Naruse(UAizu) Robot Arm Forward Kinematics: Eigen Code</a:t>
+              <a:t>K.Naruse(UAizu) Robot Arm Forward Kinematics: C++ Coding</a:t>
             </a:r>
             <a:endParaRPr kumimoji="1" lang="ja-JP" altLang="en-US"/>
           </a:p>
@@ -2902,7 +2904,7 @@
           <a:p>
             <a:r>
               <a:rPr kumimoji="1" lang="en-US" altLang="ja-JP"/>
-              <a:t>2021-03-13</a:t>
+              <a:t>2021-03-14</a:t>
             </a:r>
             <a:endParaRPr kumimoji="1" lang="ja-JP" altLang="en-US"/>
           </a:p>
@@ -2925,7 +2927,7 @@
           <a:p>
             <a:r>
               <a:rPr kumimoji="1" lang="en-US" altLang="ja-JP"/>
-              <a:t>K.Naruse(UAizu) Robot Arm Forward Kinematics: Eigen Code</a:t>
+              <a:t>K.Naruse(UAizu) Robot Arm Forward Kinematics: C++ Coding</a:t>
             </a:r>
             <a:endParaRPr kumimoji="1" lang="ja-JP" altLang="en-US"/>
           </a:p>
@@ -3219,7 +3221,7 @@
           <a:p>
             <a:r>
               <a:rPr kumimoji="1" lang="en-US" altLang="ja-JP"/>
-              <a:t>2021-03-13</a:t>
+              <a:t>2021-03-14</a:t>
             </a:r>
             <a:endParaRPr kumimoji="1" lang="ja-JP" altLang="en-US"/>
           </a:p>
@@ -3242,7 +3244,7 @@
           <a:p>
             <a:r>
               <a:rPr kumimoji="1" lang="en-US" altLang="ja-JP"/>
-              <a:t>K.Naruse(UAizu) Robot Arm Forward Kinematics: Eigen Code</a:t>
+              <a:t>K.Naruse(UAizu) Robot Arm Forward Kinematics: C++ Coding</a:t>
             </a:r>
             <a:endParaRPr kumimoji="1" lang="ja-JP" altLang="en-US"/>
           </a:p>
@@ -3484,7 +3486,7 @@
           <a:p>
             <a:r>
               <a:rPr kumimoji="1" lang="en-US" altLang="ja-JP"/>
-              <a:t>2021-03-13</a:t>
+              <a:t>2021-03-14</a:t>
             </a:r>
             <a:endParaRPr kumimoji="1" lang="ja-JP" altLang="en-US"/>
           </a:p>
@@ -3507,7 +3509,7 @@
           <a:p>
             <a:r>
               <a:rPr kumimoji="1" lang="en-US" altLang="ja-JP"/>
-              <a:t>K.Naruse(UAizu) Robot Arm Forward Kinematics: Eigen Code</a:t>
+              <a:t>K.Naruse(UAizu) Robot Arm Forward Kinematics: C++ Coding</a:t>
             </a:r>
             <a:endParaRPr kumimoji="1" lang="ja-JP" altLang="en-US"/>
           </a:p>
@@ -3729,7 +3731,7 @@
           <a:p>
             <a:r>
               <a:rPr lang="en-US" altLang="ja-JP"/>
-              <a:t>2021-03-13</a:t>
+              <a:t>2021-03-14</a:t>
             </a:r>
             <a:endParaRPr lang="ja-JP" altLang="en-US" dirty="0"/>
           </a:p>
@@ -3768,7 +3770,7 @@
           <a:p>
             <a:r>
               <a:rPr lang="en-US" altLang="ja-JP"/>
-              <a:t>K.Naruse(UAizu) Robot Arm Forward Kinematics: Eigen Code</a:t>
+              <a:t>K.Naruse(UAizu) Robot Arm Forward Kinematics: C++ Coding</a:t>
             </a:r>
             <a:endParaRPr lang="ja-JP" altLang="en-US" dirty="0"/>
           </a:p>
@@ -6121,14 +6123,22 @@
           <a:p>
             <a:r>
               <a:rPr lang="ja-JP" altLang="en-US" dirty="0"/>
-              <a:t>ロボットアームの順運動学</a:t>
+              <a:t>ロボットアームの順運動学関数の</a:t>
+            </a:r>
+            <a:r>
+              <a:rPr lang="en-US" altLang="ja-JP" dirty="0"/>
+              <a:t>C++</a:t>
+            </a:r>
+            <a:r>
+              <a:rPr lang="ja-JP" altLang="en-US" dirty="0"/>
+              <a:t>コーディング</a:t>
             </a:r>
             <a:br>
               <a:rPr lang="en-US" altLang="ja-JP" dirty="0"/>
             </a:br>
             <a:r>
               <a:rPr lang="en-US" altLang="ja-JP" sz="2400" dirty="0"/>
-              <a:t>Forward Kinematics of Robot Arm</a:t>
+              <a:t>C++ Coding of Forward Kinematics Function of Robot Arm</a:t>
             </a:r>
             <a:endParaRPr lang="ja-JP" altLang="en-US" dirty="0"/>
           </a:p>
@@ -6157,7 +6167,7 @@
           <a:p>
             <a:r>
               <a:rPr kumimoji="1" lang="en-US" altLang="ja-JP"/>
-              <a:t>2021-03-13</a:t>
+              <a:t>2021-03-14</a:t>
             </a:r>
             <a:endParaRPr kumimoji="1" lang="ja-JP" altLang="en-US"/>
           </a:p>
@@ -6186,7 +6196,7 @@
           <a:p>
             <a:r>
               <a:rPr kumimoji="1" lang="en-US" altLang="ja-JP"/>
-              <a:t>K.Naruse(UAizu) Robot Arm Forward Kinematics: Eigen Code</a:t>
+              <a:t>K.Naruse(UAizu) Robot Arm Forward Kinematics: C++ Coding</a:t>
             </a:r>
             <a:endParaRPr kumimoji="1" lang="ja-JP" altLang="en-US"/>
           </a:p>
@@ -7203,75 +7213,6 @@
           </a:p>
         </p:txBody>
       </p:sp>
-      <p:graphicFrame>
-        <p:nvGraphicFramePr>
-          <p:cNvPr id="46" name="オブジェクト 45">
-            <a:extLst>
-              <a:ext uri="{FF2B5EF4-FFF2-40B4-BE49-F238E27FC236}">
-                <a16:creationId xmlns:a16="http://schemas.microsoft.com/office/drawing/2014/main" id="{C94D1B68-1273-4615-99B0-7A7D3EB8B0EF}"/>
-              </a:ext>
-            </a:extLst>
-          </p:cNvPr>
-          <p:cNvGraphicFramePr>
-            <a:graphicFrameLocks noChangeAspect="1"/>
-          </p:cNvGraphicFramePr>
-          <p:nvPr>
-            <p:extLst>
-              <p:ext uri="{D42A27DB-BD31-4B8C-83A1-F6EECF244321}">
-                <p14:modId xmlns:p14="http://schemas.microsoft.com/office/powerpoint/2010/main" val="2740987877"/>
-              </p:ext>
-            </p:extLst>
-          </p:nvPr>
-        </p:nvGraphicFramePr>
-        <p:xfrm>
-          <a:off x="2096884" y="2217808"/>
-          <a:ext cx="419100" cy="647700"/>
-        </p:xfrm>
-        <a:graphic>
-          <a:graphicData uri="http://schemas.openxmlformats.org/presentationml/2006/ole">
-            <mc:AlternateContent xmlns:mc="http://schemas.openxmlformats.org/markup-compatibility/2006">
-              <mc:Choice xmlns:v="urn:schemas-microsoft-com:vml" Requires="v">
-                <p:oleObj name="Equation" r:id="rId10" imgW="279360" imgH="431640" progId="Equation.DSMT4">
-                  <p:embed/>
-                </p:oleObj>
-              </mc:Choice>
-              <mc:Fallback>
-                <p:oleObj name="Equation" r:id="rId10" imgW="279360" imgH="431640" progId="Equation.DSMT4">
-                  <p:embed/>
-                  <p:pic>
-                    <p:nvPicPr>
-                      <p:cNvPr id="44" name="オブジェクト 43">
-                        <a:extLst>
-                          <a:ext uri="{FF2B5EF4-FFF2-40B4-BE49-F238E27FC236}">
-                            <a16:creationId xmlns:a16="http://schemas.microsoft.com/office/drawing/2014/main" id="{26ECA73C-3C09-4F53-9AA3-81C9DC9E9501}"/>
-                          </a:ext>
-                        </a:extLst>
-                      </p:cNvPr>
-                      <p:cNvPicPr/>
-                      <p:nvPr/>
-                    </p:nvPicPr>
-                    <p:blipFill>
-                      <a:blip r:embed="rId11"/>
-                      <a:stretch>
-                        <a:fillRect/>
-                      </a:stretch>
-                    </p:blipFill>
-                    <p:spPr>
-                      <a:xfrm>
-                        <a:off x="2096884" y="2217808"/>
-                        <a:ext cx="419100" cy="647700"/>
-                      </a:xfrm>
-                      <a:prstGeom prst="rect">
-                        <a:avLst/>
-                      </a:prstGeom>
-                    </p:spPr>
-                  </p:pic>
-                </p:oleObj>
-              </mc:Fallback>
-            </mc:AlternateContent>
-          </a:graphicData>
-        </a:graphic>
-      </p:graphicFrame>
       <p:cxnSp>
         <p:nvCxnSpPr>
           <p:cNvPr id="48" name="直線コネクタ 47">
@@ -7318,75 +7259,6 @@
       </p:cxnSp>
       <p:graphicFrame>
         <p:nvGraphicFramePr>
-          <p:cNvPr id="55" name="オブジェクト 54">
-            <a:extLst>
-              <a:ext uri="{FF2B5EF4-FFF2-40B4-BE49-F238E27FC236}">
-                <a16:creationId xmlns:a16="http://schemas.microsoft.com/office/drawing/2014/main" id="{999316FE-1086-4EE9-A19A-1B0254C336FB}"/>
-              </a:ext>
-            </a:extLst>
-          </p:cNvPr>
-          <p:cNvGraphicFramePr>
-            <a:graphicFrameLocks noChangeAspect="1"/>
-          </p:cNvGraphicFramePr>
-          <p:nvPr>
-            <p:extLst>
-              <p:ext uri="{D42A27DB-BD31-4B8C-83A1-F6EECF244321}">
-                <p14:modId xmlns:p14="http://schemas.microsoft.com/office/powerpoint/2010/main" val="1500946758"/>
-              </p:ext>
-            </p:extLst>
-          </p:nvPr>
-        </p:nvGraphicFramePr>
-        <p:xfrm>
-          <a:off x="5159896" y="4634136"/>
-          <a:ext cx="5962650" cy="1027112"/>
-        </p:xfrm>
-        <a:graphic>
-          <a:graphicData uri="http://schemas.openxmlformats.org/presentationml/2006/ole">
-            <mc:AlternateContent xmlns:mc="http://schemas.openxmlformats.org/markup-compatibility/2006">
-              <mc:Choice xmlns:v="urn:schemas-microsoft-com:vml" Requires="v">
-                <p:oleObj name="Equation" r:id="rId12" imgW="3974760" imgH="685800" progId="Equation.DSMT4">
-                  <p:embed/>
-                </p:oleObj>
-              </mc:Choice>
-              <mc:Fallback>
-                <p:oleObj name="Equation" r:id="rId12" imgW="3974760" imgH="685800" progId="Equation.DSMT4">
-                  <p:embed/>
-                  <p:pic>
-                    <p:nvPicPr>
-                      <p:cNvPr id="6" name="オブジェクト 5">
-                        <a:extLst>
-                          <a:ext uri="{FF2B5EF4-FFF2-40B4-BE49-F238E27FC236}">
-                            <a16:creationId xmlns:a16="http://schemas.microsoft.com/office/drawing/2014/main" id="{EC7F206F-765B-4A5D-8D35-687218089480}"/>
-                          </a:ext>
-                        </a:extLst>
-                      </p:cNvPr>
-                      <p:cNvPicPr/>
-                      <p:nvPr/>
-                    </p:nvPicPr>
-                    <p:blipFill>
-                      <a:blip r:embed="rId13"/>
-                      <a:stretch>
-                        <a:fillRect/>
-                      </a:stretch>
-                    </p:blipFill>
-                    <p:spPr>
-                      <a:xfrm>
-                        <a:off x="5159896" y="4634136"/>
-                        <a:ext cx="5962650" cy="1027112"/>
-                      </a:xfrm>
-                      <a:prstGeom prst="rect">
-                        <a:avLst/>
-                      </a:prstGeom>
-                    </p:spPr>
-                  </p:pic>
-                </p:oleObj>
-              </mc:Fallback>
-            </mc:AlternateContent>
-          </a:graphicData>
-        </a:graphic>
-      </p:graphicFrame>
-      <p:graphicFrame>
-        <p:nvGraphicFramePr>
           <p:cNvPr id="56" name="オブジェクト 55">
             <a:extLst>
               <a:ext uri="{FF2B5EF4-FFF2-40B4-BE49-F238E27FC236}">
@@ -7413,12 +7285,12 @@
           <a:graphicData uri="http://schemas.openxmlformats.org/presentationml/2006/ole">
             <mc:AlternateContent xmlns:mc="http://schemas.openxmlformats.org/markup-compatibility/2006">
               <mc:Choice xmlns:v="urn:schemas-microsoft-com:vml" Requires="v">
-                <p:oleObj name="Equation" r:id="rId14" imgW="126720" imgH="139680" progId="Equation.DSMT4">
+                <p:oleObj name="Equation" r:id="rId10" imgW="126720" imgH="139680" progId="Equation.DSMT4">
                   <p:embed/>
                 </p:oleObj>
               </mc:Choice>
               <mc:Fallback>
-                <p:oleObj name="Equation" r:id="rId14" imgW="126720" imgH="139680" progId="Equation.DSMT4">
+                <p:oleObj name="Equation" r:id="rId10" imgW="126720" imgH="139680" progId="Equation.DSMT4">
                   <p:embed/>
                   <p:pic>
                     <p:nvPicPr>
@@ -7427,7 +7299,7 @@
                       <p:nvPr/>
                     </p:nvPicPr>
                     <p:blipFill>
-                      <a:blip r:embed="rId15"/>
+                      <a:blip r:embed="rId11"/>
                       <a:stretch>
                         <a:fillRect/>
                       </a:stretch>
@@ -7476,12 +7348,12 @@
           <a:graphicData uri="http://schemas.openxmlformats.org/presentationml/2006/ole">
             <mc:AlternateContent xmlns:mc="http://schemas.openxmlformats.org/markup-compatibility/2006">
               <mc:Choice xmlns:v="urn:schemas-microsoft-com:vml" Requires="v">
-                <p:oleObj name="Equation" r:id="rId16" imgW="139680" imgH="164880" progId="Equation.DSMT4">
+                <p:oleObj name="Equation" r:id="rId12" imgW="139680" imgH="164880" progId="Equation.DSMT4">
                   <p:embed/>
                 </p:oleObj>
               </mc:Choice>
               <mc:Fallback>
-                <p:oleObj name="Equation" r:id="rId16" imgW="139680" imgH="164880" progId="Equation.DSMT4">
+                <p:oleObj name="Equation" r:id="rId12" imgW="139680" imgH="164880" progId="Equation.DSMT4">
                   <p:embed/>
                   <p:pic>
                     <p:nvPicPr>
@@ -7496,7 +7368,7 @@
                       <p:nvPr/>
                     </p:nvPicPr>
                     <p:blipFill>
-                      <a:blip r:embed="rId17"/>
+                      <a:blip r:embed="rId13"/>
                       <a:stretch>
                         <a:fillRect/>
                       </a:stretch>
@@ -7545,12 +7417,12 @@
           <a:graphicData uri="http://schemas.openxmlformats.org/presentationml/2006/ole">
             <mc:AlternateContent xmlns:mc="http://schemas.openxmlformats.org/markup-compatibility/2006">
               <mc:Choice xmlns:v="urn:schemas-microsoft-com:vml" Requires="v">
-                <p:oleObj name="Equation" r:id="rId18" imgW="126720" imgH="139680" progId="Equation.DSMT4">
+                <p:oleObj name="Equation" r:id="rId14" imgW="126720" imgH="139680" progId="Equation.DSMT4">
                   <p:embed/>
                 </p:oleObj>
               </mc:Choice>
               <mc:Fallback>
-                <p:oleObj name="Equation" r:id="rId18" imgW="126720" imgH="139680" progId="Equation.DSMT4">
+                <p:oleObj name="Equation" r:id="rId14" imgW="126720" imgH="139680" progId="Equation.DSMT4">
                   <p:embed/>
                   <p:pic>
                     <p:nvPicPr>
@@ -7565,7 +7437,7 @@
                       <p:nvPr/>
                     </p:nvPicPr>
                     <p:blipFill>
-                      <a:blip r:embed="rId19"/>
+                      <a:blip r:embed="rId15"/>
                       <a:stretch>
                         <a:fillRect/>
                       </a:stretch>
@@ -7660,8 +7532,8 @@
         </p:nvSpPr>
         <p:spPr>
           <a:xfrm>
-            <a:off x="5159896" y="1628800"/>
-            <a:ext cx="6047002" cy="2862322"/>
+            <a:off x="4439751" y="1628800"/>
+            <a:ext cx="7142649" cy="3693319"/>
           </a:xfrm>
           <a:prstGeom prst="rect">
             <a:avLst/>
@@ -7676,7 +7548,15 @@
           <a:p>
             <a:r>
               <a:rPr lang="ja-JP" altLang="en-US" dirty="0"/>
-              <a:t>順運動学</a:t>
+              <a:t>目的：ロボットアームの順運動学を</a:t>
+            </a:r>
+            <a:r>
+              <a:rPr lang="en-US" altLang="ja-JP" dirty="0"/>
+              <a:t>C++</a:t>
+            </a:r>
+            <a:r>
+              <a:rPr lang="ja-JP" altLang="en-US" dirty="0"/>
+              <a:t>の関数として実装する</a:t>
             </a:r>
             <a:endParaRPr lang="en-US" altLang="ja-JP" dirty="0"/>
           </a:p>
@@ -7687,7 +7567,7 @@
             </a:pPr>
             <a:r>
               <a:rPr lang="ja-JP" altLang="en-US" dirty="0"/>
-              <a:t>入力：各関節角度</a:t>
+              <a:t>引数：関節角度ベクトル</a:t>
             </a:r>
             <a:endParaRPr lang="en-US" altLang="ja-JP" dirty="0"/>
           </a:p>
@@ -7698,7 +7578,7 @@
             </a:pPr>
             <a:r>
               <a:rPr lang="ja-JP" altLang="en-US" dirty="0"/>
-              <a:t>出力：各参照点（手先，関節）の姿勢（位置と向き）</a:t>
+              <a:t>戻り値：姿勢行列（各列が各関節の姿勢を表す）</a:t>
             </a:r>
             <a:endParaRPr lang="en-US" altLang="ja-JP" dirty="0"/>
           </a:p>
@@ -7709,7 +7589,15 @@
             </a:pPr>
             <a:r>
               <a:rPr lang="ja-JP" altLang="en-US" dirty="0"/>
-              <a:t>閉じた形式で解を表現できる</a:t>
+              <a:t>行列とベクトルを使ったコードになるため，外部ライブラリとして</a:t>
+            </a:r>
+            <a:r>
+              <a:rPr lang="en-US" altLang="ja-JP" dirty="0"/>
+              <a:t>Eigen</a:t>
+            </a:r>
+            <a:r>
+              <a:rPr lang="ja-JP" altLang="en-US" dirty="0"/>
+              <a:t>を導入する</a:t>
             </a:r>
             <a:endParaRPr lang="en-US" altLang="ja-JP" dirty="0"/>
           </a:p>
@@ -7719,7 +7607,7 @@
           <a:p>
             <a:r>
               <a:rPr lang="en-US" altLang="ja-JP" dirty="0"/>
-              <a:t>Forward kinematics</a:t>
+              <a:t>Objective: To implement a C++ function to solve forward kinematics of a robot arm</a:t>
             </a:r>
           </a:p>
           <a:p>
@@ -7729,7 +7617,7 @@
             </a:pPr>
             <a:r>
               <a:rPr lang="en-US" altLang="ja-JP" dirty="0"/>
-              <a:t>Given: A set of joint angles</a:t>
+              <a:t>Argument: A joint angle vector</a:t>
             </a:r>
           </a:p>
           <a:p>
@@ -7739,55 +7627,7 @@
             </a:pPr>
             <a:r>
               <a:rPr lang="en-US" altLang="ja-JP" dirty="0"/>
-              <a:t>Find:  A set of poses (position and orientation)</a:t>
-            </a:r>
-            <a:r>
-              <a:rPr lang="ja-JP" altLang="en-US" dirty="0"/>
-              <a:t> </a:t>
-            </a:r>
-            <a:r>
-              <a:rPr lang="en-US" altLang="ja-JP" dirty="0"/>
-              <a:t>of</a:t>
-            </a:r>
-            <a:r>
-              <a:rPr lang="ja-JP" altLang="en-US" dirty="0"/>
-              <a:t> </a:t>
-            </a:r>
-            <a:r>
-              <a:rPr lang="en-US" altLang="ja-JP" dirty="0"/>
-              <a:t>reference</a:t>
-            </a:r>
-            <a:r>
-              <a:rPr lang="ja-JP" altLang="en-US" dirty="0"/>
-              <a:t> </a:t>
-            </a:r>
-            <a:r>
-              <a:rPr lang="en-US" altLang="ja-JP" dirty="0"/>
-              <a:t>points</a:t>
-            </a:r>
-            <a:r>
-              <a:rPr lang="ja-JP" altLang="en-US" dirty="0"/>
-              <a:t> </a:t>
-            </a:r>
-            <a:r>
-              <a:rPr lang="en-US" altLang="ja-JP" dirty="0"/>
-              <a:t>such</a:t>
-            </a:r>
-            <a:r>
-              <a:rPr lang="ja-JP" altLang="en-US" dirty="0"/>
-              <a:t> </a:t>
-            </a:r>
-            <a:r>
-              <a:rPr lang="en-US" altLang="ja-JP" dirty="0"/>
-              <a:t>as</a:t>
-            </a:r>
-            <a:r>
-              <a:rPr lang="ja-JP" altLang="en-US" dirty="0"/>
-              <a:t> </a:t>
-            </a:r>
-            <a:r>
-              <a:rPr lang="en-US" altLang="ja-JP" dirty="0"/>
-              <a:t>a hand tip and joints</a:t>
+              <a:t>Return: A pose matrix, in which a column represents a pose of a joint</a:t>
             </a:r>
           </a:p>
           <a:p>
@@ -7797,7 +7637,7 @@
             </a:pPr>
             <a:r>
               <a:rPr lang="en-US" altLang="ja-JP" dirty="0"/>
-              <a:t>We can find it in a closed form</a:t>
+              <a:t>We introduce an external library called Eigen, which can handle the linear algebra such as matrices and vectors</a:t>
             </a:r>
           </a:p>
         </p:txBody>
@@ -7830,12 +7670,12 @@
           <a:graphicData uri="http://schemas.openxmlformats.org/presentationml/2006/ole">
             <mc:AlternateContent xmlns:mc="http://schemas.openxmlformats.org/markup-compatibility/2006">
               <mc:Choice xmlns:v="urn:schemas-microsoft-com:vml" Requires="v">
-                <p:oleObj name="Equation" r:id="rId20" imgW="177480" imgH="228600" progId="Equation.DSMT4">
+                <p:oleObj name="Equation" r:id="rId16" imgW="177480" imgH="228600" progId="Equation.DSMT4">
                   <p:embed/>
                 </p:oleObj>
               </mc:Choice>
               <mc:Fallback>
-                <p:oleObj name="Equation" r:id="rId20" imgW="177480" imgH="228600" progId="Equation.DSMT4">
+                <p:oleObj name="Equation" r:id="rId16" imgW="177480" imgH="228600" progId="Equation.DSMT4">
                   <p:embed/>
                   <p:pic>
                     <p:nvPicPr>
@@ -7844,7 +7684,7 @@
                       <p:nvPr/>
                     </p:nvPicPr>
                     <p:blipFill>
-                      <a:blip r:embed="rId21"/>
+                      <a:blip r:embed="rId17"/>
                       <a:stretch>
                         <a:fillRect/>
                       </a:stretch>
@@ -7880,25 +7720,25 @@
           <p:nvPr>
             <p:extLst>
               <p:ext uri="{D42A27DB-BD31-4B8C-83A1-F6EECF244321}">
-                <p14:modId xmlns:p14="http://schemas.microsoft.com/office/powerpoint/2010/main" val="868348053"/>
+                <p14:modId xmlns:p14="http://schemas.microsoft.com/office/powerpoint/2010/main" val="1781595838"/>
               </p:ext>
             </p:extLst>
           </p:nvPr>
         </p:nvGraphicFramePr>
         <p:xfrm>
-          <a:off x="2683115" y="3816681"/>
+          <a:off x="2700450" y="3974634"/>
           <a:ext cx="266220" cy="342900"/>
         </p:xfrm>
         <a:graphic>
           <a:graphicData uri="http://schemas.openxmlformats.org/presentationml/2006/ole">
             <mc:AlternateContent xmlns:mc="http://schemas.openxmlformats.org/markup-compatibility/2006">
               <mc:Choice xmlns:v="urn:schemas-microsoft-com:vml" Requires="v">
-                <p:oleObj name="Equation" r:id="rId22" imgW="177480" imgH="228600" progId="Equation.DSMT4">
+                <p:oleObj name="Equation" r:id="rId18" imgW="177480" imgH="228600" progId="Equation.DSMT4">
                   <p:embed/>
                 </p:oleObj>
               </mc:Choice>
               <mc:Fallback>
-                <p:oleObj name="Equation" r:id="rId22" imgW="177480" imgH="228600" progId="Equation.DSMT4">
+                <p:oleObj name="Equation" r:id="rId18" imgW="177480" imgH="228600" progId="Equation.DSMT4">
                   <p:embed/>
                   <p:pic>
                     <p:nvPicPr>
@@ -7913,14 +7753,14 @@
                       <p:nvPr/>
                     </p:nvPicPr>
                     <p:blipFill>
-                      <a:blip r:embed="rId23"/>
+                      <a:blip r:embed="rId19"/>
                       <a:stretch>
                         <a:fillRect/>
                       </a:stretch>
                     </p:blipFill>
                     <p:spPr>
                       <a:xfrm>
-                        <a:off x="2683115" y="3816681"/>
+                        <a:off x="2700450" y="3974634"/>
                         <a:ext cx="266220" cy="342900"/>
                       </a:xfrm>
                       <a:prstGeom prst="rect">
@@ -7962,12 +7802,12 @@
           <a:graphicData uri="http://schemas.openxmlformats.org/presentationml/2006/ole">
             <mc:AlternateContent xmlns:mc="http://schemas.openxmlformats.org/markup-compatibility/2006">
               <mc:Choice xmlns:v="urn:schemas-microsoft-com:vml" Requires="v">
-                <p:oleObj name="Equation" r:id="rId24" imgW="164880" imgH="228600" progId="Equation.DSMT4">
+                <p:oleObj name="Equation" r:id="rId20" imgW="164880" imgH="228600" progId="Equation.DSMT4">
                   <p:embed/>
                 </p:oleObj>
               </mc:Choice>
               <mc:Fallback>
-                <p:oleObj name="Equation" r:id="rId24" imgW="164880" imgH="228600" progId="Equation.DSMT4">
+                <p:oleObj name="Equation" r:id="rId20" imgW="164880" imgH="228600" progId="Equation.DSMT4">
                   <p:embed/>
                   <p:pic>
                     <p:nvPicPr>
@@ -7982,7 +7822,7 @@
                       <p:nvPr/>
                     </p:nvPicPr>
                     <p:blipFill>
-                      <a:blip r:embed="rId25"/>
+                      <a:blip r:embed="rId21"/>
                       <a:stretch>
                         <a:fillRect/>
                       </a:stretch>
@@ -7991,6 +7831,466 @@
                       <a:xfrm>
                         <a:off x="1665561" y="4978400"/>
                         <a:ext cx="247650" cy="342900"/>
+                      </a:xfrm>
+                      <a:prstGeom prst="rect">
+                        <a:avLst/>
+                      </a:prstGeom>
+                    </p:spPr>
+                  </p:pic>
+                </p:oleObj>
+              </mc:Fallback>
+            </mc:AlternateContent>
+          </a:graphicData>
+        </a:graphic>
+      </p:graphicFrame>
+      <p:graphicFrame>
+        <p:nvGraphicFramePr>
+          <p:cNvPr id="39" name="オブジェクト 38">
+            <a:extLst>
+              <a:ext uri="{FF2B5EF4-FFF2-40B4-BE49-F238E27FC236}">
+                <a16:creationId xmlns:a16="http://schemas.microsoft.com/office/drawing/2014/main" id="{4EFE519E-9A99-4DE2-BB94-49600E19F1F9}"/>
+              </a:ext>
+            </a:extLst>
+          </p:cNvPr>
+          <p:cNvGraphicFramePr>
+            <a:graphicFrameLocks noChangeAspect="1"/>
+          </p:cNvGraphicFramePr>
+          <p:nvPr>
+            <p:extLst>
+              <p:ext uri="{D42A27DB-BD31-4B8C-83A1-F6EECF244321}">
+                <p14:modId xmlns:p14="http://schemas.microsoft.com/office/powerpoint/2010/main" val="3256557394"/>
+              </p:ext>
+            </p:extLst>
+          </p:nvPr>
+        </p:nvGraphicFramePr>
+        <p:xfrm>
+          <a:off x="7975408" y="5321300"/>
+          <a:ext cx="3505200" cy="914400"/>
+        </p:xfrm>
+        <a:graphic>
+          <a:graphicData uri="http://schemas.openxmlformats.org/presentationml/2006/ole">
+            <mc:AlternateContent xmlns:mc="http://schemas.openxmlformats.org/markup-compatibility/2006">
+              <mc:Choice xmlns:v="urn:schemas-microsoft-com:vml" Requires="v">
+                <p:oleObj name="Equation" r:id="rId22" imgW="2336760" imgH="609480" progId="Equation.DSMT4">
+                  <p:embed/>
+                </p:oleObj>
+              </mc:Choice>
+              <mc:Fallback>
+                <p:oleObj name="Equation" r:id="rId22" imgW="2336760" imgH="609480" progId="Equation.DSMT4">
+                  <p:embed/>
+                  <p:pic>
+                    <p:nvPicPr>
+                      <p:cNvPr id="22" name="オブジェクト 21">
+                        <a:extLst>
+                          <a:ext uri="{FF2B5EF4-FFF2-40B4-BE49-F238E27FC236}">
+                            <a16:creationId xmlns:a16="http://schemas.microsoft.com/office/drawing/2014/main" id="{24DD5BA3-652F-4B45-8678-61970983FEF2}"/>
+                          </a:ext>
+                        </a:extLst>
+                      </p:cNvPr>
+                      <p:cNvPicPr/>
+                      <p:nvPr/>
+                    </p:nvPicPr>
+                    <p:blipFill>
+                      <a:blip r:embed="rId23"/>
+                      <a:stretch>
+                        <a:fillRect/>
+                      </a:stretch>
+                    </p:blipFill>
+                    <p:spPr>
+                      <a:xfrm>
+                        <a:off x="7975408" y="5321300"/>
+                        <a:ext cx="3505200" cy="914400"/>
+                      </a:xfrm>
+                      <a:prstGeom prst="rect">
+                        <a:avLst/>
+                      </a:prstGeom>
+                    </p:spPr>
+                  </p:pic>
+                </p:oleObj>
+              </mc:Fallback>
+            </mc:AlternateContent>
+          </a:graphicData>
+        </a:graphic>
+      </p:graphicFrame>
+      <p:graphicFrame>
+        <p:nvGraphicFramePr>
+          <p:cNvPr id="41" name="オブジェクト 40">
+            <a:extLst>
+              <a:ext uri="{FF2B5EF4-FFF2-40B4-BE49-F238E27FC236}">
+                <a16:creationId xmlns:a16="http://schemas.microsoft.com/office/drawing/2014/main" id="{048AABBD-7A66-41D4-AD91-400DAA0BEBA3}"/>
+              </a:ext>
+            </a:extLst>
+          </p:cNvPr>
+          <p:cNvGraphicFramePr>
+            <a:graphicFrameLocks noChangeAspect="1"/>
+          </p:cNvGraphicFramePr>
+          <p:nvPr>
+            <p:extLst>
+              <p:ext uri="{D42A27DB-BD31-4B8C-83A1-F6EECF244321}">
+                <p14:modId xmlns:p14="http://schemas.microsoft.com/office/powerpoint/2010/main" val="2012168761"/>
+              </p:ext>
+            </p:extLst>
+          </p:nvPr>
+        </p:nvGraphicFramePr>
+        <p:xfrm>
+          <a:off x="5401816" y="5322912"/>
+          <a:ext cx="838200" cy="914400"/>
+        </p:xfrm>
+        <a:graphic>
+          <a:graphicData uri="http://schemas.openxmlformats.org/presentationml/2006/ole">
+            <mc:AlternateContent xmlns:mc="http://schemas.openxmlformats.org/markup-compatibility/2006">
+              <mc:Choice xmlns:v="urn:schemas-microsoft-com:vml" Requires="v">
+                <p:oleObj name="Equation" r:id="rId24" imgW="558720" imgH="609480" progId="Equation.DSMT4">
+                  <p:embed/>
+                </p:oleObj>
+              </mc:Choice>
+              <mc:Fallback>
+                <p:oleObj name="Equation" r:id="rId24" imgW="558720" imgH="609480" progId="Equation.DSMT4">
+                  <p:embed/>
+                  <p:pic>
+                    <p:nvPicPr>
+                      <p:cNvPr id="23" name="オブジェクト 22">
+                        <a:extLst>
+                          <a:ext uri="{FF2B5EF4-FFF2-40B4-BE49-F238E27FC236}">
+                            <a16:creationId xmlns:a16="http://schemas.microsoft.com/office/drawing/2014/main" id="{BEA00929-C5A4-48F6-897C-BDC6C5F46719}"/>
+                          </a:ext>
+                        </a:extLst>
+                      </p:cNvPr>
+                      <p:cNvPicPr/>
+                      <p:nvPr/>
+                    </p:nvPicPr>
+                    <p:blipFill>
+                      <a:blip r:embed="rId25"/>
+                      <a:stretch>
+                        <a:fillRect/>
+                      </a:stretch>
+                    </p:blipFill>
+                    <p:spPr>
+                      <a:xfrm>
+                        <a:off x="5401816" y="5322912"/>
+                        <a:ext cx="838200" cy="914400"/>
+                      </a:xfrm>
+                      <a:prstGeom prst="rect">
+                        <a:avLst/>
+                      </a:prstGeom>
+                    </p:spPr>
+                  </p:pic>
+                </p:oleObj>
+              </mc:Fallback>
+            </mc:AlternateContent>
+          </a:graphicData>
+        </a:graphic>
+      </p:graphicFrame>
+      <p:cxnSp>
+        <p:nvCxnSpPr>
+          <p:cNvPr id="8" name="直線矢印コネクタ 7">
+            <a:extLst>
+              <a:ext uri="{FF2B5EF4-FFF2-40B4-BE49-F238E27FC236}">
+                <a16:creationId xmlns:a16="http://schemas.microsoft.com/office/drawing/2014/main" id="{B3F46C51-6E23-40F4-B1CD-5BA63DE305CD}"/>
+              </a:ext>
+            </a:extLst>
+          </p:cNvPr>
+          <p:cNvCxnSpPr>
+            <a:cxnSpLocks/>
+            <a:stCxn id="41" idx="3"/>
+            <a:endCxn id="39" idx="1"/>
+          </p:cNvCxnSpPr>
+          <p:nvPr/>
+        </p:nvCxnSpPr>
+        <p:spPr>
+          <a:xfrm flipV="1">
+            <a:off x="6240016" y="5778500"/>
+            <a:ext cx="1735392" cy="1612"/>
+          </a:xfrm>
+          <a:prstGeom prst="straightConnector1">
+            <a:avLst/>
+          </a:prstGeom>
+          <a:ln>
+            <a:solidFill>
+              <a:srgbClr val="FF0000"/>
+            </a:solidFill>
+            <a:tailEnd type="triangle" w="lg" len="lg"/>
+          </a:ln>
+        </p:spPr>
+        <p:style>
+          <a:lnRef idx="1">
+            <a:schemeClr val="accent1"/>
+          </a:lnRef>
+          <a:fillRef idx="0">
+            <a:schemeClr val="accent1"/>
+          </a:fillRef>
+          <a:effectRef idx="0">
+            <a:schemeClr val="accent1"/>
+          </a:effectRef>
+          <a:fontRef idx="minor">
+            <a:schemeClr val="tx1"/>
+          </a:fontRef>
+        </p:style>
+      </p:cxnSp>
+      <p:graphicFrame>
+        <p:nvGraphicFramePr>
+          <p:cNvPr id="42" name="オブジェクト 41">
+            <a:extLst>
+              <a:ext uri="{FF2B5EF4-FFF2-40B4-BE49-F238E27FC236}">
+                <a16:creationId xmlns:a16="http://schemas.microsoft.com/office/drawing/2014/main" id="{D90D0135-3F25-488C-A866-8F845B7D7B8B}"/>
+              </a:ext>
+            </a:extLst>
+          </p:cNvPr>
+          <p:cNvGraphicFramePr>
+            <a:graphicFrameLocks noChangeAspect="1"/>
+          </p:cNvGraphicFramePr>
+          <p:nvPr>
+            <p:extLst>
+              <p:ext uri="{D42A27DB-BD31-4B8C-83A1-F6EECF244321}">
+                <p14:modId xmlns:p14="http://schemas.microsoft.com/office/powerpoint/2010/main" val="1537669202"/>
+              </p:ext>
+            </p:extLst>
+          </p:nvPr>
+        </p:nvGraphicFramePr>
+        <p:xfrm>
+          <a:off x="301885" y="4657476"/>
+          <a:ext cx="971550" cy="914400"/>
+        </p:xfrm>
+        <a:graphic>
+          <a:graphicData uri="http://schemas.openxmlformats.org/presentationml/2006/ole">
+            <mc:AlternateContent xmlns:mc="http://schemas.openxmlformats.org/markup-compatibility/2006">
+              <mc:Choice xmlns:v="urn:schemas-microsoft-com:vml" Requires="v">
+                <p:oleObj name="Equation" r:id="rId26" imgW="647640" imgH="609480" progId="Equation.DSMT4">
+                  <p:embed/>
+                </p:oleObj>
+              </mc:Choice>
+              <mc:Fallback>
+                <p:oleObj name="Equation" r:id="rId26" imgW="647640" imgH="609480" progId="Equation.DSMT4">
+                  <p:embed/>
+                  <p:pic>
+                    <p:nvPicPr>
+                      <p:cNvPr id="46" name="オブジェクト 45">
+                        <a:extLst>
+                          <a:ext uri="{FF2B5EF4-FFF2-40B4-BE49-F238E27FC236}">
+                            <a16:creationId xmlns:a16="http://schemas.microsoft.com/office/drawing/2014/main" id="{C94D1B68-1273-4615-99B0-7A7D3EB8B0EF}"/>
+                          </a:ext>
+                        </a:extLst>
+                      </p:cNvPr>
+                      <p:cNvPicPr/>
+                      <p:nvPr/>
+                    </p:nvPicPr>
+                    <p:blipFill>
+                      <a:blip r:embed="rId27"/>
+                      <a:stretch>
+                        <a:fillRect/>
+                      </a:stretch>
+                    </p:blipFill>
+                    <p:spPr>
+                      <a:xfrm>
+                        <a:off x="301885" y="4657476"/>
+                        <a:ext cx="971550" cy="914400"/>
+                      </a:xfrm>
+                      <a:prstGeom prst="rect">
+                        <a:avLst/>
+                      </a:prstGeom>
+                    </p:spPr>
+                  </p:pic>
+                </p:oleObj>
+              </mc:Fallback>
+            </mc:AlternateContent>
+          </a:graphicData>
+        </a:graphic>
+      </p:graphicFrame>
+      <p:graphicFrame>
+        <p:nvGraphicFramePr>
+          <p:cNvPr id="43" name="オブジェクト 42">
+            <a:extLst>
+              <a:ext uri="{FF2B5EF4-FFF2-40B4-BE49-F238E27FC236}">
+                <a16:creationId xmlns:a16="http://schemas.microsoft.com/office/drawing/2014/main" id="{7A33BC11-5EDA-48E8-AF86-62429DF4838E}"/>
+              </a:ext>
+            </a:extLst>
+          </p:cNvPr>
+          <p:cNvGraphicFramePr>
+            <a:graphicFrameLocks noChangeAspect="1"/>
+          </p:cNvGraphicFramePr>
+          <p:nvPr>
+            <p:extLst>
+              <p:ext uri="{D42A27DB-BD31-4B8C-83A1-F6EECF244321}">
+                <p14:modId xmlns:p14="http://schemas.microsoft.com/office/powerpoint/2010/main" val="3470563852"/>
+              </p:ext>
+            </p:extLst>
+          </p:nvPr>
+        </p:nvGraphicFramePr>
+        <p:xfrm>
+          <a:off x="1630363" y="4043363"/>
+          <a:ext cx="933450" cy="914400"/>
+        </p:xfrm>
+        <a:graphic>
+          <a:graphicData uri="http://schemas.openxmlformats.org/presentationml/2006/ole">
+            <mc:AlternateContent xmlns:mc="http://schemas.openxmlformats.org/markup-compatibility/2006">
+              <mc:Choice xmlns:v="urn:schemas-microsoft-com:vml" Requires="v">
+                <p:oleObj name="Equation" r:id="rId28" imgW="622080" imgH="609480" progId="Equation.DSMT4">
+                  <p:embed/>
+                </p:oleObj>
+              </mc:Choice>
+              <mc:Fallback>
+                <p:oleObj name="Equation" r:id="rId28" imgW="622080" imgH="609480" progId="Equation.DSMT4">
+                  <p:embed/>
+                  <p:pic>
+                    <p:nvPicPr>
+                      <p:cNvPr id="42" name="オブジェクト 41">
+                        <a:extLst>
+                          <a:ext uri="{FF2B5EF4-FFF2-40B4-BE49-F238E27FC236}">
+                            <a16:creationId xmlns:a16="http://schemas.microsoft.com/office/drawing/2014/main" id="{D90D0135-3F25-488C-A866-8F845B7D7B8B}"/>
+                          </a:ext>
+                        </a:extLst>
+                      </p:cNvPr>
+                      <p:cNvPicPr/>
+                      <p:nvPr/>
+                    </p:nvPicPr>
+                    <p:blipFill>
+                      <a:blip r:embed="rId29"/>
+                      <a:stretch>
+                        <a:fillRect/>
+                      </a:stretch>
+                    </p:blipFill>
+                    <p:spPr>
+                      <a:xfrm>
+                        <a:off x="1630363" y="4043363"/>
+                        <a:ext cx="933450" cy="914400"/>
+                      </a:xfrm>
+                      <a:prstGeom prst="rect">
+                        <a:avLst/>
+                      </a:prstGeom>
+                    </p:spPr>
+                  </p:pic>
+                </p:oleObj>
+              </mc:Fallback>
+            </mc:AlternateContent>
+          </a:graphicData>
+        </a:graphic>
+      </p:graphicFrame>
+      <p:graphicFrame>
+        <p:nvGraphicFramePr>
+          <p:cNvPr id="47" name="オブジェクト 46">
+            <a:extLst>
+              <a:ext uri="{FF2B5EF4-FFF2-40B4-BE49-F238E27FC236}">
+                <a16:creationId xmlns:a16="http://schemas.microsoft.com/office/drawing/2014/main" id="{627AE2D4-D446-4178-B050-D475041F4359}"/>
+              </a:ext>
+            </a:extLst>
+          </p:cNvPr>
+          <p:cNvGraphicFramePr>
+            <a:graphicFrameLocks noChangeAspect="1"/>
+          </p:cNvGraphicFramePr>
+          <p:nvPr>
+            <p:extLst>
+              <p:ext uri="{D42A27DB-BD31-4B8C-83A1-F6EECF244321}">
+                <p14:modId xmlns:p14="http://schemas.microsoft.com/office/powerpoint/2010/main" val="1137944999"/>
+              </p:ext>
+            </p:extLst>
+          </p:nvPr>
+        </p:nvGraphicFramePr>
+        <p:xfrm>
+          <a:off x="2011088" y="3064441"/>
+          <a:ext cx="971550" cy="914400"/>
+        </p:xfrm>
+        <a:graphic>
+          <a:graphicData uri="http://schemas.openxmlformats.org/presentationml/2006/ole">
+            <mc:AlternateContent xmlns:mc="http://schemas.openxmlformats.org/markup-compatibility/2006">
+              <mc:Choice xmlns:v="urn:schemas-microsoft-com:vml" Requires="v">
+                <p:oleObj name="Equation" r:id="rId30" imgW="647640" imgH="609480" progId="Equation.DSMT4">
+                  <p:embed/>
+                </p:oleObj>
+              </mc:Choice>
+              <mc:Fallback>
+                <p:oleObj name="Equation" r:id="rId30" imgW="647640" imgH="609480" progId="Equation.DSMT4">
+                  <p:embed/>
+                  <p:pic>
+                    <p:nvPicPr>
+                      <p:cNvPr id="43" name="オブジェクト 42">
+                        <a:extLst>
+                          <a:ext uri="{FF2B5EF4-FFF2-40B4-BE49-F238E27FC236}">
+                            <a16:creationId xmlns:a16="http://schemas.microsoft.com/office/drawing/2014/main" id="{7A33BC11-5EDA-48E8-AF86-62429DF4838E}"/>
+                          </a:ext>
+                        </a:extLst>
+                      </p:cNvPr>
+                      <p:cNvPicPr/>
+                      <p:nvPr/>
+                    </p:nvPicPr>
+                    <p:blipFill>
+                      <a:blip r:embed="rId31"/>
+                      <a:stretch>
+                        <a:fillRect/>
+                      </a:stretch>
+                    </p:blipFill>
+                    <p:spPr>
+                      <a:xfrm>
+                        <a:off x="2011088" y="3064441"/>
+                        <a:ext cx="971550" cy="914400"/>
+                      </a:xfrm>
+                      <a:prstGeom prst="rect">
+                        <a:avLst/>
+                      </a:prstGeom>
+                    </p:spPr>
+                  </p:pic>
+                </p:oleObj>
+              </mc:Fallback>
+            </mc:AlternateContent>
+          </a:graphicData>
+        </a:graphic>
+      </p:graphicFrame>
+      <p:graphicFrame>
+        <p:nvGraphicFramePr>
+          <p:cNvPr id="49" name="オブジェクト 48">
+            <a:extLst>
+              <a:ext uri="{FF2B5EF4-FFF2-40B4-BE49-F238E27FC236}">
+                <a16:creationId xmlns:a16="http://schemas.microsoft.com/office/drawing/2014/main" id="{B7CDD368-3341-441A-9577-691CAE6AF9C5}"/>
+              </a:ext>
+            </a:extLst>
+          </p:cNvPr>
+          <p:cNvGraphicFramePr>
+            <a:graphicFrameLocks noChangeAspect="1"/>
+          </p:cNvGraphicFramePr>
+          <p:nvPr>
+            <p:extLst>
+              <p:ext uri="{D42A27DB-BD31-4B8C-83A1-F6EECF244321}">
+                <p14:modId xmlns:p14="http://schemas.microsoft.com/office/powerpoint/2010/main" val="2537410187"/>
+              </p:ext>
+            </p:extLst>
+          </p:nvPr>
+        </p:nvGraphicFramePr>
+        <p:xfrm>
+          <a:off x="1455738" y="2078038"/>
+          <a:ext cx="952500" cy="914400"/>
+        </p:xfrm>
+        <a:graphic>
+          <a:graphicData uri="http://schemas.openxmlformats.org/presentationml/2006/ole">
+            <mc:AlternateContent xmlns:mc="http://schemas.openxmlformats.org/markup-compatibility/2006">
+              <mc:Choice xmlns:v="urn:schemas-microsoft-com:vml" Requires="v">
+                <p:oleObj name="Equation" r:id="rId32" imgW="634680" imgH="609480" progId="Equation.DSMT4">
+                  <p:embed/>
+                </p:oleObj>
+              </mc:Choice>
+              <mc:Fallback>
+                <p:oleObj name="Equation" r:id="rId32" imgW="634680" imgH="609480" progId="Equation.DSMT4">
+                  <p:embed/>
+                  <p:pic>
+                    <p:nvPicPr>
+                      <p:cNvPr id="47" name="オブジェクト 46">
+                        <a:extLst>
+                          <a:ext uri="{FF2B5EF4-FFF2-40B4-BE49-F238E27FC236}">
+                            <a16:creationId xmlns:a16="http://schemas.microsoft.com/office/drawing/2014/main" id="{627AE2D4-D446-4178-B050-D475041F4359}"/>
+                          </a:ext>
+                        </a:extLst>
+                      </p:cNvPr>
+                      <p:cNvPicPr/>
+                      <p:nvPr/>
+                    </p:nvPicPr>
+                    <p:blipFill>
+                      <a:blip r:embed="rId33"/>
+                      <a:stretch>
+                        <a:fillRect/>
+                      </a:stretch>
+                    </p:blipFill>
+                    <p:spPr>
+                      <a:xfrm>
+                        <a:off x="1455738" y="2078038"/>
+                        <a:ext cx="952500" cy="914400"/>
                       </a:xfrm>
                       <a:prstGeom prst="rect">
                         <a:avLst/>
@@ -8038,7 +8338,7 @@
           <p:cNvPr id="2" name="タイトル 1">
             <a:extLst>
               <a:ext uri="{FF2B5EF4-FFF2-40B4-BE49-F238E27FC236}">
-                <a16:creationId xmlns:a16="http://schemas.microsoft.com/office/drawing/2014/main" id="{32E1E9CA-7D84-4ECE-BCDC-1D224094CE18}"/>
+                <a16:creationId xmlns:a16="http://schemas.microsoft.com/office/drawing/2014/main" id="{8E587C4E-6C9C-4E29-8955-325CF987494B}"/>
               </a:ext>
             </a:extLst>
           </p:cNvPr>
@@ -8052,56 +8352,24 @@
         <p:spPr/>
         <p:txBody>
           <a:bodyPr>
-            <a:normAutofit/>
+            <a:noAutofit/>
           </a:bodyPr>
           <a:lstStyle/>
           <a:p>
             <a:r>
-              <a:rPr lang="ja-JP" altLang="en-US" dirty="0"/>
-              <a:t>平面</a:t>
-            </a:r>
-            <a:r>
-              <a:rPr lang="en-US" altLang="ja-JP" dirty="0"/>
-              <a:t>3</a:t>
-            </a:r>
-            <a:r>
-              <a:rPr lang="ja-JP" altLang="en-US" dirty="0"/>
-              <a:t>リンクロボットアームの</a:t>
+              <a:rPr kumimoji="1" lang="en-US" altLang="ja-JP" dirty="0"/>
+              <a:t>Eigen</a:t>
             </a:r>
             <a:r>
               <a:rPr kumimoji="1" lang="ja-JP" altLang="en-US" dirty="0"/>
-              <a:t>順運動学の</a:t>
-            </a:r>
-            <a:r>
-              <a:rPr kumimoji="1" lang="en-US" altLang="ja-JP" dirty="0"/>
-              <a:t>C++</a:t>
-            </a:r>
-            <a:r>
-              <a:rPr kumimoji="1" lang="ja-JP" altLang="en-US" dirty="0"/>
-              <a:t>コード</a:t>
+              <a:t>の導入</a:t>
             </a:r>
             <a:br>
               <a:rPr kumimoji="1" lang="en-US" altLang="ja-JP" dirty="0"/>
             </a:br>
             <a:r>
               <a:rPr kumimoji="1" lang="en-US" altLang="ja-JP" sz="2400" dirty="0"/>
-              <a:t>Sample C++ Code of Forward Kinematics</a:t>
-            </a:r>
-            <a:r>
-              <a:rPr lang="ja-JP" altLang="en-US" sz="2400" dirty="0"/>
-              <a:t> </a:t>
-            </a:r>
-            <a:r>
-              <a:rPr lang="en-US" altLang="ja-JP" sz="2400" dirty="0"/>
-              <a:t>of</a:t>
-            </a:r>
-            <a:r>
-              <a:rPr lang="ja-JP" altLang="en-US" sz="2400" dirty="0"/>
-              <a:t> </a:t>
-            </a:r>
-            <a:r>
-              <a:rPr lang="en-US" altLang="ja-JP" sz="2400" dirty="0"/>
-              <a:t>Planar 3-Link Robot Arm</a:t>
+              <a:t>Introduction of Eigen</a:t>
             </a:r>
             <a:endParaRPr kumimoji="1" lang="ja-JP" altLang="en-US" dirty="0"/>
           </a:p>
@@ -8112,7 +8380,7 @@
           <p:cNvPr id="3" name="日付プレースホルダー 2">
             <a:extLst>
               <a:ext uri="{FF2B5EF4-FFF2-40B4-BE49-F238E27FC236}">
-                <a16:creationId xmlns:a16="http://schemas.microsoft.com/office/drawing/2014/main" id="{B33B31F8-6F78-4083-91A2-2E449F501BF9}"/>
+                <a16:creationId xmlns:a16="http://schemas.microsoft.com/office/drawing/2014/main" id="{59D3B1F5-F811-4544-864B-C7DAB0BB0743}"/>
               </a:ext>
             </a:extLst>
           </p:cNvPr>
@@ -8130,7 +8398,7 @@
           <a:p>
             <a:r>
               <a:rPr kumimoji="1" lang="en-US" altLang="ja-JP"/>
-              <a:t>2021-03-13</a:t>
+              <a:t>2021-03-14</a:t>
             </a:r>
             <a:endParaRPr kumimoji="1" lang="ja-JP" altLang="en-US"/>
           </a:p>
@@ -8141,7 +8409,7 @@
           <p:cNvPr id="4" name="フッター プレースホルダー 3">
             <a:extLst>
               <a:ext uri="{FF2B5EF4-FFF2-40B4-BE49-F238E27FC236}">
-                <a16:creationId xmlns:a16="http://schemas.microsoft.com/office/drawing/2014/main" id="{732C67E6-0EB8-476A-B33B-F522B8846ED7}"/>
+                <a16:creationId xmlns:a16="http://schemas.microsoft.com/office/drawing/2014/main" id="{E34A068C-FAD8-418E-B1CD-74FCB3B8E113}"/>
               </a:ext>
             </a:extLst>
           </p:cNvPr>
@@ -8159,7 +8427,7 @@
           <a:p>
             <a:r>
               <a:rPr kumimoji="1" lang="en-US" altLang="ja-JP"/>
-              <a:t>K.Naruse(UAizu) Robot Arm Forward Kinematics: Eigen Code</a:t>
+              <a:t>K.Naruse(UAizu) Robot Arm Forward Kinematics: C++ Coding</a:t>
             </a:r>
             <a:endParaRPr kumimoji="1" lang="ja-JP" altLang="en-US"/>
           </a:p>
@@ -8170,7 +8438,7 @@
           <p:cNvPr id="5" name="スライド番号プレースホルダー 4">
             <a:extLst>
               <a:ext uri="{FF2B5EF4-FFF2-40B4-BE49-F238E27FC236}">
-                <a16:creationId xmlns:a16="http://schemas.microsoft.com/office/drawing/2014/main" id="{A4D73EC0-F648-41D8-8B0E-5CD6744FDC14}"/>
+                <a16:creationId xmlns:a16="http://schemas.microsoft.com/office/drawing/2014/main" id="{B1165C6C-01EF-453C-9F6F-E7FACC078FAB}"/>
               </a:ext>
             </a:extLst>
           </p:cNvPr>
@@ -8199,7 +8467,7 @@
           <p:cNvPr id="7" name="図 6">
             <a:extLst>
               <a:ext uri="{FF2B5EF4-FFF2-40B4-BE49-F238E27FC236}">
-                <a16:creationId xmlns:a16="http://schemas.microsoft.com/office/drawing/2014/main" id="{F4F792E1-1B60-4A18-92CC-F94FB6A84BE8}"/>
+                <a16:creationId xmlns:a16="http://schemas.microsoft.com/office/drawing/2014/main" id="{A36279D6-2C96-439C-84F1-5C293D77A602}"/>
               </a:ext>
             </a:extLst>
           </p:cNvPr>
@@ -8216,8 +8484,8 @@
         </p:blipFill>
         <p:spPr>
           <a:xfrm>
-            <a:off x="614332" y="1795846"/>
-            <a:ext cx="3658434" cy="3683839"/>
+            <a:off x="767408" y="1650485"/>
+            <a:ext cx="4160000" cy="3146667"/>
           </a:xfrm>
           <a:prstGeom prst="rect">
             <a:avLst/>
@@ -8226,10 +8494,10 @@
       </p:pic>
       <p:sp>
         <p:nvSpPr>
-          <p:cNvPr id="13" name="テキスト ボックス 12">
+          <p:cNvPr id="8" name="テキスト ボックス 7">
             <a:extLst>
               <a:ext uri="{FF2B5EF4-FFF2-40B4-BE49-F238E27FC236}">
-                <a16:creationId xmlns:a16="http://schemas.microsoft.com/office/drawing/2014/main" id="{9E959BB8-C552-414A-A2CE-03B29EB67C37}"/>
+                <a16:creationId xmlns:a16="http://schemas.microsoft.com/office/drawing/2014/main" id="{D3C95DFD-575F-41D0-8EEE-24C9CF086756}"/>
               </a:ext>
             </a:extLst>
           </p:cNvPr>
@@ -8238,8 +8506,8 @@
         </p:nvSpPr>
         <p:spPr>
           <a:xfrm>
-            <a:off x="4367808" y="1785226"/>
-            <a:ext cx="6097554" cy="646331"/>
+            <a:off x="5231904" y="1556792"/>
+            <a:ext cx="6192688" cy="2862322"/>
           </a:xfrm>
           <a:prstGeom prst="rect">
             <a:avLst/>
@@ -8247,48 +8515,409 @@
           <a:noFill/>
         </p:spPr>
         <p:txBody>
+          <a:bodyPr wrap="square" rtlCol="0">
+            <a:spAutoFit/>
+          </a:bodyPr>
+          <a:lstStyle/>
+          <a:p>
+            <a:r>
+              <a:rPr lang="en-US" altLang="ja-JP" dirty="0"/>
+              <a:t>Eigen</a:t>
+            </a:r>
+            <a:r>
+              <a:rPr lang="ja-JP" altLang="en-US" dirty="0"/>
+              <a:t>は線形代数のための</a:t>
+            </a:r>
+            <a:r>
+              <a:rPr lang="en-US" altLang="ja-JP" dirty="0"/>
+              <a:t>C++</a:t>
+            </a:r>
+            <a:r>
+              <a:rPr lang="ja-JP" altLang="en-US" dirty="0"/>
+              <a:t>のテンプレートライブラリ．行列，ベクトル，数値解法，関連アルゴリズムが利用可能</a:t>
+            </a:r>
+            <a:endParaRPr lang="en-US" altLang="ja-JP" dirty="0"/>
+          </a:p>
+          <a:p>
+            <a:pPr marL="285750" indent="-285750">
+              <a:buFont typeface="Arial" panose="020B0604020202020204" pitchFamily="34" charset="0"/>
+              <a:buChar char="•"/>
+            </a:pPr>
+            <a:r>
+              <a:rPr lang="ja-JP" altLang="en-US" dirty="0"/>
+              <a:t>簡単な導入：ヘッダファイルをインクルードするだけで，外部ライブラリをリンクする必要がない</a:t>
+            </a:r>
+            <a:endParaRPr lang="en-US" altLang="ja-JP" dirty="0"/>
+          </a:p>
+          <a:p>
+            <a:endParaRPr lang="en-US" altLang="ja-JP" dirty="0"/>
+          </a:p>
+          <a:p>
+            <a:r>
+              <a:rPr lang="en-US" altLang="ja-JP" dirty="0"/>
+              <a:t>Eigen is a C++ template library for linear algebra: matrices, vectors, numerical solvers, and related algorithms.</a:t>
+            </a:r>
+          </a:p>
+          <a:p>
+            <a:pPr marL="285750" indent="-285750">
+              <a:buFont typeface="Arial" panose="020B0604020202020204" pitchFamily="34" charset="0"/>
+              <a:buChar char="•"/>
+            </a:pPr>
+            <a:r>
+              <a:rPr lang="en-US" altLang="ja-JP" dirty="0"/>
+              <a:t>Easy to introduce: Just include header files, and no need to specify external libraries, because it is a template library. </a:t>
+            </a:r>
+          </a:p>
+        </p:txBody>
+      </p:sp>
+      <p:sp>
+        <p:nvSpPr>
+          <p:cNvPr id="10" name="テキスト ボックス 9">
+            <a:extLst>
+              <a:ext uri="{FF2B5EF4-FFF2-40B4-BE49-F238E27FC236}">
+                <a16:creationId xmlns:a16="http://schemas.microsoft.com/office/drawing/2014/main" id="{A0B094BA-C111-49BA-8AF6-D48E692032EE}"/>
+              </a:ext>
+            </a:extLst>
+          </p:cNvPr>
+          <p:cNvSpPr txBox="1"/>
+          <p:nvPr/>
+        </p:nvSpPr>
+        <p:spPr>
+          <a:xfrm>
+            <a:off x="983432" y="4848831"/>
+            <a:ext cx="4160000" cy="369332"/>
+          </a:xfrm>
+          <a:prstGeom prst="rect">
+            <a:avLst/>
+          </a:prstGeom>
+          <a:noFill/>
+        </p:spPr>
+        <p:txBody>
           <a:bodyPr wrap="square">
             <a:spAutoFit/>
           </a:bodyPr>
           <a:lstStyle/>
           <a:p>
-            <a:pPr algn="l"/>
-            <a:r>
-              <a:rPr lang="en-US" altLang="ja-JP" dirty="0">
+            <a:r>
+              <a:rPr lang="en-US" altLang="ja-JP" dirty="0"/>
+              <a:t>Eigen site: </a:t>
+            </a:r>
+            <a:r>
+              <a:rPr lang="ja-JP" altLang="en-US" dirty="0"/>
+              <a:t>https://eigen.tuxfamily.org/</a:t>
+            </a:r>
+          </a:p>
+        </p:txBody>
+      </p:sp>
+      <p:sp>
+        <p:nvSpPr>
+          <p:cNvPr id="12" name="テキスト ボックス 11">
+            <a:extLst>
+              <a:ext uri="{FF2B5EF4-FFF2-40B4-BE49-F238E27FC236}">
+                <a16:creationId xmlns:a16="http://schemas.microsoft.com/office/drawing/2014/main" id="{287B0135-560D-48ED-A5F9-334638B228E1}"/>
+              </a:ext>
+            </a:extLst>
+          </p:cNvPr>
+          <p:cNvSpPr txBox="1"/>
+          <p:nvPr/>
+        </p:nvSpPr>
+        <p:spPr>
+          <a:xfrm>
+            <a:off x="5260572" y="4509120"/>
+            <a:ext cx="6097554" cy="1200329"/>
+          </a:xfrm>
+          <a:prstGeom prst="rect">
+            <a:avLst/>
+          </a:prstGeom>
+          <a:noFill/>
+        </p:spPr>
+        <p:txBody>
+          <a:bodyPr wrap="square">
+            <a:spAutoFit/>
+          </a:bodyPr>
+          <a:lstStyle/>
+          <a:p>
+            <a:r>
+              <a:rPr lang="en-US" altLang="ja-JP" dirty="0"/>
+              <a:t>Linux</a:t>
+            </a:r>
+            <a:r>
+              <a:rPr lang="ja-JP" altLang="en-US" dirty="0"/>
+              <a:t>へのインストール方法 </a:t>
+            </a:r>
+            <a:r>
+              <a:rPr lang="en-US" altLang="ja-JP" dirty="0"/>
+              <a:t>/ Linux install</a:t>
+            </a:r>
+          </a:p>
+          <a:p>
+            <a:pPr marL="285750" indent="-285750">
+              <a:buFont typeface="Arial" panose="020B0604020202020204" pitchFamily="34" charset="0"/>
+              <a:buChar char="•"/>
+            </a:pPr>
+            <a:r>
+              <a:rPr lang="en-US" altLang="ja-JP" dirty="0" err="1"/>
+              <a:t>sudo</a:t>
+            </a:r>
+            <a:r>
+              <a:rPr lang="en-US" altLang="ja-JP" dirty="0"/>
+              <a:t> apt install libeigen3-dev</a:t>
+            </a:r>
+          </a:p>
+          <a:p>
+            <a:pPr marL="285750" indent="-285750">
+              <a:buFont typeface="Arial" panose="020B0604020202020204" pitchFamily="34" charset="0"/>
+              <a:buChar char="•"/>
+            </a:pPr>
+            <a:r>
+              <a:rPr lang="en-US" altLang="ja-JP" dirty="0"/>
+              <a:t>Eigen is installed at /</a:t>
+            </a:r>
+            <a:r>
+              <a:rPr lang="en-US" altLang="ja-JP" dirty="0" err="1"/>
+              <a:t>usr</a:t>
+            </a:r>
+            <a:r>
+              <a:rPr lang="en-US" altLang="ja-JP" dirty="0"/>
+              <a:t>/include/eigen3/</a:t>
+            </a:r>
+          </a:p>
+          <a:p>
+            <a:pPr marL="285750" indent="-285750">
+              <a:buFont typeface="Arial" panose="020B0604020202020204" pitchFamily="34" charset="0"/>
+              <a:buChar char="•"/>
+            </a:pPr>
+            <a:r>
+              <a:rPr lang="en-US" altLang="ja-JP" dirty="0"/>
+              <a:t>Just g++ as you do in a regular C++ source code</a:t>
+            </a:r>
+          </a:p>
+        </p:txBody>
+      </p:sp>
+      <p:sp>
+        <p:nvSpPr>
+          <p:cNvPr id="14" name="テキスト ボックス 13">
+            <a:extLst>
+              <a:ext uri="{FF2B5EF4-FFF2-40B4-BE49-F238E27FC236}">
+                <a16:creationId xmlns:a16="http://schemas.microsoft.com/office/drawing/2014/main" id="{D9DCE6AB-3CBA-45EC-8BFC-EED94510D517}"/>
+              </a:ext>
+            </a:extLst>
+          </p:cNvPr>
+          <p:cNvSpPr txBox="1"/>
+          <p:nvPr/>
+        </p:nvSpPr>
+        <p:spPr>
+          <a:xfrm>
+            <a:off x="767409" y="5813209"/>
+            <a:ext cx="10124019" cy="461665"/>
+          </a:xfrm>
+          <a:prstGeom prst="rect">
+            <a:avLst/>
+          </a:prstGeom>
+          <a:noFill/>
+        </p:spPr>
+        <p:txBody>
+          <a:bodyPr wrap="square">
+            <a:spAutoFit/>
+          </a:bodyPr>
+          <a:lstStyle/>
+          <a:p>
+            <a:r>
+              <a:rPr lang="ja-JP" altLang="en-US" sz="1200" dirty="0"/>
+              <a:t>ウィンドウズユーザへ，</a:t>
+            </a:r>
+            <a:r>
+              <a:rPr lang="en-US" altLang="ja-JP" sz="1200" dirty="0"/>
+              <a:t>WSL/WSL2</a:t>
+            </a:r>
+            <a:r>
+              <a:rPr lang="ja-JP" altLang="en-US" sz="1200" dirty="0"/>
+              <a:t>をインストールして，</a:t>
+            </a:r>
+            <a:r>
+              <a:rPr lang="en-US" altLang="ja-JP" sz="1200" dirty="0"/>
+              <a:t>Linux</a:t>
+            </a:r>
+            <a:r>
+              <a:rPr lang="ja-JP" altLang="en-US" sz="1200" dirty="0"/>
+              <a:t>上で開発することをお勧めします</a:t>
+            </a:r>
+            <a:endParaRPr lang="en-US" altLang="ja-JP" sz="1200" dirty="0"/>
+          </a:p>
+          <a:p>
+            <a:r>
+              <a:rPr lang="en-US" altLang="ja-JP" sz="1200" dirty="0"/>
+              <a:t>Windows users: I recommend you install WSL/WSL2 and develop it in Linux</a:t>
+            </a:r>
+          </a:p>
+        </p:txBody>
+      </p:sp>
+    </p:spTree>
+    <p:extLst>
+      <p:ext uri="{BB962C8B-B14F-4D97-AF65-F5344CB8AC3E}">
+        <p14:creationId xmlns:p14="http://schemas.microsoft.com/office/powerpoint/2010/main" val="1679085551"/>
+      </p:ext>
+    </p:extLst>
+  </p:cSld>
+  <p:clrMapOvr>
+    <a:masterClrMapping/>
+  </p:clrMapOvr>
+</p:sld>
+</file>
+
+<file path=ppt/slides/slide4.xml><?xml version="1.0" encoding="utf-8"?>
+<p:sld xmlns:a="http://schemas.openxmlformats.org/drawingml/2006/main" xmlns:r="http://schemas.openxmlformats.org/officeDocument/2006/relationships" xmlns:p="http://schemas.openxmlformats.org/presentationml/2006/main">
+  <p:cSld>
+    <p:spTree>
+      <p:nvGrpSpPr>
+        <p:cNvPr id="1" name=""/>
+        <p:cNvGrpSpPr/>
+        <p:nvPr/>
+      </p:nvGrpSpPr>
+      <p:grpSpPr>
+        <a:xfrm>
+          <a:off x="0" y="0"/>
+          <a:ext cx="0" cy="0"/>
+          <a:chOff x="0" y="0"/>
+          <a:chExt cx="0" cy="0"/>
+        </a:xfrm>
+      </p:grpSpPr>
+      <p:sp>
+        <p:nvSpPr>
+          <p:cNvPr id="2" name="タイトル 1">
+            <a:extLst>
+              <a:ext uri="{FF2B5EF4-FFF2-40B4-BE49-F238E27FC236}">
+                <a16:creationId xmlns:a16="http://schemas.microsoft.com/office/drawing/2014/main" id="{32E1E9CA-7D84-4ECE-BCDC-1D224094CE18}"/>
+              </a:ext>
+            </a:extLst>
+          </p:cNvPr>
+          <p:cNvSpPr>
+            <a:spLocks noGrp="1"/>
+          </p:cNvSpPr>
+          <p:nvPr>
+            <p:ph type="title"/>
+          </p:nvPr>
+        </p:nvSpPr>
+        <p:spPr/>
+        <p:txBody>
+          <a:bodyPr>
+            <a:normAutofit/>
+          </a:bodyPr>
+          <a:lstStyle/>
+          <a:p>
+            <a:r>
+              <a:rPr lang="ja-JP" altLang="en-US" dirty="0"/>
+              <a:t>必要なインクルードファイルと順運動学関数</a:t>
+            </a:r>
+            <a:br>
+              <a:rPr kumimoji="1" lang="en-US" altLang="ja-JP" dirty="0"/>
+            </a:br>
+            <a:r>
+              <a:rPr lang="en-US" altLang="ja-JP" sz="2400" b="0" i="0" u="none" strike="noStrike" dirty="0">
                 <a:cs typeface="Courier New" panose="02070309020205020404" pitchFamily="49" charset="0"/>
               </a:rPr>
-              <a:t>C++</a:t>
-            </a:r>
-            <a:r>
-              <a:rPr lang="ja-JP" altLang="en-US" dirty="0">
+              <a:t>Required include files and </a:t>
+            </a:r>
+            <a:r>
+              <a:rPr lang="en-US" altLang="ja-JP" sz="2400" dirty="0">
                 <a:cs typeface="Courier New" panose="02070309020205020404" pitchFamily="49" charset="0"/>
               </a:rPr>
-              <a:t>と</a:t>
-            </a:r>
-            <a:r>
-              <a:rPr lang="en-US" altLang="ja-JP" dirty="0">
+              <a:t>f</a:t>
+            </a:r>
+            <a:r>
+              <a:rPr lang="en-US" altLang="ja-JP" sz="2400" b="0" i="0" u="none" strike="noStrike" dirty="0">
                 <a:cs typeface="Courier New" panose="02070309020205020404" pitchFamily="49" charset="0"/>
               </a:rPr>
-              <a:t>Eigen</a:t>
-            </a:r>
-            <a:r>
-              <a:rPr lang="ja-JP" altLang="en-US" dirty="0">
-                <a:cs typeface="Courier New" panose="02070309020205020404" pitchFamily="49" charset="0"/>
-              </a:rPr>
-              <a:t>によるサンプルコード（一部のみ）</a:t>
-            </a:r>
-            <a:endParaRPr lang="en-US" altLang="ja-JP" dirty="0">
-              <a:cs typeface="Courier New" panose="02070309020205020404" pitchFamily="49" charset="0"/>
-            </a:endParaRPr>
-          </a:p>
-          <a:p>
-            <a:pPr algn="l"/>
-            <a:r>
-              <a:rPr lang="en-US" altLang="ja-JP" sz="1800" b="0" i="0" u="none" strike="noStrike" dirty="0">
-                <a:cs typeface="Courier New" panose="02070309020205020404" pitchFamily="49" charset="0"/>
-              </a:rPr>
-              <a:t>C++ code with Eigen (Only a part)</a:t>
-            </a:r>
+              <a:t>orward kinematics function</a:t>
+            </a:r>
+            <a:endParaRPr kumimoji="1" lang="ja-JP" altLang="en-US" dirty="0"/>
+          </a:p>
+        </p:txBody>
+      </p:sp>
+      <p:sp>
+        <p:nvSpPr>
+          <p:cNvPr id="3" name="日付プレースホルダー 2">
+            <a:extLst>
+              <a:ext uri="{FF2B5EF4-FFF2-40B4-BE49-F238E27FC236}">
+                <a16:creationId xmlns:a16="http://schemas.microsoft.com/office/drawing/2014/main" id="{B33B31F8-6F78-4083-91A2-2E449F501BF9}"/>
+              </a:ext>
+            </a:extLst>
+          </p:cNvPr>
+          <p:cNvSpPr>
+            <a:spLocks noGrp="1"/>
+          </p:cNvSpPr>
+          <p:nvPr>
+            <p:ph type="dt" sz="half" idx="10"/>
+          </p:nvPr>
+        </p:nvSpPr>
+        <p:spPr/>
+        <p:txBody>
+          <a:bodyPr/>
+          <a:lstStyle/>
+          <a:p>
+            <a:r>
+              <a:rPr kumimoji="1" lang="en-US" altLang="ja-JP"/>
+              <a:t>2021-03-14</a:t>
+            </a:r>
+            <a:endParaRPr kumimoji="1" lang="ja-JP" altLang="en-US"/>
+          </a:p>
+        </p:txBody>
+      </p:sp>
+      <p:sp>
+        <p:nvSpPr>
+          <p:cNvPr id="4" name="フッター プレースホルダー 3">
+            <a:extLst>
+              <a:ext uri="{FF2B5EF4-FFF2-40B4-BE49-F238E27FC236}">
+                <a16:creationId xmlns:a16="http://schemas.microsoft.com/office/drawing/2014/main" id="{732C67E6-0EB8-476A-B33B-F522B8846ED7}"/>
+              </a:ext>
+            </a:extLst>
+          </p:cNvPr>
+          <p:cNvSpPr>
+            <a:spLocks noGrp="1"/>
+          </p:cNvSpPr>
+          <p:nvPr>
+            <p:ph type="ftr" sz="quarter" idx="11"/>
+          </p:nvPr>
+        </p:nvSpPr>
+        <p:spPr/>
+        <p:txBody>
+          <a:bodyPr/>
+          <a:lstStyle/>
+          <a:p>
+            <a:r>
+              <a:rPr kumimoji="1" lang="en-US" altLang="ja-JP"/>
+              <a:t>K.Naruse(UAizu) Robot Arm Forward Kinematics: C++ Coding</a:t>
+            </a:r>
+            <a:endParaRPr kumimoji="1" lang="ja-JP" altLang="en-US"/>
+          </a:p>
+        </p:txBody>
+      </p:sp>
+      <p:sp>
+        <p:nvSpPr>
+          <p:cNvPr id="5" name="スライド番号プレースホルダー 4">
+            <a:extLst>
+              <a:ext uri="{FF2B5EF4-FFF2-40B4-BE49-F238E27FC236}">
+                <a16:creationId xmlns:a16="http://schemas.microsoft.com/office/drawing/2014/main" id="{A4D73EC0-F648-41D8-8B0E-5CD6744FDC14}"/>
+              </a:ext>
+            </a:extLst>
+          </p:cNvPr>
+          <p:cNvSpPr>
+            <a:spLocks noGrp="1"/>
+          </p:cNvSpPr>
+          <p:nvPr>
+            <p:ph type="sldNum" sz="quarter" idx="12"/>
+          </p:nvPr>
+        </p:nvSpPr>
+        <p:spPr/>
+        <p:txBody>
+          <a:bodyPr/>
+          <a:lstStyle/>
+          <a:p>
+            <a:fld id="{CCD68D70-93DA-4EE4-9A1A-18650286EF01}" type="slidenum">
+              <a:rPr kumimoji="1" lang="ja-JP" altLang="en-US" smtClean="0"/>
+              <a:t>4</a:t>
+            </a:fld>
+            <a:endParaRPr kumimoji="1" lang="ja-JP" altLang="en-US"/>
           </a:p>
         </p:txBody>
       </p:sp>
@@ -8325,19 +8954,19 @@
               <a:rPr lang="en-US" altLang="ja-JP" sz="1200" dirty="0">
                 <a:cs typeface="Courier New" panose="02070309020205020404" pitchFamily="49" charset="0"/>
               </a:rPr>
-              <a:t>Code </a:t>
-            </a:r>
-            <a:r>
-              <a:rPr lang="en-US" altLang="ja-JP" sz="1200">
+              <a:t>Code is available at</a:t>
+            </a:r>
+            <a:r>
+              <a:rPr lang="ja-JP" altLang="en-US" sz="1200" dirty="0">
                 <a:cs typeface="Courier New" panose="02070309020205020404" pitchFamily="49" charset="0"/>
               </a:rPr>
-              <a:t>is available </a:t>
+              <a:t> </a:t>
             </a:r>
             <a:r>
               <a:rPr lang="en-US" altLang="ja-JP" sz="1200" dirty="0">
                 <a:cs typeface="Courier New" panose="02070309020205020404" pitchFamily="49" charset="0"/>
               </a:rPr>
-              <a:t>at https://github.com/keitaronaruse/Naruse-robotics-tutorial/blob/main/src/c%2B%2B/fk-3link-planar.cc</a:t>
+              <a:t>https://github.com/keitaronaruse/Naruse-robotics-tutorial/blob/main/src/cpp/fk-3link-planar.cc</a:t>
             </a:r>
             <a:endParaRPr lang="en-US" altLang="ja-JP" sz="1200" b="0" i="0" u="none" strike="noStrike" dirty="0">
               <a:cs typeface="Courier New" panose="02070309020205020404" pitchFamily="49" charset="0"/>
@@ -8347,10 +8976,258 @@
       </p:sp>
       <p:sp>
         <p:nvSpPr>
-          <p:cNvPr id="11" name="テキスト ボックス 10">
+          <p:cNvPr id="6" name="吹き出し: 線 (強調線付き) 5">
             <a:extLst>
               <a:ext uri="{FF2B5EF4-FFF2-40B4-BE49-F238E27FC236}">
-                <a16:creationId xmlns:a16="http://schemas.microsoft.com/office/drawing/2014/main" id="{684D8746-6C64-480A-966D-C1467D83F01D}"/>
+                <a16:creationId xmlns:a16="http://schemas.microsoft.com/office/drawing/2014/main" id="{71BE2769-B9BB-49E6-8C32-6BF49CD7B279}"/>
+              </a:ext>
+            </a:extLst>
+          </p:cNvPr>
+          <p:cNvSpPr/>
+          <p:nvPr/>
+        </p:nvSpPr>
+        <p:spPr>
+          <a:xfrm>
+            <a:off x="6816080" y="1628800"/>
+            <a:ext cx="3985592" cy="612648"/>
+          </a:xfrm>
+          <a:prstGeom prst="accentCallout1">
+            <a:avLst>
+              <a:gd name="adj1" fmla="val 18751"/>
+              <a:gd name="adj2" fmla="val -3417"/>
+              <a:gd name="adj3" fmla="val 90189"/>
+              <a:gd name="adj4" fmla="val -83326"/>
+            </a:avLst>
+          </a:prstGeom>
+          <a:noFill/>
+          <a:ln w="9525">
+            <a:solidFill>
+              <a:srgbClr val="FF0000"/>
+            </a:solidFill>
+          </a:ln>
+        </p:spPr>
+        <p:style>
+          <a:lnRef idx="2">
+            <a:schemeClr val="accent1">
+              <a:shade val="50000"/>
+            </a:schemeClr>
+          </a:lnRef>
+          <a:fillRef idx="1">
+            <a:schemeClr val="accent1"/>
+          </a:fillRef>
+          <a:effectRef idx="0">
+            <a:schemeClr val="accent1"/>
+          </a:effectRef>
+          <a:fontRef idx="minor">
+            <a:schemeClr val="lt1"/>
+          </a:fontRef>
+        </p:style>
+        <p:txBody>
+          <a:bodyPr rtlCol="0" anchor="t"/>
+          <a:lstStyle/>
+          <a:p>
+            <a:pPr algn="l"/>
+            <a:r>
+              <a:rPr lang="ja-JP" altLang="en-US" dirty="0">
+                <a:solidFill>
+                  <a:schemeClr val="tx1"/>
+                </a:solidFill>
+              </a:rPr>
+              <a:t>コンソール出力のため</a:t>
+            </a:r>
+            <a:endParaRPr lang="en-US" altLang="ja-JP" dirty="0">
+              <a:solidFill>
+                <a:schemeClr val="tx1"/>
+              </a:solidFill>
+            </a:endParaRPr>
+          </a:p>
+          <a:p>
+            <a:pPr algn="l"/>
+            <a:r>
+              <a:rPr lang="en-US" altLang="ja-JP" dirty="0">
+                <a:solidFill>
+                  <a:schemeClr val="tx1"/>
+                </a:solidFill>
+              </a:rPr>
+              <a:t>For console out</a:t>
+            </a:r>
+          </a:p>
+        </p:txBody>
+      </p:sp>
+      <p:sp>
+        <p:nvSpPr>
+          <p:cNvPr id="12" name="吹き出し: 線 (強調線付き) 11">
+            <a:extLst>
+              <a:ext uri="{FF2B5EF4-FFF2-40B4-BE49-F238E27FC236}">
+                <a16:creationId xmlns:a16="http://schemas.microsoft.com/office/drawing/2014/main" id="{94267ACE-6337-4C7B-ABEF-0B8A235AA259}"/>
+              </a:ext>
+            </a:extLst>
+          </p:cNvPr>
+          <p:cNvSpPr/>
+          <p:nvPr/>
+        </p:nvSpPr>
+        <p:spPr>
+          <a:xfrm>
+            <a:off x="6816080" y="2348880"/>
+            <a:ext cx="3985592" cy="612648"/>
+          </a:xfrm>
+          <a:prstGeom prst="accentCallout1">
+            <a:avLst>
+              <a:gd name="adj1" fmla="val 12658"/>
+              <a:gd name="adj2" fmla="val -3417"/>
+              <a:gd name="adj3" fmla="val 14253"/>
+              <a:gd name="adj4" fmla="val -80641"/>
+            </a:avLst>
+          </a:prstGeom>
+          <a:noFill/>
+          <a:ln w="9525">
+            <a:solidFill>
+              <a:srgbClr val="FF0000"/>
+            </a:solidFill>
+          </a:ln>
+        </p:spPr>
+        <p:style>
+          <a:lnRef idx="2">
+            <a:schemeClr val="accent1">
+              <a:shade val="50000"/>
+            </a:schemeClr>
+          </a:lnRef>
+          <a:fillRef idx="1">
+            <a:schemeClr val="accent1"/>
+          </a:fillRef>
+          <a:effectRef idx="0">
+            <a:schemeClr val="accent1"/>
+          </a:effectRef>
+          <a:fontRef idx="minor">
+            <a:schemeClr val="lt1"/>
+          </a:fontRef>
+        </p:style>
+        <p:txBody>
+          <a:bodyPr rtlCol="0" anchor="t"/>
+          <a:lstStyle/>
+          <a:p>
+            <a:pPr algn="l"/>
+            <a:r>
+              <a:rPr lang="ja-JP" altLang="en-US" dirty="0">
+                <a:solidFill>
+                  <a:schemeClr val="tx1"/>
+                </a:solidFill>
+              </a:rPr>
+              <a:t>三角関数のため</a:t>
+            </a:r>
+            <a:endParaRPr lang="en-US" altLang="ja-JP" dirty="0">
+              <a:solidFill>
+                <a:schemeClr val="tx1"/>
+              </a:solidFill>
+            </a:endParaRPr>
+          </a:p>
+          <a:p>
+            <a:pPr algn="l"/>
+            <a:r>
+              <a:rPr lang="en-US" altLang="ja-JP" dirty="0">
+                <a:solidFill>
+                  <a:schemeClr val="tx1"/>
+                </a:solidFill>
+              </a:rPr>
+              <a:t>For cos() and sin() out</a:t>
+            </a:r>
+          </a:p>
+        </p:txBody>
+      </p:sp>
+      <p:sp>
+        <p:nvSpPr>
+          <p:cNvPr id="14" name="吹き出し: 線 (強調線付き) 13">
+            <a:extLst>
+              <a:ext uri="{FF2B5EF4-FFF2-40B4-BE49-F238E27FC236}">
+                <a16:creationId xmlns:a16="http://schemas.microsoft.com/office/drawing/2014/main" id="{89A2F93A-1AF1-4604-B309-A85199FFF5FA}"/>
+              </a:ext>
+            </a:extLst>
+          </p:cNvPr>
+          <p:cNvSpPr/>
+          <p:nvPr/>
+        </p:nvSpPr>
+        <p:spPr>
+          <a:xfrm>
+            <a:off x="6816080" y="3068960"/>
+            <a:ext cx="3985592" cy="612648"/>
+          </a:xfrm>
+          <a:prstGeom prst="accentCallout1">
+            <a:avLst>
+              <a:gd name="adj1" fmla="val 18751"/>
+              <a:gd name="adj2" fmla="val -3885"/>
+              <a:gd name="adj3" fmla="val -52277"/>
+              <a:gd name="adj4" fmla="val -50264"/>
+            </a:avLst>
+          </a:prstGeom>
+          <a:noFill/>
+          <a:ln w="9525">
+            <a:solidFill>
+              <a:srgbClr val="FF0000"/>
+            </a:solidFill>
+          </a:ln>
+        </p:spPr>
+        <p:style>
+          <a:lnRef idx="2">
+            <a:schemeClr val="accent1">
+              <a:shade val="50000"/>
+            </a:schemeClr>
+          </a:lnRef>
+          <a:fillRef idx="1">
+            <a:schemeClr val="accent1"/>
+          </a:fillRef>
+          <a:effectRef idx="0">
+            <a:schemeClr val="accent1"/>
+          </a:effectRef>
+          <a:fontRef idx="minor">
+            <a:schemeClr val="lt1"/>
+          </a:fontRef>
+        </p:style>
+        <p:txBody>
+          <a:bodyPr rtlCol="0" anchor="t"/>
+          <a:lstStyle/>
+          <a:p>
+            <a:pPr algn="l"/>
+            <a:r>
+              <a:rPr lang="en-US" altLang="ja-JP" dirty="0">
+                <a:solidFill>
+                  <a:schemeClr val="tx1"/>
+                </a:solidFill>
+              </a:rPr>
+              <a:t>Eigen</a:t>
+            </a:r>
+            <a:r>
+              <a:rPr lang="ja-JP" altLang="en-US" dirty="0">
+                <a:solidFill>
+                  <a:schemeClr val="tx1"/>
+                </a:solidFill>
+              </a:rPr>
+              <a:t>によるベクトルと行列表現のため</a:t>
+            </a:r>
+            <a:endParaRPr lang="en-US" altLang="ja-JP" dirty="0">
+              <a:solidFill>
+                <a:schemeClr val="tx1"/>
+              </a:solidFill>
+            </a:endParaRPr>
+          </a:p>
+          <a:p>
+            <a:pPr algn="l"/>
+            <a:r>
+              <a:rPr lang="en-US" altLang="ja-JP" dirty="0">
+                <a:solidFill>
+                  <a:schemeClr val="tx1"/>
+                </a:solidFill>
+              </a:rPr>
+              <a:t>For vectors and matrices with Eigen</a:t>
+            </a:r>
+          </a:p>
+        </p:txBody>
+      </p:sp>
+      <p:sp>
+        <p:nvSpPr>
+          <p:cNvPr id="16" name="テキスト ボックス 15">
+            <a:extLst>
+              <a:ext uri="{FF2B5EF4-FFF2-40B4-BE49-F238E27FC236}">
+                <a16:creationId xmlns:a16="http://schemas.microsoft.com/office/drawing/2014/main" id="{9D6705F1-7F21-4243-97AC-EE2E1931626C}"/>
               </a:ext>
             </a:extLst>
           </p:cNvPr>
@@ -8359,8 +9236,8 @@
         </p:nvSpPr>
         <p:spPr>
           <a:xfrm>
-            <a:off x="4583832" y="2894362"/>
-            <a:ext cx="6094602" cy="1754326"/>
+            <a:off x="648072" y="1988840"/>
+            <a:ext cx="4511824" cy="923330"/>
           </a:xfrm>
           <a:prstGeom prst="rect">
             <a:avLst/>
@@ -8374,103 +9251,769 @@
           <a:lstStyle/>
           <a:p>
             <a:r>
-              <a:rPr lang="en-US" altLang="ja-JP" sz="1200" dirty="0">
+              <a:rPr lang="en-US" altLang="ja-JP" b="0" dirty="0">
+                <a:effectLst/>
                 <a:latin typeface="Courier New" panose="02070309020205020404" pitchFamily="49" charset="0"/>
                 <a:cs typeface="Courier New" panose="02070309020205020404" pitchFamily="49" charset="0"/>
               </a:rPr>
-              <a:t>//  Robot arm link parameters</a:t>
-            </a:r>
-          </a:p>
-          <a:p>
-            <a:r>
-              <a:rPr lang="en-US" altLang="ja-JP" sz="1200" dirty="0">
+              <a:t>#include &lt;iostream&gt;</a:t>
+            </a:r>
+          </a:p>
+          <a:p>
+            <a:r>
+              <a:rPr lang="en-US" altLang="ja-JP" b="0" dirty="0">
+                <a:effectLst/>
                 <a:latin typeface="Courier New" panose="02070309020205020404" pitchFamily="49" charset="0"/>
                 <a:cs typeface="Courier New" panose="02070309020205020404" pitchFamily="49" charset="0"/>
               </a:rPr>
-              <a:t>const double L1 = 1.0, L2 = 1.0, L3 = 1.0;</a:t>
-            </a:r>
-          </a:p>
-          <a:p>
-            <a:endParaRPr lang="en-US" altLang="ja-JP" sz="1200" dirty="0">
-              <a:latin typeface="Courier New" panose="02070309020205020404" pitchFamily="49" charset="0"/>
-              <a:cs typeface="Courier New" panose="02070309020205020404" pitchFamily="49" charset="0"/>
-            </a:endParaRPr>
-          </a:p>
-          <a:p>
-            <a:r>
-              <a:rPr lang="en-US" altLang="ja-JP" sz="1200" dirty="0">
+              <a:t>#include &lt;</a:t>
+            </a:r>
+            <a:r>
+              <a:rPr lang="en-US" altLang="ja-JP" b="0" dirty="0" err="1">
+                <a:effectLst/>
                 <a:latin typeface="Courier New" panose="02070309020205020404" pitchFamily="49" charset="0"/>
                 <a:cs typeface="Courier New" panose="02070309020205020404" pitchFamily="49" charset="0"/>
               </a:rPr>
-              <a:t>//  A pose vector of joints and hand</a:t>
-            </a:r>
-          </a:p>
-          <a:p>
-            <a:r>
-              <a:rPr lang="en-US" altLang="ja-JP" sz="1200" dirty="0">
+              <a:t>cmath</a:t>
+            </a:r>
+            <a:r>
+              <a:rPr lang="en-US" altLang="ja-JP" b="0" dirty="0">
+                <a:effectLst/>
                 <a:latin typeface="Courier New" panose="02070309020205020404" pitchFamily="49" charset="0"/>
                 <a:cs typeface="Courier New" panose="02070309020205020404" pitchFamily="49" charset="0"/>
               </a:rPr>
-              <a:t>Eigen::Vector3d p0, p1, p2, p3;</a:t>
-            </a:r>
-          </a:p>
-          <a:p>
-            <a:endParaRPr lang="en-US" altLang="ja-JP" sz="1200" dirty="0">
-              <a:latin typeface="Courier New" panose="02070309020205020404" pitchFamily="49" charset="0"/>
-              <a:cs typeface="Courier New" panose="02070309020205020404" pitchFamily="49" charset="0"/>
-            </a:endParaRPr>
-          </a:p>
-          <a:p>
-            <a:r>
-              <a:rPr lang="en-US" altLang="ja-JP" sz="1200" dirty="0">
+              <a:t>&gt;</a:t>
+            </a:r>
+          </a:p>
+          <a:p>
+            <a:r>
+              <a:rPr lang="en-US" altLang="ja-JP" b="0" dirty="0">
+                <a:effectLst/>
                 <a:latin typeface="Courier New" panose="02070309020205020404" pitchFamily="49" charset="0"/>
                 <a:cs typeface="Courier New" panose="02070309020205020404" pitchFamily="49" charset="0"/>
               </a:rPr>
-              <a:t>//  A vector of the pose vectors as a matrix</a:t>
-            </a:r>
-          </a:p>
-          <a:p>
-            <a:r>
-              <a:rPr lang="en-US" altLang="ja-JP" sz="1200">
+              <a:t>#include &lt;eigen3/Eigen/Dense&gt;</a:t>
+            </a:r>
+          </a:p>
+        </p:txBody>
+      </p:sp>
+      <p:sp>
+        <p:nvSpPr>
+          <p:cNvPr id="19" name="テキスト ボックス 18">
+            <a:extLst>
+              <a:ext uri="{FF2B5EF4-FFF2-40B4-BE49-F238E27FC236}">
+                <a16:creationId xmlns:a16="http://schemas.microsoft.com/office/drawing/2014/main" id="{30FB5D9E-C77C-44F0-AA76-F9A6C8FAAC9A}"/>
+              </a:ext>
+            </a:extLst>
+          </p:cNvPr>
+          <p:cNvSpPr txBox="1"/>
+          <p:nvPr/>
+        </p:nvSpPr>
+        <p:spPr>
+          <a:xfrm>
+            <a:off x="609600" y="3717032"/>
+            <a:ext cx="7862664" cy="369332"/>
+          </a:xfrm>
+          <a:prstGeom prst="rect">
+            <a:avLst/>
+          </a:prstGeom>
+          <a:noFill/>
+        </p:spPr>
+        <p:txBody>
+          <a:bodyPr wrap="square">
+            <a:spAutoFit/>
+          </a:bodyPr>
+          <a:lstStyle/>
+          <a:p>
+            <a:r>
+              <a:rPr lang="en-US" altLang="ja-JP" b="0" dirty="0">
+                <a:effectLst/>
                 <a:latin typeface="Courier New" panose="02070309020205020404" pitchFamily="49" charset="0"/>
                 <a:cs typeface="Courier New" panose="02070309020205020404" pitchFamily="49" charset="0"/>
               </a:rPr>
-              <a:t>//  </a:t>
-            </a:r>
-            <a:r>
-              <a:rPr lang="en-US" altLang="ja-JP" sz="1200" dirty="0">
+              <a:t>Eigen::Matrix&lt;double, 3, 4&gt; </a:t>
+            </a:r>
+            <a:r>
+              <a:rPr lang="en-US" altLang="ja-JP" b="0" dirty="0" err="1">
+                <a:effectLst/>
                 <a:latin typeface="Courier New" panose="02070309020205020404" pitchFamily="49" charset="0"/>
                 <a:cs typeface="Courier New" panose="02070309020205020404" pitchFamily="49" charset="0"/>
               </a:rPr>
-              <a:t>p = (p0, p1, p2, p3)</a:t>
-            </a:r>
-          </a:p>
-          <a:p>
-            <a:r>
-              <a:rPr lang="en-US" altLang="ja-JP" sz="1200">
+              <a:t>fk</a:t>
+            </a:r>
+            <a:r>
+              <a:rPr lang="en-US" altLang="ja-JP" b="0" dirty="0">
+                <a:effectLst/>
                 <a:latin typeface="Courier New" panose="02070309020205020404" pitchFamily="49" charset="0"/>
                 <a:cs typeface="Courier New" panose="02070309020205020404" pitchFamily="49" charset="0"/>
               </a:rPr>
-              <a:t>Eigen</a:t>
-            </a:r>
-            <a:r>
-              <a:rPr lang="en-US" altLang="ja-JP" sz="1200" dirty="0">
-                <a:latin typeface="Courier New" panose="02070309020205020404" pitchFamily="49" charset="0"/>
-                <a:cs typeface="Courier New" panose="02070309020205020404" pitchFamily="49" charset="0"/>
+              <a:t>(const Eigen::Vector3d&amp; q)</a:t>
+            </a:r>
+          </a:p>
+        </p:txBody>
+      </p:sp>
+      <p:sp>
+        <p:nvSpPr>
+          <p:cNvPr id="20" name="吹き出し: 線 (強調線付き) 19">
+            <a:extLst>
+              <a:ext uri="{FF2B5EF4-FFF2-40B4-BE49-F238E27FC236}">
+                <a16:creationId xmlns:a16="http://schemas.microsoft.com/office/drawing/2014/main" id="{EF4C9D13-17DF-4897-8C99-A3ACBFAE05B4}"/>
+              </a:ext>
+            </a:extLst>
+          </p:cNvPr>
+          <p:cNvSpPr/>
+          <p:nvPr/>
+        </p:nvSpPr>
+        <p:spPr>
+          <a:xfrm>
+            <a:off x="4540932" y="5048600"/>
+            <a:ext cx="5904656" cy="612648"/>
+          </a:xfrm>
+          <a:prstGeom prst="accentCallout1">
+            <a:avLst>
+              <a:gd name="adj1" fmla="val 21796"/>
+              <a:gd name="adj2" fmla="val -1696"/>
+              <a:gd name="adj3" fmla="val -161106"/>
+              <a:gd name="adj4" fmla="val 26132"/>
+            </a:avLst>
+          </a:prstGeom>
+          <a:noFill/>
+          <a:ln w="9525">
+            <a:solidFill>
+              <a:srgbClr val="FF0000"/>
+            </a:solidFill>
+          </a:ln>
+        </p:spPr>
+        <p:style>
+          <a:lnRef idx="2">
+            <a:schemeClr val="accent1">
+              <a:shade val="50000"/>
+            </a:schemeClr>
+          </a:lnRef>
+          <a:fillRef idx="1">
+            <a:schemeClr val="accent1"/>
+          </a:fillRef>
+          <a:effectRef idx="0">
+            <a:schemeClr val="accent1"/>
+          </a:effectRef>
+          <a:fontRef idx="minor">
+            <a:schemeClr val="lt1"/>
+          </a:fontRef>
+        </p:style>
+        <p:txBody>
+          <a:bodyPr rtlCol="0" anchor="t"/>
+          <a:lstStyle/>
+          <a:p>
+            <a:pPr algn="l"/>
+            <a:r>
+              <a:rPr lang="ja-JP" altLang="en-US" dirty="0">
+                <a:solidFill>
+                  <a:schemeClr val="tx1"/>
+                </a:solidFill>
               </a:rPr>
-              <a:t>::Matrix&lt;double, 3, 4&gt; p;</a:t>
-            </a:r>
-            <a:endParaRPr lang="ja-JP" altLang="en-US" sz="1200" dirty="0">
-              <a:latin typeface="Courier New" panose="02070309020205020404" pitchFamily="49" charset="0"/>
-              <a:cs typeface="Courier New" panose="02070309020205020404" pitchFamily="49" charset="0"/>
+              <a:t>引数：関節角度ベクトル</a:t>
+            </a:r>
+            <a:r>
+              <a:rPr lang="en-US" altLang="ja-JP" dirty="0">
+                <a:solidFill>
+                  <a:schemeClr val="tx1"/>
+                </a:solidFill>
+              </a:rPr>
+              <a:t> double</a:t>
+            </a:r>
+            <a:r>
+              <a:rPr lang="ja-JP" altLang="en-US" dirty="0">
+                <a:solidFill>
+                  <a:schemeClr val="tx1"/>
+                </a:solidFill>
+              </a:rPr>
+              <a:t>型</a:t>
+            </a:r>
+            <a:r>
+              <a:rPr lang="en-US" altLang="ja-JP" dirty="0">
+                <a:solidFill>
+                  <a:schemeClr val="tx1"/>
+                </a:solidFill>
+              </a:rPr>
+              <a:t>3</a:t>
+            </a:r>
+            <a:r>
+              <a:rPr lang="ja-JP" altLang="en-US" dirty="0">
+                <a:solidFill>
+                  <a:schemeClr val="tx1"/>
+                </a:solidFill>
+              </a:rPr>
+              <a:t>要素ベクトル</a:t>
+            </a:r>
+            <a:endParaRPr lang="en-US" altLang="ja-JP" dirty="0">
+              <a:solidFill>
+                <a:schemeClr val="tx1"/>
+              </a:solidFill>
             </a:endParaRPr>
           </a:p>
-        </p:txBody>
-      </p:sp>
+          <a:p>
+            <a:pPr algn="l"/>
+            <a:r>
+              <a:rPr lang="en-US" altLang="ja-JP" dirty="0">
+                <a:solidFill>
+                  <a:schemeClr val="tx1"/>
+                </a:solidFill>
+              </a:rPr>
+              <a:t>Argument: A joint angle vector of 3 double components</a:t>
+            </a:r>
+          </a:p>
+        </p:txBody>
+      </p:sp>
+      <p:sp>
+        <p:nvSpPr>
+          <p:cNvPr id="21" name="吹き出し: 線 (強調線付き) 20">
+            <a:extLst>
+              <a:ext uri="{FF2B5EF4-FFF2-40B4-BE49-F238E27FC236}">
+                <a16:creationId xmlns:a16="http://schemas.microsoft.com/office/drawing/2014/main" id="{04B6252A-5E65-4DDB-AA7B-F37391801034}"/>
+              </a:ext>
+            </a:extLst>
+          </p:cNvPr>
+          <p:cNvSpPr/>
+          <p:nvPr/>
+        </p:nvSpPr>
+        <p:spPr>
+          <a:xfrm>
+            <a:off x="767408" y="4221088"/>
+            <a:ext cx="10873208" cy="612648"/>
+          </a:xfrm>
+          <a:prstGeom prst="accentCallout1">
+            <a:avLst>
+              <a:gd name="adj1" fmla="val 21796"/>
+              <a:gd name="adj2" fmla="val -774"/>
+              <a:gd name="adj3" fmla="val -39266"/>
+              <a:gd name="adj4" fmla="val 10802"/>
+            </a:avLst>
+          </a:prstGeom>
+          <a:noFill/>
+          <a:ln w="9525">
+            <a:solidFill>
+              <a:srgbClr val="FF0000"/>
+            </a:solidFill>
+          </a:ln>
+        </p:spPr>
+        <p:style>
+          <a:lnRef idx="2">
+            <a:schemeClr val="accent1">
+              <a:shade val="50000"/>
+            </a:schemeClr>
+          </a:lnRef>
+          <a:fillRef idx="1">
+            <a:schemeClr val="accent1"/>
+          </a:fillRef>
+          <a:effectRef idx="0">
+            <a:schemeClr val="accent1"/>
+          </a:effectRef>
+          <a:fontRef idx="minor">
+            <a:schemeClr val="lt1"/>
+          </a:fontRef>
+        </p:style>
+        <p:txBody>
+          <a:bodyPr rtlCol="0" anchor="t"/>
+          <a:lstStyle/>
+          <a:p>
+            <a:r>
+              <a:rPr lang="ja-JP" altLang="en-US" dirty="0">
+                <a:solidFill>
+                  <a:schemeClr val="tx1"/>
+                </a:solidFill>
+              </a:rPr>
+              <a:t>戻り値：ロボットアームの姿勢 </a:t>
+            </a:r>
+            <a:r>
+              <a:rPr lang="en-US" altLang="ja-JP" dirty="0">
+                <a:solidFill>
+                  <a:schemeClr val="tx1"/>
+                </a:solidFill>
+              </a:rPr>
+              <a:t>double</a:t>
+            </a:r>
+            <a:r>
+              <a:rPr lang="ja-JP" altLang="en-US" dirty="0">
+                <a:solidFill>
+                  <a:schemeClr val="tx1"/>
+                </a:solidFill>
+              </a:rPr>
+              <a:t>型</a:t>
+            </a:r>
+            <a:r>
+              <a:rPr lang="en-US" altLang="ja-JP" dirty="0">
+                <a:solidFill>
+                  <a:schemeClr val="tx1"/>
+                </a:solidFill>
+              </a:rPr>
+              <a:t>3*4</a:t>
+            </a:r>
+            <a:r>
+              <a:rPr lang="ja-JP" altLang="en-US" dirty="0">
+                <a:solidFill>
+                  <a:schemeClr val="tx1"/>
+                </a:solidFill>
+              </a:rPr>
+              <a:t>行列 </a:t>
+            </a:r>
+            <a:r>
+              <a:rPr lang="en-US" altLang="ja-JP" dirty="0">
+                <a:solidFill>
+                  <a:schemeClr val="tx1"/>
+                </a:solidFill>
+              </a:rPr>
+              <a:t>= </a:t>
+            </a:r>
+            <a:r>
+              <a:rPr lang="ja-JP" altLang="en-US" dirty="0">
+                <a:solidFill>
+                  <a:schemeClr val="tx1"/>
+                </a:solidFill>
+              </a:rPr>
+              <a:t>各姿勢が</a:t>
+            </a:r>
+            <a:r>
+              <a:rPr lang="en-US" altLang="ja-JP" dirty="0">
+                <a:solidFill>
+                  <a:schemeClr val="tx1"/>
+                </a:solidFill>
+              </a:rPr>
+              <a:t>3</a:t>
+            </a:r>
+            <a:r>
+              <a:rPr lang="ja-JP" altLang="en-US" dirty="0">
+                <a:solidFill>
+                  <a:schemeClr val="tx1"/>
+                </a:solidFill>
+              </a:rPr>
+              <a:t>要素</a:t>
+            </a:r>
+            <a:r>
+              <a:rPr lang="en-US" altLang="ja-JP" dirty="0">
+                <a:solidFill>
+                  <a:schemeClr val="tx1"/>
+                </a:solidFill>
+              </a:rPr>
+              <a:t>(</a:t>
+            </a:r>
+            <a:r>
+              <a:rPr lang="en-US" altLang="ja-JP" dirty="0" err="1">
+                <a:solidFill>
+                  <a:schemeClr val="tx1"/>
+                </a:solidFill>
+              </a:rPr>
+              <a:t>x,y,q</a:t>
+            </a:r>
+            <a:r>
+              <a:rPr lang="en-US" altLang="ja-JP" dirty="0">
+                <a:solidFill>
+                  <a:schemeClr val="tx1"/>
+                </a:solidFill>
+              </a:rPr>
+              <a:t>)</a:t>
+            </a:r>
+            <a:r>
+              <a:rPr lang="ja-JP" altLang="en-US" dirty="0">
+                <a:solidFill>
+                  <a:schemeClr val="tx1"/>
+                </a:solidFill>
+              </a:rPr>
+              <a:t> </a:t>
+            </a:r>
+            <a:r>
+              <a:rPr lang="en-US" altLang="ja-JP" dirty="0">
+                <a:solidFill>
+                  <a:schemeClr val="tx1"/>
+                </a:solidFill>
+              </a:rPr>
+              <a:t>* 4</a:t>
+            </a:r>
+            <a:r>
+              <a:rPr lang="ja-JP" altLang="en-US" dirty="0">
+                <a:solidFill>
+                  <a:schemeClr val="tx1"/>
+                </a:solidFill>
+              </a:rPr>
+              <a:t>姿勢</a:t>
+            </a:r>
+            <a:endParaRPr lang="en-US" altLang="ja-JP" dirty="0">
+              <a:solidFill>
+                <a:schemeClr val="tx1"/>
+              </a:solidFill>
+            </a:endParaRPr>
+          </a:p>
+          <a:p>
+            <a:pPr algn="l"/>
+            <a:r>
+              <a:rPr lang="en-US" altLang="ja-JP" dirty="0">
+                <a:solidFill>
+                  <a:schemeClr val="tx1"/>
+                </a:solidFill>
+              </a:rPr>
+              <a:t>Return: A robot arm pose of a double 3*4 matrix = each pose has 3 components of (</a:t>
+            </a:r>
+            <a:r>
+              <a:rPr lang="en-US" altLang="ja-JP" dirty="0" err="1">
+                <a:solidFill>
+                  <a:schemeClr val="tx1"/>
+                </a:solidFill>
+              </a:rPr>
+              <a:t>x,y,q</a:t>
+            </a:r>
+            <a:r>
+              <a:rPr lang="en-US" altLang="ja-JP" dirty="0">
+                <a:solidFill>
+                  <a:schemeClr val="tx1"/>
+                </a:solidFill>
+              </a:rPr>
+              <a:t>) * 4 poses</a:t>
+            </a:r>
+          </a:p>
+        </p:txBody>
+      </p:sp>
+      <p:graphicFrame>
+        <p:nvGraphicFramePr>
+          <p:cNvPr id="22" name="オブジェクト 21">
+            <a:extLst>
+              <a:ext uri="{FF2B5EF4-FFF2-40B4-BE49-F238E27FC236}">
+                <a16:creationId xmlns:a16="http://schemas.microsoft.com/office/drawing/2014/main" id="{24DD5BA3-652F-4B45-8678-61970983FEF2}"/>
+              </a:ext>
+            </a:extLst>
+          </p:cNvPr>
+          <p:cNvGraphicFramePr>
+            <a:graphicFrameLocks noChangeAspect="1"/>
+          </p:cNvGraphicFramePr>
+          <p:nvPr>
+            <p:extLst>
+              <p:ext uri="{D42A27DB-BD31-4B8C-83A1-F6EECF244321}">
+                <p14:modId xmlns:p14="http://schemas.microsoft.com/office/powerpoint/2010/main" val="398829265"/>
+              </p:ext>
+            </p:extLst>
+          </p:nvPr>
+        </p:nvGraphicFramePr>
+        <p:xfrm>
+          <a:off x="634412" y="4934308"/>
+          <a:ext cx="3505200" cy="914400"/>
+        </p:xfrm>
+        <a:graphic>
+          <a:graphicData uri="http://schemas.openxmlformats.org/presentationml/2006/ole">
+            <mc:AlternateContent xmlns:mc="http://schemas.openxmlformats.org/markup-compatibility/2006">
+              <mc:Choice xmlns:v="urn:schemas-microsoft-com:vml" Requires="v">
+                <p:oleObj name="Equation" r:id="rId2" imgW="2336760" imgH="609480" progId="Equation.DSMT4">
+                  <p:embed/>
+                </p:oleObj>
+              </mc:Choice>
+              <mc:Fallback>
+                <p:oleObj name="Equation" r:id="rId2" imgW="2336760" imgH="609480" progId="Equation.DSMT4">
+                  <p:embed/>
+                  <p:pic>
+                    <p:nvPicPr>
+                      <p:cNvPr id="0" name=""/>
+                      <p:cNvPicPr/>
+                      <p:nvPr/>
+                    </p:nvPicPr>
+                    <p:blipFill>
+                      <a:blip r:embed="rId3"/>
+                      <a:stretch>
+                        <a:fillRect/>
+                      </a:stretch>
+                    </p:blipFill>
+                    <p:spPr>
+                      <a:xfrm>
+                        <a:off x="634412" y="4934308"/>
+                        <a:ext cx="3505200" cy="914400"/>
+                      </a:xfrm>
+                      <a:prstGeom prst="rect">
+                        <a:avLst/>
+                      </a:prstGeom>
+                    </p:spPr>
+                  </p:pic>
+                </p:oleObj>
+              </mc:Fallback>
+            </mc:AlternateContent>
+          </a:graphicData>
+        </a:graphic>
+      </p:graphicFrame>
+      <p:graphicFrame>
+        <p:nvGraphicFramePr>
+          <p:cNvPr id="23" name="オブジェクト 22">
+            <a:extLst>
+              <a:ext uri="{FF2B5EF4-FFF2-40B4-BE49-F238E27FC236}">
+                <a16:creationId xmlns:a16="http://schemas.microsoft.com/office/drawing/2014/main" id="{BEA00929-C5A4-48F6-897C-BDC6C5F46719}"/>
+              </a:ext>
+            </a:extLst>
+          </p:cNvPr>
+          <p:cNvGraphicFramePr>
+            <a:graphicFrameLocks noChangeAspect="1"/>
+          </p:cNvGraphicFramePr>
+          <p:nvPr>
+            <p:extLst>
+              <p:ext uri="{D42A27DB-BD31-4B8C-83A1-F6EECF244321}">
+                <p14:modId xmlns:p14="http://schemas.microsoft.com/office/powerpoint/2010/main" val="1998469288"/>
+              </p:ext>
+            </p:extLst>
+          </p:nvPr>
+        </p:nvGraphicFramePr>
+        <p:xfrm>
+          <a:off x="10382572" y="4945897"/>
+          <a:ext cx="838200" cy="914400"/>
+        </p:xfrm>
+        <a:graphic>
+          <a:graphicData uri="http://schemas.openxmlformats.org/presentationml/2006/ole">
+            <mc:AlternateContent xmlns:mc="http://schemas.openxmlformats.org/markup-compatibility/2006">
+              <mc:Choice xmlns:v="urn:schemas-microsoft-com:vml" Requires="v">
+                <p:oleObj name="Equation" r:id="rId4" imgW="558720" imgH="609480" progId="Equation.DSMT4">
+                  <p:embed/>
+                </p:oleObj>
+              </mc:Choice>
+              <mc:Fallback>
+                <p:oleObj name="Equation" r:id="rId4" imgW="558720" imgH="609480" progId="Equation.DSMT4">
+                  <p:embed/>
+                  <p:pic>
+                    <p:nvPicPr>
+                      <p:cNvPr id="22" name="オブジェクト 21">
+                        <a:extLst>
+                          <a:ext uri="{FF2B5EF4-FFF2-40B4-BE49-F238E27FC236}">
+                            <a16:creationId xmlns:a16="http://schemas.microsoft.com/office/drawing/2014/main" id="{24DD5BA3-652F-4B45-8678-61970983FEF2}"/>
+                          </a:ext>
+                        </a:extLst>
+                      </p:cNvPr>
+                      <p:cNvPicPr/>
+                      <p:nvPr/>
+                    </p:nvPicPr>
+                    <p:blipFill>
+                      <a:blip r:embed="rId5"/>
+                      <a:stretch>
+                        <a:fillRect/>
+                      </a:stretch>
+                    </p:blipFill>
+                    <p:spPr>
+                      <a:xfrm>
+                        <a:off x="10382572" y="4945897"/>
+                        <a:ext cx="838200" cy="914400"/>
+                      </a:xfrm>
+                      <a:prstGeom prst="rect">
+                        <a:avLst/>
+                      </a:prstGeom>
+                    </p:spPr>
+                  </p:pic>
+                </p:oleObj>
+              </mc:Fallback>
+            </mc:AlternateContent>
+          </a:graphicData>
+        </a:graphic>
+      </p:graphicFrame>
     </p:spTree>
     <p:extLst>
       <p:ext uri="{BB962C8B-B14F-4D97-AF65-F5344CB8AC3E}">
         <p14:creationId xmlns:p14="http://schemas.microsoft.com/office/powerpoint/2010/main" val="364722783"/>
+      </p:ext>
+    </p:extLst>
+  </p:cSld>
+  <p:clrMapOvr>
+    <a:masterClrMapping/>
+  </p:clrMapOvr>
+</p:sld>
+</file>
+
+<file path=ppt/slides/slide5.xml><?xml version="1.0" encoding="utf-8"?>
+<p:sld xmlns:a="http://schemas.openxmlformats.org/drawingml/2006/main" xmlns:r="http://schemas.openxmlformats.org/officeDocument/2006/relationships" xmlns:p="http://schemas.openxmlformats.org/presentationml/2006/main">
+  <p:cSld>
+    <p:spTree>
+      <p:nvGrpSpPr>
+        <p:cNvPr id="1" name=""/>
+        <p:cNvGrpSpPr/>
+        <p:nvPr/>
+      </p:nvGrpSpPr>
+      <p:grpSpPr>
+        <a:xfrm>
+          <a:off x="0" y="0"/>
+          <a:ext cx="0" cy="0"/>
+          <a:chOff x="0" y="0"/>
+          <a:chExt cx="0" cy="0"/>
+        </a:xfrm>
+      </p:grpSpPr>
+      <p:sp>
+        <p:nvSpPr>
+          <p:cNvPr id="2" name="タイトル 1">
+            <a:extLst>
+              <a:ext uri="{FF2B5EF4-FFF2-40B4-BE49-F238E27FC236}">
+                <a16:creationId xmlns:a16="http://schemas.microsoft.com/office/drawing/2014/main" id="{6671281E-9374-43A1-A158-62D0891C846D}"/>
+              </a:ext>
+            </a:extLst>
+          </p:cNvPr>
+          <p:cNvSpPr>
+            <a:spLocks noGrp="1"/>
+          </p:cNvSpPr>
+          <p:nvPr>
+            <p:ph type="title"/>
+          </p:nvPr>
+        </p:nvSpPr>
+        <p:spPr/>
+        <p:txBody>
+          <a:bodyPr/>
+          <a:lstStyle/>
+          <a:p>
+            <a:endParaRPr kumimoji="1" lang="ja-JP" altLang="en-US"/>
+          </a:p>
+        </p:txBody>
+      </p:sp>
+      <p:sp>
+        <p:nvSpPr>
+          <p:cNvPr id="3" name="日付プレースホルダー 2">
+            <a:extLst>
+              <a:ext uri="{FF2B5EF4-FFF2-40B4-BE49-F238E27FC236}">
+                <a16:creationId xmlns:a16="http://schemas.microsoft.com/office/drawing/2014/main" id="{86F1A822-292F-456B-A237-82F3046E1202}"/>
+              </a:ext>
+            </a:extLst>
+          </p:cNvPr>
+          <p:cNvSpPr>
+            <a:spLocks noGrp="1"/>
+          </p:cNvSpPr>
+          <p:nvPr>
+            <p:ph type="dt" sz="half" idx="10"/>
+          </p:nvPr>
+        </p:nvSpPr>
+        <p:spPr/>
+        <p:txBody>
+          <a:bodyPr/>
+          <a:lstStyle/>
+          <a:p>
+            <a:r>
+              <a:rPr kumimoji="1" lang="en-US" altLang="ja-JP"/>
+              <a:t>2021-03-14</a:t>
+            </a:r>
+            <a:endParaRPr kumimoji="1" lang="ja-JP" altLang="en-US"/>
+          </a:p>
+        </p:txBody>
+      </p:sp>
+      <p:sp>
+        <p:nvSpPr>
+          <p:cNvPr id="4" name="フッター プレースホルダー 3">
+            <a:extLst>
+              <a:ext uri="{FF2B5EF4-FFF2-40B4-BE49-F238E27FC236}">
+                <a16:creationId xmlns:a16="http://schemas.microsoft.com/office/drawing/2014/main" id="{3608E0ED-4223-48F6-B6E6-DC4A745F63BA}"/>
+              </a:ext>
+            </a:extLst>
+          </p:cNvPr>
+          <p:cNvSpPr>
+            <a:spLocks noGrp="1"/>
+          </p:cNvSpPr>
+          <p:nvPr>
+            <p:ph type="ftr" sz="quarter" idx="11"/>
+          </p:nvPr>
+        </p:nvSpPr>
+        <p:spPr/>
+        <p:txBody>
+          <a:bodyPr/>
+          <a:lstStyle/>
+          <a:p>
+            <a:r>
+              <a:rPr kumimoji="1" lang="en-US" altLang="ja-JP"/>
+              <a:t>K.Naruse(UAizu) Robot Arm Forward Kinematics: C++ Coding</a:t>
+            </a:r>
+            <a:endParaRPr kumimoji="1" lang="ja-JP" altLang="en-US"/>
+          </a:p>
+        </p:txBody>
+      </p:sp>
+      <p:sp>
+        <p:nvSpPr>
+          <p:cNvPr id="5" name="スライド番号プレースホルダー 4">
+            <a:extLst>
+              <a:ext uri="{FF2B5EF4-FFF2-40B4-BE49-F238E27FC236}">
+                <a16:creationId xmlns:a16="http://schemas.microsoft.com/office/drawing/2014/main" id="{303CF64A-E5BC-4234-8C33-56A888B02EA6}"/>
+              </a:ext>
+            </a:extLst>
+          </p:cNvPr>
+          <p:cNvSpPr>
+            <a:spLocks noGrp="1"/>
+          </p:cNvSpPr>
+          <p:nvPr>
+            <p:ph type="sldNum" sz="quarter" idx="12"/>
+          </p:nvPr>
+        </p:nvSpPr>
+        <p:spPr/>
+        <p:txBody>
+          <a:bodyPr/>
+          <a:lstStyle/>
+          <a:p>
+            <a:fld id="{CCD68D70-93DA-4EE4-9A1A-18650286EF01}" type="slidenum">
+              <a:rPr kumimoji="1" lang="ja-JP" altLang="en-US" smtClean="0"/>
+              <a:t>5</a:t>
+            </a:fld>
+            <a:endParaRPr kumimoji="1" lang="ja-JP" altLang="en-US"/>
+          </a:p>
+        </p:txBody>
+      </p:sp>
+      <p:sp>
+        <p:nvSpPr>
+          <p:cNvPr id="6" name="テキスト ボックス 5">
+            <a:extLst>
+              <a:ext uri="{FF2B5EF4-FFF2-40B4-BE49-F238E27FC236}">
+                <a16:creationId xmlns:a16="http://schemas.microsoft.com/office/drawing/2014/main" id="{3D43A0DE-8B21-49C4-9886-FAB7BE0A4020}"/>
+              </a:ext>
+            </a:extLst>
+          </p:cNvPr>
+          <p:cNvSpPr txBox="1"/>
+          <p:nvPr/>
+        </p:nvSpPr>
+        <p:spPr>
+          <a:xfrm>
+            <a:off x="491861" y="3081218"/>
+            <a:ext cx="10394994" cy="646331"/>
+          </a:xfrm>
+          <a:prstGeom prst="rect">
+            <a:avLst/>
+          </a:prstGeom>
+          <a:noFill/>
+        </p:spPr>
+        <p:txBody>
+          <a:bodyPr wrap="square">
+            <a:spAutoFit/>
+          </a:bodyPr>
+          <a:lstStyle/>
+          <a:p>
+            <a:r>
+              <a:rPr lang="en-US" altLang="ja-JP" b="0" dirty="0">
+                <a:effectLst/>
+                <a:latin typeface="Courier New" panose="02070309020205020404" pitchFamily="49" charset="0"/>
+                <a:cs typeface="Courier New" panose="02070309020205020404" pitchFamily="49" charset="0"/>
+              </a:rPr>
+              <a:t>Eigen::Matrix&lt;double, 3, 4&gt; </a:t>
+            </a:r>
+            <a:r>
+              <a:rPr lang="en-US" altLang="ja-JP" b="0" dirty="0" err="1">
+                <a:effectLst/>
+                <a:latin typeface="Courier New" panose="02070309020205020404" pitchFamily="49" charset="0"/>
+                <a:cs typeface="Courier New" panose="02070309020205020404" pitchFamily="49" charset="0"/>
+              </a:rPr>
+              <a:t>fk</a:t>
+            </a:r>
+            <a:r>
+              <a:rPr lang="en-US" altLang="ja-JP" b="0" dirty="0">
+                <a:effectLst/>
+                <a:latin typeface="Courier New" panose="02070309020205020404" pitchFamily="49" charset="0"/>
+                <a:cs typeface="Courier New" panose="02070309020205020404" pitchFamily="49" charset="0"/>
+              </a:rPr>
+              <a:t>(const Eigen::Vector3d&amp; q)</a:t>
+            </a:r>
+          </a:p>
+          <a:p>
+            <a:r>
+              <a:rPr lang="en-US" altLang="ja-JP" b="0" dirty="0">
+                <a:effectLst/>
+                <a:latin typeface="Courier New" panose="02070309020205020404" pitchFamily="49" charset="0"/>
+                <a:cs typeface="Courier New" panose="02070309020205020404" pitchFamily="49" charset="0"/>
+              </a:rPr>
+              <a:t>{</a:t>
+            </a:r>
+          </a:p>
+        </p:txBody>
+      </p:sp>
+    </p:spTree>
+    <p:extLst>
+      <p:ext uri="{BB962C8B-B14F-4D97-AF65-F5344CB8AC3E}">
+        <p14:creationId xmlns:p14="http://schemas.microsoft.com/office/powerpoint/2010/main" val="2612931525"/>
       </p:ext>
     </p:extLst>
   </p:cSld>

--- a/doc/slides/Robot-Arm-Forward-Kinematics-CPP-Code.pptx
+++ b/doc/slides/Robot-Arm-Forward-Kinematics-CPP-Code.pptx
@@ -5,10 +5,10 @@
     <p:sldMasterId id="2147483732" r:id="rId1"/>
   </p:sldMasterIdLst>
   <p:notesMasterIdLst>
-    <p:notesMasterId r:id="rId7"/>
+    <p:notesMasterId r:id="rId8"/>
   </p:notesMasterIdLst>
   <p:handoutMasterIdLst>
-    <p:handoutMasterId r:id="rId8"/>
+    <p:handoutMasterId r:id="rId9"/>
   </p:handoutMasterIdLst>
   <p:sldIdLst>
     <p:sldId id="273" r:id="rId2"/>
@@ -16,6 +16,7 @@
     <p:sldId id="275" r:id="rId4"/>
     <p:sldId id="272" r:id="rId5"/>
     <p:sldId id="274" r:id="rId6"/>
+    <p:sldId id="276" r:id="rId7"/>
   </p:sldIdLst>
   <p:sldSz cx="12192000" cy="6858000"/>
   <p:notesSz cx="6858000" cy="9144000"/>
@@ -230,7 +231,7 @@
           <a:p>
             <a:fld id="{9BDC461C-9488-4B33-8404-FB69A384252D}" type="datetimeFigureOut">
               <a:rPr kumimoji="1" lang="ja-JP" altLang="en-US" smtClean="0"/>
-              <a:t>2021/3/14</a:t>
+              <a:t>2021/3/15</a:t>
             </a:fld>
             <a:endParaRPr kumimoji="1" lang="ja-JP" altLang="en-US"/>
           </a:p>
@@ -407,7 +408,7 @@
           <a:p>
             <a:fld id="{4F23D6BA-2164-40E7-BA8B-970E642CDFC3}" type="datetimeFigureOut">
               <a:rPr kumimoji="1" lang="ja-JP" altLang="en-US" smtClean="0"/>
-              <a:t>2021/3/14</a:t>
+              <a:t>2021/3/15</a:t>
             </a:fld>
             <a:endParaRPr kumimoji="1" lang="ja-JP" altLang="en-US"/>
           </a:p>
@@ -894,7 +895,7 @@
           <a:p>
             <a:r>
               <a:rPr kumimoji="1" lang="en-US" altLang="ja-JP"/>
-              <a:t>2021-03-14</a:t>
+              <a:t>2021-03-15</a:t>
             </a:r>
             <a:endParaRPr kumimoji="1" lang="ja-JP" altLang="en-US"/>
           </a:p>
@@ -1106,7 +1107,7 @@
           <a:p>
             <a:r>
               <a:rPr kumimoji="1" lang="en-US" altLang="ja-JP"/>
-              <a:t>2021-03-14</a:t>
+              <a:t>2021-03-15</a:t>
             </a:r>
             <a:endParaRPr kumimoji="1" lang="ja-JP" altLang="en-US"/>
           </a:p>
@@ -1323,7 +1324,7 @@
           <a:p>
             <a:r>
               <a:rPr kumimoji="1" lang="en-US" altLang="ja-JP"/>
-              <a:t>2021-03-14</a:t>
+              <a:t>2021-03-15</a:t>
             </a:r>
             <a:endParaRPr kumimoji="1" lang="ja-JP" altLang="en-US"/>
           </a:p>
@@ -1559,7 +1560,7 @@
           <a:p>
             <a:r>
               <a:rPr kumimoji="1" lang="en-US" altLang="ja-JP"/>
-              <a:t>2021-03-14</a:t>
+              <a:t>2021-03-15</a:t>
             </a:r>
             <a:endParaRPr kumimoji="1" lang="ja-JP" altLang="en-US" dirty="0"/>
           </a:p>
@@ -1814,7 +1815,7 @@
           <a:p>
             <a:r>
               <a:rPr kumimoji="1" lang="en-US" altLang="ja-JP"/>
-              <a:t>2021-03-14</a:t>
+              <a:t>2021-03-15</a:t>
             </a:r>
             <a:endParaRPr kumimoji="1" lang="ja-JP" altLang="en-US"/>
           </a:p>
@@ -2176,7 +2177,7 @@
           <a:p>
             <a:r>
               <a:rPr kumimoji="1" lang="en-US" altLang="ja-JP"/>
-              <a:t>2021-03-14</a:t>
+              <a:t>2021-03-15</a:t>
             </a:r>
             <a:endParaRPr kumimoji="1" lang="ja-JP" altLang="en-US"/>
           </a:p>
@@ -2677,7 +2678,7 @@
           <a:p>
             <a:r>
               <a:rPr kumimoji="1" lang="en-US" altLang="ja-JP"/>
-              <a:t>2021-03-14</a:t>
+              <a:t>2021-03-15</a:t>
             </a:r>
             <a:endParaRPr kumimoji="1" lang="ja-JP" altLang="en-US"/>
           </a:p>
@@ -2805,7 +2806,7 @@
           <a:p>
             <a:r>
               <a:rPr kumimoji="1" lang="en-US" altLang="ja-JP"/>
-              <a:t>2021-03-14</a:t>
+              <a:t>2021-03-15</a:t>
             </a:r>
             <a:endParaRPr kumimoji="1" lang="ja-JP" altLang="en-US"/>
           </a:p>
@@ -2904,7 +2905,7 @@
           <a:p>
             <a:r>
               <a:rPr kumimoji="1" lang="en-US" altLang="ja-JP"/>
-              <a:t>2021-03-14</a:t>
+              <a:t>2021-03-15</a:t>
             </a:r>
             <a:endParaRPr kumimoji="1" lang="ja-JP" altLang="en-US"/>
           </a:p>
@@ -3221,7 +3222,7 @@
           <a:p>
             <a:r>
               <a:rPr kumimoji="1" lang="en-US" altLang="ja-JP"/>
-              <a:t>2021-03-14</a:t>
+              <a:t>2021-03-15</a:t>
             </a:r>
             <a:endParaRPr kumimoji="1" lang="ja-JP" altLang="en-US"/>
           </a:p>
@@ -3486,7 +3487,7 @@
           <a:p>
             <a:r>
               <a:rPr kumimoji="1" lang="en-US" altLang="ja-JP"/>
-              <a:t>2021-03-14</a:t>
+              <a:t>2021-03-15</a:t>
             </a:r>
             <a:endParaRPr kumimoji="1" lang="ja-JP" altLang="en-US"/>
           </a:p>
@@ -3731,7 +3732,7 @@
           <a:p>
             <a:r>
               <a:rPr lang="en-US" altLang="ja-JP"/>
-              <a:t>2021-03-14</a:t>
+              <a:t>2021-03-15</a:t>
             </a:r>
             <a:endParaRPr lang="ja-JP" altLang="en-US" dirty="0"/>
           </a:p>
@@ -6167,7 +6168,7 @@
           <a:p>
             <a:r>
               <a:rPr kumimoji="1" lang="en-US" altLang="ja-JP"/>
-              <a:t>2021-03-14</a:t>
+              <a:t>2021-03-15</a:t>
             </a:r>
             <a:endParaRPr kumimoji="1" lang="ja-JP" altLang="en-US"/>
           </a:p>
@@ -7858,25 +7859,25 @@
           <p:nvPr>
             <p:extLst>
               <p:ext uri="{D42A27DB-BD31-4B8C-83A1-F6EECF244321}">
-                <p14:modId xmlns:p14="http://schemas.microsoft.com/office/powerpoint/2010/main" val="3256557394"/>
+                <p14:modId xmlns:p14="http://schemas.microsoft.com/office/powerpoint/2010/main" val="1050073489"/>
               </p:ext>
             </p:extLst>
           </p:nvPr>
         </p:nvGraphicFramePr>
         <p:xfrm>
-          <a:off x="7975408" y="5321300"/>
-          <a:ext cx="3505200" cy="914400"/>
+          <a:off x="7985125" y="5321300"/>
+          <a:ext cx="3486150" cy="914400"/>
         </p:xfrm>
         <a:graphic>
           <a:graphicData uri="http://schemas.openxmlformats.org/presentationml/2006/ole">
             <mc:AlternateContent xmlns:mc="http://schemas.openxmlformats.org/markup-compatibility/2006">
               <mc:Choice xmlns:v="urn:schemas-microsoft-com:vml" Requires="v">
-                <p:oleObj name="Equation" r:id="rId22" imgW="2336760" imgH="609480" progId="Equation.DSMT4">
+                <p:oleObj name="Equation" r:id="rId22" imgW="2323800" imgH="609480" progId="Equation.DSMT4">
                   <p:embed/>
                 </p:oleObj>
               </mc:Choice>
               <mc:Fallback>
-                <p:oleObj name="Equation" r:id="rId22" imgW="2336760" imgH="609480" progId="Equation.DSMT4">
+                <p:oleObj name="Equation" r:id="rId22" imgW="2323800" imgH="609480" progId="Equation.DSMT4">
                   <p:embed/>
                   <p:pic>
                     <p:nvPicPr>
@@ -7898,8 +7899,8 @@
                     </p:blipFill>
                     <p:spPr>
                       <a:xfrm>
-                        <a:off x="7975408" y="5321300"/>
-                        <a:ext cx="3505200" cy="914400"/>
+                        <a:off x="7985125" y="5321300"/>
+                        <a:ext cx="3486150" cy="914400"/>
                       </a:xfrm>
                       <a:prstGeom prst="rect">
                         <a:avLst/>
@@ -7927,7 +7928,7 @@
           <p:nvPr>
             <p:extLst>
               <p:ext uri="{D42A27DB-BD31-4B8C-83A1-F6EECF244321}">
-                <p14:modId xmlns:p14="http://schemas.microsoft.com/office/powerpoint/2010/main" val="2012168761"/>
+                <p14:modId xmlns:p14="http://schemas.microsoft.com/office/powerpoint/2010/main" val="2650501182"/>
               </p:ext>
             </p:extLst>
           </p:nvPr>
@@ -8398,7 +8399,7 @@
           <a:p>
             <a:r>
               <a:rPr kumimoji="1" lang="en-US" altLang="ja-JP"/>
-              <a:t>2021-03-14</a:t>
+              <a:t>2021-03-15</a:t>
             </a:r>
             <a:endParaRPr kumimoji="1" lang="ja-JP" altLang="en-US"/>
           </a:p>
@@ -8735,12 +8736,16 @@
               <a:t>をインストールして，</a:t>
             </a:r>
             <a:r>
-              <a:rPr lang="en-US" altLang="ja-JP" sz="1200" dirty="0"/>
-              <a:t>Linux</a:t>
+              <a:rPr lang="en-US" altLang="ja-JP" sz="1200"/>
+              <a:t>Ubuntu18.04</a:t>
+            </a:r>
+            <a:r>
+              <a:rPr lang="ja-JP" altLang="en-US" sz="1200"/>
+              <a:t>上</a:t>
             </a:r>
             <a:r>
               <a:rPr lang="ja-JP" altLang="en-US" sz="1200" dirty="0"/>
-              <a:t>上で開発することをお勧めします</a:t>
+              <a:t>で開発することをお勧めします</a:t>
             </a:r>
             <a:endParaRPr lang="en-US" altLang="ja-JP" sz="1200" dirty="0"/>
           </a:p>
@@ -8816,19 +8821,19 @@
               <a:rPr lang="en-US" altLang="ja-JP" sz="2400" b="0" i="0" u="none" strike="noStrike" dirty="0">
                 <a:cs typeface="Courier New" panose="02070309020205020404" pitchFamily="49" charset="0"/>
               </a:rPr>
-              <a:t>Required include files and </a:t>
+              <a:t>Required Include Files and </a:t>
             </a:r>
             <a:r>
               <a:rPr lang="en-US" altLang="ja-JP" sz="2400" dirty="0">
                 <a:cs typeface="Courier New" panose="02070309020205020404" pitchFamily="49" charset="0"/>
               </a:rPr>
-              <a:t>f</a:t>
+              <a:t>F</a:t>
             </a:r>
             <a:r>
               <a:rPr lang="en-US" altLang="ja-JP" sz="2400" b="0" i="0" u="none" strike="noStrike" dirty="0">
                 <a:cs typeface="Courier New" panose="02070309020205020404" pitchFamily="49" charset="0"/>
               </a:rPr>
-              <a:t>orward kinematics function</a:t>
+              <a:t>orward Kinematics Function</a:t>
             </a:r>
             <a:endParaRPr kumimoji="1" lang="ja-JP" altLang="en-US" dirty="0"/>
           </a:p>
@@ -8857,7 +8862,7 @@
           <a:p>
             <a:r>
               <a:rPr kumimoji="1" lang="en-US" altLang="ja-JP"/>
-              <a:t>2021-03-14</a:t>
+              <a:t>2021-03-15</a:t>
             </a:r>
             <a:endParaRPr kumimoji="1" lang="ja-JP" altLang="en-US"/>
           </a:p>
@@ -8995,8 +9000,8 @@
             <a:avLst>
               <a:gd name="adj1" fmla="val 18751"/>
               <a:gd name="adj2" fmla="val -3417"/>
-              <a:gd name="adj3" fmla="val 90189"/>
-              <a:gd name="adj4" fmla="val -83326"/>
+              <a:gd name="adj3" fmla="val 10325"/>
+              <a:gd name="adj4" fmla="val -98420"/>
             </a:avLst>
           </a:prstGeom>
           <a:noFill/>
@@ -9075,8 +9080,8 @@
             <a:avLst>
               <a:gd name="adj1" fmla="val 12658"/>
               <a:gd name="adj2" fmla="val -3417"/>
-              <a:gd name="adj3" fmla="val 14253"/>
-              <a:gd name="adj4" fmla="val -80641"/>
+              <a:gd name="adj3" fmla="val -85249"/>
+              <a:gd name="adj4" fmla="val -98351"/>
             </a:avLst>
           </a:prstGeom>
           <a:noFill/>
@@ -9155,8 +9160,8 @@
             <a:avLst>
               <a:gd name="adj1" fmla="val 18751"/>
               <a:gd name="adj2" fmla="val -3885"/>
-              <a:gd name="adj3" fmla="val -52277"/>
-              <a:gd name="adj4" fmla="val -50264"/>
+              <a:gd name="adj3" fmla="val -175346"/>
+              <a:gd name="adj4" fmla="val -88502"/>
             </a:avLst>
           </a:prstGeom>
           <a:noFill/>
@@ -9236,8 +9241,8 @@
         </p:nvSpPr>
         <p:spPr>
           <a:xfrm>
-            <a:off x="648072" y="1988840"/>
-            <a:ext cx="4511824" cy="923330"/>
+            <a:off x="648072" y="1556792"/>
+            <a:ext cx="4511824" cy="600164"/>
           </a:xfrm>
           <a:prstGeom prst="rect">
             <a:avLst/>
@@ -9251,7 +9256,7 @@
           <a:lstStyle/>
           <a:p>
             <a:r>
-              <a:rPr lang="en-US" altLang="ja-JP" b="0" dirty="0">
+              <a:rPr lang="en-US" altLang="ja-JP" sz="1100" b="0" dirty="0">
                 <a:effectLst/>
                 <a:latin typeface="Courier New" panose="02070309020205020404" pitchFamily="49" charset="0"/>
                 <a:cs typeface="Courier New" panose="02070309020205020404" pitchFamily="49" charset="0"/>
@@ -9261,7 +9266,7 @@
           </a:p>
           <a:p>
             <a:r>
-              <a:rPr lang="en-US" altLang="ja-JP" b="0" dirty="0">
+              <a:rPr lang="en-US" altLang="ja-JP" sz="1100" b="0" dirty="0">
                 <a:effectLst/>
                 <a:latin typeface="Courier New" panose="02070309020205020404" pitchFamily="49" charset="0"/>
                 <a:cs typeface="Courier New" panose="02070309020205020404" pitchFamily="49" charset="0"/>
@@ -9269,7 +9274,7 @@
               <a:t>#include &lt;</a:t>
             </a:r>
             <a:r>
-              <a:rPr lang="en-US" altLang="ja-JP" b="0" dirty="0" err="1">
+              <a:rPr lang="en-US" altLang="ja-JP" sz="1100" b="0" dirty="0" err="1">
                 <a:effectLst/>
                 <a:latin typeface="Courier New" panose="02070309020205020404" pitchFamily="49" charset="0"/>
                 <a:cs typeface="Courier New" panose="02070309020205020404" pitchFamily="49" charset="0"/>
@@ -9277,7 +9282,7 @@
               <a:t>cmath</a:t>
             </a:r>
             <a:r>
-              <a:rPr lang="en-US" altLang="ja-JP" b="0" dirty="0">
+              <a:rPr lang="en-US" altLang="ja-JP" sz="1100" b="0" dirty="0">
                 <a:effectLst/>
                 <a:latin typeface="Courier New" panose="02070309020205020404" pitchFamily="49" charset="0"/>
                 <a:cs typeface="Courier New" panose="02070309020205020404" pitchFamily="49" charset="0"/>
@@ -9287,7 +9292,7 @@
           </a:p>
           <a:p>
             <a:r>
-              <a:rPr lang="en-US" altLang="ja-JP" b="0" dirty="0">
+              <a:rPr lang="en-US" altLang="ja-JP" sz="1100" b="0" dirty="0">
                 <a:effectLst/>
                 <a:latin typeface="Courier New" panose="02070309020205020404" pitchFamily="49" charset="0"/>
                 <a:cs typeface="Courier New" panose="02070309020205020404" pitchFamily="49" charset="0"/>
@@ -9311,8 +9316,8 @@
         </p:nvSpPr>
         <p:spPr>
           <a:xfrm>
-            <a:off x="609600" y="3717032"/>
-            <a:ext cx="7862664" cy="369332"/>
+            <a:off x="651157" y="2410723"/>
+            <a:ext cx="7862664" cy="1954381"/>
           </a:xfrm>
           <a:prstGeom prst="rect">
             <a:avLst/>
@@ -9326,7 +9331,7 @@
           <a:lstStyle/>
           <a:p>
             <a:r>
-              <a:rPr lang="en-US" altLang="ja-JP" b="0" dirty="0">
+              <a:rPr lang="en-US" altLang="ja-JP" sz="1100" b="0" dirty="0">
                 <a:effectLst/>
                 <a:latin typeface="Courier New" panose="02070309020205020404" pitchFamily="49" charset="0"/>
                 <a:cs typeface="Courier New" panose="02070309020205020404" pitchFamily="49" charset="0"/>
@@ -9334,7 +9339,7 @@
               <a:t>Eigen::Matrix&lt;double, 3, 4&gt; </a:t>
             </a:r>
             <a:r>
-              <a:rPr lang="en-US" altLang="ja-JP" b="0" dirty="0" err="1">
+              <a:rPr lang="en-US" altLang="ja-JP" sz="1100" b="0" dirty="0" err="1">
                 <a:effectLst/>
                 <a:latin typeface="Courier New" panose="02070309020205020404" pitchFamily="49" charset="0"/>
                 <a:cs typeface="Courier New" panose="02070309020205020404" pitchFamily="49" charset="0"/>
@@ -9342,12 +9347,116 @@
               <a:t>fk</a:t>
             </a:r>
             <a:r>
-              <a:rPr lang="en-US" altLang="ja-JP" b="0" dirty="0">
+              <a:rPr lang="en-US" altLang="ja-JP" sz="1100" b="0" dirty="0">
                 <a:effectLst/>
                 <a:latin typeface="Courier New" panose="02070309020205020404" pitchFamily="49" charset="0"/>
                 <a:cs typeface="Courier New" panose="02070309020205020404" pitchFamily="49" charset="0"/>
               </a:rPr>
               <a:t>(const Eigen::Vector3d&amp; q)</a:t>
+            </a:r>
+          </a:p>
+          <a:p>
+            <a:r>
+              <a:rPr lang="en-US" altLang="ja-JP" sz="1100" b="0" dirty="0">
+                <a:effectLst/>
+                <a:latin typeface="Courier New" panose="02070309020205020404" pitchFamily="49" charset="0"/>
+                <a:cs typeface="Courier New" panose="02070309020205020404" pitchFamily="49" charset="0"/>
+              </a:rPr>
+              <a:t>{</a:t>
+            </a:r>
+          </a:p>
+          <a:p>
+            <a:r>
+              <a:rPr lang="en-US" altLang="ja-JP" sz="1100" dirty="0">
+                <a:latin typeface="Courier New" panose="02070309020205020404" pitchFamily="49" charset="0"/>
+                <a:cs typeface="Courier New" panose="02070309020205020404" pitchFamily="49" charset="0"/>
+              </a:rPr>
+              <a:t>    </a:t>
+            </a:r>
+            <a:r>
+              <a:rPr lang="en-US" altLang="ja-JP" sz="1100" b="0" dirty="0">
+                <a:effectLst/>
+                <a:latin typeface="Courier New" panose="02070309020205020404" pitchFamily="49" charset="0"/>
+                <a:cs typeface="Courier New" panose="02070309020205020404" pitchFamily="49" charset="0"/>
+              </a:rPr>
+              <a:t>//  Robot arm link parameters</a:t>
+            </a:r>
+          </a:p>
+          <a:p>
+            <a:r>
+              <a:rPr lang="en-US" altLang="ja-JP" sz="1100" b="0" dirty="0">
+                <a:effectLst/>
+                <a:latin typeface="Courier New" panose="02070309020205020404" pitchFamily="49" charset="0"/>
+                <a:cs typeface="Courier New" panose="02070309020205020404" pitchFamily="49" charset="0"/>
+              </a:rPr>
+              <a:t>    const double L1 = 1.0, L2 = 1.0, L3 = 1.0;</a:t>
+            </a:r>
+          </a:p>
+          <a:p>
+            <a:endParaRPr lang="en-US" altLang="ja-JP" sz="1100" b="0" dirty="0">
+              <a:effectLst/>
+              <a:latin typeface="Courier New" panose="02070309020205020404" pitchFamily="49" charset="0"/>
+              <a:cs typeface="Courier New" panose="02070309020205020404" pitchFamily="49" charset="0"/>
+            </a:endParaRPr>
+          </a:p>
+          <a:p>
+            <a:r>
+              <a:rPr lang="en-US" altLang="ja-JP" sz="1100" b="0" dirty="0">
+                <a:effectLst/>
+                <a:latin typeface="Courier New" panose="02070309020205020404" pitchFamily="49" charset="0"/>
+                <a:cs typeface="Courier New" panose="02070309020205020404" pitchFamily="49" charset="0"/>
+              </a:rPr>
+              <a:t>    //  A pose vector of joints and hand</a:t>
+            </a:r>
+          </a:p>
+          <a:p>
+            <a:r>
+              <a:rPr lang="en-US" altLang="ja-JP" sz="1100" b="0" dirty="0">
+                <a:effectLst/>
+                <a:latin typeface="Courier New" panose="02070309020205020404" pitchFamily="49" charset="0"/>
+                <a:cs typeface="Courier New" panose="02070309020205020404" pitchFamily="49" charset="0"/>
+              </a:rPr>
+              <a:t>    Eigen::Vector3d p0, p1, p2, p3;</a:t>
+            </a:r>
+          </a:p>
+          <a:p>
+            <a:r>
+              <a:rPr lang="en-US" altLang="ja-JP" sz="1100" b="0" dirty="0">
+                <a:effectLst/>
+                <a:latin typeface="Courier New" panose="02070309020205020404" pitchFamily="49" charset="0"/>
+                <a:cs typeface="Courier New" panose="02070309020205020404" pitchFamily="49" charset="0"/>
+              </a:rPr>
+              <a:t>    </a:t>
+            </a:r>
+          </a:p>
+          <a:p>
+            <a:r>
+              <a:rPr lang="en-US" altLang="ja-JP" sz="1100" b="0" dirty="0">
+                <a:effectLst/>
+                <a:latin typeface="Courier New" panose="02070309020205020404" pitchFamily="49" charset="0"/>
+                <a:cs typeface="Courier New" panose="02070309020205020404" pitchFamily="49" charset="0"/>
+              </a:rPr>
+              <a:t>    //  A vector of the pose vectors as a matrix</a:t>
+            </a:r>
+          </a:p>
+          <a:p>
+            <a:r>
+              <a:rPr lang="en-US" altLang="ja-JP" sz="1100" b="0" dirty="0">
+                <a:effectLst/>
+                <a:latin typeface="Courier New" panose="02070309020205020404" pitchFamily="49" charset="0"/>
+                <a:cs typeface="Courier New" panose="02070309020205020404" pitchFamily="49" charset="0"/>
+              </a:rPr>
+              <a:t>    //  p = (p0, p1, p2, p3)</a:t>
+            </a:r>
+          </a:p>
+          <a:p>
+            <a:r>
+              <a:rPr lang="en-US" altLang="ja-JP" sz="1100" b="0" dirty="0">
+                <a:effectLst/>
+                <a:latin typeface="Courier New" panose="02070309020205020404" pitchFamily="49" charset="0"/>
+                <a:cs typeface="Courier New" panose="02070309020205020404" pitchFamily="49" charset="0"/>
+              </a:rPr>
+              <a:t>    Eigen::Matrix&lt;double, 3, 4&gt; p;</a:t>
             </a:r>
           </a:p>
         </p:txBody>
@@ -9373,8 +9482,8 @@
             <a:avLst>
               <a:gd name="adj1" fmla="val 21796"/>
               <a:gd name="adj2" fmla="val -1696"/>
-              <a:gd name="adj3" fmla="val -161106"/>
-              <a:gd name="adj4" fmla="val 26132"/>
+              <a:gd name="adj3" fmla="val -388914"/>
+              <a:gd name="adj4" fmla="val 12684"/>
             </a:avLst>
           </a:prstGeom>
           <a:noFill/>
@@ -9478,15 +9587,15 @@
         </p:nvSpPr>
         <p:spPr>
           <a:xfrm>
-            <a:off x="767408" y="4221088"/>
+            <a:off x="767408" y="4400528"/>
             <a:ext cx="10873208" cy="612648"/>
           </a:xfrm>
           <a:prstGeom prst="accentCallout1">
             <a:avLst>
               <a:gd name="adj1" fmla="val 21796"/>
               <a:gd name="adj2" fmla="val -774"/>
-              <a:gd name="adj3" fmla="val -39266"/>
-              <a:gd name="adj4" fmla="val 10802"/>
+              <a:gd name="adj3" fmla="val -19627"/>
+              <a:gd name="adj4" fmla="val 1360"/>
             </a:avLst>
           </a:prstGeom>
           <a:noFill/>
@@ -9686,25 +9795,25 @@
           <p:nvPr>
             <p:extLst>
               <p:ext uri="{D42A27DB-BD31-4B8C-83A1-F6EECF244321}">
-                <p14:modId xmlns:p14="http://schemas.microsoft.com/office/powerpoint/2010/main" val="398829265"/>
+                <p14:modId xmlns:p14="http://schemas.microsoft.com/office/powerpoint/2010/main" val="1402868520"/>
               </p:ext>
             </p:extLst>
           </p:nvPr>
         </p:nvGraphicFramePr>
         <p:xfrm>
-          <a:off x="634412" y="4934308"/>
-          <a:ext cx="3505200" cy="914400"/>
+          <a:off x="644525" y="4933950"/>
+          <a:ext cx="3486150" cy="914400"/>
         </p:xfrm>
         <a:graphic>
           <a:graphicData uri="http://schemas.openxmlformats.org/presentationml/2006/ole">
             <mc:AlternateContent xmlns:mc="http://schemas.openxmlformats.org/markup-compatibility/2006">
               <mc:Choice xmlns:v="urn:schemas-microsoft-com:vml" Requires="v">
-                <p:oleObj name="Equation" r:id="rId2" imgW="2336760" imgH="609480" progId="Equation.DSMT4">
+                <p:oleObj name="Equation" r:id="rId2" imgW="2323800" imgH="609480" progId="Equation.DSMT4">
                   <p:embed/>
                 </p:oleObj>
               </mc:Choice>
               <mc:Fallback>
-                <p:oleObj name="Equation" r:id="rId2" imgW="2336760" imgH="609480" progId="Equation.DSMT4">
+                <p:oleObj name="Equation" r:id="rId2" imgW="2323800" imgH="609480" progId="Equation.DSMT4">
                   <p:embed/>
                   <p:pic>
                     <p:nvPicPr>
@@ -9720,8 +9829,8 @@
                     </p:blipFill>
                     <p:spPr>
                       <a:xfrm>
-                        <a:off x="634412" y="4934308"/>
-                        <a:ext cx="3505200" cy="914400"/>
+                        <a:off x="644525" y="4933950"/>
+                        <a:ext cx="3486150" cy="914400"/>
                       </a:xfrm>
                       <a:prstGeom prst="rect">
                         <a:avLst/>
@@ -9749,7 +9858,7 @@
           <p:nvPr>
             <p:extLst>
               <p:ext uri="{D42A27DB-BD31-4B8C-83A1-F6EECF244321}">
-                <p14:modId xmlns:p14="http://schemas.microsoft.com/office/powerpoint/2010/main" val="1998469288"/>
+                <p14:modId xmlns:p14="http://schemas.microsoft.com/office/powerpoint/2010/main" val="2567314013"/>
               </p:ext>
             </p:extLst>
           </p:nvPr>
@@ -9854,7 +9963,20 @@
           <a:bodyPr/>
           <a:lstStyle/>
           <a:p>
-            <a:endParaRPr kumimoji="1" lang="ja-JP" altLang="en-US"/>
+            <a:r>
+              <a:rPr lang="ja-JP" altLang="en-US" dirty="0"/>
+              <a:t>順運動学関数の続き</a:t>
+            </a:r>
+            <a:br>
+              <a:rPr kumimoji="1" lang="en-US" altLang="ja-JP" dirty="0"/>
+            </a:br>
+            <a:r>
+              <a:rPr lang="en-US" altLang="ja-JP" sz="2400" b="0" i="0" u="none" strike="noStrike" dirty="0">
+                <a:cs typeface="Courier New" panose="02070309020205020404" pitchFamily="49" charset="0"/>
+              </a:rPr>
+              <a:t>Forward Kinematics Function (Continued)</a:t>
+            </a:r>
+            <a:endParaRPr kumimoji="1" lang="ja-JP" altLang="en-US" dirty="0"/>
           </a:p>
         </p:txBody>
       </p:sp>
@@ -9881,7 +10003,7 @@
           <a:p>
             <a:r>
               <a:rPr kumimoji="1" lang="en-US" altLang="ja-JP"/>
-              <a:t>2021-03-14</a:t>
+              <a:t>2021-03-15</a:t>
             </a:r>
             <a:endParaRPr kumimoji="1" lang="ja-JP" altLang="en-US"/>
           </a:p>
@@ -9959,8 +10081,8 @@
         </p:nvSpPr>
         <p:spPr>
           <a:xfrm>
-            <a:off x="491861" y="3081218"/>
-            <a:ext cx="10394994" cy="646331"/>
+            <a:off x="496434" y="1700808"/>
+            <a:ext cx="10394994" cy="3647152"/>
           </a:xfrm>
           <a:prstGeom prst="rect">
             <a:avLst/>
@@ -9973,47 +10095,737 @@
           </a:bodyPr>
           <a:lstStyle/>
           <a:p>
-            <a:r>
-              <a:rPr lang="en-US" altLang="ja-JP" b="0" dirty="0">
+            <a:endParaRPr lang="en-US" altLang="ja-JP" sz="1100" b="0" dirty="0">
+              <a:effectLst/>
+              <a:latin typeface="Courier New" panose="02070309020205020404" pitchFamily="49" charset="0"/>
+              <a:cs typeface="Courier New" panose="02070309020205020404" pitchFamily="49" charset="0"/>
+            </a:endParaRPr>
+          </a:p>
+          <a:p>
+            <a:r>
+              <a:rPr lang="en-US" altLang="ja-JP" sz="1100" b="0" dirty="0">
                 <a:effectLst/>
                 <a:latin typeface="Courier New" panose="02070309020205020404" pitchFamily="49" charset="0"/>
                 <a:cs typeface="Courier New" panose="02070309020205020404" pitchFamily="49" charset="0"/>
               </a:rPr>
-              <a:t>Eigen::Matrix&lt;double, 3, 4&gt; </a:t>
-            </a:r>
-            <a:r>
-              <a:rPr lang="en-US" altLang="ja-JP" b="0" dirty="0" err="1">
+              <a:t>    //  Forward kinematics calculation </a:t>
+            </a:r>
+          </a:p>
+          <a:p>
+            <a:r>
+              <a:rPr lang="en-US" altLang="ja-JP" sz="1100" b="0" dirty="0">
                 <a:effectLst/>
                 <a:latin typeface="Courier New" panose="02070309020205020404" pitchFamily="49" charset="0"/>
                 <a:cs typeface="Courier New" panose="02070309020205020404" pitchFamily="49" charset="0"/>
               </a:rPr>
-              <a:t>fk</a:t>
-            </a:r>
-            <a:r>
-              <a:rPr lang="en-US" altLang="ja-JP" b="0" dirty="0">
+              <a:t>    //  p0: A pose of the first joint = the base</a:t>
+            </a:r>
+          </a:p>
+          <a:p>
+            <a:r>
+              <a:rPr lang="en-US" altLang="ja-JP" sz="1100" b="0" dirty="0">
                 <a:effectLst/>
                 <a:latin typeface="Courier New" panose="02070309020205020404" pitchFamily="49" charset="0"/>
                 <a:cs typeface="Courier New" panose="02070309020205020404" pitchFamily="49" charset="0"/>
               </a:rPr>
-              <a:t>(const Eigen::Vector3d&amp; q)</a:t>
-            </a:r>
-          </a:p>
-          <a:p>
-            <a:r>
-              <a:rPr lang="en-US" altLang="ja-JP" b="0" dirty="0">
+              <a:t>    p0 &lt;&lt; 0.0, 0.0, 0.0;</a:t>
+            </a:r>
+          </a:p>
+          <a:p>
+            <a:r>
+              <a:rPr lang="en-US" altLang="ja-JP" sz="1100" dirty="0">
+                <a:latin typeface="Courier New" panose="02070309020205020404" pitchFamily="49" charset="0"/>
+                <a:cs typeface="Courier New" panose="02070309020205020404" pitchFamily="49" charset="0"/>
+              </a:rPr>
+              <a:t>    </a:t>
+            </a:r>
+            <a:r>
+              <a:rPr lang="en-US" altLang="ja-JP" sz="1100" b="0" dirty="0" err="1">
                 <a:effectLst/>
                 <a:latin typeface="Courier New" panose="02070309020205020404" pitchFamily="49" charset="0"/>
                 <a:cs typeface="Courier New" panose="02070309020205020404" pitchFamily="49" charset="0"/>
               </a:rPr>
-              <a:t>{</a:t>
-            </a:r>
-          </a:p>
-        </p:txBody>
-      </p:sp>
+              <a:t>p.col</a:t>
+            </a:r>
+            <a:r>
+              <a:rPr lang="en-US" altLang="ja-JP" sz="1100" b="0" dirty="0">
+                <a:effectLst/>
+                <a:latin typeface="Courier New" panose="02070309020205020404" pitchFamily="49" charset="0"/>
+                <a:cs typeface="Courier New" panose="02070309020205020404" pitchFamily="49" charset="0"/>
+              </a:rPr>
+              <a:t>(0) = p0;</a:t>
+            </a:r>
+          </a:p>
+          <a:p>
+            <a:endParaRPr lang="en-US" altLang="ja-JP" sz="1100" b="0" dirty="0">
+              <a:effectLst/>
+              <a:latin typeface="Courier New" panose="02070309020205020404" pitchFamily="49" charset="0"/>
+              <a:cs typeface="Courier New" panose="02070309020205020404" pitchFamily="49" charset="0"/>
+            </a:endParaRPr>
+          </a:p>
+          <a:p>
+            <a:r>
+              <a:rPr lang="en-US" altLang="ja-JP" sz="1100" b="0" dirty="0">
+                <a:effectLst/>
+                <a:latin typeface="Courier New" panose="02070309020205020404" pitchFamily="49" charset="0"/>
+                <a:cs typeface="Courier New" panose="02070309020205020404" pitchFamily="49" charset="0"/>
+              </a:rPr>
+              <a:t>    //  p1: A pose of the second joint = the end of the first link</a:t>
+            </a:r>
+          </a:p>
+          <a:p>
+            <a:r>
+              <a:rPr lang="en-US" altLang="ja-JP" sz="1100" b="0" dirty="0">
+                <a:effectLst/>
+                <a:latin typeface="Courier New" panose="02070309020205020404" pitchFamily="49" charset="0"/>
+                <a:cs typeface="Courier New" panose="02070309020205020404" pitchFamily="49" charset="0"/>
+              </a:rPr>
+              <a:t>    p1 &lt;&lt; L1 * std::cos(q(0)), L1 * std::sin(q(0)), q(0); p1 = p0 + p1;</a:t>
+            </a:r>
+          </a:p>
+          <a:p>
+            <a:r>
+              <a:rPr lang="en-US" altLang="ja-JP" sz="1100" b="0" dirty="0">
+                <a:effectLst/>
+                <a:latin typeface="Courier New" panose="02070309020205020404" pitchFamily="49" charset="0"/>
+                <a:cs typeface="Courier New" panose="02070309020205020404" pitchFamily="49" charset="0"/>
+              </a:rPr>
+              <a:t>    </a:t>
+            </a:r>
+            <a:r>
+              <a:rPr lang="en-US" altLang="ja-JP" sz="1100" b="0" dirty="0" err="1">
+                <a:effectLst/>
+                <a:latin typeface="Courier New" panose="02070309020205020404" pitchFamily="49" charset="0"/>
+                <a:cs typeface="Courier New" panose="02070309020205020404" pitchFamily="49" charset="0"/>
+              </a:rPr>
+              <a:t>p.col</a:t>
+            </a:r>
+            <a:r>
+              <a:rPr lang="en-US" altLang="ja-JP" sz="1100" b="0" dirty="0">
+                <a:effectLst/>
+                <a:latin typeface="Courier New" panose="02070309020205020404" pitchFamily="49" charset="0"/>
+                <a:cs typeface="Courier New" panose="02070309020205020404" pitchFamily="49" charset="0"/>
+              </a:rPr>
+              <a:t>(1) = p1;</a:t>
+            </a:r>
+          </a:p>
+          <a:p>
+            <a:endParaRPr lang="en-US" altLang="ja-JP" sz="1100" b="0" dirty="0">
+              <a:effectLst/>
+              <a:latin typeface="Courier New" panose="02070309020205020404" pitchFamily="49" charset="0"/>
+              <a:cs typeface="Courier New" panose="02070309020205020404" pitchFamily="49" charset="0"/>
+            </a:endParaRPr>
+          </a:p>
+          <a:p>
+            <a:r>
+              <a:rPr lang="en-US" altLang="ja-JP" sz="1100" b="0" dirty="0">
+                <a:effectLst/>
+                <a:latin typeface="Courier New" panose="02070309020205020404" pitchFamily="49" charset="0"/>
+                <a:cs typeface="Courier New" panose="02070309020205020404" pitchFamily="49" charset="0"/>
+              </a:rPr>
+              <a:t>    //  p2: A pose of the third joint = the end of the second link</a:t>
+            </a:r>
+          </a:p>
+          <a:p>
+            <a:r>
+              <a:rPr lang="en-US" altLang="ja-JP" sz="1100" b="0" dirty="0">
+                <a:effectLst/>
+                <a:latin typeface="Courier New" panose="02070309020205020404" pitchFamily="49" charset="0"/>
+                <a:cs typeface="Courier New" panose="02070309020205020404" pitchFamily="49" charset="0"/>
+              </a:rPr>
+              <a:t>    p2 &lt;&lt; L2 * std::cos(q(0)+q(1)), L2 * std::sin(q(0)+q(1)), q(1); p2 = p1 + p2;</a:t>
+            </a:r>
+          </a:p>
+          <a:p>
+            <a:r>
+              <a:rPr lang="en-US" altLang="ja-JP" sz="1100" b="0" dirty="0">
+                <a:effectLst/>
+                <a:latin typeface="Courier New" panose="02070309020205020404" pitchFamily="49" charset="0"/>
+                <a:cs typeface="Courier New" panose="02070309020205020404" pitchFamily="49" charset="0"/>
+              </a:rPr>
+              <a:t>    </a:t>
+            </a:r>
+            <a:r>
+              <a:rPr lang="en-US" altLang="ja-JP" sz="1100" b="0" dirty="0" err="1">
+                <a:effectLst/>
+                <a:latin typeface="Courier New" panose="02070309020205020404" pitchFamily="49" charset="0"/>
+                <a:cs typeface="Courier New" panose="02070309020205020404" pitchFamily="49" charset="0"/>
+              </a:rPr>
+              <a:t>p.col</a:t>
+            </a:r>
+            <a:r>
+              <a:rPr lang="en-US" altLang="ja-JP" sz="1100" b="0" dirty="0">
+                <a:effectLst/>
+                <a:latin typeface="Courier New" panose="02070309020205020404" pitchFamily="49" charset="0"/>
+                <a:cs typeface="Courier New" panose="02070309020205020404" pitchFamily="49" charset="0"/>
+              </a:rPr>
+              <a:t>(2) = p2;</a:t>
+            </a:r>
+          </a:p>
+          <a:p>
+            <a:endParaRPr lang="en-US" altLang="ja-JP" sz="1100" b="0" dirty="0">
+              <a:effectLst/>
+              <a:latin typeface="Courier New" panose="02070309020205020404" pitchFamily="49" charset="0"/>
+              <a:cs typeface="Courier New" panose="02070309020205020404" pitchFamily="49" charset="0"/>
+            </a:endParaRPr>
+          </a:p>
+          <a:p>
+            <a:r>
+              <a:rPr lang="en-US" altLang="ja-JP" sz="1100" b="0" dirty="0">
+                <a:effectLst/>
+                <a:latin typeface="Courier New" panose="02070309020205020404" pitchFamily="49" charset="0"/>
+                <a:cs typeface="Courier New" panose="02070309020205020404" pitchFamily="49" charset="0"/>
+              </a:rPr>
+              <a:t>    //  p3: A pose of the hand tip = the end of the third link</a:t>
+            </a:r>
+          </a:p>
+          <a:p>
+            <a:r>
+              <a:rPr lang="en-US" altLang="ja-JP" sz="1100" b="0" dirty="0">
+                <a:effectLst/>
+                <a:latin typeface="Courier New" panose="02070309020205020404" pitchFamily="49" charset="0"/>
+                <a:cs typeface="Courier New" panose="02070309020205020404" pitchFamily="49" charset="0"/>
+              </a:rPr>
+              <a:t>    p3 &lt;&lt; L3 * std::cos(q(0)+q(1)+q(2)), L3 * std::sin(q(0)+q(1)+q(2)), q(2); p3 = p2 + p3;</a:t>
+            </a:r>
+          </a:p>
+          <a:p>
+            <a:r>
+              <a:rPr lang="en-US" altLang="ja-JP" sz="1100" b="0" dirty="0">
+                <a:effectLst/>
+                <a:latin typeface="Courier New" panose="02070309020205020404" pitchFamily="49" charset="0"/>
+                <a:cs typeface="Courier New" panose="02070309020205020404" pitchFamily="49" charset="0"/>
+              </a:rPr>
+              <a:t>    //  Assign p3 to the 3rd column of the matrix p</a:t>
+            </a:r>
+          </a:p>
+          <a:p>
+            <a:r>
+              <a:rPr lang="en-US" altLang="ja-JP" sz="1100" b="0" dirty="0">
+                <a:effectLst/>
+                <a:latin typeface="Courier New" panose="02070309020205020404" pitchFamily="49" charset="0"/>
+                <a:cs typeface="Courier New" panose="02070309020205020404" pitchFamily="49" charset="0"/>
+              </a:rPr>
+              <a:t>    </a:t>
+            </a:r>
+            <a:r>
+              <a:rPr lang="en-US" altLang="ja-JP" sz="1100" b="0" dirty="0" err="1">
+                <a:effectLst/>
+                <a:latin typeface="Courier New" panose="02070309020205020404" pitchFamily="49" charset="0"/>
+                <a:cs typeface="Courier New" panose="02070309020205020404" pitchFamily="49" charset="0"/>
+              </a:rPr>
+              <a:t>p.col</a:t>
+            </a:r>
+            <a:r>
+              <a:rPr lang="en-US" altLang="ja-JP" sz="1100" b="0" dirty="0">
+                <a:effectLst/>
+                <a:latin typeface="Courier New" panose="02070309020205020404" pitchFamily="49" charset="0"/>
+                <a:cs typeface="Courier New" panose="02070309020205020404" pitchFamily="49" charset="0"/>
+              </a:rPr>
+              <a:t>(3) = p3;</a:t>
+            </a:r>
+          </a:p>
+          <a:p>
+            <a:endParaRPr lang="en-US" altLang="ja-JP" sz="1100" b="0" dirty="0">
+              <a:effectLst/>
+              <a:latin typeface="Courier New" panose="02070309020205020404" pitchFamily="49" charset="0"/>
+              <a:cs typeface="Courier New" panose="02070309020205020404" pitchFamily="49" charset="0"/>
+            </a:endParaRPr>
+          </a:p>
+          <a:p>
+            <a:r>
+              <a:rPr lang="en-US" altLang="ja-JP" sz="1100" b="0" dirty="0">
+                <a:effectLst/>
+                <a:latin typeface="Courier New" panose="02070309020205020404" pitchFamily="49" charset="0"/>
+                <a:cs typeface="Courier New" panose="02070309020205020404" pitchFamily="49" charset="0"/>
+              </a:rPr>
+              <a:t>    return(p);</a:t>
+            </a:r>
+          </a:p>
+          <a:p>
+            <a:r>
+              <a:rPr lang="en-US" altLang="ja-JP" sz="1100" dirty="0">
+                <a:latin typeface="Courier New" panose="02070309020205020404" pitchFamily="49" charset="0"/>
+                <a:cs typeface="Courier New" panose="02070309020205020404" pitchFamily="49" charset="0"/>
+              </a:rPr>
+              <a:t>}</a:t>
+            </a:r>
+            <a:endParaRPr lang="en-US" altLang="ja-JP" sz="1100" b="0" dirty="0">
+              <a:effectLst/>
+              <a:latin typeface="Courier New" panose="02070309020205020404" pitchFamily="49" charset="0"/>
+              <a:cs typeface="Courier New" panose="02070309020205020404" pitchFamily="49" charset="0"/>
+            </a:endParaRPr>
+          </a:p>
+        </p:txBody>
+      </p:sp>
+      <p:graphicFrame>
+        <p:nvGraphicFramePr>
+          <p:cNvPr id="7" name="オブジェクト 6">
+            <a:extLst>
+              <a:ext uri="{FF2B5EF4-FFF2-40B4-BE49-F238E27FC236}">
+                <a16:creationId xmlns:a16="http://schemas.microsoft.com/office/drawing/2014/main" id="{2745BBA3-9512-4955-8E3E-0F9A9AC58DE0}"/>
+              </a:ext>
+            </a:extLst>
+          </p:cNvPr>
+          <p:cNvGraphicFramePr>
+            <a:graphicFrameLocks noChangeAspect="1"/>
+          </p:cNvGraphicFramePr>
+          <p:nvPr>
+            <p:extLst>
+              <p:ext uri="{D42A27DB-BD31-4B8C-83A1-F6EECF244321}">
+                <p14:modId xmlns:p14="http://schemas.microsoft.com/office/powerpoint/2010/main" val="2613229807"/>
+              </p:ext>
+            </p:extLst>
+          </p:nvPr>
+        </p:nvGraphicFramePr>
+        <p:xfrm>
+          <a:off x="2608263" y="4937125"/>
+          <a:ext cx="3486150" cy="914400"/>
+        </p:xfrm>
+        <a:graphic>
+          <a:graphicData uri="http://schemas.openxmlformats.org/presentationml/2006/ole">
+            <mc:AlternateContent xmlns:mc="http://schemas.openxmlformats.org/markup-compatibility/2006">
+              <mc:Choice xmlns:v="urn:schemas-microsoft-com:vml" Requires="v">
+                <p:oleObj name="Equation" r:id="rId2" imgW="2323800" imgH="609480" progId="Equation.DSMT4">
+                  <p:embed/>
+                </p:oleObj>
+              </mc:Choice>
+              <mc:Fallback>
+                <p:oleObj name="Equation" r:id="rId2" imgW="2323800" imgH="609480" progId="Equation.DSMT4">
+                  <p:embed/>
+                  <p:pic>
+                    <p:nvPicPr>
+                      <p:cNvPr id="22" name="オブジェクト 21">
+                        <a:extLst>
+                          <a:ext uri="{FF2B5EF4-FFF2-40B4-BE49-F238E27FC236}">
+                            <a16:creationId xmlns:a16="http://schemas.microsoft.com/office/drawing/2014/main" id="{24DD5BA3-652F-4B45-8678-61970983FEF2}"/>
+                          </a:ext>
+                        </a:extLst>
+                      </p:cNvPr>
+                      <p:cNvPicPr/>
+                      <p:nvPr/>
+                    </p:nvPicPr>
+                    <p:blipFill>
+                      <a:blip r:embed="rId3"/>
+                      <a:stretch>
+                        <a:fillRect/>
+                      </a:stretch>
+                    </p:blipFill>
+                    <p:spPr>
+                      <a:xfrm>
+                        <a:off x="2608263" y="4937125"/>
+                        <a:ext cx="3486150" cy="914400"/>
+                      </a:xfrm>
+                      <a:prstGeom prst="rect">
+                        <a:avLst/>
+                      </a:prstGeom>
+                    </p:spPr>
+                  </p:pic>
+                </p:oleObj>
+              </mc:Fallback>
+            </mc:AlternateContent>
+          </a:graphicData>
+        </a:graphic>
+      </p:graphicFrame>
     </p:spTree>
     <p:extLst>
       <p:ext uri="{BB962C8B-B14F-4D97-AF65-F5344CB8AC3E}">
         <p14:creationId xmlns:p14="http://schemas.microsoft.com/office/powerpoint/2010/main" val="2612931525"/>
+      </p:ext>
+    </p:extLst>
+  </p:cSld>
+  <p:clrMapOvr>
+    <a:masterClrMapping/>
+  </p:clrMapOvr>
+</p:sld>
+</file>
+
+<file path=ppt/slides/slide6.xml><?xml version="1.0" encoding="utf-8"?>
+<p:sld xmlns:a="http://schemas.openxmlformats.org/drawingml/2006/main" xmlns:r="http://schemas.openxmlformats.org/officeDocument/2006/relationships" xmlns:p="http://schemas.openxmlformats.org/presentationml/2006/main">
+  <p:cSld>
+    <p:spTree>
+      <p:nvGrpSpPr>
+        <p:cNvPr id="1" name=""/>
+        <p:cNvGrpSpPr/>
+        <p:nvPr/>
+      </p:nvGrpSpPr>
+      <p:grpSpPr>
+        <a:xfrm>
+          <a:off x="0" y="0"/>
+          <a:ext cx="0" cy="0"/>
+          <a:chOff x="0" y="0"/>
+          <a:chExt cx="0" cy="0"/>
+        </a:xfrm>
+      </p:grpSpPr>
+      <p:sp>
+        <p:nvSpPr>
+          <p:cNvPr id="2" name="タイトル 1">
+            <a:extLst>
+              <a:ext uri="{FF2B5EF4-FFF2-40B4-BE49-F238E27FC236}">
+                <a16:creationId xmlns:a16="http://schemas.microsoft.com/office/drawing/2014/main" id="{B7EBBEC2-8F34-4EF2-B855-3C26ACFADE21}"/>
+              </a:ext>
+            </a:extLst>
+          </p:cNvPr>
+          <p:cNvSpPr>
+            <a:spLocks noGrp="1"/>
+          </p:cNvSpPr>
+          <p:nvPr>
+            <p:ph type="title"/>
+          </p:nvPr>
+        </p:nvSpPr>
+        <p:spPr/>
+        <p:txBody>
+          <a:bodyPr/>
+          <a:lstStyle/>
+          <a:p>
+            <a:r>
+              <a:rPr lang="ja-JP" altLang="en-US" dirty="0"/>
+              <a:t>順運動学関数の実行</a:t>
+            </a:r>
+            <a:br>
+              <a:rPr kumimoji="1" lang="en-US" altLang="ja-JP" dirty="0"/>
+            </a:br>
+            <a:r>
+              <a:rPr lang="en-US" altLang="ja-JP" sz="3200" b="0" i="0" u="none" strike="noStrike" dirty="0">
+                <a:cs typeface="Courier New" panose="02070309020205020404" pitchFamily="49" charset="0"/>
+              </a:rPr>
+              <a:t>Run Forward Kinematics Function</a:t>
+            </a:r>
+            <a:endParaRPr kumimoji="1" lang="ja-JP" altLang="en-US" dirty="0"/>
+          </a:p>
+        </p:txBody>
+      </p:sp>
+      <p:sp>
+        <p:nvSpPr>
+          <p:cNvPr id="3" name="日付プレースホルダー 2">
+            <a:extLst>
+              <a:ext uri="{FF2B5EF4-FFF2-40B4-BE49-F238E27FC236}">
+                <a16:creationId xmlns:a16="http://schemas.microsoft.com/office/drawing/2014/main" id="{6706817F-30BA-4998-85A6-BF0148869E6C}"/>
+              </a:ext>
+            </a:extLst>
+          </p:cNvPr>
+          <p:cNvSpPr>
+            <a:spLocks noGrp="1"/>
+          </p:cNvSpPr>
+          <p:nvPr>
+            <p:ph type="dt" sz="half" idx="10"/>
+          </p:nvPr>
+        </p:nvSpPr>
+        <p:spPr/>
+        <p:txBody>
+          <a:bodyPr/>
+          <a:lstStyle/>
+          <a:p>
+            <a:r>
+              <a:rPr kumimoji="1" lang="en-US" altLang="ja-JP"/>
+              <a:t>2021-03-15</a:t>
+            </a:r>
+            <a:endParaRPr kumimoji="1" lang="ja-JP" altLang="en-US"/>
+          </a:p>
+        </p:txBody>
+      </p:sp>
+      <p:sp>
+        <p:nvSpPr>
+          <p:cNvPr id="4" name="フッター プレースホルダー 3">
+            <a:extLst>
+              <a:ext uri="{FF2B5EF4-FFF2-40B4-BE49-F238E27FC236}">
+                <a16:creationId xmlns:a16="http://schemas.microsoft.com/office/drawing/2014/main" id="{431C1C06-41F7-4283-905E-17D13F55FC55}"/>
+              </a:ext>
+            </a:extLst>
+          </p:cNvPr>
+          <p:cNvSpPr>
+            <a:spLocks noGrp="1"/>
+          </p:cNvSpPr>
+          <p:nvPr>
+            <p:ph type="ftr" sz="quarter" idx="11"/>
+          </p:nvPr>
+        </p:nvSpPr>
+        <p:spPr/>
+        <p:txBody>
+          <a:bodyPr/>
+          <a:lstStyle/>
+          <a:p>
+            <a:r>
+              <a:rPr kumimoji="1" lang="en-US" altLang="ja-JP"/>
+              <a:t>K.Naruse(UAizu) Robot Arm Forward Kinematics: C++ Coding</a:t>
+            </a:r>
+            <a:endParaRPr kumimoji="1" lang="ja-JP" altLang="en-US"/>
+          </a:p>
+        </p:txBody>
+      </p:sp>
+      <p:sp>
+        <p:nvSpPr>
+          <p:cNvPr id="5" name="スライド番号プレースホルダー 4">
+            <a:extLst>
+              <a:ext uri="{FF2B5EF4-FFF2-40B4-BE49-F238E27FC236}">
+                <a16:creationId xmlns:a16="http://schemas.microsoft.com/office/drawing/2014/main" id="{FF6CA017-0353-4CE3-9444-84DA41FAC9A3}"/>
+              </a:ext>
+            </a:extLst>
+          </p:cNvPr>
+          <p:cNvSpPr>
+            <a:spLocks noGrp="1"/>
+          </p:cNvSpPr>
+          <p:nvPr>
+            <p:ph type="sldNum" sz="quarter" idx="12"/>
+          </p:nvPr>
+        </p:nvSpPr>
+        <p:spPr/>
+        <p:txBody>
+          <a:bodyPr/>
+          <a:lstStyle/>
+          <a:p>
+            <a:fld id="{CCD68D70-93DA-4EE4-9A1A-18650286EF01}" type="slidenum">
+              <a:rPr kumimoji="1" lang="ja-JP" altLang="en-US" smtClean="0"/>
+              <a:t>6</a:t>
+            </a:fld>
+            <a:endParaRPr kumimoji="1" lang="ja-JP" altLang="en-US"/>
+          </a:p>
+        </p:txBody>
+      </p:sp>
+      <p:sp>
+        <p:nvSpPr>
+          <p:cNvPr id="8" name="テキスト ボックス 7">
+            <a:extLst>
+              <a:ext uri="{FF2B5EF4-FFF2-40B4-BE49-F238E27FC236}">
+                <a16:creationId xmlns:a16="http://schemas.microsoft.com/office/drawing/2014/main" id="{26773777-A4E5-4CC0-BA4A-57B775F75927}"/>
+              </a:ext>
+            </a:extLst>
+          </p:cNvPr>
+          <p:cNvSpPr txBox="1"/>
+          <p:nvPr/>
+        </p:nvSpPr>
+        <p:spPr>
+          <a:xfrm>
+            <a:off x="640196" y="1916832"/>
+            <a:ext cx="4857420" cy="3647152"/>
+          </a:xfrm>
+          <a:prstGeom prst="rect">
+            <a:avLst/>
+          </a:prstGeom>
+          <a:noFill/>
+        </p:spPr>
+        <p:txBody>
+          <a:bodyPr wrap="none" rtlCol="0">
+            <a:spAutoFit/>
+          </a:bodyPr>
+          <a:lstStyle/>
+          <a:p>
+            <a:r>
+              <a:rPr kumimoji="1" lang="en-US" altLang="ja-JP" sz="1100">
+                <a:latin typeface="Courier New" panose="02070309020205020404" pitchFamily="49" charset="0"/>
+                <a:cs typeface="Courier New" panose="02070309020205020404" pitchFamily="49" charset="0"/>
+              </a:rPr>
+              <a:t>int main()</a:t>
+            </a:r>
+          </a:p>
+          <a:p>
+            <a:r>
+              <a:rPr kumimoji="1" lang="en-US" altLang="ja-JP" sz="1100">
+                <a:latin typeface="Courier New" panose="02070309020205020404" pitchFamily="49" charset="0"/>
+                <a:cs typeface="Courier New" panose="02070309020205020404" pitchFamily="49" charset="0"/>
+              </a:rPr>
+              <a:t>{</a:t>
+            </a:r>
+          </a:p>
+          <a:p>
+            <a:r>
+              <a:rPr kumimoji="1" lang="en-US" altLang="ja-JP" sz="1100">
+                <a:latin typeface="Courier New" panose="02070309020205020404" pitchFamily="49" charset="0"/>
+                <a:cs typeface="Courier New" panose="02070309020205020404" pitchFamily="49" charset="0"/>
+              </a:rPr>
+              <a:t>    //  A joint angle vector (q1, q2, q3)</a:t>
+            </a:r>
+          </a:p>
+          <a:p>
+            <a:r>
+              <a:rPr kumimoji="1" lang="en-US" altLang="ja-JP" sz="1100">
+                <a:latin typeface="Courier New" panose="02070309020205020404" pitchFamily="49" charset="0"/>
+                <a:cs typeface="Courier New" panose="02070309020205020404" pitchFamily="49" charset="0"/>
+              </a:rPr>
+              <a:t>    Eigen::Vector3d q;</a:t>
+            </a:r>
+          </a:p>
+          <a:p>
+            <a:r>
+              <a:rPr kumimoji="1" lang="en-US" altLang="ja-JP" sz="1100">
+                <a:latin typeface="Courier New" panose="02070309020205020404" pitchFamily="49" charset="0"/>
+                <a:cs typeface="Courier New" panose="02070309020205020404" pitchFamily="49" charset="0"/>
+              </a:rPr>
+              <a:t>    //  Initial value is (0.1, 0.4, 0.9) [rad]</a:t>
+            </a:r>
+          </a:p>
+          <a:p>
+            <a:r>
+              <a:rPr kumimoji="1" lang="en-US" altLang="ja-JP" sz="1100">
+                <a:latin typeface="Courier New" panose="02070309020205020404" pitchFamily="49" charset="0"/>
+                <a:cs typeface="Courier New" panose="02070309020205020404" pitchFamily="49" charset="0"/>
+              </a:rPr>
+              <a:t>    q &lt;&lt; 0.1, 0.4, 0.9;</a:t>
+            </a:r>
+          </a:p>
+          <a:p>
+            <a:endParaRPr kumimoji="1" lang="en-US" altLang="ja-JP" sz="1100">
+              <a:latin typeface="Courier New" panose="02070309020205020404" pitchFamily="49" charset="0"/>
+              <a:cs typeface="Courier New" panose="02070309020205020404" pitchFamily="49" charset="0"/>
+            </a:endParaRPr>
+          </a:p>
+          <a:p>
+            <a:r>
+              <a:rPr kumimoji="1" lang="en-US" altLang="ja-JP" sz="1100">
+                <a:latin typeface="Courier New" panose="02070309020205020404" pitchFamily="49" charset="0"/>
+                <a:cs typeface="Courier New" panose="02070309020205020404" pitchFamily="49" charset="0"/>
+              </a:rPr>
+              <a:t>    //  A set of poses as a matrix</a:t>
+            </a:r>
+          </a:p>
+          <a:p>
+            <a:r>
+              <a:rPr kumimoji="1" lang="en-US" altLang="ja-JP" sz="1100">
+                <a:latin typeface="Courier New" panose="02070309020205020404" pitchFamily="49" charset="0"/>
+                <a:cs typeface="Courier New" panose="02070309020205020404" pitchFamily="49" charset="0"/>
+              </a:rPr>
+              <a:t>    //  p = (p0, p1, p2, p3)</a:t>
+            </a:r>
+          </a:p>
+          <a:p>
+            <a:r>
+              <a:rPr kumimoji="1" lang="en-US" altLang="ja-JP" sz="1100">
+                <a:latin typeface="Courier New" panose="02070309020205020404" pitchFamily="49" charset="0"/>
+                <a:cs typeface="Courier New" panose="02070309020205020404" pitchFamily="49" charset="0"/>
+              </a:rPr>
+              <a:t>    Eigen::Matrix&lt;double, 3, 4&gt; p;</a:t>
+            </a:r>
+          </a:p>
+          <a:p>
+            <a:endParaRPr kumimoji="1" lang="en-US" altLang="ja-JP" sz="1100">
+              <a:latin typeface="Courier New" panose="02070309020205020404" pitchFamily="49" charset="0"/>
+              <a:cs typeface="Courier New" panose="02070309020205020404" pitchFamily="49" charset="0"/>
+            </a:endParaRPr>
+          </a:p>
+          <a:p>
+            <a:r>
+              <a:rPr kumimoji="1" lang="en-US" altLang="ja-JP" sz="1100">
+                <a:latin typeface="Courier New" panose="02070309020205020404" pitchFamily="49" charset="0"/>
+                <a:cs typeface="Courier New" panose="02070309020205020404" pitchFamily="49" charset="0"/>
+              </a:rPr>
+              <a:t>    //  Forward kinematics solution</a:t>
+            </a:r>
+          </a:p>
+          <a:p>
+            <a:r>
+              <a:rPr kumimoji="1" lang="en-US" altLang="ja-JP" sz="1100">
+                <a:latin typeface="Courier New" panose="02070309020205020404" pitchFamily="49" charset="0"/>
+                <a:cs typeface="Courier New" panose="02070309020205020404" pitchFamily="49" charset="0"/>
+              </a:rPr>
+              <a:t>    p = fk(q);</a:t>
+            </a:r>
+          </a:p>
+          <a:p>
+            <a:endParaRPr kumimoji="1" lang="en-US" altLang="ja-JP" sz="1100">
+              <a:latin typeface="Courier New" panose="02070309020205020404" pitchFamily="49" charset="0"/>
+              <a:cs typeface="Courier New" panose="02070309020205020404" pitchFamily="49" charset="0"/>
+            </a:endParaRPr>
+          </a:p>
+          <a:p>
+            <a:r>
+              <a:rPr kumimoji="1" lang="en-US" altLang="ja-JP" sz="1100">
+                <a:latin typeface="Courier New" panose="02070309020205020404" pitchFamily="49" charset="0"/>
+                <a:cs typeface="Courier New" panose="02070309020205020404" pitchFamily="49" charset="0"/>
+              </a:rPr>
+              <a:t>    //  Console out the joint angle vector</a:t>
+            </a:r>
+          </a:p>
+          <a:p>
+            <a:r>
+              <a:rPr kumimoji="1" lang="en-US" altLang="ja-JP" sz="1100">
+                <a:latin typeface="Courier New" panose="02070309020205020404" pitchFamily="49" charset="0"/>
+                <a:cs typeface="Courier New" panose="02070309020205020404" pitchFamily="49" charset="0"/>
+              </a:rPr>
+              <a:t>    std::cout &lt;&lt; q &lt;&lt; std::endl;</a:t>
+            </a:r>
+          </a:p>
+          <a:p>
+            <a:endParaRPr kumimoji="1" lang="en-US" altLang="ja-JP" sz="1100">
+              <a:latin typeface="Courier New" panose="02070309020205020404" pitchFamily="49" charset="0"/>
+              <a:cs typeface="Courier New" panose="02070309020205020404" pitchFamily="49" charset="0"/>
+            </a:endParaRPr>
+          </a:p>
+          <a:p>
+            <a:r>
+              <a:rPr kumimoji="1" lang="en-US" altLang="ja-JP" sz="1100">
+                <a:latin typeface="Courier New" panose="02070309020205020404" pitchFamily="49" charset="0"/>
+                <a:cs typeface="Courier New" panose="02070309020205020404" pitchFamily="49" charset="0"/>
+              </a:rPr>
+              <a:t>    //  Console out the pose matrix = a vector of poses</a:t>
+            </a:r>
+          </a:p>
+          <a:p>
+            <a:r>
+              <a:rPr kumimoji="1" lang="en-US" altLang="ja-JP" sz="1100">
+                <a:latin typeface="Courier New" panose="02070309020205020404" pitchFamily="49" charset="0"/>
+                <a:cs typeface="Courier New" panose="02070309020205020404" pitchFamily="49" charset="0"/>
+              </a:rPr>
+              <a:t>    std::cout &lt;&lt; p &lt;&lt; std::endl;</a:t>
+            </a:r>
+          </a:p>
+          <a:p>
+            <a:r>
+              <a:rPr kumimoji="1" lang="en-US" altLang="ja-JP" sz="1100">
+                <a:latin typeface="Courier New" panose="02070309020205020404" pitchFamily="49" charset="0"/>
+                <a:cs typeface="Courier New" panose="02070309020205020404" pitchFamily="49" charset="0"/>
+              </a:rPr>
+              <a:t>    return(0);</a:t>
+            </a:r>
+          </a:p>
+          <a:p>
+            <a:r>
+              <a:rPr kumimoji="1" lang="en-US" altLang="ja-JP" sz="1100">
+                <a:latin typeface="Courier New" panose="02070309020205020404" pitchFamily="49" charset="0"/>
+                <a:cs typeface="Courier New" panose="02070309020205020404" pitchFamily="49" charset="0"/>
+              </a:rPr>
+              <a:t>}</a:t>
+            </a:r>
+            <a:endParaRPr kumimoji="1" lang="ja-JP" altLang="en-US" sz="1100" dirty="0">
+              <a:latin typeface="Courier New" panose="02070309020205020404" pitchFamily="49" charset="0"/>
+              <a:cs typeface="Courier New" panose="02070309020205020404" pitchFamily="49" charset="0"/>
+            </a:endParaRPr>
+          </a:p>
+        </p:txBody>
+      </p:sp>
+      <p:pic>
+        <p:nvPicPr>
+          <p:cNvPr id="10" name="図 9">
+            <a:extLst>
+              <a:ext uri="{FF2B5EF4-FFF2-40B4-BE49-F238E27FC236}">
+                <a16:creationId xmlns:a16="http://schemas.microsoft.com/office/drawing/2014/main" id="{0B42598F-67C8-428A-9FBF-9B40F5691C21}"/>
+              </a:ext>
+            </a:extLst>
+          </p:cNvPr>
+          <p:cNvPicPr>
+            <a:picLocks noChangeAspect="1"/>
+          </p:cNvPicPr>
+          <p:nvPr/>
+        </p:nvPicPr>
+        <p:blipFill>
+          <a:blip r:embed="rId2"/>
+          <a:stretch>
+            <a:fillRect/>
+          </a:stretch>
+        </p:blipFill>
+        <p:spPr>
+          <a:xfrm>
+            <a:off x="6168008" y="1918252"/>
+            <a:ext cx="4571429" cy="2285715"/>
+          </a:xfrm>
+          <a:prstGeom prst="rect">
+            <a:avLst/>
+          </a:prstGeom>
+        </p:spPr>
+      </p:pic>
+    </p:spTree>
+    <p:extLst>
+      <p:ext uri="{BB962C8B-B14F-4D97-AF65-F5344CB8AC3E}">
+        <p14:creationId xmlns:p14="http://schemas.microsoft.com/office/powerpoint/2010/main" val="2769495090"/>
       </p:ext>
     </p:extLst>
   </p:cSld>

--- a/doc/slides/Robot-Arm-Forward-Kinematics-CPP-Code.pptx
+++ b/doc/slides/Robot-Arm-Forward-Kinematics-CPP-Code.pptx
@@ -231,7 +231,7 @@
           <a:p>
             <a:fld id="{9BDC461C-9488-4B33-8404-FB69A384252D}" type="datetimeFigureOut">
               <a:rPr kumimoji="1" lang="ja-JP" altLang="en-US" smtClean="0"/>
-              <a:t>2021/3/15</a:t>
+              <a:t>2021/3/16</a:t>
             </a:fld>
             <a:endParaRPr kumimoji="1" lang="ja-JP" altLang="en-US"/>
           </a:p>
@@ -408,7 +408,7 @@
           <a:p>
             <a:fld id="{4F23D6BA-2164-40E7-BA8B-970E642CDFC3}" type="datetimeFigureOut">
               <a:rPr kumimoji="1" lang="ja-JP" altLang="en-US" smtClean="0"/>
-              <a:t>2021/3/15</a:t>
+              <a:t>2021/3/16</a:t>
             </a:fld>
             <a:endParaRPr kumimoji="1" lang="ja-JP" altLang="en-US"/>
           </a:p>
@@ -895,7 +895,7 @@
           <a:p>
             <a:r>
               <a:rPr kumimoji="1" lang="en-US" altLang="ja-JP"/>
-              <a:t>2021-03-15</a:t>
+              <a:t>2021-03-16</a:t>
             </a:r>
             <a:endParaRPr kumimoji="1" lang="ja-JP" altLang="en-US"/>
           </a:p>
@@ -1107,7 +1107,7 @@
           <a:p>
             <a:r>
               <a:rPr kumimoji="1" lang="en-US" altLang="ja-JP"/>
-              <a:t>2021-03-15</a:t>
+              <a:t>2021-03-16</a:t>
             </a:r>
             <a:endParaRPr kumimoji="1" lang="ja-JP" altLang="en-US"/>
           </a:p>
@@ -1324,7 +1324,7 @@
           <a:p>
             <a:r>
               <a:rPr kumimoji="1" lang="en-US" altLang="ja-JP"/>
-              <a:t>2021-03-15</a:t>
+              <a:t>2021-03-16</a:t>
             </a:r>
             <a:endParaRPr kumimoji="1" lang="ja-JP" altLang="en-US"/>
           </a:p>
@@ -1560,7 +1560,7 @@
           <a:p>
             <a:r>
               <a:rPr kumimoji="1" lang="en-US" altLang="ja-JP"/>
-              <a:t>2021-03-15</a:t>
+              <a:t>2021-03-16</a:t>
             </a:r>
             <a:endParaRPr kumimoji="1" lang="ja-JP" altLang="en-US" dirty="0"/>
           </a:p>
@@ -1815,7 +1815,7 @@
           <a:p>
             <a:r>
               <a:rPr kumimoji="1" lang="en-US" altLang="ja-JP"/>
-              <a:t>2021-03-15</a:t>
+              <a:t>2021-03-16</a:t>
             </a:r>
             <a:endParaRPr kumimoji="1" lang="ja-JP" altLang="en-US"/>
           </a:p>
@@ -2177,7 +2177,7 @@
           <a:p>
             <a:r>
               <a:rPr kumimoji="1" lang="en-US" altLang="ja-JP"/>
-              <a:t>2021-03-15</a:t>
+              <a:t>2021-03-16</a:t>
             </a:r>
             <a:endParaRPr kumimoji="1" lang="ja-JP" altLang="en-US"/>
           </a:p>
@@ -2678,7 +2678,7 @@
           <a:p>
             <a:r>
               <a:rPr kumimoji="1" lang="en-US" altLang="ja-JP"/>
-              <a:t>2021-03-15</a:t>
+              <a:t>2021-03-16</a:t>
             </a:r>
             <a:endParaRPr kumimoji="1" lang="ja-JP" altLang="en-US"/>
           </a:p>
@@ -2806,7 +2806,7 @@
           <a:p>
             <a:r>
               <a:rPr kumimoji="1" lang="en-US" altLang="ja-JP"/>
-              <a:t>2021-03-15</a:t>
+              <a:t>2021-03-16</a:t>
             </a:r>
             <a:endParaRPr kumimoji="1" lang="ja-JP" altLang="en-US"/>
           </a:p>
@@ -2905,7 +2905,7 @@
           <a:p>
             <a:r>
               <a:rPr kumimoji="1" lang="en-US" altLang="ja-JP"/>
-              <a:t>2021-03-15</a:t>
+              <a:t>2021-03-16</a:t>
             </a:r>
             <a:endParaRPr kumimoji="1" lang="ja-JP" altLang="en-US"/>
           </a:p>
@@ -3222,7 +3222,7 @@
           <a:p>
             <a:r>
               <a:rPr kumimoji="1" lang="en-US" altLang="ja-JP"/>
-              <a:t>2021-03-15</a:t>
+              <a:t>2021-03-16</a:t>
             </a:r>
             <a:endParaRPr kumimoji="1" lang="ja-JP" altLang="en-US"/>
           </a:p>
@@ -3487,7 +3487,7 @@
           <a:p>
             <a:r>
               <a:rPr kumimoji="1" lang="en-US" altLang="ja-JP"/>
-              <a:t>2021-03-15</a:t>
+              <a:t>2021-03-16</a:t>
             </a:r>
             <a:endParaRPr kumimoji="1" lang="ja-JP" altLang="en-US"/>
           </a:p>
@@ -3732,7 +3732,7 @@
           <a:p>
             <a:r>
               <a:rPr lang="en-US" altLang="ja-JP"/>
-              <a:t>2021-03-15</a:t>
+              <a:t>2021-03-16</a:t>
             </a:r>
             <a:endParaRPr lang="ja-JP" altLang="en-US" dirty="0"/>
           </a:p>
@@ -4380,6 +4380,33 @@
             </a:endParaRPr>
           </a:p>
           <a:p>
+            <a:pPr marL="285750" indent="-285750" algn="l">
+              <a:buFont typeface="Arial" panose="020B0604020202020204" pitchFamily="34" charset="0"/>
+              <a:buChar char="•"/>
+            </a:pPr>
+            <a:r>
+              <a:rPr lang="en-US" altLang="ja-JP" dirty="0" err="1">
+                <a:solidFill>
+                  <a:schemeClr val="tx1"/>
+                </a:solidFill>
+              </a:rPr>
+              <a:t>Gnuplot</a:t>
+            </a:r>
+            <a:r>
+              <a:rPr lang="ja-JP" altLang="en-US" dirty="0">
+                <a:solidFill>
+                  <a:schemeClr val="tx1"/>
+                </a:solidFill>
+              </a:rPr>
+              <a:t>によるロボットアームの表示</a:t>
+            </a:r>
+            <a:endParaRPr lang="en-US" altLang="ja-JP" dirty="0">
+              <a:solidFill>
+                <a:schemeClr val="tx1"/>
+              </a:solidFill>
+            </a:endParaRPr>
+          </a:p>
+          <a:p>
             <a:pPr algn="l"/>
             <a:endParaRPr kumimoji="1" lang="en-US" altLang="ja-JP" dirty="0">
               <a:solidFill>
@@ -4410,6 +4437,28 @@
                 </a:solidFill>
               </a:rPr>
               <a:t>C++ coding of a forward kinematics function with Eigen</a:t>
+            </a:r>
+          </a:p>
+          <a:p>
+            <a:pPr marL="285750" indent="-285750" algn="l">
+              <a:buFont typeface="Arial" panose="020B0604020202020204" pitchFamily="34" charset="0"/>
+              <a:buChar char="•"/>
+            </a:pPr>
+            <a:r>
+              <a:rPr kumimoji="1" lang="en-US" altLang="ja-JP" dirty="0">
+                <a:solidFill>
+                  <a:schemeClr val="tx1"/>
+                </a:solidFill>
+              </a:rPr>
+              <a:t>Display of a robot arm pose by </a:t>
+            </a:r>
+            <a:r>
+              <a:rPr kumimoji="1" lang="en-US" altLang="ja-JP" dirty="0" err="1">
+                <a:solidFill>
+                  <a:schemeClr val="tx1"/>
+                </a:solidFill>
+              </a:rPr>
+              <a:t>gnupot</a:t>
             </a:r>
             <a:endParaRPr kumimoji="1" lang="en-US" altLang="ja-JP" dirty="0">
               <a:solidFill>
@@ -6168,7 +6217,7 @@
           <a:p>
             <a:r>
               <a:rPr kumimoji="1" lang="en-US" altLang="ja-JP"/>
-              <a:t>2021-03-15</a:t>
+              <a:t>2021-03-16</a:t>
             </a:r>
             <a:endParaRPr kumimoji="1" lang="ja-JP" altLang="en-US"/>
           </a:p>
@@ -8399,7 +8448,7 @@
           <a:p>
             <a:r>
               <a:rPr kumimoji="1" lang="en-US" altLang="ja-JP"/>
-              <a:t>2021-03-15</a:t>
+              <a:t>2021-03-16</a:t>
             </a:r>
             <a:endParaRPr kumimoji="1" lang="ja-JP" altLang="en-US"/>
           </a:p>
@@ -8729,6 +8778,14 @@
             </a:r>
             <a:r>
               <a:rPr lang="en-US" altLang="ja-JP" sz="1200" dirty="0"/>
+              <a:t>C++</a:t>
+            </a:r>
+            <a:r>
+              <a:rPr lang="ja-JP" altLang="en-US" sz="1200" dirty="0"/>
+              <a:t>でのプログラム開発は</a:t>
+            </a:r>
+            <a:r>
+              <a:rPr lang="en-US" altLang="ja-JP" sz="1200" dirty="0"/>
               <a:t>WSL/WSL2</a:t>
             </a:r>
             <a:r>
@@ -8737,7 +8794,7 @@
             </a:r>
             <a:r>
               <a:rPr lang="en-US" altLang="ja-JP" sz="1200"/>
-              <a:t>Ubuntu18.04</a:t>
+              <a:t>Ubuntu</a:t>
             </a:r>
             <a:r>
               <a:rPr lang="ja-JP" altLang="en-US" sz="1200"/>
@@ -8752,7 +8809,7 @@
           <a:p>
             <a:r>
               <a:rPr lang="en-US" altLang="ja-JP" sz="1200" dirty="0"/>
-              <a:t>Windows users: I recommend you install WSL/WSL2 and develop it in Linux</a:t>
+              <a:t>Windows users: I recommend you install WSL/WSL2 and develop a C++ program in Ubuntu</a:t>
             </a:r>
           </a:p>
         </p:txBody>
@@ -8862,7 +8919,7 @@
           <a:p>
             <a:r>
               <a:rPr kumimoji="1" lang="en-US" altLang="ja-JP"/>
-              <a:t>2021-03-15</a:t>
+              <a:t>2021-03-16</a:t>
             </a:r>
             <a:endParaRPr kumimoji="1" lang="ja-JP" altLang="en-US"/>
           </a:p>
@@ -8940,7 +8997,7 @@
         </p:nvSpPr>
         <p:spPr>
           <a:xfrm>
-            <a:off x="609600" y="5860297"/>
+            <a:off x="609600" y="5960313"/>
             <a:ext cx="11031016" cy="276999"/>
           </a:xfrm>
           <a:prstGeom prst="rect">
@@ -9000,8 +9057,8 @@
             <a:avLst>
               <a:gd name="adj1" fmla="val 18751"/>
               <a:gd name="adj2" fmla="val -3417"/>
-              <a:gd name="adj3" fmla="val 10325"/>
-              <a:gd name="adj4" fmla="val -98420"/>
+              <a:gd name="adj3" fmla="val 21279"/>
+              <a:gd name="adj4" fmla="val -98210"/>
             </a:avLst>
           </a:prstGeom>
           <a:noFill/>
@@ -9080,8 +9137,8 @@
             <a:avLst>
               <a:gd name="adj1" fmla="val 12658"/>
               <a:gd name="adj2" fmla="val -3417"/>
-              <a:gd name="adj3" fmla="val -85249"/>
-              <a:gd name="adj4" fmla="val -98351"/>
+              <a:gd name="adj3" fmla="val -72925"/>
+              <a:gd name="adj4" fmla="val -94141"/>
             </a:avLst>
           </a:prstGeom>
           <a:noFill/>
@@ -9160,8 +9217,8 @@
             <a:avLst>
               <a:gd name="adj1" fmla="val 18751"/>
               <a:gd name="adj2" fmla="val -3885"/>
-              <a:gd name="adj3" fmla="val -175346"/>
-              <a:gd name="adj4" fmla="val -88502"/>
+              <a:gd name="adj3" fmla="val -153437"/>
+              <a:gd name="adj4" fmla="val -87871"/>
             </a:avLst>
           </a:prstGeom>
           <a:noFill/>
@@ -9241,8 +9298,8 @@
         </p:nvSpPr>
         <p:spPr>
           <a:xfrm>
-            <a:off x="648072" y="1556792"/>
-            <a:ext cx="4511824" cy="600164"/>
+            <a:off x="648072" y="1484784"/>
+            <a:ext cx="6168008" cy="2970044"/>
           </a:xfrm>
           <a:prstGeom prst="rect">
             <a:avLst/>
@@ -9256,6 +9313,15 @@
           <a:lstStyle/>
           <a:p>
             <a:r>
+              <a:rPr kumimoji="1" lang="en-US" altLang="ja-JP" sz="1100" b="1" dirty="0">
+                <a:latin typeface="Courier New" panose="02070309020205020404" pitchFamily="49" charset="0"/>
+                <a:cs typeface="Courier New" panose="02070309020205020404" pitchFamily="49" charset="0"/>
+              </a:rPr>
+              <a:t>fk-3link-planar.cc </a:t>
+            </a:r>
+          </a:p>
+          <a:p>
+            <a:r>
               <a:rPr lang="en-US" altLang="ja-JP" sz="1100" b="0" dirty="0">
                 <a:effectLst/>
                 <a:latin typeface="Courier New" panose="02070309020205020404" pitchFamily="49" charset="0"/>
@@ -9300,35 +9366,12 @@
               <a:t>#include &lt;eigen3/Eigen/Dense&gt;</a:t>
             </a:r>
           </a:p>
-        </p:txBody>
-      </p:sp>
-      <p:sp>
-        <p:nvSpPr>
-          <p:cNvPr id="19" name="テキスト ボックス 18">
-            <a:extLst>
-              <a:ext uri="{FF2B5EF4-FFF2-40B4-BE49-F238E27FC236}">
-                <a16:creationId xmlns:a16="http://schemas.microsoft.com/office/drawing/2014/main" id="{30FB5D9E-C77C-44F0-AA76-F9A6C8FAAC9A}"/>
-              </a:ext>
-            </a:extLst>
-          </p:cNvPr>
-          <p:cNvSpPr txBox="1"/>
-          <p:nvPr/>
-        </p:nvSpPr>
-        <p:spPr>
-          <a:xfrm>
-            <a:off x="651157" y="2410723"/>
-            <a:ext cx="7862664" cy="1954381"/>
-          </a:xfrm>
-          <a:prstGeom prst="rect">
-            <a:avLst/>
-          </a:prstGeom>
-          <a:noFill/>
-        </p:spPr>
-        <p:txBody>
-          <a:bodyPr wrap="square">
-            <a:spAutoFit/>
-          </a:bodyPr>
-          <a:lstStyle/>
+          <a:p>
+            <a:endParaRPr lang="en-US" altLang="ja-JP" sz="1100" dirty="0">
+              <a:latin typeface="Courier New" panose="02070309020205020404" pitchFamily="49" charset="0"/>
+              <a:cs typeface="Courier New" panose="02070309020205020404" pitchFamily="49" charset="0"/>
+            </a:endParaRPr>
+          </a:p>
           <a:p>
             <a:r>
               <a:rPr lang="en-US" altLang="ja-JP" sz="1100" b="0" dirty="0">
@@ -9458,6 +9501,13 @@
               </a:rPr>
               <a:t>    Eigen::Matrix&lt;double, 3, 4&gt; p;</a:t>
             </a:r>
+          </a:p>
+          <a:p>
+            <a:endParaRPr lang="en-US" altLang="ja-JP" sz="1100" b="0" dirty="0">
+              <a:effectLst/>
+              <a:latin typeface="Courier New" panose="02070309020205020404" pitchFamily="49" charset="0"/>
+              <a:cs typeface="Courier New" panose="02070309020205020404" pitchFamily="49" charset="0"/>
+            </a:endParaRPr>
           </a:p>
         </p:txBody>
       </p:sp>
@@ -9482,8 +9532,8 @@
             <a:avLst>
               <a:gd name="adj1" fmla="val 21796"/>
               <a:gd name="adj2" fmla="val -1696"/>
-              <a:gd name="adj3" fmla="val -388914"/>
-              <a:gd name="adj4" fmla="val 12684"/>
+              <a:gd name="adj3" fmla="val -401238"/>
+              <a:gd name="adj4" fmla="val 13252"/>
             </a:avLst>
           </a:prstGeom>
           <a:noFill/>
@@ -9594,8 +9644,8 @@
             <a:avLst>
               <a:gd name="adj1" fmla="val 21796"/>
               <a:gd name="adj2" fmla="val -774"/>
-              <a:gd name="adj3" fmla="val -19627"/>
-              <a:gd name="adj4" fmla="val 1360"/>
+              <a:gd name="adj3" fmla="val -31951"/>
+              <a:gd name="adj4" fmla="val 2132"/>
             </a:avLst>
           </a:prstGeom>
           <a:noFill/>
@@ -9795,13 +9845,13 @@
           <p:nvPr>
             <p:extLst>
               <p:ext uri="{D42A27DB-BD31-4B8C-83A1-F6EECF244321}">
-                <p14:modId xmlns:p14="http://schemas.microsoft.com/office/powerpoint/2010/main" val="1402868520"/>
+                <p14:modId xmlns:p14="http://schemas.microsoft.com/office/powerpoint/2010/main" val="3448132730"/>
               </p:ext>
             </p:extLst>
           </p:nvPr>
         </p:nvGraphicFramePr>
         <p:xfrm>
-          <a:off x="644525" y="4933950"/>
+          <a:off x="644525" y="5033966"/>
           <a:ext cx="3486150" cy="914400"/>
         </p:xfrm>
         <a:graphic>
@@ -9829,7 +9879,7 @@
                     </p:blipFill>
                     <p:spPr>
                       <a:xfrm>
-                        <a:off x="644525" y="4933950"/>
+                        <a:off x="644525" y="5033966"/>
                         <a:ext cx="3486150" cy="914400"/>
                       </a:xfrm>
                       <a:prstGeom prst="rect">
@@ -10003,7 +10053,7 @@
           <a:p>
             <a:r>
               <a:rPr kumimoji="1" lang="en-US" altLang="ja-JP"/>
-              <a:t>2021-03-15</a:t>
+              <a:t>2021-03-16</a:t>
             </a:r>
             <a:endParaRPr kumimoji="1" lang="ja-JP" altLang="en-US"/>
           </a:p>
@@ -10095,11 +10145,13 @@
           </a:bodyPr>
           <a:lstStyle/>
           <a:p>
-            <a:endParaRPr lang="en-US" altLang="ja-JP" sz="1100" b="0" dirty="0">
-              <a:effectLst/>
-              <a:latin typeface="Courier New" panose="02070309020205020404" pitchFamily="49" charset="0"/>
-              <a:cs typeface="Courier New" panose="02070309020205020404" pitchFamily="49" charset="0"/>
-            </a:endParaRPr>
+            <a:r>
+              <a:rPr kumimoji="1" lang="en-US" altLang="ja-JP" sz="1100" b="1" dirty="0">
+                <a:latin typeface="Courier New" panose="02070309020205020404" pitchFamily="49" charset="0"/>
+                <a:cs typeface="Courier New" panose="02070309020205020404" pitchFamily="49" charset="0"/>
+              </a:rPr>
+              <a:t>fk-3link-planar.cc </a:t>
+            </a:r>
           </a:p>
           <a:p>
             <a:r>
@@ -10373,13 +10425,13 @@
           <p:nvPr>
             <p:extLst>
               <p:ext uri="{D42A27DB-BD31-4B8C-83A1-F6EECF244321}">
-                <p14:modId xmlns:p14="http://schemas.microsoft.com/office/powerpoint/2010/main" val="2613229807"/>
+                <p14:modId xmlns:p14="http://schemas.microsoft.com/office/powerpoint/2010/main" val="2876214883"/>
               </p:ext>
             </p:extLst>
           </p:nvPr>
         </p:nvGraphicFramePr>
         <p:xfrm>
-          <a:off x="2608263" y="4937125"/>
+          <a:off x="5375920" y="4869160"/>
           <a:ext cx="3486150" cy="914400"/>
         </p:xfrm>
         <a:graphic>
@@ -10413,8 +10465,77 @@
                     </p:blipFill>
                     <p:spPr>
                       <a:xfrm>
-                        <a:off x="2608263" y="4937125"/>
+                        <a:off x="5375920" y="4869160"/>
                         <a:ext cx="3486150" cy="914400"/>
+                      </a:xfrm>
+                      <a:prstGeom prst="rect">
+                        <a:avLst/>
+                      </a:prstGeom>
+                    </p:spPr>
+                  </p:pic>
+                </p:oleObj>
+              </mc:Fallback>
+            </mc:AlternateContent>
+          </a:graphicData>
+        </a:graphic>
+      </p:graphicFrame>
+      <p:graphicFrame>
+        <p:nvGraphicFramePr>
+          <p:cNvPr id="8" name="オブジェクト 7">
+            <a:extLst>
+              <a:ext uri="{FF2B5EF4-FFF2-40B4-BE49-F238E27FC236}">
+                <a16:creationId xmlns:a16="http://schemas.microsoft.com/office/drawing/2014/main" id="{D7B3D608-B16B-4301-AA79-A5493B4EC54D}"/>
+              </a:ext>
+            </a:extLst>
+          </p:cNvPr>
+          <p:cNvGraphicFramePr>
+            <a:graphicFrameLocks noChangeAspect="1"/>
+          </p:cNvGraphicFramePr>
+          <p:nvPr>
+            <p:extLst>
+              <p:ext uri="{D42A27DB-BD31-4B8C-83A1-F6EECF244321}">
+                <p14:modId xmlns:p14="http://schemas.microsoft.com/office/powerpoint/2010/main" val="3619943574"/>
+              </p:ext>
+            </p:extLst>
+          </p:nvPr>
+        </p:nvGraphicFramePr>
+        <p:xfrm>
+          <a:off x="3215680" y="4869160"/>
+          <a:ext cx="914400" cy="914400"/>
+        </p:xfrm>
+        <a:graphic>
+          <a:graphicData uri="http://schemas.openxmlformats.org/presentationml/2006/ole">
+            <mc:AlternateContent xmlns:mc="http://schemas.openxmlformats.org/markup-compatibility/2006">
+              <mc:Choice xmlns:v="urn:schemas-microsoft-com:vml" Requires="v">
+                <p:oleObj name="Equation" r:id="rId4" imgW="609480" imgH="609480" progId="Equation.DSMT4">
+                  <p:embed/>
+                </p:oleObj>
+              </mc:Choice>
+              <mc:Fallback>
+                <p:oleObj name="Equation" r:id="rId4" imgW="609480" imgH="609480" progId="Equation.DSMT4">
+                  <p:embed/>
+                  <p:pic>
+                    <p:nvPicPr>
+                      <p:cNvPr id="7" name="オブジェクト 6">
+                        <a:extLst>
+                          <a:ext uri="{FF2B5EF4-FFF2-40B4-BE49-F238E27FC236}">
+                            <a16:creationId xmlns:a16="http://schemas.microsoft.com/office/drawing/2014/main" id="{2745BBA3-9512-4955-8E3E-0F9A9AC58DE0}"/>
+                          </a:ext>
+                        </a:extLst>
+                      </p:cNvPr>
+                      <p:cNvPicPr/>
+                      <p:nvPr/>
+                    </p:nvPicPr>
+                    <p:blipFill>
+                      <a:blip r:embed="rId5"/>
+                      <a:stretch>
+                        <a:fillRect/>
+                      </a:stretch>
+                    </p:blipFill>
+                    <p:spPr>
+                      <a:xfrm>
+                        <a:off x="3215680" y="4869160"/>
+                        <a:ext cx="914400" cy="914400"/>
                       </a:xfrm>
                       <a:prstGeom prst="rect">
                         <a:avLst/>
@@ -10457,347 +10578,12 @@
           <a:chExt cx="0" cy="0"/>
         </a:xfrm>
       </p:grpSpPr>
-      <p:sp>
-        <p:nvSpPr>
-          <p:cNvPr id="2" name="タイトル 1">
+      <p:pic>
+        <p:nvPicPr>
+          <p:cNvPr id="7" name="図 6">
             <a:extLst>
               <a:ext uri="{FF2B5EF4-FFF2-40B4-BE49-F238E27FC236}">
-                <a16:creationId xmlns:a16="http://schemas.microsoft.com/office/drawing/2014/main" id="{B7EBBEC2-8F34-4EF2-B855-3C26ACFADE21}"/>
-              </a:ext>
-            </a:extLst>
-          </p:cNvPr>
-          <p:cNvSpPr>
-            <a:spLocks noGrp="1"/>
-          </p:cNvSpPr>
-          <p:nvPr>
-            <p:ph type="title"/>
-          </p:nvPr>
-        </p:nvSpPr>
-        <p:spPr/>
-        <p:txBody>
-          <a:bodyPr/>
-          <a:lstStyle/>
-          <a:p>
-            <a:r>
-              <a:rPr lang="ja-JP" altLang="en-US" dirty="0"/>
-              <a:t>順運動学関数の実行</a:t>
-            </a:r>
-            <a:br>
-              <a:rPr kumimoji="1" lang="en-US" altLang="ja-JP" dirty="0"/>
-            </a:br>
-            <a:r>
-              <a:rPr lang="en-US" altLang="ja-JP" sz="3200" b="0" i="0" u="none" strike="noStrike" dirty="0">
-                <a:cs typeface="Courier New" panose="02070309020205020404" pitchFamily="49" charset="0"/>
-              </a:rPr>
-              <a:t>Run Forward Kinematics Function</a:t>
-            </a:r>
-            <a:endParaRPr kumimoji="1" lang="ja-JP" altLang="en-US" dirty="0"/>
-          </a:p>
-        </p:txBody>
-      </p:sp>
-      <p:sp>
-        <p:nvSpPr>
-          <p:cNvPr id="3" name="日付プレースホルダー 2">
-            <a:extLst>
-              <a:ext uri="{FF2B5EF4-FFF2-40B4-BE49-F238E27FC236}">
-                <a16:creationId xmlns:a16="http://schemas.microsoft.com/office/drawing/2014/main" id="{6706817F-30BA-4998-85A6-BF0148869E6C}"/>
-              </a:ext>
-            </a:extLst>
-          </p:cNvPr>
-          <p:cNvSpPr>
-            <a:spLocks noGrp="1"/>
-          </p:cNvSpPr>
-          <p:nvPr>
-            <p:ph type="dt" sz="half" idx="10"/>
-          </p:nvPr>
-        </p:nvSpPr>
-        <p:spPr/>
-        <p:txBody>
-          <a:bodyPr/>
-          <a:lstStyle/>
-          <a:p>
-            <a:r>
-              <a:rPr kumimoji="1" lang="en-US" altLang="ja-JP"/>
-              <a:t>2021-03-15</a:t>
-            </a:r>
-            <a:endParaRPr kumimoji="1" lang="ja-JP" altLang="en-US"/>
-          </a:p>
-        </p:txBody>
-      </p:sp>
-      <p:sp>
-        <p:nvSpPr>
-          <p:cNvPr id="4" name="フッター プレースホルダー 3">
-            <a:extLst>
-              <a:ext uri="{FF2B5EF4-FFF2-40B4-BE49-F238E27FC236}">
-                <a16:creationId xmlns:a16="http://schemas.microsoft.com/office/drawing/2014/main" id="{431C1C06-41F7-4283-905E-17D13F55FC55}"/>
-              </a:ext>
-            </a:extLst>
-          </p:cNvPr>
-          <p:cNvSpPr>
-            <a:spLocks noGrp="1"/>
-          </p:cNvSpPr>
-          <p:nvPr>
-            <p:ph type="ftr" sz="quarter" idx="11"/>
-          </p:nvPr>
-        </p:nvSpPr>
-        <p:spPr/>
-        <p:txBody>
-          <a:bodyPr/>
-          <a:lstStyle/>
-          <a:p>
-            <a:r>
-              <a:rPr kumimoji="1" lang="en-US" altLang="ja-JP"/>
-              <a:t>K.Naruse(UAizu) Robot Arm Forward Kinematics: C++ Coding</a:t>
-            </a:r>
-            <a:endParaRPr kumimoji="1" lang="ja-JP" altLang="en-US"/>
-          </a:p>
-        </p:txBody>
-      </p:sp>
-      <p:sp>
-        <p:nvSpPr>
-          <p:cNvPr id="5" name="スライド番号プレースホルダー 4">
-            <a:extLst>
-              <a:ext uri="{FF2B5EF4-FFF2-40B4-BE49-F238E27FC236}">
-                <a16:creationId xmlns:a16="http://schemas.microsoft.com/office/drawing/2014/main" id="{FF6CA017-0353-4CE3-9444-84DA41FAC9A3}"/>
-              </a:ext>
-            </a:extLst>
-          </p:cNvPr>
-          <p:cNvSpPr>
-            <a:spLocks noGrp="1"/>
-          </p:cNvSpPr>
-          <p:nvPr>
-            <p:ph type="sldNum" sz="quarter" idx="12"/>
-          </p:nvPr>
-        </p:nvSpPr>
-        <p:spPr/>
-        <p:txBody>
-          <a:bodyPr/>
-          <a:lstStyle/>
-          <a:p>
-            <a:fld id="{CCD68D70-93DA-4EE4-9A1A-18650286EF01}" type="slidenum">
-              <a:rPr kumimoji="1" lang="ja-JP" altLang="en-US" smtClean="0"/>
-              <a:t>6</a:t>
-            </a:fld>
-            <a:endParaRPr kumimoji="1" lang="ja-JP" altLang="en-US"/>
-          </a:p>
-        </p:txBody>
-      </p:sp>
-      <p:sp>
-        <p:nvSpPr>
-          <p:cNvPr id="8" name="テキスト ボックス 7">
-            <a:extLst>
-              <a:ext uri="{FF2B5EF4-FFF2-40B4-BE49-F238E27FC236}">
-                <a16:creationId xmlns:a16="http://schemas.microsoft.com/office/drawing/2014/main" id="{26773777-A4E5-4CC0-BA4A-57B775F75927}"/>
-              </a:ext>
-            </a:extLst>
-          </p:cNvPr>
-          <p:cNvSpPr txBox="1"/>
-          <p:nvPr/>
-        </p:nvSpPr>
-        <p:spPr>
-          <a:xfrm>
-            <a:off x="640196" y="1916832"/>
-            <a:ext cx="4857420" cy="3647152"/>
-          </a:xfrm>
-          <a:prstGeom prst="rect">
-            <a:avLst/>
-          </a:prstGeom>
-          <a:noFill/>
-        </p:spPr>
-        <p:txBody>
-          <a:bodyPr wrap="none" rtlCol="0">
-            <a:spAutoFit/>
-          </a:bodyPr>
-          <a:lstStyle/>
-          <a:p>
-            <a:r>
-              <a:rPr kumimoji="1" lang="en-US" altLang="ja-JP" sz="1100">
-                <a:latin typeface="Courier New" panose="02070309020205020404" pitchFamily="49" charset="0"/>
-                <a:cs typeface="Courier New" panose="02070309020205020404" pitchFamily="49" charset="0"/>
-              </a:rPr>
-              <a:t>int main()</a:t>
-            </a:r>
-          </a:p>
-          <a:p>
-            <a:r>
-              <a:rPr kumimoji="1" lang="en-US" altLang="ja-JP" sz="1100">
-                <a:latin typeface="Courier New" panose="02070309020205020404" pitchFamily="49" charset="0"/>
-                <a:cs typeface="Courier New" panose="02070309020205020404" pitchFamily="49" charset="0"/>
-              </a:rPr>
-              <a:t>{</a:t>
-            </a:r>
-          </a:p>
-          <a:p>
-            <a:r>
-              <a:rPr kumimoji="1" lang="en-US" altLang="ja-JP" sz="1100">
-                <a:latin typeface="Courier New" panose="02070309020205020404" pitchFamily="49" charset="0"/>
-                <a:cs typeface="Courier New" panose="02070309020205020404" pitchFamily="49" charset="0"/>
-              </a:rPr>
-              <a:t>    //  A joint angle vector (q1, q2, q3)</a:t>
-            </a:r>
-          </a:p>
-          <a:p>
-            <a:r>
-              <a:rPr kumimoji="1" lang="en-US" altLang="ja-JP" sz="1100">
-                <a:latin typeface="Courier New" panose="02070309020205020404" pitchFamily="49" charset="0"/>
-                <a:cs typeface="Courier New" panose="02070309020205020404" pitchFamily="49" charset="0"/>
-              </a:rPr>
-              <a:t>    Eigen::Vector3d q;</a:t>
-            </a:r>
-          </a:p>
-          <a:p>
-            <a:r>
-              <a:rPr kumimoji="1" lang="en-US" altLang="ja-JP" sz="1100">
-                <a:latin typeface="Courier New" panose="02070309020205020404" pitchFamily="49" charset="0"/>
-                <a:cs typeface="Courier New" panose="02070309020205020404" pitchFamily="49" charset="0"/>
-              </a:rPr>
-              <a:t>    //  Initial value is (0.1, 0.4, 0.9) [rad]</a:t>
-            </a:r>
-          </a:p>
-          <a:p>
-            <a:r>
-              <a:rPr kumimoji="1" lang="en-US" altLang="ja-JP" sz="1100">
-                <a:latin typeface="Courier New" panose="02070309020205020404" pitchFamily="49" charset="0"/>
-                <a:cs typeface="Courier New" panose="02070309020205020404" pitchFamily="49" charset="0"/>
-              </a:rPr>
-              <a:t>    q &lt;&lt; 0.1, 0.4, 0.9;</a:t>
-            </a:r>
-          </a:p>
-          <a:p>
-            <a:endParaRPr kumimoji="1" lang="en-US" altLang="ja-JP" sz="1100">
-              <a:latin typeface="Courier New" panose="02070309020205020404" pitchFamily="49" charset="0"/>
-              <a:cs typeface="Courier New" panose="02070309020205020404" pitchFamily="49" charset="0"/>
-            </a:endParaRPr>
-          </a:p>
-          <a:p>
-            <a:r>
-              <a:rPr kumimoji="1" lang="en-US" altLang="ja-JP" sz="1100">
-                <a:latin typeface="Courier New" panose="02070309020205020404" pitchFamily="49" charset="0"/>
-                <a:cs typeface="Courier New" panose="02070309020205020404" pitchFamily="49" charset="0"/>
-              </a:rPr>
-              <a:t>    //  A set of poses as a matrix</a:t>
-            </a:r>
-          </a:p>
-          <a:p>
-            <a:r>
-              <a:rPr kumimoji="1" lang="en-US" altLang="ja-JP" sz="1100">
-                <a:latin typeface="Courier New" panose="02070309020205020404" pitchFamily="49" charset="0"/>
-                <a:cs typeface="Courier New" panose="02070309020205020404" pitchFamily="49" charset="0"/>
-              </a:rPr>
-              <a:t>    //  p = (p0, p1, p2, p3)</a:t>
-            </a:r>
-          </a:p>
-          <a:p>
-            <a:r>
-              <a:rPr kumimoji="1" lang="en-US" altLang="ja-JP" sz="1100">
-                <a:latin typeface="Courier New" panose="02070309020205020404" pitchFamily="49" charset="0"/>
-                <a:cs typeface="Courier New" panose="02070309020205020404" pitchFamily="49" charset="0"/>
-              </a:rPr>
-              <a:t>    Eigen::Matrix&lt;double, 3, 4&gt; p;</a:t>
-            </a:r>
-          </a:p>
-          <a:p>
-            <a:endParaRPr kumimoji="1" lang="en-US" altLang="ja-JP" sz="1100">
-              <a:latin typeface="Courier New" panose="02070309020205020404" pitchFamily="49" charset="0"/>
-              <a:cs typeface="Courier New" panose="02070309020205020404" pitchFamily="49" charset="0"/>
-            </a:endParaRPr>
-          </a:p>
-          <a:p>
-            <a:r>
-              <a:rPr kumimoji="1" lang="en-US" altLang="ja-JP" sz="1100">
-                <a:latin typeface="Courier New" panose="02070309020205020404" pitchFamily="49" charset="0"/>
-                <a:cs typeface="Courier New" panose="02070309020205020404" pitchFamily="49" charset="0"/>
-              </a:rPr>
-              <a:t>    //  Forward kinematics solution</a:t>
-            </a:r>
-          </a:p>
-          <a:p>
-            <a:r>
-              <a:rPr kumimoji="1" lang="en-US" altLang="ja-JP" sz="1100">
-                <a:latin typeface="Courier New" panose="02070309020205020404" pitchFamily="49" charset="0"/>
-                <a:cs typeface="Courier New" panose="02070309020205020404" pitchFamily="49" charset="0"/>
-              </a:rPr>
-              <a:t>    p = fk(q);</a:t>
-            </a:r>
-          </a:p>
-          <a:p>
-            <a:endParaRPr kumimoji="1" lang="en-US" altLang="ja-JP" sz="1100">
-              <a:latin typeface="Courier New" panose="02070309020205020404" pitchFamily="49" charset="0"/>
-              <a:cs typeface="Courier New" panose="02070309020205020404" pitchFamily="49" charset="0"/>
-            </a:endParaRPr>
-          </a:p>
-          <a:p>
-            <a:r>
-              <a:rPr kumimoji="1" lang="en-US" altLang="ja-JP" sz="1100">
-                <a:latin typeface="Courier New" panose="02070309020205020404" pitchFamily="49" charset="0"/>
-                <a:cs typeface="Courier New" panose="02070309020205020404" pitchFamily="49" charset="0"/>
-              </a:rPr>
-              <a:t>    //  Console out the joint angle vector</a:t>
-            </a:r>
-          </a:p>
-          <a:p>
-            <a:r>
-              <a:rPr kumimoji="1" lang="en-US" altLang="ja-JP" sz="1100">
-                <a:latin typeface="Courier New" panose="02070309020205020404" pitchFamily="49" charset="0"/>
-                <a:cs typeface="Courier New" panose="02070309020205020404" pitchFamily="49" charset="0"/>
-              </a:rPr>
-              <a:t>    std::cout &lt;&lt; q &lt;&lt; std::endl;</a:t>
-            </a:r>
-          </a:p>
-          <a:p>
-            <a:endParaRPr kumimoji="1" lang="en-US" altLang="ja-JP" sz="1100">
-              <a:latin typeface="Courier New" panose="02070309020205020404" pitchFamily="49" charset="0"/>
-              <a:cs typeface="Courier New" panose="02070309020205020404" pitchFamily="49" charset="0"/>
-            </a:endParaRPr>
-          </a:p>
-          <a:p>
-            <a:r>
-              <a:rPr kumimoji="1" lang="en-US" altLang="ja-JP" sz="1100">
-                <a:latin typeface="Courier New" panose="02070309020205020404" pitchFamily="49" charset="0"/>
-                <a:cs typeface="Courier New" panose="02070309020205020404" pitchFamily="49" charset="0"/>
-              </a:rPr>
-              <a:t>    //  Console out the pose matrix = a vector of poses</a:t>
-            </a:r>
-          </a:p>
-          <a:p>
-            <a:r>
-              <a:rPr kumimoji="1" lang="en-US" altLang="ja-JP" sz="1100">
-                <a:latin typeface="Courier New" panose="02070309020205020404" pitchFamily="49" charset="0"/>
-                <a:cs typeface="Courier New" panose="02070309020205020404" pitchFamily="49" charset="0"/>
-              </a:rPr>
-              <a:t>    std::cout &lt;&lt; p &lt;&lt; std::endl;</a:t>
-            </a:r>
-          </a:p>
-          <a:p>
-            <a:r>
-              <a:rPr kumimoji="1" lang="en-US" altLang="ja-JP" sz="1100">
-                <a:latin typeface="Courier New" panose="02070309020205020404" pitchFamily="49" charset="0"/>
-                <a:cs typeface="Courier New" panose="02070309020205020404" pitchFamily="49" charset="0"/>
-              </a:rPr>
-              <a:t>    return(0);</a:t>
-            </a:r>
-          </a:p>
-          <a:p>
-            <a:r>
-              <a:rPr kumimoji="1" lang="en-US" altLang="ja-JP" sz="1100">
-                <a:latin typeface="Courier New" panose="02070309020205020404" pitchFamily="49" charset="0"/>
-                <a:cs typeface="Courier New" panose="02070309020205020404" pitchFamily="49" charset="0"/>
-              </a:rPr>
-              <a:t>}</a:t>
-            </a:r>
-            <a:endParaRPr kumimoji="1" lang="ja-JP" altLang="en-US" sz="1100" dirty="0">
-              <a:latin typeface="Courier New" panose="02070309020205020404" pitchFamily="49" charset="0"/>
-              <a:cs typeface="Courier New" panose="02070309020205020404" pitchFamily="49" charset="0"/>
-            </a:endParaRPr>
-          </a:p>
-        </p:txBody>
-      </p:sp>
-      <p:pic>
-        <p:nvPicPr>
-          <p:cNvPr id="10" name="図 9">
-            <a:extLst>
-              <a:ext uri="{FF2B5EF4-FFF2-40B4-BE49-F238E27FC236}">
-                <a16:creationId xmlns:a16="http://schemas.microsoft.com/office/drawing/2014/main" id="{0B42598F-67C8-428A-9FBF-9B40F5691C21}"/>
+                <a16:creationId xmlns:a16="http://schemas.microsoft.com/office/drawing/2014/main" id="{289E6394-62FF-4B72-8282-1FFC9683CF61}"/>
               </a:ext>
             </a:extLst>
           </p:cNvPr>
@@ -10814,14 +10600,758 @@
         </p:blipFill>
         <p:spPr>
           <a:xfrm>
-            <a:off x="6168008" y="1918252"/>
-            <a:ext cx="4571429" cy="2285715"/>
+            <a:off x="5159896" y="2780928"/>
+            <a:ext cx="4876800" cy="2926080"/>
           </a:xfrm>
           <a:prstGeom prst="rect">
             <a:avLst/>
           </a:prstGeom>
         </p:spPr>
       </p:pic>
+      <p:sp>
+        <p:nvSpPr>
+          <p:cNvPr id="2" name="タイトル 1">
+            <a:extLst>
+              <a:ext uri="{FF2B5EF4-FFF2-40B4-BE49-F238E27FC236}">
+                <a16:creationId xmlns:a16="http://schemas.microsoft.com/office/drawing/2014/main" id="{B7EBBEC2-8F34-4EF2-B855-3C26ACFADE21}"/>
+              </a:ext>
+            </a:extLst>
+          </p:cNvPr>
+          <p:cNvSpPr>
+            <a:spLocks noGrp="1"/>
+          </p:cNvSpPr>
+          <p:nvPr>
+            <p:ph type="title"/>
+          </p:nvPr>
+        </p:nvSpPr>
+        <p:spPr/>
+        <p:txBody>
+          <a:bodyPr/>
+          <a:lstStyle/>
+          <a:p>
+            <a:r>
+              <a:rPr lang="ja-JP" altLang="en-US" dirty="0"/>
+              <a:t>順運動学関数の実行と</a:t>
+            </a:r>
+            <a:r>
+              <a:rPr lang="en-US" altLang="ja-JP" dirty="0" err="1"/>
+              <a:t>Gnuplot</a:t>
+            </a:r>
+            <a:r>
+              <a:rPr lang="ja-JP" altLang="en-US" dirty="0"/>
+              <a:t>によるアーム姿勢の描画</a:t>
+            </a:r>
+            <a:br>
+              <a:rPr kumimoji="1" lang="en-US" altLang="ja-JP" dirty="0"/>
+            </a:br>
+            <a:r>
+              <a:rPr lang="en-US" altLang="ja-JP" sz="2400" b="0" i="0" u="none" strike="noStrike" dirty="0">
+                <a:cs typeface="Courier New" panose="02070309020205020404" pitchFamily="49" charset="0"/>
+              </a:rPr>
+              <a:t>Run Forward Kinematics Function and Robot Arm Pose Draw by </a:t>
+            </a:r>
+            <a:r>
+              <a:rPr lang="en-US" altLang="ja-JP" sz="2400" b="0" i="0" u="none" strike="noStrike" dirty="0" err="1">
+                <a:cs typeface="Courier New" panose="02070309020205020404" pitchFamily="49" charset="0"/>
+              </a:rPr>
+              <a:t>Gnuplot</a:t>
+            </a:r>
+            <a:endParaRPr kumimoji="1" lang="ja-JP" altLang="en-US" dirty="0"/>
+          </a:p>
+        </p:txBody>
+      </p:sp>
+      <p:sp>
+        <p:nvSpPr>
+          <p:cNvPr id="3" name="日付プレースホルダー 2">
+            <a:extLst>
+              <a:ext uri="{FF2B5EF4-FFF2-40B4-BE49-F238E27FC236}">
+                <a16:creationId xmlns:a16="http://schemas.microsoft.com/office/drawing/2014/main" id="{6706817F-30BA-4998-85A6-BF0148869E6C}"/>
+              </a:ext>
+            </a:extLst>
+          </p:cNvPr>
+          <p:cNvSpPr>
+            <a:spLocks noGrp="1"/>
+          </p:cNvSpPr>
+          <p:nvPr>
+            <p:ph type="dt" sz="half" idx="10"/>
+          </p:nvPr>
+        </p:nvSpPr>
+        <p:spPr/>
+        <p:txBody>
+          <a:bodyPr/>
+          <a:lstStyle/>
+          <a:p>
+            <a:r>
+              <a:rPr kumimoji="1" lang="en-US" altLang="ja-JP"/>
+              <a:t>2021-03-16</a:t>
+            </a:r>
+            <a:endParaRPr kumimoji="1" lang="ja-JP" altLang="en-US"/>
+          </a:p>
+        </p:txBody>
+      </p:sp>
+      <p:sp>
+        <p:nvSpPr>
+          <p:cNvPr id="4" name="フッター プレースホルダー 3">
+            <a:extLst>
+              <a:ext uri="{FF2B5EF4-FFF2-40B4-BE49-F238E27FC236}">
+                <a16:creationId xmlns:a16="http://schemas.microsoft.com/office/drawing/2014/main" id="{431C1C06-41F7-4283-905E-17D13F55FC55}"/>
+              </a:ext>
+            </a:extLst>
+          </p:cNvPr>
+          <p:cNvSpPr>
+            <a:spLocks noGrp="1"/>
+          </p:cNvSpPr>
+          <p:nvPr>
+            <p:ph type="ftr" sz="quarter" idx="11"/>
+          </p:nvPr>
+        </p:nvSpPr>
+        <p:spPr/>
+        <p:txBody>
+          <a:bodyPr/>
+          <a:lstStyle/>
+          <a:p>
+            <a:r>
+              <a:rPr kumimoji="1" lang="en-US" altLang="ja-JP"/>
+              <a:t>K.Naruse(UAizu) Robot Arm Forward Kinematics: C++ Coding</a:t>
+            </a:r>
+            <a:endParaRPr kumimoji="1" lang="ja-JP" altLang="en-US"/>
+          </a:p>
+        </p:txBody>
+      </p:sp>
+      <p:sp>
+        <p:nvSpPr>
+          <p:cNvPr id="5" name="スライド番号プレースホルダー 4">
+            <a:extLst>
+              <a:ext uri="{FF2B5EF4-FFF2-40B4-BE49-F238E27FC236}">
+                <a16:creationId xmlns:a16="http://schemas.microsoft.com/office/drawing/2014/main" id="{FF6CA017-0353-4CE3-9444-84DA41FAC9A3}"/>
+              </a:ext>
+            </a:extLst>
+          </p:cNvPr>
+          <p:cNvSpPr>
+            <a:spLocks noGrp="1"/>
+          </p:cNvSpPr>
+          <p:nvPr>
+            <p:ph type="sldNum" sz="quarter" idx="12"/>
+          </p:nvPr>
+        </p:nvSpPr>
+        <p:spPr/>
+        <p:txBody>
+          <a:bodyPr/>
+          <a:lstStyle/>
+          <a:p>
+            <a:fld id="{CCD68D70-93DA-4EE4-9A1A-18650286EF01}" type="slidenum">
+              <a:rPr kumimoji="1" lang="ja-JP" altLang="en-US" smtClean="0"/>
+              <a:t>6</a:t>
+            </a:fld>
+            <a:endParaRPr kumimoji="1" lang="ja-JP" altLang="en-US"/>
+          </a:p>
+        </p:txBody>
+      </p:sp>
+      <p:sp>
+        <p:nvSpPr>
+          <p:cNvPr id="8" name="テキスト ボックス 7">
+            <a:extLst>
+              <a:ext uri="{FF2B5EF4-FFF2-40B4-BE49-F238E27FC236}">
+                <a16:creationId xmlns:a16="http://schemas.microsoft.com/office/drawing/2014/main" id="{26773777-A4E5-4CC0-BA4A-57B775F75927}"/>
+              </a:ext>
+            </a:extLst>
+          </p:cNvPr>
+          <p:cNvSpPr txBox="1"/>
+          <p:nvPr/>
+        </p:nvSpPr>
+        <p:spPr>
+          <a:xfrm>
+            <a:off x="640196" y="1556792"/>
+            <a:ext cx="5298245" cy="4524315"/>
+          </a:xfrm>
+          <a:prstGeom prst="rect">
+            <a:avLst/>
+          </a:prstGeom>
+          <a:noFill/>
+        </p:spPr>
+        <p:txBody>
+          <a:bodyPr wrap="none" rtlCol="0">
+            <a:spAutoFit/>
+          </a:bodyPr>
+          <a:lstStyle/>
+          <a:p>
+            <a:r>
+              <a:rPr kumimoji="1" lang="en-US" altLang="ja-JP" sz="1200" b="1" dirty="0">
+                <a:latin typeface="Courier New" panose="02070309020205020404" pitchFamily="49" charset="0"/>
+                <a:cs typeface="Courier New" panose="02070309020205020404" pitchFamily="49" charset="0"/>
+              </a:rPr>
+              <a:t>fk-3link-planar.cc </a:t>
+            </a:r>
+          </a:p>
+          <a:p>
+            <a:r>
+              <a:rPr kumimoji="1" lang="en-US" altLang="ja-JP" sz="1200" dirty="0">
+                <a:latin typeface="Courier New" panose="02070309020205020404" pitchFamily="49" charset="0"/>
+                <a:cs typeface="Courier New" panose="02070309020205020404" pitchFamily="49" charset="0"/>
+              </a:rPr>
+              <a:t>int main()</a:t>
+            </a:r>
+          </a:p>
+          <a:p>
+            <a:r>
+              <a:rPr kumimoji="1" lang="en-US" altLang="ja-JP" sz="1200" dirty="0">
+                <a:latin typeface="Courier New" panose="02070309020205020404" pitchFamily="49" charset="0"/>
+                <a:cs typeface="Courier New" panose="02070309020205020404" pitchFamily="49" charset="0"/>
+              </a:rPr>
+              <a:t>{</a:t>
+            </a:r>
+          </a:p>
+          <a:p>
+            <a:r>
+              <a:rPr kumimoji="1" lang="en-US" altLang="ja-JP" sz="1200" dirty="0">
+                <a:latin typeface="Courier New" panose="02070309020205020404" pitchFamily="49" charset="0"/>
+                <a:cs typeface="Courier New" panose="02070309020205020404" pitchFamily="49" charset="0"/>
+              </a:rPr>
+              <a:t>    //  A joint angle vector (q1, q2, q3)</a:t>
+            </a:r>
+          </a:p>
+          <a:p>
+            <a:r>
+              <a:rPr kumimoji="1" lang="en-US" altLang="ja-JP" sz="1200" dirty="0">
+                <a:latin typeface="Courier New" panose="02070309020205020404" pitchFamily="49" charset="0"/>
+                <a:cs typeface="Courier New" panose="02070309020205020404" pitchFamily="49" charset="0"/>
+              </a:rPr>
+              <a:t>    Eigen::Vector3d q;</a:t>
+            </a:r>
+          </a:p>
+          <a:p>
+            <a:r>
+              <a:rPr kumimoji="1" lang="en-US" altLang="ja-JP" sz="1200" dirty="0">
+                <a:latin typeface="Courier New" panose="02070309020205020404" pitchFamily="49" charset="0"/>
+                <a:cs typeface="Courier New" panose="02070309020205020404" pitchFamily="49" charset="0"/>
+              </a:rPr>
+              <a:t>    //  Initial value is (0.1, 0.4, 0.9) [rad]</a:t>
+            </a:r>
+          </a:p>
+          <a:p>
+            <a:r>
+              <a:rPr kumimoji="1" lang="en-US" altLang="ja-JP" sz="1200" dirty="0">
+                <a:latin typeface="Courier New" panose="02070309020205020404" pitchFamily="49" charset="0"/>
+                <a:cs typeface="Courier New" panose="02070309020205020404" pitchFamily="49" charset="0"/>
+              </a:rPr>
+              <a:t>    q &lt;&lt; 0.1, 0.4, 0.9;</a:t>
+            </a:r>
+          </a:p>
+          <a:p>
+            <a:endParaRPr kumimoji="1" lang="en-US" altLang="ja-JP" sz="1200" dirty="0">
+              <a:latin typeface="Courier New" panose="02070309020205020404" pitchFamily="49" charset="0"/>
+              <a:cs typeface="Courier New" panose="02070309020205020404" pitchFamily="49" charset="0"/>
+            </a:endParaRPr>
+          </a:p>
+          <a:p>
+            <a:r>
+              <a:rPr kumimoji="1" lang="en-US" altLang="ja-JP" sz="1200" dirty="0">
+                <a:latin typeface="Courier New" panose="02070309020205020404" pitchFamily="49" charset="0"/>
+                <a:cs typeface="Courier New" panose="02070309020205020404" pitchFamily="49" charset="0"/>
+              </a:rPr>
+              <a:t>    //  A set of poses as a matrix</a:t>
+            </a:r>
+          </a:p>
+          <a:p>
+            <a:r>
+              <a:rPr kumimoji="1" lang="en-US" altLang="ja-JP" sz="1200" dirty="0">
+                <a:latin typeface="Courier New" panose="02070309020205020404" pitchFamily="49" charset="0"/>
+                <a:cs typeface="Courier New" panose="02070309020205020404" pitchFamily="49" charset="0"/>
+              </a:rPr>
+              <a:t>    //  p = (p0, p1, p2, p3)</a:t>
+            </a:r>
+          </a:p>
+          <a:p>
+            <a:r>
+              <a:rPr kumimoji="1" lang="en-US" altLang="ja-JP" sz="1200" dirty="0">
+                <a:latin typeface="Courier New" panose="02070309020205020404" pitchFamily="49" charset="0"/>
+                <a:cs typeface="Courier New" panose="02070309020205020404" pitchFamily="49" charset="0"/>
+              </a:rPr>
+              <a:t>    Eigen::Matrix&lt;double, 3, 4&gt; p;</a:t>
+            </a:r>
+          </a:p>
+          <a:p>
+            <a:endParaRPr kumimoji="1" lang="en-US" altLang="ja-JP" sz="1200" dirty="0">
+              <a:latin typeface="Courier New" panose="02070309020205020404" pitchFamily="49" charset="0"/>
+              <a:cs typeface="Courier New" panose="02070309020205020404" pitchFamily="49" charset="0"/>
+            </a:endParaRPr>
+          </a:p>
+          <a:p>
+            <a:r>
+              <a:rPr kumimoji="1" lang="en-US" altLang="ja-JP" sz="1200" dirty="0">
+                <a:latin typeface="Courier New" panose="02070309020205020404" pitchFamily="49" charset="0"/>
+                <a:cs typeface="Courier New" panose="02070309020205020404" pitchFamily="49" charset="0"/>
+              </a:rPr>
+              <a:t>    //  Forward kinematics solution</a:t>
+            </a:r>
+          </a:p>
+          <a:p>
+            <a:r>
+              <a:rPr kumimoji="1" lang="en-US" altLang="ja-JP" sz="1200" dirty="0">
+                <a:latin typeface="Courier New" panose="02070309020205020404" pitchFamily="49" charset="0"/>
+                <a:cs typeface="Courier New" panose="02070309020205020404" pitchFamily="49" charset="0"/>
+              </a:rPr>
+              <a:t>    p = </a:t>
+            </a:r>
+            <a:r>
+              <a:rPr kumimoji="1" lang="en-US" altLang="ja-JP" sz="1200" dirty="0" err="1">
+                <a:latin typeface="Courier New" panose="02070309020205020404" pitchFamily="49" charset="0"/>
+                <a:cs typeface="Courier New" panose="02070309020205020404" pitchFamily="49" charset="0"/>
+              </a:rPr>
+              <a:t>fk</a:t>
+            </a:r>
+            <a:r>
+              <a:rPr kumimoji="1" lang="en-US" altLang="ja-JP" sz="1200" dirty="0">
+                <a:latin typeface="Courier New" panose="02070309020205020404" pitchFamily="49" charset="0"/>
+                <a:cs typeface="Courier New" panose="02070309020205020404" pitchFamily="49" charset="0"/>
+              </a:rPr>
+              <a:t>(q);</a:t>
+            </a:r>
+          </a:p>
+          <a:p>
+            <a:endParaRPr kumimoji="1" lang="en-US" altLang="ja-JP" sz="1200" dirty="0">
+              <a:latin typeface="Courier New" panose="02070309020205020404" pitchFamily="49" charset="0"/>
+              <a:cs typeface="Courier New" panose="02070309020205020404" pitchFamily="49" charset="0"/>
+            </a:endParaRPr>
+          </a:p>
+          <a:p>
+            <a:r>
+              <a:rPr kumimoji="1" lang="en-US" altLang="ja-JP" sz="1200" dirty="0">
+                <a:latin typeface="Courier New" panose="02070309020205020404" pitchFamily="49" charset="0"/>
+                <a:cs typeface="Courier New" panose="02070309020205020404" pitchFamily="49" charset="0"/>
+              </a:rPr>
+              <a:t>    //  Console out the joint angle vector</a:t>
+            </a:r>
+          </a:p>
+          <a:p>
+            <a:r>
+              <a:rPr kumimoji="1" lang="en-US" altLang="ja-JP" sz="1200" dirty="0">
+                <a:latin typeface="Courier New" panose="02070309020205020404" pitchFamily="49" charset="0"/>
+                <a:cs typeface="Courier New" panose="02070309020205020404" pitchFamily="49" charset="0"/>
+              </a:rPr>
+              <a:t>    std::</a:t>
+            </a:r>
+            <a:r>
+              <a:rPr kumimoji="1" lang="en-US" altLang="ja-JP" sz="1200" dirty="0" err="1">
+                <a:latin typeface="Courier New" panose="02070309020205020404" pitchFamily="49" charset="0"/>
+                <a:cs typeface="Courier New" panose="02070309020205020404" pitchFamily="49" charset="0"/>
+              </a:rPr>
+              <a:t>cout</a:t>
+            </a:r>
+            <a:r>
+              <a:rPr kumimoji="1" lang="en-US" altLang="ja-JP" sz="1200" dirty="0">
+                <a:latin typeface="Courier New" panose="02070309020205020404" pitchFamily="49" charset="0"/>
+                <a:cs typeface="Courier New" panose="02070309020205020404" pitchFamily="49" charset="0"/>
+              </a:rPr>
+              <a:t> &lt;&lt; q &lt;&lt; std::</a:t>
+            </a:r>
+            <a:r>
+              <a:rPr kumimoji="1" lang="en-US" altLang="ja-JP" sz="1200" dirty="0" err="1">
+                <a:latin typeface="Courier New" panose="02070309020205020404" pitchFamily="49" charset="0"/>
+                <a:cs typeface="Courier New" panose="02070309020205020404" pitchFamily="49" charset="0"/>
+              </a:rPr>
+              <a:t>endl</a:t>
+            </a:r>
+            <a:r>
+              <a:rPr kumimoji="1" lang="en-US" altLang="ja-JP" sz="1200" dirty="0">
+                <a:latin typeface="Courier New" panose="02070309020205020404" pitchFamily="49" charset="0"/>
+                <a:cs typeface="Courier New" panose="02070309020205020404" pitchFamily="49" charset="0"/>
+              </a:rPr>
+              <a:t>;</a:t>
+            </a:r>
+          </a:p>
+          <a:p>
+            <a:endParaRPr kumimoji="1" lang="en-US" altLang="ja-JP" sz="1200" dirty="0">
+              <a:latin typeface="Courier New" panose="02070309020205020404" pitchFamily="49" charset="0"/>
+              <a:cs typeface="Courier New" panose="02070309020205020404" pitchFamily="49" charset="0"/>
+            </a:endParaRPr>
+          </a:p>
+          <a:p>
+            <a:r>
+              <a:rPr kumimoji="1" lang="en-US" altLang="ja-JP" sz="1200" dirty="0">
+                <a:latin typeface="Courier New" panose="02070309020205020404" pitchFamily="49" charset="0"/>
+                <a:cs typeface="Courier New" panose="02070309020205020404" pitchFamily="49" charset="0"/>
+              </a:rPr>
+              <a:t>    //  Console out the pose matrix = a vector of poses</a:t>
+            </a:r>
+          </a:p>
+          <a:p>
+            <a:r>
+              <a:rPr kumimoji="1" lang="en-US" altLang="ja-JP" sz="1200" dirty="0">
+                <a:latin typeface="Courier New" panose="02070309020205020404" pitchFamily="49" charset="0"/>
+                <a:cs typeface="Courier New" panose="02070309020205020404" pitchFamily="49" charset="0"/>
+              </a:rPr>
+              <a:t>    //  For plotting, we transpose it </a:t>
+            </a:r>
+          </a:p>
+          <a:p>
+            <a:r>
+              <a:rPr kumimoji="1" lang="en-US" altLang="ja-JP" sz="1200" dirty="0">
+                <a:latin typeface="Courier New" panose="02070309020205020404" pitchFamily="49" charset="0"/>
+                <a:cs typeface="Courier New" panose="02070309020205020404" pitchFamily="49" charset="0"/>
+              </a:rPr>
+              <a:t>    std::</a:t>
+            </a:r>
+            <a:r>
+              <a:rPr kumimoji="1" lang="en-US" altLang="ja-JP" sz="1200" dirty="0" err="1">
+                <a:latin typeface="Courier New" panose="02070309020205020404" pitchFamily="49" charset="0"/>
+                <a:cs typeface="Courier New" panose="02070309020205020404" pitchFamily="49" charset="0"/>
+              </a:rPr>
+              <a:t>cout</a:t>
+            </a:r>
+            <a:r>
+              <a:rPr kumimoji="1" lang="en-US" altLang="ja-JP" sz="1200" dirty="0">
+                <a:latin typeface="Courier New" panose="02070309020205020404" pitchFamily="49" charset="0"/>
+                <a:cs typeface="Courier New" panose="02070309020205020404" pitchFamily="49" charset="0"/>
+              </a:rPr>
+              <a:t> &lt;&lt; </a:t>
+            </a:r>
+            <a:r>
+              <a:rPr kumimoji="1" lang="en-US" altLang="ja-JP" sz="1200" dirty="0" err="1">
+                <a:latin typeface="Courier New" panose="02070309020205020404" pitchFamily="49" charset="0"/>
+                <a:cs typeface="Courier New" panose="02070309020205020404" pitchFamily="49" charset="0"/>
+              </a:rPr>
+              <a:t>p.transpose</a:t>
+            </a:r>
+            <a:r>
+              <a:rPr kumimoji="1" lang="en-US" altLang="ja-JP" sz="1200" dirty="0">
+                <a:latin typeface="Courier New" panose="02070309020205020404" pitchFamily="49" charset="0"/>
+                <a:cs typeface="Courier New" panose="02070309020205020404" pitchFamily="49" charset="0"/>
+              </a:rPr>
+              <a:t>() &lt;&lt; std::</a:t>
+            </a:r>
+            <a:r>
+              <a:rPr kumimoji="1" lang="en-US" altLang="ja-JP" sz="1200" dirty="0" err="1">
+                <a:latin typeface="Courier New" panose="02070309020205020404" pitchFamily="49" charset="0"/>
+                <a:cs typeface="Courier New" panose="02070309020205020404" pitchFamily="49" charset="0"/>
+              </a:rPr>
+              <a:t>endl</a:t>
+            </a:r>
+            <a:r>
+              <a:rPr kumimoji="1" lang="en-US" altLang="ja-JP" sz="1200" dirty="0">
+                <a:latin typeface="Courier New" panose="02070309020205020404" pitchFamily="49" charset="0"/>
+                <a:cs typeface="Courier New" panose="02070309020205020404" pitchFamily="49" charset="0"/>
+              </a:rPr>
+              <a:t>;</a:t>
+            </a:r>
+          </a:p>
+          <a:p>
+            <a:r>
+              <a:rPr lang="en-US" altLang="ja-JP" sz="1200" dirty="0">
+                <a:latin typeface="Courier New" panose="02070309020205020404" pitchFamily="49" charset="0"/>
+                <a:cs typeface="Courier New" panose="02070309020205020404" pitchFamily="49" charset="0"/>
+              </a:rPr>
+              <a:t>    </a:t>
+            </a:r>
+            <a:endParaRPr kumimoji="1" lang="en-US" altLang="ja-JP" sz="1200" dirty="0">
+              <a:latin typeface="Courier New" panose="02070309020205020404" pitchFamily="49" charset="0"/>
+              <a:cs typeface="Courier New" panose="02070309020205020404" pitchFamily="49" charset="0"/>
+            </a:endParaRPr>
+          </a:p>
+          <a:p>
+            <a:r>
+              <a:rPr kumimoji="1" lang="en-US" altLang="ja-JP" sz="1200" dirty="0">
+                <a:latin typeface="Courier New" panose="02070309020205020404" pitchFamily="49" charset="0"/>
+                <a:cs typeface="Courier New" panose="02070309020205020404" pitchFamily="49" charset="0"/>
+              </a:rPr>
+              <a:t>    return(0);</a:t>
+            </a:r>
+          </a:p>
+          <a:p>
+            <a:r>
+              <a:rPr kumimoji="1" lang="en-US" altLang="ja-JP" sz="1200" dirty="0">
+                <a:latin typeface="Courier New" panose="02070309020205020404" pitchFamily="49" charset="0"/>
+                <a:cs typeface="Courier New" panose="02070309020205020404" pitchFamily="49" charset="0"/>
+              </a:rPr>
+              <a:t>}</a:t>
+            </a:r>
+            <a:endParaRPr kumimoji="1" lang="ja-JP" altLang="en-US" sz="1200" dirty="0">
+              <a:latin typeface="Courier New" panose="02070309020205020404" pitchFamily="49" charset="0"/>
+              <a:cs typeface="Courier New" panose="02070309020205020404" pitchFamily="49" charset="0"/>
+            </a:endParaRPr>
+          </a:p>
+        </p:txBody>
+      </p:sp>
+      <p:sp>
+        <p:nvSpPr>
+          <p:cNvPr id="9" name="テキスト ボックス 8">
+            <a:extLst>
+              <a:ext uri="{FF2B5EF4-FFF2-40B4-BE49-F238E27FC236}">
+                <a16:creationId xmlns:a16="http://schemas.microsoft.com/office/drawing/2014/main" id="{DBBC3E34-763D-4CDB-AE89-4999589A7E30}"/>
+              </a:ext>
+            </a:extLst>
+          </p:cNvPr>
+          <p:cNvSpPr txBox="1"/>
+          <p:nvPr/>
+        </p:nvSpPr>
+        <p:spPr>
+          <a:xfrm>
+            <a:off x="9135758" y="2887737"/>
+            <a:ext cx="2416046" cy="830997"/>
+          </a:xfrm>
+          <a:prstGeom prst="rect">
+            <a:avLst/>
+          </a:prstGeom>
+          <a:noFill/>
+        </p:spPr>
+        <p:txBody>
+          <a:bodyPr wrap="none" rtlCol="0">
+            <a:spAutoFit/>
+          </a:bodyPr>
+          <a:lstStyle/>
+          <a:p>
+            <a:r>
+              <a:rPr kumimoji="1" lang="en-US" altLang="ja-JP" sz="1200" b="1" dirty="0">
+                <a:latin typeface="Courier New" panose="02070309020205020404" pitchFamily="49" charset="0"/>
+                <a:cs typeface="Courier New" panose="02070309020205020404" pitchFamily="49" charset="0"/>
+              </a:rPr>
+              <a:t>Terminal</a:t>
+            </a:r>
+          </a:p>
+          <a:p>
+            <a:r>
+              <a:rPr kumimoji="1" lang="en-US" altLang="ja-JP" sz="1200" dirty="0">
+                <a:latin typeface="Courier New" panose="02070309020205020404" pitchFamily="49" charset="0"/>
+                <a:cs typeface="Courier New" panose="02070309020205020404" pitchFamily="49" charset="0"/>
+              </a:rPr>
+              <a:t>$ g++ fk-3link-planar.cc</a:t>
+            </a:r>
+          </a:p>
+          <a:p>
+            <a:r>
+              <a:rPr lang="en-US" altLang="ja-JP" sz="1200" dirty="0">
+                <a:latin typeface="Courier New" panose="02070309020205020404" pitchFamily="49" charset="0"/>
+                <a:cs typeface="Courier New" panose="02070309020205020404" pitchFamily="49" charset="0"/>
+              </a:rPr>
+              <a:t>$ ./</a:t>
+            </a:r>
+            <a:r>
+              <a:rPr lang="en-US" altLang="ja-JP" sz="1200" dirty="0" err="1">
+                <a:latin typeface="Courier New" panose="02070309020205020404" pitchFamily="49" charset="0"/>
+                <a:cs typeface="Courier New" panose="02070309020205020404" pitchFamily="49" charset="0"/>
+              </a:rPr>
+              <a:t>a.out</a:t>
+            </a:r>
+            <a:r>
+              <a:rPr lang="en-US" altLang="ja-JP" sz="1200" dirty="0">
+                <a:latin typeface="Courier New" panose="02070309020205020404" pitchFamily="49" charset="0"/>
+                <a:cs typeface="Courier New" panose="02070309020205020404" pitchFamily="49" charset="0"/>
+              </a:rPr>
+              <a:t> &gt; arm-pose.txt</a:t>
+            </a:r>
+          </a:p>
+          <a:p>
+            <a:r>
+              <a:rPr kumimoji="1" lang="en-US" altLang="ja-JP" sz="1200" dirty="0">
+                <a:latin typeface="Courier New" panose="02070309020205020404" pitchFamily="49" charset="0"/>
+                <a:cs typeface="Courier New" panose="02070309020205020404" pitchFamily="49" charset="0"/>
+              </a:rPr>
+              <a:t>$ </a:t>
+            </a:r>
+            <a:r>
+              <a:rPr kumimoji="1" lang="en-US" altLang="ja-JP" sz="1200" dirty="0" err="1">
+                <a:latin typeface="Courier New" panose="02070309020205020404" pitchFamily="49" charset="0"/>
+                <a:cs typeface="Courier New" panose="02070309020205020404" pitchFamily="49" charset="0"/>
+              </a:rPr>
+              <a:t>gnuplot</a:t>
+            </a:r>
+            <a:r>
+              <a:rPr kumimoji="1" lang="en-US" altLang="ja-JP" sz="1200" dirty="0">
+                <a:latin typeface="Courier New" panose="02070309020205020404" pitchFamily="49" charset="0"/>
+                <a:cs typeface="Courier New" panose="02070309020205020404" pitchFamily="49" charset="0"/>
+              </a:rPr>
+              <a:t> arm-</a:t>
+            </a:r>
+            <a:r>
+              <a:rPr kumimoji="1" lang="en-US" altLang="ja-JP" sz="1200" dirty="0" err="1">
+                <a:latin typeface="Courier New" panose="02070309020205020404" pitchFamily="49" charset="0"/>
+                <a:cs typeface="Courier New" panose="02070309020205020404" pitchFamily="49" charset="0"/>
+              </a:rPr>
+              <a:t>pose.plt</a:t>
+            </a:r>
+            <a:r>
+              <a:rPr kumimoji="1" lang="en-US" altLang="ja-JP" sz="1200" dirty="0">
+                <a:latin typeface="Courier New" panose="02070309020205020404" pitchFamily="49" charset="0"/>
+                <a:cs typeface="Courier New" panose="02070309020205020404" pitchFamily="49" charset="0"/>
+              </a:rPr>
+              <a:t> </a:t>
+            </a:r>
+            <a:endParaRPr kumimoji="1" lang="ja-JP" altLang="en-US" sz="1200" dirty="0">
+              <a:latin typeface="Courier New" panose="02070309020205020404" pitchFamily="49" charset="0"/>
+              <a:cs typeface="Courier New" panose="02070309020205020404" pitchFamily="49" charset="0"/>
+            </a:endParaRPr>
+          </a:p>
+        </p:txBody>
+      </p:sp>
+      <p:sp>
+        <p:nvSpPr>
+          <p:cNvPr id="10" name="テキスト ボックス 9">
+            <a:extLst>
+              <a:ext uri="{FF2B5EF4-FFF2-40B4-BE49-F238E27FC236}">
+                <a16:creationId xmlns:a16="http://schemas.microsoft.com/office/drawing/2014/main" id="{BC81B159-2942-4AC0-83F9-21A77AD8E3B0}"/>
+              </a:ext>
+            </a:extLst>
+          </p:cNvPr>
+          <p:cNvSpPr txBox="1"/>
+          <p:nvPr/>
+        </p:nvSpPr>
+        <p:spPr>
+          <a:xfrm>
+            <a:off x="6253561" y="1522232"/>
+            <a:ext cx="3528392" cy="1200329"/>
+          </a:xfrm>
+          <a:prstGeom prst="rect">
+            <a:avLst/>
+          </a:prstGeom>
+          <a:solidFill>
+            <a:schemeClr val="bg1"/>
+          </a:solidFill>
+        </p:spPr>
+        <p:txBody>
+          <a:bodyPr wrap="square">
+            <a:spAutoFit/>
+          </a:bodyPr>
+          <a:lstStyle/>
+          <a:p>
+            <a:r>
+              <a:rPr kumimoji="1" lang="en-US" altLang="ja-JP" sz="1200" b="1" dirty="0">
+                <a:latin typeface="Courier New" panose="02070309020205020404" pitchFamily="49" charset="0"/>
+                <a:cs typeface="Courier New" panose="02070309020205020404" pitchFamily="49" charset="0"/>
+              </a:rPr>
+              <a:t>arm-</a:t>
+            </a:r>
+            <a:r>
+              <a:rPr kumimoji="1" lang="en-US" altLang="ja-JP" sz="1200" b="1" dirty="0" err="1">
+                <a:latin typeface="Courier New" panose="02070309020205020404" pitchFamily="49" charset="0"/>
+                <a:cs typeface="Courier New" panose="02070309020205020404" pitchFamily="49" charset="0"/>
+              </a:rPr>
+              <a:t>pose.plt</a:t>
+            </a:r>
+            <a:endParaRPr lang="en-US" altLang="ja-JP" sz="1200" b="1" dirty="0">
+              <a:latin typeface="Courier New" panose="02070309020205020404" pitchFamily="49" charset="0"/>
+              <a:cs typeface="Courier New" panose="02070309020205020404" pitchFamily="49" charset="0"/>
+            </a:endParaRPr>
+          </a:p>
+          <a:p>
+            <a:r>
+              <a:rPr lang="ja-JP" altLang="en-US" sz="1200" dirty="0">
+                <a:latin typeface="Courier New" panose="02070309020205020404" pitchFamily="49" charset="0"/>
+                <a:cs typeface="Courier New" panose="02070309020205020404" pitchFamily="49" charset="0"/>
+              </a:rPr>
+              <a:t>set xrange[-3:3]</a:t>
+            </a:r>
+          </a:p>
+          <a:p>
+            <a:r>
+              <a:rPr lang="ja-JP" altLang="en-US" sz="1200" dirty="0">
+                <a:latin typeface="Courier New" panose="02070309020205020404" pitchFamily="49" charset="0"/>
+                <a:cs typeface="Courier New" panose="02070309020205020404" pitchFamily="49" charset="0"/>
+              </a:rPr>
+              <a:t>set yrange[-3:3]</a:t>
+            </a:r>
+          </a:p>
+          <a:p>
+            <a:r>
+              <a:rPr lang="ja-JP" altLang="en-US" sz="1200" dirty="0">
+                <a:latin typeface="Courier New" panose="02070309020205020404" pitchFamily="49" charset="0"/>
+                <a:cs typeface="Courier New" panose="02070309020205020404" pitchFamily="49" charset="0"/>
+              </a:rPr>
+              <a:t>set size square</a:t>
+            </a:r>
+          </a:p>
+          <a:p>
+            <a:r>
+              <a:rPr lang="ja-JP" altLang="en-US" sz="1200" dirty="0">
+                <a:latin typeface="Courier New" panose="02070309020205020404" pitchFamily="49" charset="0"/>
+                <a:cs typeface="Courier New" panose="02070309020205020404" pitchFamily="49" charset="0"/>
+              </a:rPr>
+              <a:t>set size ratio 1</a:t>
+            </a:r>
+          </a:p>
+          <a:p>
+            <a:r>
+              <a:rPr lang="ja-JP" altLang="en-US" sz="1200" dirty="0">
+                <a:latin typeface="Courier New" panose="02070309020205020404" pitchFamily="49" charset="0"/>
+                <a:cs typeface="Courier New" panose="02070309020205020404" pitchFamily="49" charset="0"/>
+              </a:rPr>
+              <a:t>plot "arm-pose.txt" using 1:2 w lp</a:t>
+            </a:r>
+          </a:p>
+        </p:txBody>
+      </p:sp>
+      <p:sp>
+        <p:nvSpPr>
+          <p:cNvPr id="11" name="テキスト ボックス 10">
+            <a:extLst>
+              <a:ext uri="{FF2B5EF4-FFF2-40B4-BE49-F238E27FC236}">
+                <a16:creationId xmlns:a16="http://schemas.microsoft.com/office/drawing/2014/main" id="{19300E9F-6AC9-4503-A872-61F2A7A72EA0}"/>
+              </a:ext>
+            </a:extLst>
+          </p:cNvPr>
+          <p:cNvSpPr txBox="1"/>
+          <p:nvPr/>
+        </p:nvSpPr>
+        <p:spPr>
+          <a:xfrm>
+            <a:off x="609600" y="6019832"/>
+            <a:ext cx="11031016" cy="276999"/>
+          </a:xfrm>
+          <a:prstGeom prst="rect">
+            <a:avLst/>
+          </a:prstGeom>
+          <a:noFill/>
+        </p:spPr>
+        <p:txBody>
+          <a:bodyPr wrap="square">
+            <a:spAutoFit/>
+          </a:bodyPr>
+          <a:lstStyle/>
+          <a:p>
+            <a:r>
+              <a:rPr lang="en-US" altLang="ja-JP" sz="1200" dirty="0">
+                <a:cs typeface="Courier New" panose="02070309020205020404" pitchFamily="49" charset="0"/>
+              </a:rPr>
+              <a:t>Code is available at</a:t>
+            </a:r>
+            <a:r>
+              <a:rPr lang="ja-JP" altLang="en-US" sz="1200" dirty="0">
+                <a:cs typeface="Courier New" panose="02070309020205020404" pitchFamily="49" charset="0"/>
+              </a:rPr>
+              <a:t> </a:t>
+            </a:r>
+            <a:r>
+              <a:rPr lang="en-US" altLang="ja-JP" sz="1200" dirty="0">
+                <a:cs typeface="Courier New" panose="02070309020205020404" pitchFamily="49" charset="0"/>
+              </a:rPr>
+              <a:t>https://github.com/keitaronaruse/Naruse-robotics-tutorial/blob/main/src/cpp</a:t>
+            </a:r>
+            <a:r>
+              <a:rPr lang="en-US" altLang="ja-JP" sz="1200">
+                <a:cs typeface="Courier New" panose="02070309020205020404" pitchFamily="49" charset="0"/>
+              </a:rPr>
+              <a:t>/</a:t>
+            </a:r>
+            <a:r>
+              <a:rPr kumimoji="1" lang="en-US" altLang="ja-JP" sz="1200">
+                <a:latin typeface="Courier New" panose="02070309020205020404" pitchFamily="49" charset="0"/>
+                <a:cs typeface="Courier New" panose="02070309020205020404" pitchFamily="49" charset="0"/>
+              </a:rPr>
+              <a:t>arm-pose.</a:t>
+            </a:r>
+            <a:r>
+              <a:rPr kumimoji="1" lang="en-US" altLang="ja-JP" sz="1200" dirty="0">
+                <a:latin typeface="Courier New" panose="02070309020205020404" pitchFamily="49" charset="0"/>
+                <a:cs typeface="Courier New" panose="02070309020205020404" pitchFamily="49" charset="0"/>
+              </a:rPr>
+              <a:t>plt</a:t>
+            </a:r>
+            <a:endParaRPr lang="en-US" altLang="ja-JP" sz="1200" dirty="0">
+              <a:latin typeface="Courier New" panose="02070309020205020404" pitchFamily="49" charset="0"/>
+              <a:cs typeface="Courier New" panose="02070309020205020404" pitchFamily="49" charset="0"/>
+            </a:endParaRPr>
+          </a:p>
+        </p:txBody>
+      </p:sp>
     </p:spTree>
     <p:extLst>
       <p:ext uri="{BB962C8B-B14F-4D97-AF65-F5344CB8AC3E}">

--- a/doc/slides/Robot-Arm-Forward-Kinematics-CPP-Code.pptx
+++ b/doc/slides/Robot-Arm-Forward-Kinematics-CPP-Code.pptx
@@ -7908,7 +7908,7 @@
           <p:nvPr>
             <p:extLst>
               <p:ext uri="{D42A27DB-BD31-4B8C-83A1-F6EECF244321}">
-                <p14:modId xmlns:p14="http://schemas.microsoft.com/office/powerpoint/2010/main" val="1050073489"/>
+                <p14:modId xmlns:p14="http://schemas.microsoft.com/office/powerpoint/2010/main" val="1188921053"/>
               </p:ext>
             </p:extLst>
           </p:nvPr>
@@ -7977,7 +7977,7 @@
           <p:nvPr>
             <p:extLst>
               <p:ext uri="{D42A27DB-BD31-4B8C-83A1-F6EECF244321}">
-                <p14:modId xmlns:p14="http://schemas.microsoft.com/office/powerpoint/2010/main" val="2650501182"/>
+                <p14:modId xmlns:p14="http://schemas.microsoft.com/office/powerpoint/2010/main" val="3858976574"/>
               </p:ext>
             </p:extLst>
           </p:nvPr>
@@ -9525,15 +9525,15 @@
         </p:nvSpPr>
         <p:spPr>
           <a:xfrm>
-            <a:off x="4540932" y="5048600"/>
+            <a:off x="767408" y="4346812"/>
             <a:ext cx="5904656" cy="612648"/>
           </a:xfrm>
           <a:prstGeom prst="accentCallout1">
             <a:avLst>
               <a:gd name="adj1" fmla="val 21796"/>
               <a:gd name="adj2" fmla="val -1696"/>
-              <a:gd name="adj3" fmla="val -401238"/>
-              <a:gd name="adj4" fmla="val 13252"/>
+              <a:gd name="adj3" fmla="val -290001"/>
+              <a:gd name="adj4" fmla="val 76365"/>
             </a:avLst>
           </a:prstGeom>
           <a:noFill/>
@@ -9623,213 +9623,6 @@
           </a:p>
         </p:txBody>
       </p:sp>
-      <p:sp>
-        <p:nvSpPr>
-          <p:cNvPr id="21" name="吹き出し: 線 (強調線付き) 20">
-            <a:extLst>
-              <a:ext uri="{FF2B5EF4-FFF2-40B4-BE49-F238E27FC236}">
-                <a16:creationId xmlns:a16="http://schemas.microsoft.com/office/drawing/2014/main" id="{04B6252A-5E65-4DDB-AA7B-F37391801034}"/>
-              </a:ext>
-            </a:extLst>
-          </p:cNvPr>
-          <p:cNvSpPr/>
-          <p:nvPr/>
-        </p:nvSpPr>
-        <p:spPr>
-          <a:xfrm>
-            <a:off x="767408" y="4400528"/>
-            <a:ext cx="10873208" cy="612648"/>
-          </a:xfrm>
-          <a:prstGeom prst="accentCallout1">
-            <a:avLst>
-              <a:gd name="adj1" fmla="val 21796"/>
-              <a:gd name="adj2" fmla="val -774"/>
-              <a:gd name="adj3" fmla="val -31951"/>
-              <a:gd name="adj4" fmla="val 2132"/>
-            </a:avLst>
-          </a:prstGeom>
-          <a:noFill/>
-          <a:ln w="9525">
-            <a:solidFill>
-              <a:srgbClr val="FF0000"/>
-            </a:solidFill>
-          </a:ln>
-        </p:spPr>
-        <p:style>
-          <a:lnRef idx="2">
-            <a:schemeClr val="accent1">
-              <a:shade val="50000"/>
-            </a:schemeClr>
-          </a:lnRef>
-          <a:fillRef idx="1">
-            <a:schemeClr val="accent1"/>
-          </a:fillRef>
-          <a:effectRef idx="0">
-            <a:schemeClr val="accent1"/>
-          </a:effectRef>
-          <a:fontRef idx="minor">
-            <a:schemeClr val="lt1"/>
-          </a:fontRef>
-        </p:style>
-        <p:txBody>
-          <a:bodyPr rtlCol="0" anchor="t"/>
-          <a:lstStyle/>
-          <a:p>
-            <a:r>
-              <a:rPr lang="ja-JP" altLang="en-US" dirty="0">
-                <a:solidFill>
-                  <a:schemeClr val="tx1"/>
-                </a:solidFill>
-              </a:rPr>
-              <a:t>戻り値：ロボットアームの姿勢 </a:t>
-            </a:r>
-            <a:r>
-              <a:rPr lang="en-US" altLang="ja-JP" dirty="0">
-                <a:solidFill>
-                  <a:schemeClr val="tx1"/>
-                </a:solidFill>
-              </a:rPr>
-              <a:t>double</a:t>
-            </a:r>
-            <a:r>
-              <a:rPr lang="ja-JP" altLang="en-US" dirty="0">
-                <a:solidFill>
-                  <a:schemeClr val="tx1"/>
-                </a:solidFill>
-              </a:rPr>
-              <a:t>型</a:t>
-            </a:r>
-            <a:r>
-              <a:rPr lang="en-US" altLang="ja-JP" dirty="0">
-                <a:solidFill>
-                  <a:schemeClr val="tx1"/>
-                </a:solidFill>
-              </a:rPr>
-              <a:t>3*4</a:t>
-            </a:r>
-            <a:r>
-              <a:rPr lang="ja-JP" altLang="en-US" dirty="0">
-                <a:solidFill>
-                  <a:schemeClr val="tx1"/>
-                </a:solidFill>
-              </a:rPr>
-              <a:t>行列 </a:t>
-            </a:r>
-            <a:r>
-              <a:rPr lang="en-US" altLang="ja-JP" dirty="0">
-                <a:solidFill>
-                  <a:schemeClr val="tx1"/>
-                </a:solidFill>
-              </a:rPr>
-              <a:t>= </a:t>
-            </a:r>
-            <a:r>
-              <a:rPr lang="ja-JP" altLang="en-US" dirty="0">
-                <a:solidFill>
-                  <a:schemeClr val="tx1"/>
-                </a:solidFill>
-              </a:rPr>
-              <a:t>各姿勢が</a:t>
-            </a:r>
-            <a:r>
-              <a:rPr lang="en-US" altLang="ja-JP" dirty="0">
-                <a:solidFill>
-                  <a:schemeClr val="tx1"/>
-                </a:solidFill>
-              </a:rPr>
-              <a:t>3</a:t>
-            </a:r>
-            <a:r>
-              <a:rPr lang="ja-JP" altLang="en-US" dirty="0">
-                <a:solidFill>
-                  <a:schemeClr val="tx1"/>
-                </a:solidFill>
-              </a:rPr>
-              <a:t>要素</a:t>
-            </a:r>
-            <a:r>
-              <a:rPr lang="en-US" altLang="ja-JP" dirty="0">
-                <a:solidFill>
-                  <a:schemeClr val="tx1"/>
-                </a:solidFill>
-              </a:rPr>
-              <a:t>(</a:t>
-            </a:r>
-            <a:r>
-              <a:rPr lang="en-US" altLang="ja-JP" dirty="0" err="1">
-                <a:solidFill>
-                  <a:schemeClr val="tx1"/>
-                </a:solidFill>
-              </a:rPr>
-              <a:t>x,y,q</a:t>
-            </a:r>
-            <a:r>
-              <a:rPr lang="en-US" altLang="ja-JP" dirty="0">
-                <a:solidFill>
-                  <a:schemeClr val="tx1"/>
-                </a:solidFill>
-              </a:rPr>
-              <a:t>)</a:t>
-            </a:r>
-            <a:r>
-              <a:rPr lang="ja-JP" altLang="en-US" dirty="0">
-                <a:solidFill>
-                  <a:schemeClr val="tx1"/>
-                </a:solidFill>
-              </a:rPr>
-              <a:t> </a:t>
-            </a:r>
-            <a:r>
-              <a:rPr lang="en-US" altLang="ja-JP" dirty="0">
-                <a:solidFill>
-                  <a:schemeClr val="tx1"/>
-                </a:solidFill>
-              </a:rPr>
-              <a:t>* 4</a:t>
-            </a:r>
-            <a:r>
-              <a:rPr lang="ja-JP" altLang="en-US" dirty="0">
-                <a:solidFill>
-                  <a:schemeClr val="tx1"/>
-                </a:solidFill>
-              </a:rPr>
-              <a:t>姿勢</a:t>
-            </a:r>
-            <a:endParaRPr lang="en-US" altLang="ja-JP" dirty="0">
-              <a:solidFill>
-                <a:schemeClr val="tx1"/>
-              </a:solidFill>
-            </a:endParaRPr>
-          </a:p>
-          <a:p>
-            <a:pPr algn="l"/>
-            <a:r>
-              <a:rPr lang="en-US" altLang="ja-JP" dirty="0">
-                <a:solidFill>
-                  <a:schemeClr val="tx1"/>
-                </a:solidFill>
-              </a:rPr>
-              <a:t>Return: A robot arm pose of a double 3*4 matrix = each pose has 3 components of (</a:t>
-            </a:r>
-            <a:r>
-              <a:rPr lang="en-US" altLang="ja-JP" dirty="0" err="1">
-                <a:solidFill>
-                  <a:schemeClr val="tx1"/>
-                </a:solidFill>
-              </a:rPr>
-              <a:t>x,y,q</a:t>
-            </a:r>
-            <a:r>
-              <a:rPr lang="en-US" altLang="ja-JP" dirty="0">
-                <a:solidFill>
-                  <a:schemeClr val="tx1"/>
-                </a:solidFill>
-              </a:rPr>
-              <a:t>) * 4 poses</a:t>
-            </a:r>
-          </a:p>
-        </p:txBody>
-      </p:sp>
       <p:graphicFrame>
         <p:nvGraphicFramePr>
           <p:cNvPr id="22" name="オブジェクト 21">
@@ -9845,13 +9638,13 @@
           <p:nvPr>
             <p:extLst>
               <p:ext uri="{D42A27DB-BD31-4B8C-83A1-F6EECF244321}">
-                <p14:modId xmlns:p14="http://schemas.microsoft.com/office/powerpoint/2010/main" val="3448132730"/>
+                <p14:modId xmlns:p14="http://schemas.microsoft.com/office/powerpoint/2010/main" val="3370001609"/>
               </p:ext>
             </p:extLst>
           </p:nvPr>
         </p:nvGraphicFramePr>
         <p:xfrm>
-          <a:off x="644525" y="5033966"/>
+          <a:off x="8093032" y="4008173"/>
           <a:ext cx="3486150" cy="914400"/>
         </p:xfrm>
         <a:graphic>
@@ -9879,7 +9672,7 @@
                     </p:blipFill>
                     <p:spPr>
                       <a:xfrm>
-                        <a:off x="644525" y="5033966"/>
+                        <a:off x="8093032" y="4008173"/>
                         <a:ext cx="3486150" cy="914400"/>
                       </a:xfrm>
                       <a:prstGeom prst="rect">
@@ -9908,13 +9701,13 @@
           <p:nvPr>
             <p:extLst>
               <p:ext uri="{D42A27DB-BD31-4B8C-83A1-F6EECF244321}">
-                <p14:modId xmlns:p14="http://schemas.microsoft.com/office/powerpoint/2010/main" val="2567314013"/>
+                <p14:modId xmlns:p14="http://schemas.microsoft.com/office/powerpoint/2010/main" val="2231568099"/>
               </p:ext>
             </p:extLst>
           </p:nvPr>
         </p:nvGraphicFramePr>
         <p:xfrm>
-          <a:off x="10382572" y="4945897"/>
+          <a:off x="6516316" y="4009813"/>
           <a:ext cx="838200" cy="914400"/>
         </p:xfrm>
         <a:graphic>
@@ -9948,7 +9741,7 @@
                     </p:blipFill>
                     <p:spPr>
                       <a:xfrm>
-                        <a:off x="10382572" y="4945897"/>
+                        <a:off x="6516316" y="4009813"/>
                         <a:ext cx="838200" cy="914400"/>
                       </a:xfrm>
                       <a:prstGeom prst="rect">
@@ -9962,6 +9755,259 @@
           </a:graphicData>
         </a:graphic>
       </p:graphicFrame>
+      <p:sp>
+        <p:nvSpPr>
+          <p:cNvPr id="21" name="吹き出し: 線 (強調線付き) 20">
+            <a:extLst>
+              <a:ext uri="{FF2B5EF4-FFF2-40B4-BE49-F238E27FC236}">
+                <a16:creationId xmlns:a16="http://schemas.microsoft.com/office/drawing/2014/main" id="{04B6252A-5E65-4DDB-AA7B-F37391801034}"/>
+              </a:ext>
+            </a:extLst>
+          </p:cNvPr>
+          <p:cNvSpPr/>
+          <p:nvPr/>
+        </p:nvSpPr>
+        <p:spPr>
+          <a:xfrm>
+            <a:off x="767408" y="5192616"/>
+            <a:ext cx="10873208" cy="612648"/>
+          </a:xfrm>
+          <a:prstGeom prst="accentCallout1">
+            <a:avLst>
+              <a:gd name="adj1" fmla="val 21796"/>
+              <a:gd name="adj2" fmla="val -774"/>
+              <a:gd name="adj3" fmla="val -155859"/>
+              <a:gd name="adj4" fmla="val 24506"/>
+            </a:avLst>
+          </a:prstGeom>
+          <a:noFill/>
+          <a:ln w="9525">
+            <a:solidFill>
+              <a:srgbClr val="FF0000"/>
+            </a:solidFill>
+          </a:ln>
+        </p:spPr>
+        <p:style>
+          <a:lnRef idx="2">
+            <a:schemeClr val="accent1">
+              <a:shade val="50000"/>
+            </a:schemeClr>
+          </a:lnRef>
+          <a:fillRef idx="1">
+            <a:schemeClr val="accent1"/>
+          </a:fillRef>
+          <a:effectRef idx="0">
+            <a:schemeClr val="accent1"/>
+          </a:effectRef>
+          <a:fontRef idx="minor">
+            <a:schemeClr val="lt1"/>
+          </a:fontRef>
+        </p:style>
+        <p:txBody>
+          <a:bodyPr rtlCol="0" anchor="t"/>
+          <a:lstStyle/>
+          <a:p>
+            <a:r>
+              <a:rPr lang="ja-JP" altLang="en-US" dirty="0">
+                <a:solidFill>
+                  <a:schemeClr val="tx1"/>
+                </a:solidFill>
+              </a:rPr>
+              <a:t>戻り値：ロボットアームの姿勢 </a:t>
+            </a:r>
+            <a:r>
+              <a:rPr lang="en-US" altLang="ja-JP" dirty="0">
+                <a:solidFill>
+                  <a:schemeClr val="tx1"/>
+                </a:solidFill>
+              </a:rPr>
+              <a:t>double</a:t>
+            </a:r>
+            <a:r>
+              <a:rPr lang="ja-JP" altLang="en-US" dirty="0">
+                <a:solidFill>
+                  <a:schemeClr val="tx1"/>
+                </a:solidFill>
+              </a:rPr>
+              <a:t>型</a:t>
+            </a:r>
+            <a:r>
+              <a:rPr lang="en-US" altLang="ja-JP" dirty="0">
+                <a:solidFill>
+                  <a:schemeClr val="tx1"/>
+                </a:solidFill>
+              </a:rPr>
+              <a:t>3*4</a:t>
+            </a:r>
+            <a:r>
+              <a:rPr lang="ja-JP" altLang="en-US" dirty="0">
+                <a:solidFill>
+                  <a:schemeClr val="tx1"/>
+                </a:solidFill>
+              </a:rPr>
+              <a:t>行列 </a:t>
+            </a:r>
+            <a:r>
+              <a:rPr lang="en-US" altLang="ja-JP" dirty="0">
+                <a:solidFill>
+                  <a:schemeClr val="tx1"/>
+                </a:solidFill>
+              </a:rPr>
+              <a:t>= </a:t>
+            </a:r>
+            <a:r>
+              <a:rPr lang="ja-JP" altLang="en-US" dirty="0">
+                <a:solidFill>
+                  <a:schemeClr val="tx1"/>
+                </a:solidFill>
+              </a:rPr>
+              <a:t>各姿勢が</a:t>
+            </a:r>
+            <a:r>
+              <a:rPr lang="en-US" altLang="ja-JP" dirty="0">
+                <a:solidFill>
+                  <a:schemeClr val="tx1"/>
+                </a:solidFill>
+              </a:rPr>
+              <a:t>3</a:t>
+            </a:r>
+            <a:r>
+              <a:rPr lang="ja-JP" altLang="en-US" dirty="0">
+                <a:solidFill>
+                  <a:schemeClr val="tx1"/>
+                </a:solidFill>
+              </a:rPr>
+              <a:t>要素</a:t>
+            </a:r>
+            <a:r>
+              <a:rPr lang="en-US" altLang="ja-JP" dirty="0">
+                <a:solidFill>
+                  <a:schemeClr val="tx1"/>
+                </a:solidFill>
+              </a:rPr>
+              <a:t>(</a:t>
+            </a:r>
+            <a:r>
+              <a:rPr lang="en-US" altLang="ja-JP" dirty="0" err="1">
+                <a:solidFill>
+                  <a:schemeClr val="tx1"/>
+                </a:solidFill>
+              </a:rPr>
+              <a:t>x,y,q</a:t>
+            </a:r>
+            <a:r>
+              <a:rPr lang="en-US" altLang="ja-JP" dirty="0">
+                <a:solidFill>
+                  <a:schemeClr val="tx1"/>
+                </a:solidFill>
+              </a:rPr>
+              <a:t>)</a:t>
+            </a:r>
+            <a:r>
+              <a:rPr lang="ja-JP" altLang="en-US" dirty="0">
+                <a:solidFill>
+                  <a:schemeClr val="tx1"/>
+                </a:solidFill>
+              </a:rPr>
+              <a:t> </a:t>
+            </a:r>
+            <a:r>
+              <a:rPr lang="en-US" altLang="ja-JP" dirty="0">
+                <a:solidFill>
+                  <a:schemeClr val="tx1"/>
+                </a:solidFill>
+              </a:rPr>
+              <a:t>* 4</a:t>
+            </a:r>
+            <a:r>
+              <a:rPr lang="ja-JP" altLang="en-US" dirty="0">
+                <a:solidFill>
+                  <a:schemeClr val="tx1"/>
+                </a:solidFill>
+              </a:rPr>
+              <a:t>姿勢</a:t>
+            </a:r>
+            <a:endParaRPr lang="en-US" altLang="ja-JP" dirty="0">
+              <a:solidFill>
+                <a:schemeClr val="tx1"/>
+              </a:solidFill>
+            </a:endParaRPr>
+          </a:p>
+          <a:p>
+            <a:pPr algn="l"/>
+            <a:r>
+              <a:rPr lang="en-US" altLang="ja-JP" dirty="0">
+                <a:solidFill>
+                  <a:schemeClr val="tx1"/>
+                </a:solidFill>
+              </a:rPr>
+              <a:t>Return: A robot arm pose of a double 3*4 matrix = each pose has 3 components of (</a:t>
+            </a:r>
+            <a:r>
+              <a:rPr lang="en-US" altLang="ja-JP" dirty="0" err="1">
+                <a:solidFill>
+                  <a:schemeClr val="tx1"/>
+                </a:solidFill>
+              </a:rPr>
+              <a:t>x,y,q</a:t>
+            </a:r>
+            <a:r>
+              <a:rPr lang="en-US" altLang="ja-JP" dirty="0">
+                <a:solidFill>
+                  <a:schemeClr val="tx1"/>
+                </a:solidFill>
+              </a:rPr>
+              <a:t>) * 4 poses</a:t>
+            </a:r>
+          </a:p>
+        </p:txBody>
+      </p:sp>
+      <p:cxnSp>
+        <p:nvCxnSpPr>
+          <p:cNvPr id="17" name="直線矢印コネクタ 16">
+            <a:extLst>
+              <a:ext uri="{FF2B5EF4-FFF2-40B4-BE49-F238E27FC236}">
+                <a16:creationId xmlns:a16="http://schemas.microsoft.com/office/drawing/2014/main" id="{869ECB12-538C-4027-A596-237F190F0558}"/>
+              </a:ext>
+            </a:extLst>
+          </p:cNvPr>
+          <p:cNvCxnSpPr>
+            <a:cxnSpLocks/>
+            <a:stCxn id="23" idx="3"/>
+            <a:endCxn id="22" idx="1"/>
+          </p:cNvCxnSpPr>
+          <p:nvPr/>
+        </p:nvCxnSpPr>
+        <p:spPr>
+          <a:xfrm flipV="1">
+            <a:off x="7354516" y="4465373"/>
+            <a:ext cx="738516" cy="1640"/>
+          </a:xfrm>
+          <a:prstGeom prst="straightConnector1">
+            <a:avLst/>
+          </a:prstGeom>
+          <a:ln>
+            <a:solidFill>
+              <a:srgbClr val="FF0000"/>
+            </a:solidFill>
+            <a:tailEnd type="triangle" w="lg" len="lg"/>
+          </a:ln>
+        </p:spPr>
+        <p:style>
+          <a:lnRef idx="1">
+            <a:schemeClr val="accent1"/>
+          </a:lnRef>
+          <a:fillRef idx="0">
+            <a:schemeClr val="accent1"/>
+          </a:fillRef>
+          <a:effectRef idx="0">
+            <a:schemeClr val="accent1"/>
+          </a:effectRef>
+          <a:fontRef idx="minor">
+            <a:schemeClr val="tx1"/>
+          </a:fontRef>
+        </p:style>
+      </p:cxnSp>
     </p:spTree>
     <p:extLst>
       <p:ext uri="{BB962C8B-B14F-4D97-AF65-F5344CB8AC3E}">
@@ -10131,8 +10177,8 @@
         </p:nvSpPr>
         <p:spPr>
           <a:xfrm>
-            <a:off x="496434" y="1700808"/>
-            <a:ext cx="10394994" cy="3647152"/>
+            <a:off x="4096834" y="1700808"/>
+            <a:ext cx="7903822" cy="3647152"/>
           </a:xfrm>
           <a:prstGeom prst="rect">
             <a:avLst/>
@@ -10425,13 +10471,13 @@
           <p:nvPr>
             <p:extLst>
               <p:ext uri="{D42A27DB-BD31-4B8C-83A1-F6EECF244321}">
-                <p14:modId xmlns:p14="http://schemas.microsoft.com/office/powerpoint/2010/main" val="2876214883"/>
+                <p14:modId xmlns:p14="http://schemas.microsoft.com/office/powerpoint/2010/main" val="3073853735"/>
               </p:ext>
             </p:extLst>
           </p:nvPr>
         </p:nvGraphicFramePr>
         <p:xfrm>
-          <a:off x="5375920" y="4869160"/>
+          <a:off x="6816080" y="4890760"/>
           <a:ext cx="3486150" cy="914400"/>
         </p:xfrm>
         <a:graphic>
@@ -10465,8 +10511,680 @@
                     </p:blipFill>
                     <p:spPr>
                       <a:xfrm>
-                        <a:off x="5375920" y="4869160"/>
+                        <a:off x="6816080" y="4890760"/>
                         <a:ext cx="3486150" cy="914400"/>
+                      </a:xfrm>
+                      <a:prstGeom prst="rect">
+                        <a:avLst/>
+                      </a:prstGeom>
+                    </p:spPr>
+                  </p:pic>
+                </p:oleObj>
+              </mc:Fallback>
+            </mc:AlternateContent>
+          </a:graphicData>
+        </a:graphic>
+      </p:graphicFrame>
+      <p:cxnSp>
+        <p:nvCxnSpPr>
+          <p:cNvPr id="8" name="直線コネクタ 7">
+            <a:extLst>
+              <a:ext uri="{FF2B5EF4-FFF2-40B4-BE49-F238E27FC236}">
+                <a16:creationId xmlns:a16="http://schemas.microsoft.com/office/drawing/2014/main" id="{F205E410-85CC-4F16-BAD3-F124487C3E0F}"/>
+              </a:ext>
+            </a:extLst>
+          </p:cNvPr>
+          <p:cNvCxnSpPr>
+            <a:cxnSpLocks/>
+          </p:cNvCxnSpPr>
+          <p:nvPr/>
+        </p:nvCxnSpPr>
+        <p:spPr>
+          <a:xfrm flipV="1">
+            <a:off x="1127448" y="5013160"/>
+            <a:ext cx="1440160" cy="720096"/>
+          </a:xfrm>
+          <a:prstGeom prst="line">
+            <a:avLst/>
+          </a:prstGeom>
+          <a:ln>
+            <a:solidFill>
+              <a:schemeClr val="tx1"/>
+            </a:solidFill>
+          </a:ln>
+        </p:spPr>
+        <p:style>
+          <a:lnRef idx="1">
+            <a:schemeClr val="accent1"/>
+          </a:lnRef>
+          <a:fillRef idx="0">
+            <a:schemeClr val="accent1"/>
+          </a:fillRef>
+          <a:effectRef idx="0">
+            <a:schemeClr val="accent1"/>
+          </a:effectRef>
+          <a:fontRef idx="minor">
+            <a:schemeClr val="tx1"/>
+          </a:fontRef>
+        </p:style>
+      </p:cxnSp>
+      <p:cxnSp>
+        <p:nvCxnSpPr>
+          <p:cNvPr id="9" name="直線コネクタ 8">
+            <a:extLst>
+              <a:ext uri="{FF2B5EF4-FFF2-40B4-BE49-F238E27FC236}">
+                <a16:creationId xmlns:a16="http://schemas.microsoft.com/office/drawing/2014/main" id="{D3805546-67F4-4EA7-9E00-FEE96757A35A}"/>
+              </a:ext>
+            </a:extLst>
+          </p:cNvPr>
+          <p:cNvCxnSpPr>
+            <a:cxnSpLocks/>
+          </p:cNvCxnSpPr>
+          <p:nvPr/>
+        </p:nvCxnSpPr>
+        <p:spPr>
+          <a:xfrm>
+            <a:off x="695400" y="5733256"/>
+            <a:ext cx="4032448" cy="8570"/>
+          </a:xfrm>
+          <a:prstGeom prst="line">
+            <a:avLst/>
+          </a:prstGeom>
+          <a:ln w="3175">
+            <a:solidFill>
+              <a:schemeClr val="tx1"/>
+            </a:solidFill>
+            <a:tailEnd type="triangle" w="lg" len="lg"/>
+          </a:ln>
+        </p:spPr>
+        <p:style>
+          <a:lnRef idx="1">
+            <a:schemeClr val="accent1"/>
+          </a:lnRef>
+          <a:fillRef idx="0">
+            <a:schemeClr val="accent1"/>
+          </a:fillRef>
+          <a:effectRef idx="0">
+            <a:schemeClr val="accent1"/>
+          </a:effectRef>
+          <a:fontRef idx="minor">
+            <a:schemeClr val="tx1"/>
+          </a:fontRef>
+        </p:style>
+      </p:cxnSp>
+      <p:cxnSp>
+        <p:nvCxnSpPr>
+          <p:cNvPr id="10" name="直線コネクタ 9">
+            <a:extLst>
+              <a:ext uri="{FF2B5EF4-FFF2-40B4-BE49-F238E27FC236}">
+                <a16:creationId xmlns:a16="http://schemas.microsoft.com/office/drawing/2014/main" id="{56D98BD3-E20C-482C-B8C1-5BFDF9E3EE56}"/>
+              </a:ext>
+            </a:extLst>
+          </p:cNvPr>
+          <p:cNvCxnSpPr>
+            <a:cxnSpLocks/>
+          </p:cNvCxnSpPr>
+          <p:nvPr/>
+        </p:nvCxnSpPr>
+        <p:spPr>
+          <a:xfrm flipV="1">
+            <a:off x="2567608" y="3573000"/>
+            <a:ext cx="720080" cy="1440160"/>
+          </a:xfrm>
+          <a:prstGeom prst="line">
+            <a:avLst/>
+          </a:prstGeom>
+          <a:ln>
+            <a:solidFill>
+              <a:schemeClr val="tx1"/>
+            </a:solidFill>
+          </a:ln>
+        </p:spPr>
+        <p:style>
+          <a:lnRef idx="1">
+            <a:schemeClr val="accent1"/>
+          </a:lnRef>
+          <a:fillRef idx="0">
+            <a:schemeClr val="accent1"/>
+          </a:fillRef>
+          <a:effectRef idx="0">
+            <a:schemeClr val="accent1"/>
+          </a:effectRef>
+          <a:fontRef idx="minor">
+            <a:schemeClr val="tx1"/>
+          </a:fontRef>
+        </p:style>
+      </p:cxnSp>
+      <p:cxnSp>
+        <p:nvCxnSpPr>
+          <p:cNvPr id="11" name="直線コネクタ 10">
+            <a:extLst>
+              <a:ext uri="{FF2B5EF4-FFF2-40B4-BE49-F238E27FC236}">
+                <a16:creationId xmlns:a16="http://schemas.microsoft.com/office/drawing/2014/main" id="{4976BCF1-A250-4907-A453-EEAF24CE01D8}"/>
+              </a:ext>
+            </a:extLst>
+          </p:cNvPr>
+          <p:cNvCxnSpPr>
+            <a:cxnSpLocks/>
+          </p:cNvCxnSpPr>
+          <p:nvPr/>
+        </p:nvCxnSpPr>
+        <p:spPr>
+          <a:xfrm flipH="1" flipV="1">
+            <a:off x="2567608" y="2132840"/>
+            <a:ext cx="720080" cy="1440160"/>
+          </a:xfrm>
+          <a:prstGeom prst="line">
+            <a:avLst/>
+          </a:prstGeom>
+          <a:ln>
+            <a:solidFill>
+              <a:schemeClr val="tx1"/>
+            </a:solidFill>
+          </a:ln>
+        </p:spPr>
+        <p:style>
+          <a:lnRef idx="1">
+            <a:schemeClr val="accent1"/>
+          </a:lnRef>
+          <a:fillRef idx="0">
+            <a:schemeClr val="accent1"/>
+          </a:fillRef>
+          <a:effectRef idx="0">
+            <a:schemeClr val="accent1"/>
+          </a:effectRef>
+          <a:fontRef idx="minor">
+            <a:schemeClr val="tx1"/>
+          </a:fontRef>
+        </p:style>
+      </p:cxnSp>
+      <p:cxnSp>
+        <p:nvCxnSpPr>
+          <p:cNvPr id="12" name="直線コネクタ 11">
+            <a:extLst>
+              <a:ext uri="{FF2B5EF4-FFF2-40B4-BE49-F238E27FC236}">
+                <a16:creationId xmlns:a16="http://schemas.microsoft.com/office/drawing/2014/main" id="{2F8DB7B0-69D7-4FFB-8B6D-9551020763E0}"/>
+              </a:ext>
+            </a:extLst>
+          </p:cNvPr>
+          <p:cNvCxnSpPr>
+            <a:cxnSpLocks/>
+          </p:cNvCxnSpPr>
+          <p:nvPr/>
+        </p:nvCxnSpPr>
+        <p:spPr>
+          <a:xfrm flipV="1">
+            <a:off x="1127448" y="4653120"/>
+            <a:ext cx="2160240" cy="1080136"/>
+          </a:xfrm>
+          <a:prstGeom prst="line">
+            <a:avLst/>
+          </a:prstGeom>
+          <a:ln w="3175">
+            <a:solidFill>
+              <a:schemeClr val="tx1"/>
+            </a:solidFill>
+          </a:ln>
+        </p:spPr>
+        <p:style>
+          <a:lnRef idx="1">
+            <a:schemeClr val="accent1"/>
+          </a:lnRef>
+          <a:fillRef idx="0">
+            <a:schemeClr val="accent1"/>
+          </a:fillRef>
+          <a:effectRef idx="0">
+            <a:schemeClr val="accent1"/>
+          </a:effectRef>
+          <a:fontRef idx="minor">
+            <a:schemeClr val="tx1"/>
+          </a:fontRef>
+        </p:style>
+      </p:cxnSp>
+      <p:cxnSp>
+        <p:nvCxnSpPr>
+          <p:cNvPr id="13" name="直線コネクタ 12">
+            <a:extLst>
+              <a:ext uri="{FF2B5EF4-FFF2-40B4-BE49-F238E27FC236}">
+                <a16:creationId xmlns:a16="http://schemas.microsoft.com/office/drawing/2014/main" id="{55E1079F-8D1E-4B68-82F1-6382891F2AB1}"/>
+              </a:ext>
+            </a:extLst>
+          </p:cNvPr>
+          <p:cNvCxnSpPr>
+            <a:cxnSpLocks/>
+          </p:cNvCxnSpPr>
+          <p:nvPr/>
+        </p:nvCxnSpPr>
+        <p:spPr>
+          <a:xfrm flipV="1">
+            <a:off x="2567608" y="2564888"/>
+            <a:ext cx="1224136" cy="2448274"/>
+          </a:xfrm>
+          <a:prstGeom prst="line">
+            <a:avLst/>
+          </a:prstGeom>
+          <a:ln w="3175">
+            <a:solidFill>
+              <a:schemeClr val="tx1"/>
+            </a:solidFill>
+          </a:ln>
+        </p:spPr>
+        <p:style>
+          <a:lnRef idx="1">
+            <a:schemeClr val="accent1"/>
+          </a:lnRef>
+          <a:fillRef idx="0">
+            <a:schemeClr val="accent1"/>
+          </a:fillRef>
+          <a:effectRef idx="0">
+            <a:schemeClr val="accent1"/>
+          </a:effectRef>
+          <a:fontRef idx="minor">
+            <a:schemeClr val="tx1"/>
+          </a:fontRef>
+        </p:style>
+      </p:cxnSp>
+      <p:cxnSp>
+        <p:nvCxnSpPr>
+          <p:cNvPr id="14" name="直線コネクタ 13">
+            <a:extLst>
+              <a:ext uri="{FF2B5EF4-FFF2-40B4-BE49-F238E27FC236}">
+                <a16:creationId xmlns:a16="http://schemas.microsoft.com/office/drawing/2014/main" id="{F7FD79C2-4F1E-417C-AD23-2B256A4A70C6}"/>
+              </a:ext>
+            </a:extLst>
+          </p:cNvPr>
+          <p:cNvCxnSpPr>
+            <a:cxnSpLocks/>
+          </p:cNvCxnSpPr>
+          <p:nvPr/>
+        </p:nvCxnSpPr>
+        <p:spPr>
+          <a:xfrm flipH="1" flipV="1">
+            <a:off x="2279576" y="1556776"/>
+            <a:ext cx="1008112" cy="2016224"/>
+          </a:xfrm>
+          <a:prstGeom prst="line">
+            <a:avLst/>
+          </a:prstGeom>
+          <a:ln w="3175">
+            <a:solidFill>
+              <a:schemeClr val="tx1"/>
+            </a:solidFill>
+          </a:ln>
+        </p:spPr>
+        <p:style>
+          <a:lnRef idx="1">
+            <a:schemeClr val="accent1"/>
+          </a:lnRef>
+          <a:fillRef idx="0">
+            <a:schemeClr val="accent1"/>
+          </a:fillRef>
+          <a:effectRef idx="0">
+            <a:schemeClr val="accent1"/>
+          </a:effectRef>
+          <a:fontRef idx="minor">
+            <a:schemeClr val="tx1"/>
+          </a:fontRef>
+        </p:style>
+      </p:cxnSp>
+      <p:sp>
+        <p:nvSpPr>
+          <p:cNvPr id="15" name="楕円 14">
+            <a:extLst>
+              <a:ext uri="{FF2B5EF4-FFF2-40B4-BE49-F238E27FC236}">
+                <a16:creationId xmlns:a16="http://schemas.microsoft.com/office/drawing/2014/main" id="{B8F88E33-032E-49D2-8D2D-567E4913833A}"/>
+              </a:ext>
+            </a:extLst>
+          </p:cNvPr>
+          <p:cNvSpPr>
+            <a:spLocks noChangeAspect="1"/>
+          </p:cNvSpPr>
+          <p:nvPr/>
+        </p:nvSpPr>
+        <p:spPr>
+          <a:xfrm>
+            <a:off x="3143704" y="3429016"/>
+            <a:ext cx="288000" cy="288000"/>
+          </a:xfrm>
+          <a:prstGeom prst="ellipse">
+            <a:avLst/>
+          </a:prstGeom>
+          <a:solidFill>
+            <a:schemeClr val="bg1"/>
+          </a:solidFill>
+          <a:ln w="9525">
+            <a:solidFill>
+              <a:schemeClr val="tx1"/>
+            </a:solidFill>
+          </a:ln>
+        </p:spPr>
+        <p:style>
+          <a:lnRef idx="2">
+            <a:schemeClr val="accent1">
+              <a:shade val="50000"/>
+            </a:schemeClr>
+          </a:lnRef>
+          <a:fillRef idx="1">
+            <a:schemeClr val="accent1"/>
+          </a:fillRef>
+          <a:effectRef idx="0">
+            <a:schemeClr val="accent1"/>
+          </a:effectRef>
+          <a:fontRef idx="minor">
+            <a:schemeClr val="lt1"/>
+          </a:fontRef>
+        </p:style>
+        <p:txBody>
+          <a:bodyPr rtlCol="0" anchor="t"/>
+          <a:lstStyle/>
+          <a:p>
+            <a:pPr algn="l"/>
+            <a:endParaRPr lang="ja-JP" altLang="en-US" dirty="0">
+              <a:solidFill>
+                <a:schemeClr val="tx1"/>
+              </a:solidFill>
+            </a:endParaRPr>
+          </a:p>
+        </p:txBody>
+      </p:sp>
+      <p:sp>
+        <p:nvSpPr>
+          <p:cNvPr id="16" name="楕円 15">
+            <a:extLst>
+              <a:ext uri="{FF2B5EF4-FFF2-40B4-BE49-F238E27FC236}">
+                <a16:creationId xmlns:a16="http://schemas.microsoft.com/office/drawing/2014/main" id="{14BCD093-9DC5-4352-914D-F67501735CC1}"/>
+              </a:ext>
+            </a:extLst>
+          </p:cNvPr>
+          <p:cNvSpPr>
+            <a:spLocks noChangeAspect="1"/>
+          </p:cNvSpPr>
+          <p:nvPr/>
+        </p:nvSpPr>
+        <p:spPr>
+          <a:xfrm>
+            <a:off x="2423592" y="4869144"/>
+            <a:ext cx="288000" cy="288000"/>
+          </a:xfrm>
+          <a:prstGeom prst="ellipse">
+            <a:avLst/>
+          </a:prstGeom>
+          <a:solidFill>
+            <a:schemeClr val="bg1"/>
+          </a:solidFill>
+          <a:ln w="9525">
+            <a:solidFill>
+              <a:schemeClr val="tx1"/>
+            </a:solidFill>
+          </a:ln>
+        </p:spPr>
+        <p:style>
+          <a:lnRef idx="2">
+            <a:schemeClr val="accent1">
+              <a:shade val="50000"/>
+            </a:schemeClr>
+          </a:lnRef>
+          <a:fillRef idx="1">
+            <a:schemeClr val="accent1"/>
+          </a:fillRef>
+          <a:effectRef idx="0">
+            <a:schemeClr val="accent1"/>
+          </a:effectRef>
+          <a:fontRef idx="minor">
+            <a:schemeClr val="lt1"/>
+          </a:fontRef>
+        </p:style>
+        <p:txBody>
+          <a:bodyPr rtlCol="0" anchor="t"/>
+          <a:lstStyle/>
+          <a:p>
+            <a:pPr algn="l"/>
+            <a:endParaRPr lang="ja-JP" altLang="en-US" dirty="0">
+              <a:solidFill>
+                <a:schemeClr val="tx1"/>
+              </a:solidFill>
+            </a:endParaRPr>
+          </a:p>
+        </p:txBody>
+      </p:sp>
+      <p:graphicFrame>
+        <p:nvGraphicFramePr>
+          <p:cNvPr id="17" name="オブジェクト 16">
+            <a:extLst>
+              <a:ext uri="{FF2B5EF4-FFF2-40B4-BE49-F238E27FC236}">
+                <a16:creationId xmlns:a16="http://schemas.microsoft.com/office/drawing/2014/main" id="{F9C0B72B-0997-4CE2-A54B-C2FC128C5337}"/>
+              </a:ext>
+            </a:extLst>
+          </p:cNvPr>
+          <p:cNvGraphicFramePr>
+            <a:graphicFrameLocks noChangeAspect="1"/>
+          </p:cNvGraphicFramePr>
+          <p:nvPr>
+            <p:extLst>
+              <p:ext uri="{D42A27DB-BD31-4B8C-83A1-F6EECF244321}">
+                <p14:modId xmlns:p14="http://schemas.microsoft.com/office/powerpoint/2010/main" val="75379211"/>
+              </p:ext>
+            </p:extLst>
+          </p:nvPr>
+        </p:nvGraphicFramePr>
+        <p:xfrm>
+          <a:off x="1929576" y="5398926"/>
+          <a:ext cx="228420" cy="342900"/>
+        </p:xfrm>
+        <a:graphic>
+          <a:graphicData uri="http://schemas.openxmlformats.org/presentationml/2006/ole">
+            <mc:AlternateContent xmlns:mc="http://schemas.openxmlformats.org/markup-compatibility/2006">
+              <mc:Choice xmlns:v="urn:schemas-microsoft-com:vml" Requires="v">
+                <p:oleObj name="Equation" r:id="rId4" imgW="152280" imgH="228600" progId="Equation.DSMT4">
+                  <p:embed/>
+                </p:oleObj>
+              </mc:Choice>
+              <mc:Fallback>
+                <p:oleObj name="Equation" r:id="rId4" imgW="152280" imgH="228600" progId="Equation.DSMT4">
+                  <p:embed/>
+                  <p:pic>
+                    <p:nvPicPr>
+                      <p:cNvPr id="33" name="オブジェクト 32">
+                        <a:extLst>
+                          <a:ext uri="{FF2B5EF4-FFF2-40B4-BE49-F238E27FC236}">
+                            <a16:creationId xmlns:a16="http://schemas.microsoft.com/office/drawing/2014/main" id="{1B4F6AF7-C05B-49D0-B337-78236BDACE5C}"/>
+                          </a:ext>
+                        </a:extLst>
+                      </p:cNvPr>
+                      <p:cNvPicPr/>
+                      <p:nvPr/>
+                    </p:nvPicPr>
+                    <p:blipFill>
+                      <a:blip r:embed="rId5"/>
+                      <a:stretch>
+                        <a:fillRect/>
+                      </a:stretch>
+                    </p:blipFill>
+                    <p:spPr>
+                      <a:xfrm>
+                        <a:off x="1929576" y="5398926"/>
+                        <a:ext cx="228420" cy="342900"/>
+                      </a:xfrm>
+                      <a:prstGeom prst="rect">
+                        <a:avLst/>
+                      </a:prstGeom>
+                    </p:spPr>
+                  </p:pic>
+                </p:oleObj>
+              </mc:Fallback>
+            </mc:AlternateContent>
+          </a:graphicData>
+        </a:graphic>
+      </p:graphicFrame>
+      <p:sp>
+        <p:nvSpPr>
+          <p:cNvPr id="18" name="円弧 17">
+            <a:extLst>
+              <a:ext uri="{FF2B5EF4-FFF2-40B4-BE49-F238E27FC236}">
+                <a16:creationId xmlns:a16="http://schemas.microsoft.com/office/drawing/2014/main" id="{CA170DBA-7057-4C2C-81A5-C1C489FB0A78}"/>
+              </a:ext>
+            </a:extLst>
+          </p:cNvPr>
+          <p:cNvSpPr>
+            <a:spLocks noChangeAspect="1"/>
+          </p:cNvSpPr>
+          <p:nvPr/>
+        </p:nvSpPr>
+        <p:spPr>
+          <a:xfrm>
+            <a:off x="1096504" y="5373296"/>
+            <a:ext cx="720000" cy="720000"/>
+          </a:xfrm>
+          <a:prstGeom prst="arc">
+            <a:avLst>
+              <a:gd name="adj1" fmla="val 18723435"/>
+              <a:gd name="adj2" fmla="val 0"/>
+            </a:avLst>
+          </a:prstGeom>
+          <a:ln>
+            <a:solidFill>
+              <a:schemeClr val="tx1"/>
+            </a:solidFill>
+            <a:headEnd type="triangle" w="lg" len="lg"/>
+            <a:tailEnd type="none"/>
+          </a:ln>
+        </p:spPr>
+        <p:style>
+          <a:lnRef idx="1">
+            <a:schemeClr val="accent1"/>
+          </a:lnRef>
+          <a:fillRef idx="0">
+            <a:schemeClr val="accent1"/>
+          </a:fillRef>
+          <a:effectRef idx="0">
+            <a:schemeClr val="accent1"/>
+          </a:effectRef>
+          <a:fontRef idx="minor">
+            <a:schemeClr val="tx1"/>
+          </a:fontRef>
+        </p:style>
+        <p:txBody>
+          <a:bodyPr rtlCol="0" anchor="ctr"/>
+          <a:lstStyle/>
+          <a:p>
+            <a:pPr algn="ctr"/>
+            <a:endParaRPr lang="ja-JP" altLang="en-US"/>
+          </a:p>
+        </p:txBody>
+      </p:sp>
+      <p:sp>
+        <p:nvSpPr>
+          <p:cNvPr id="19" name="円弧 18">
+            <a:extLst>
+              <a:ext uri="{FF2B5EF4-FFF2-40B4-BE49-F238E27FC236}">
+                <a16:creationId xmlns:a16="http://schemas.microsoft.com/office/drawing/2014/main" id="{39026C97-5174-40CF-AC26-A59DDF15B834}"/>
+              </a:ext>
+            </a:extLst>
+          </p:cNvPr>
+          <p:cNvSpPr>
+            <a:spLocks noChangeAspect="1"/>
+          </p:cNvSpPr>
+          <p:nvPr/>
+        </p:nvSpPr>
+        <p:spPr>
+          <a:xfrm>
+            <a:off x="2279576" y="4568153"/>
+            <a:ext cx="720000" cy="720000"/>
+          </a:xfrm>
+          <a:prstGeom prst="arc">
+            <a:avLst>
+              <a:gd name="adj1" fmla="val 17612764"/>
+              <a:gd name="adj2" fmla="val 20360500"/>
+            </a:avLst>
+          </a:prstGeom>
+          <a:ln>
+            <a:solidFill>
+              <a:schemeClr val="tx1"/>
+            </a:solidFill>
+            <a:headEnd type="triangle" w="lg" len="lg"/>
+            <a:tailEnd type="none"/>
+          </a:ln>
+        </p:spPr>
+        <p:style>
+          <a:lnRef idx="1">
+            <a:schemeClr val="accent1"/>
+          </a:lnRef>
+          <a:fillRef idx="0">
+            <a:schemeClr val="accent1"/>
+          </a:fillRef>
+          <a:effectRef idx="0">
+            <a:schemeClr val="accent1"/>
+          </a:effectRef>
+          <a:fontRef idx="minor">
+            <a:schemeClr val="tx1"/>
+          </a:fontRef>
+        </p:style>
+        <p:txBody>
+          <a:bodyPr rtlCol="0" anchor="ctr"/>
+          <a:lstStyle/>
+          <a:p>
+            <a:pPr algn="ctr"/>
+            <a:endParaRPr lang="ja-JP" altLang="en-US"/>
+          </a:p>
+        </p:txBody>
+      </p:sp>
+      <p:graphicFrame>
+        <p:nvGraphicFramePr>
+          <p:cNvPr id="20" name="オブジェクト 19">
+            <a:extLst>
+              <a:ext uri="{FF2B5EF4-FFF2-40B4-BE49-F238E27FC236}">
+                <a16:creationId xmlns:a16="http://schemas.microsoft.com/office/drawing/2014/main" id="{95BCCFD1-8AF7-48FE-8C1C-4E3B0D4A7552}"/>
+              </a:ext>
+            </a:extLst>
+          </p:cNvPr>
+          <p:cNvGraphicFramePr>
+            <a:graphicFrameLocks noChangeAspect="1"/>
+          </p:cNvGraphicFramePr>
+          <p:nvPr>
+            <p:extLst>
+              <p:ext uri="{D42A27DB-BD31-4B8C-83A1-F6EECF244321}">
+                <p14:modId xmlns:p14="http://schemas.microsoft.com/office/powerpoint/2010/main" val="4184747324"/>
+              </p:ext>
+            </p:extLst>
+          </p:nvPr>
+        </p:nvGraphicFramePr>
+        <p:xfrm>
+          <a:off x="2989536" y="4356580"/>
+          <a:ext cx="247650" cy="342900"/>
+        </p:xfrm>
+        <a:graphic>
+          <a:graphicData uri="http://schemas.openxmlformats.org/presentationml/2006/ole">
+            <mc:AlternateContent xmlns:mc="http://schemas.openxmlformats.org/markup-compatibility/2006">
+              <mc:Choice xmlns:v="urn:schemas-microsoft-com:vml" Requires="v">
+                <p:oleObj name="Equation" r:id="rId6" imgW="164880" imgH="228600" progId="Equation.DSMT4">
+                  <p:embed/>
+                </p:oleObj>
+              </mc:Choice>
+              <mc:Fallback>
+                <p:oleObj name="Equation" r:id="rId6" imgW="164880" imgH="228600" progId="Equation.DSMT4">
+                  <p:embed/>
+                  <p:pic>
+                    <p:nvPicPr>
+                      <p:cNvPr id="36" name="オブジェクト 35">
+                        <a:extLst>
+                          <a:ext uri="{FF2B5EF4-FFF2-40B4-BE49-F238E27FC236}">
+                            <a16:creationId xmlns:a16="http://schemas.microsoft.com/office/drawing/2014/main" id="{DE39564D-8E0A-42AF-80ED-C414A891E350}"/>
+                          </a:ext>
+                        </a:extLst>
+                      </p:cNvPr>
+                      <p:cNvPicPr/>
+                      <p:nvPr/>
+                    </p:nvPicPr>
+                    <p:blipFill>
+                      <a:blip r:embed="rId7"/>
+                      <a:stretch>
+                        <a:fillRect/>
+                      </a:stretch>
+                    </p:blipFill>
+                    <p:spPr>
+                      <a:xfrm>
+                        <a:off x="2989536" y="4356580"/>
+                        <a:ext cx="247650" cy="342900"/>
                       </a:xfrm>
                       <a:prstGeom prst="rect">
                         <a:avLst/>
@@ -10481,10 +11199,10 @@
       </p:graphicFrame>
       <p:graphicFrame>
         <p:nvGraphicFramePr>
-          <p:cNvPr id="8" name="オブジェクト 7">
-            <a:extLst>
-              <a:ext uri="{FF2B5EF4-FFF2-40B4-BE49-F238E27FC236}">
-                <a16:creationId xmlns:a16="http://schemas.microsoft.com/office/drawing/2014/main" id="{D7B3D608-B16B-4301-AA79-A5493B4EC54D}"/>
+          <p:cNvPr id="21" name="オブジェクト 20">
+            <a:extLst>
+              <a:ext uri="{FF2B5EF4-FFF2-40B4-BE49-F238E27FC236}">
+                <a16:creationId xmlns:a16="http://schemas.microsoft.com/office/drawing/2014/main" id="{6FA0EF28-0DF2-42C2-962C-88C1B0E5C0F1}"/>
               </a:ext>
             </a:extLst>
           </p:cNvPr>
@@ -10494,32 +11212,32 @@
           <p:nvPr>
             <p:extLst>
               <p:ext uri="{D42A27DB-BD31-4B8C-83A1-F6EECF244321}">
-                <p14:modId xmlns:p14="http://schemas.microsoft.com/office/powerpoint/2010/main" val="3619943574"/>
+                <p14:modId xmlns:p14="http://schemas.microsoft.com/office/powerpoint/2010/main" val="2518416896"/>
               </p:ext>
             </p:extLst>
           </p:nvPr>
         </p:nvGraphicFramePr>
         <p:xfrm>
-          <a:off x="3215680" y="4869160"/>
-          <a:ext cx="914400" cy="914400"/>
+          <a:off x="3219698" y="2761759"/>
+          <a:ext cx="247650" cy="342900"/>
         </p:xfrm>
         <a:graphic>
           <a:graphicData uri="http://schemas.openxmlformats.org/presentationml/2006/ole">
             <mc:AlternateContent xmlns:mc="http://schemas.openxmlformats.org/markup-compatibility/2006">
               <mc:Choice xmlns:v="urn:schemas-microsoft-com:vml" Requires="v">
-                <p:oleObj name="Equation" r:id="rId4" imgW="609480" imgH="609480" progId="Equation.DSMT4">
+                <p:oleObj name="Equation" r:id="rId8" imgW="164880" imgH="228600" progId="Equation.DSMT4">
                   <p:embed/>
                 </p:oleObj>
               </mc:Choice>
               <mc:Fallback>
-                <p:oleObj name="Equation" r:id="rId4" imgW="609480" imgH="609480" progId="Equation.DSMT4">
+                <p:oleObj name="Equation" r:id="rId8" imgW="164880" imgH="228600" progId="Equation.DSMT4">
                   <p:embed/>
                   <p:pic>
                     <p:nvPicPr>
-                      <p:cNvPr id="7" name="オブジェクト 6">
+                      <p:cNvPr id="37" name="オブジェクト 36">
                         <a:extLst>
                           <a:ext uri="{FF2B5EF4-FFF2-40B4-BE49-F238E27FC236}">
-                            <a16:creationId xmlns:a16="http://schemas.microsoft.com/office/drawing/2014/main" id="{2745BBA3-9512-4955-8E3E-0F9A9AC58DE0}"/>
+                            <a16:creationId xmlns:a16="http://schemas.microsoft.com/office/drawing/2014/main" id="{6A35407E-24F4-493A-843E-BA4B42BD1DD7}"/>
                           </a:ext>
                         </a:extLst>
                       </p:cNvPr>
@@ -10527,15 +11245,1093 @@
                       <p:nvPr/>
                     </p:nvPicPr>
                     <p:blipFill>
-                      <a:blip r:embed="rId5"/>
+                      <a:blip r:embed="rId9"/>
                       <a:stretch>
                         <a:fillRect/>
                       </a:stretch>
                     </p:blipFill>
                     <p:spPr>
                       <a:xfrm>
-                        <a:off x="3215680" y="4869160"/>
-                        <a:ext cx="914400" cy="914400"/>
+                        <a:off x="3219698" y="2761759"/>
+                        <a:ext cx="247650" cy="342900"/>
+                      </a:xfrm>
+                      <a:prstGeom prst="rect">
+                        <a:avLst/>
+                      </a:prstGeom>
+                    </p:spPr>
+                  </p:pic>
+                </p:oleObj>
+              </mc:Fallback>
+            </mc:AlternateContent>
+          </a:graphicData>
+        </a:graphic>
+      </p:graphicFrame>
+      <p:sp>
+        <p:nvSpPr>
+          <p:cNvPr id="22" name="円弧 21">
+            <a:extLst>
+              <a:ext uri="{FF2B5EF4-FFF2-40B4-BE49-F238E27FC236}">
+                <a16:creationId xmlns:a16="http://schemas.microsoft.com/office/drawing/2014/main" id="{4A8226D3-F3E6-46D0-9F12-150DC4EBEAB1}"/>
+              </a:ext>
+            </a:extLst>
+          </p:cNvPr>
+          <p:cNvSpPr>
+            <a:spLocks noChangeAspect="1"/>
+          </p:cNvSpPr>
+          <p:nvPr/>
+        </p:nvSpPr>
+        <p:spPr>
+          <a:xfrm>
+            <a:off x="2960241" y="3110179"/>
+            <a:ext cx="720000" cy="720000"/>
+          </a:xfrm>
+          <a:prstGeom prst="arc">
+            <a:avLst>
+              <a:gd name="adj1" fmla="val 13843597"/>
+              <a:gd name="adj2" fmla="val 17979227"/>
+            </a:avLst>
+          </a:prstGeom>
+          <a:ln>
+            <a:solidFill>
+              <a:schemeClr val="tx1"/>
+            </a:solidFill>
+            <a:headEnd type="triangle" w="lg" len="lg"/>
+            <a:tailEnd type="none"/>
+          </a:ln>
+        </p:spPr>
+        <p:style>
+          <a:lnRef idx="1">
+            <a:schemeClr val="accent1"/>
+          </a:lnRef>
+          <a:fillRef idx="0">
+            <a:schemeClr val="accent1"/>
+          </a:fillRef>
+          <a:effectRef idx="0">
+            <a:schemeClr val="accent1"/>
+          </a:effectRef>
+          <a:fontRef idx="minor">
+            <a:schemeClr val="tx1"/>
+          </a:fontRef>
+        </p:style>
+        <p:txBody>
+          <a:bodyPr rtlCol="0" anchor="ctr"/>
+          <a:lstStyle/>
+          <a:p>
+            <a:pPr algn="ctr"/>
+            <a:endParaRPr lang="ja-JP" altLang="en-US"/>
+          </a:p>
+        </p:txBody>
+      </p:sp>
+      <p:cxnSp>
+        <p:nvCxnSpPr>
+          <p:cNvPr id="23" name="直線コネクタ 22">
+            <a:extLst>
+              <a:ext uri="{FF2B5EF4-FFF2-40B4-BE49-F238E27FC236}">
+                <a16:creationId xmlns:a16="http://schemas.microsoft.com/office/drawing/2014/main" id="{DB4B9EA7-B5D7-4755-8243-62A859F17780}"/>
+              </a:ext>
+            </a:extLst>
+          </p:cNvPr>
+          <p:cNvCxnSpPr>
+            <a:cxnSpLocks/>
+          </p:cNvCxnSpPr>
+          <p:nvPr/>
+        </p:nvCxnSpPr>
+        <p:spPr>
+          <a:xfrm flipH="1">
+            <a:off x="1847528" y="2132840"/>
+            <a:ext cx="1440160" cy="0"/>
+          </a:xfrm>
+          <a:prstGeom prst="line">
+            <a:avLst/>
+          </a:prstGeom>
+          <a:ln w="3175">
+            <a:solidFill>
+              <a:schemeClr val="tx1"/>
+            </a:solidFill>
+          </a:ln>
+        </p:spPr>
+        <p:style>
+          <a:lnRef idx="1">
+            <a:schemeClr val="accent1"/>
+          </a:lnRef>
+          <a:fillRef idx="0">
+            <a:schemeClr val="accent1"/>
+          </a:fillRef>
+          <a:effectRef idx="0">
+            <a:schemeClr val="accent1"/>
+          </a:effectRef>
+          <a:fontRef idx="minor">
+            <a:schemeClr val="tx1"/>
+          </a:fontRef>
+        </p:style>
+      </p:cxnSp>
+      <p:sp>
+        <p:nvSpPr>
+          <p:cNvPr id="24" name="楕円 23">
+            <a:extLst>
+              <a:ext uri="{FF2B5EF4-FFF2-40B4-BE49-F238E27FC236}">
+                <a16:creationId xmlns:a16="http://schemas.microsoft.com/office/drawing/2014/main" id="{948C30F4-7F67-4136-A310-E17A54D511E4}"/>
+              </a:ext>
+            </a:extLst>
+          </p:cNvPr>
+          <p:cNvSpPr>
+            <a:spLocks noChangeAspect="1"/>
+          </p:cNvSpPr>
+          <p:nvPr/>
+        </p:nvSpPr>
+        <p:spPr>
+          <a:xfrm>
+            <a:off x="2423592" y="1988824"/>
+            <a:ext cx="288000" cy="288000"/>
+          </a:xfrm>
+          <a:prstGeom prst="ellipse">
+            <a:avLst/>
+          </a:prstGeom>
+          <a:solidFill>
+            <a:schemeClr val="bg1"/>
+          </a:solidFill>
+          <a:ln w="9525">
+            <a:solidFill>
+              <a:schemeClr val="tx1"/>
+            </a:solidFill>
+          </a:ln>
+        </p:spPr>
+        <p:style>
+          <a:lnRef idx="2">
+            <a:schemeClr val="accent1">
+              <a:shade val="50000"/>
+            </a:schemeClr>
+          </a:lnRef>
+          <a:fillRef idx="1">
+            <a:schemeClr val="accent1"/>
+          </a:fillRef>
+          <a:effectRef idx="0">
+            <a:schemeClr val="accent1"/>
+          </a:effectRef>
+          <a:fontRef idx="minor">
+            <a:schemeClr val="lt1"/>
+          </a:fontRef>
+        </p:style>
+        <p:txBody>
+          <a:bodyPr rtlCol="0" anchor="t"/>
+          <a:lstStyle/>
+          <a:p>
+            <a:pPr algn="l"/>
+            <a:endParaRPr lang="ja-JP" altLang="en-US" dirty="0">
+              <a:solidFill>
+                <a:schemeClr val="tx1"/>
+              </a:solidFill>
+            </a:endParaRPr>
+          </a:p>
+        </p:txBody>
+      </p:sp>
+      <p:graphicFrame>
+        <p:nvGraphicFramePr>
+          <p:cNvPr id="25" name="オブジェクト 24">
+            <a:extLst>
+              <a:ext uri="{FF2B5EF4-FFF2-40B4-BE49-F238E27FC236}">
+                <a16:creationId xmlns:a16="http://schemas.microsoft.com/office/drawing/2014/main" id="{517CD967-18D0-40EA-8DE8-2165B2944DFB}"/>
+              </a:ext>
+            </a:extLst>
+          </p:cNvPr>
+          <p:cNvGraphicFramePr>
+            <a:graphicFrameLocks noChangeAspect="1"/>
+          </p:cNvGraphicFramePr>
+          <p:nvPr>
+            <p:extLst>
+              <p:ext uri="{D42A27DB-BD31-4B8C-83A1-F6EECF244321}">
+                <p14:modId xmlns:p14="http://schemas.microsoft.com/office/powerpoint/2010/main" val="2524572551"/>
+              </p:ext>
+            </p:extLst>
+          </p:nvPr>
+        </p:nvGraphicFramePr>
+        <p:xfrm>
+          <a:off x="2894286" y="1542852"/>
+          <a:ext cx="190500" cy="266700"/>
+        </p:xfrm>
+        <a:graphic>
+          <a:graphicData uri="http://schemas.openxmlformats.org/presentationml/2006/ole">
+            <mc:AlternateContent xmlns:mc="http://schemas.openxmlformats.org/markup-compatibility/2006">
+              <mc:Choice xmlns:v="urn:schemas-microsoft-com:vml" Requires="v">
+                <p:oleObj name="Equation" r:id="rId10" imgW="126720" imgH="177480" progId="Equation.DSMT4">
+                  <p:embed/>
+                </p:oleObj>
+              </mc:Choice>
+              <mc:Fallback>
+                <p:oleObj name="Equation" r:id="rId10" imgW="126720" imgH="177480" progId="Equation.DSMT4">
+                  <p:embed/>
+                  <p:pic>
+                    <p:nvPicPr>
+                      <p:cNvPr id="44" name="オブジェクト 43">
+                        <a:extLst>
+                          <a:ext uri="{FF2B5EF4-FFF2-40B4-BE49-F238E27FC236}">
+                            <a16:creationId xmlns:a16="http://schemas.microsoft.com/office/drawing/2014/main" id="{26ECA73C-3C09-4F53-9AA3-81C9DC9E9501}"/>
+                          </a:ext>
+                        </a:extLst>
+                      </p:cNvPr>
+                      <p:cNvPicPr/>
+                      <p:nvPr/>
+                    </p:nvPicPr>
+                    <p:blipFill>
+                      <a:blip r:embed="rId11"/>
+                      <a:stretch>
+                        <a:fillRect/>
+                      </a:stretch>
+                    </p:blipFill>
+                    <p:spPr>
+                      <a:xfrm>
+                        <a:off x="2894286" y="1542852"/>
+                        <a:ext cx="190500" cy="266700"/>
+                      </a:xfrm>
+                      <a:prstGeom prst="rect">
+                        <a:avLst/>
+                      </a:prstGeom>
+                    </p:spPr>
+                  </p:pic>
+                </p:oleObj>
+              </mc:Fallback>
+            </mc:AlternateContent>
+          </a:graphicData>
+        </a:graphic>
+      </p:graphicFrame>
+      <p:sp>
+        <p:nvSpPr>
+          <p:cNvPr id="26" name="円弧 25">
+            <a:extLst>
+              <a:ext uri="{FF2B5EF4-FFF2-40B4-BE49-F238E27FC236}">
+                <a16:creationId xmlns:a16="http://schemas.microsoft.com/office/drawing/2014/main" id="{41034661-74B8-4829-849E-685FD30ED4D2}"/>
+              </a:ext>
+            </a:extLst>
+          </p:cNvPr>
+          <p:cNvSpPr>
+            <a:spLocks noChangeAspect="1"/>
+          </p:cNvSpPr>
+          <p:nvPr/>
+        </p:nvSpPr>
+        <p:spPr>
+          <a:xfrm>
+            <a:off x="2230835" y="1773071"/>
+            <a:ext cx="720000" cy="720000"/>
+          </a:xfrm>
+          <a:prstGeom prst="arc">
+            <a:avLst>
+              <a:gd name="adj1" fmla="val 14431860"/>
+              <a:gd name="adj2" fmla="val 0"/>
+            </a:avLst>
+          </a:prstGeom>
+          <a:ln>
+            <a:solidFill>
+              <a:schemeClr val="tx1"/>
+            </a:solidFill>
+            <a:headEnd type="triangle" w="lg" len="lg"/>
+            <a:tailEnd type="none"/>
+          </a:ln>
+        </p:spPr>
+        <p:style>
+          <a:lnRef idx="1">
+            <a:schemeClr val="accent1"/>
+          </a:lnRef>
+          <a:fillRef idx="0">
+            <a:schemeClr val="accent1"/>
+          </a:fillRef>
+          <a:effectRef idx="0">
+            <a:schemeClr val="accent1"/>
+          </a:effectRef>
+          <a:fontRef idx="minor">
+            <a:schemeClr val="tx1"/>
+          </a:fontRef>
+        </p:style>
+        <p:txBody>
+          <a:bodyPr rtlCol="0" anchor="ctr"/>
+          <a:lstStyle/>
+          <a:p>
+            <a:pPr algn="ctr"/>
+            <a:endParaRPr lang="ja-JP" altLang="en-US"/>
+          </a:p>
+        </p:txBody>
+      </p:sp>
+      <p:cxnSp>
+        <p:nvCxnSpPr>
+          <p:cNvPr id="27" name="直線コネクタ 26">
+            <a:extLst>
+              <a:ext uri="{FF2B5EF4-FFF2-40B4-BE49-F238E27FC236}">
+                <a16:creationId xmlns:a16="http://schemas.microsoft.com/office/drawing/2014/main" id="{153EBAC9-DBB0-46B8-9B53-F4724A3AFDAC}"/>
+              </a:ext>
+            </a:extLst>
+          </p:cNvPr>
+          <p:cNvCxnSpPr>
+            <a:cxnSpLocks/>
+          </p:cNvCxnSpPr>
+          <p:nvPr/>
+        </p:nvCxnSpPr>
+        <p:spPr>
+          <a:xfrm flipV="1">
+            <a:off x="1127432" y="2132824"/>
+            <a:ext cx="0" cy="3960472"/>
+          </a:xfrm>
+          <a:prstGeom prst="line">
+            <a:avLst/>
+          </a:prstGeom>
+          <a:ln w="3175">
+            <a:solidFill>
+              <a:schemeClr val="tx1"/>
+            </a:solidFill>
+            <a:tailEnd type="triangle" w="lg" len="lg"/>
+          </a:ln>
+        </p:spPr>
+        <p:style>
+          <a:lnRef idx="1">
+            <a:schemeClr val="accent1"/>
+          </a:lnRef>
+          <a:fillRef idx="0">
+            <a:schemeClr val="accent1"/>
+          </a:fillRef>
+          <a:effectRef idx="0">
+            <a:schemeClr val="accent1"/>
+          </a:effectRef>
+          <a:fontRef idx="minor">
+            <a:schemeClr val="tx1"/>
+          </a:fontRef>
+        </p:style>
+      </p:cxnSp>
+      <p:graphicFrame>
+        <p:nvGraphicFramePr>
+          <p:cNvPr id="28" name="オブジェクト 27">
+            <a:extLst>
+              <a:ext uri="{FF2B5EF4-FFF2-40B4-BE49-F238E27FC236}">
+                <a16:creationId xmlns:a16="http://schemas.microsoft.com/office/drawing/2014/main" id="{37A5A8F5-78BD-4E87-9025-128FFBC3AD4F}"/>
+              </a:ext>
+            </a:extLst>
+          </p:cNvPr>
+          <p:cNvGraphicFramePr>
+            <a:graphicFrameLocks noChangeAspect="1"/>
+          </p:cNvGraphicFramePr>
+          <p:nvPr>
+            <p:extLst>
+              <p:ext uri="{D42A27DB-BD31-4B8C-83A1-F6EECF244321}">
+                <p14:modId xmlns:p14="http://schemas.microsoft.com/office/powerpoint/2010/main" val="3581861480"/>
+              </p:ext>
+            </p:extLst>
+          </p:nvPr>
+        </p:nvGraphicFramePr>
+        <p:xfrm>
+          <a:off x="4367808" y="5818558"/>
+          <a:ext cx="190080" cy="209520"/>
+        </p:xfrm>
+        <a:graphic>
+          <a:graphicData uri="http://schemas.openxmlformats.org/presentationml/2006/ole">
+            <mc:AlternateContent xmlns:mc="http://schemas.openxmlformats.org/markup-compatibility/2006">
+              <mc:Choice xmlns:v="urn:schemas-microsoft-com:vml" Requires="v">
+                <p:oleObj name="Equation" r:id="rId12" imgW="126720" imgH="139680" progId="Equation.DSMT4">
+                  <p:embed/>
+                </p:oleObj>
+              </mc:Choice>
+              <mc:Fallback>
+                <p:oleObj name="Equation" r:id="rId12" imgW="126720" imgH="139680" progId="Equation.DSMT4">
+                  <p:embed/>
+                  <p:pic>
+                    <p:nvPicPr>
+                      <p:cNvPr id="56" name="オブジェクト 55">
+                        <a:extLst>
+                          <a:ext uri="{FF2B5EF4-FFF2-40B4-BE49-F238E27FC236}">
+                            <a16:creationId xmlns:a16="http://schemas.microsoft.com/office/drawing/2014/main" id="{4728C99B-A75E-4DF4-8B84-41A1886AB273}"/>
+                          </a:ext>
+                        </a:extLst>
+                      </p:cNvPr>
+                      <p:cNvPicPr/>
+                      <p:nvPr/>
+                    </p:nvPicPr>
+                    <p:blipFill>
+                      <a:blip r:embed="rId13"/>
+                      <a:stretch>
+                        <a:fillRect/>
+                      </a:stretch>
+                    </p:blipFill>
+                    <p:spPr>
+                      <a:xfrm>
+                        <a:off x="4367808" y="5818558"/>
+                        <a:ext cx="190080" cy="209520"/>
+                      </a:xfrm>
+                      <a:prstGeom prst="rect">
+                        <a:avLst/>
+                      </a:prstGeom>
+                    </p:spPr>
+                  </p:pic>
+                </p:oleObj>
+              </mc:Fallback>
+            </mc:AlternateContent>
+          </a:graphicData>
+        </a:graphic>
+      </p:graphicFrame>
+      <p:graphicFrame>
+        <p:nvGraphicFramePr>
+          <p:cNvPr id="29" name="オブジェクト 28">
+            <a:extLst>
+              <a:ext uri="{FF2B5EF4-FFF2-40B4-BE49-F238E27FC236}">
+                <a16:creationId xmlns:a16="http://schemas.microsoft.com/office/drawing/2014/main" id="{D60EF875-DA95-459D-B446-07F99B7F40CB}"/>
+              </a:ext>
+            </a:extLst>
+          </p:cNvPr>
+          <p:cNvGraphicFramePr>
+            <a:graphicFrameLocks noChangeAspect="1"/>
+          </p:cNvGraphicFramePr>
+          <p:nvPr>
+            <p:extLst>
+              <p:ext uri="{D42A27DB-BD31-4B8C-83A1-F6EECF244321}">
+                <p14:modId xmlns:p14="http://schemas.microsoft.com/office/powerpoint/2010/main" val="2833644804"/>
+              </p:ext>
+            </p:extLst>
+          </p:nvPr>
+        </p:nvGraphicFramePr>
+        <p:xfrm>
+          <a:off x="889273" y="2336800"/>
+          <a:ext cx="209550" cy="247650"/>
+        </p:xfrm>
+        <a:graphic>
+          <a:graphicData uri="http://schemas.openxmlformats.org/presentationml/2006/ole">
+            <mc:AlternateContent xmlns:mc="http://schemas.openxmlformats.org/markup-compatibility/2006">
+              <mc:Choice xmlns:v="urn:schemas-microsoft-com:vml" Requires="v">
+                <p:oleObj name="Equation" r:id="rId14" imgW="139680" imgH="164880" progId="Equation.DSMT4">
+                  <p:embed/>
+                </p:oleObj>
+              </mc:Choice>
+              <mc:Fallback>
+                <p:oleObj name="Equation" r:id="rId14" imgW="139680" imgH="164880" progId="Equation.DSMT4">
+                  <p:embed/>
+                  <p:pic>
+                    <p:nvPicPr>
+                      <p:cNvPr id="57" name="オブジェクト 56">
+                        <a:extLst>
+                          <a:ext uri="{FF2B5EF4-FFF2-40B4-BE49-F238E27FC236}">
+                            <a16:creationId xmlns:a16="http://schemas.microsoft.com/office/drawing/2014/main" id="{2D8759E0-DF3F-4A38-94E3-A469F34904B0}"/>
+                          </a:ext>
+                        </a:extLst>
+                      </p:cNvPr>
+                      <p:cNvPicPr/>
+                      <p:nvPr/>
+                    </p:nvPicPr>
+                    <p:blipFill>
+                      <a:blip r:embed="rId15"/>
+                      <a:stretch>
+                        <a:fillRect/>
+                      </a:stretch>
+                    </p:blipFill>
+                    <p:spPr>
+                      <a:xfrm>
+                        <a:off x="889273" y="2336800"/>
+                        <a:ext cx="209550" cy="247650"/>
+                      </a:xfrm>
+                      <a:prstGeom prst="rect">
+                        <a:avLst/>
+                      </a:prstGeom>
+                    </p:spPr>
+                  </p:pic>
+                </p:oleObj>
+              </mc:Fallback>
+            </mc:AlternateContent>
+          </a:graphicData>
+        </a:graphic>
+      </p:graphicFrame>
+      <p:graphicFrame>
+        <p:nvGraphicFramePr>
+          <p:cNvPr id="30" name="オブジェクト 29">
+            <a:extLst>
+              <a:ext uri="{FF2B5EF4-FFF2-40B4-BE49-F238E27FC236}">
+                <a16:creationId xmlns:a16="http://schemas.microsoft.com/office/drawing/2014/main" id="{AB420733-B031-4BD9-A546-E852182F1B56}"/>
+              </a:ext>
+            </a:extLst>
+          </p:cNvPr>
+          <p:cNvGraphicFramePr>
+            <a:graphicFrameLocks noChangeAspect="1"/>
+          </p:cNvGraphicFramePr>
+          <p:nvPr>
+            <p:extLst>
+              <p:ext uri="{D42A27DB-BD31-4B8C-83A1-F6EECF244321}">
+                <p14:modId xmlns:p14="http://schemas.microsoft.com/office/powerpoint/2010/main" val="825496099"/>
+              </p:ext>
+            </p:extLst>
+          </p:nvPr>
+        </p:nvGraphicFramePr>
+        <p:xfrm>
+          <a:off x="849468" y="5840196"/>
+          <a:ext cx="190500" cy="209550"/>
+        </p:xfrm>
+        <a:graphic>
+          <a:graphicData uri="http://schemas.openxmlformats.org/presentationml/2006/ole">
+            <mc:AlternateContent xmlns:mc="http://schemas.openxmlformats.org/markup-compatibility/2006">
+              <mc:Choice xmlns:v="urn:schemas-microsoft-com:vml" Requires="v">
+                <p:oleObj name="Equation" r:id="rId16" imgW="126720" imgH="139680" progId="Equation.DSMT4">
+                  <p:embed/>
+                </p:oleObj>
+              </mc:Choice>
+              <mc:Fallback>
+                <p:oleObj name="Equation" r:id="rId16" imgW="126720" imgH="139680" progId="Equation.DSMT4">
+                  <p:embed/>
+                  <p:pic>
+                    <p:nvPicPr>
+                      <p:cNvPr id="58" name="オブジェクト 57">
+                        <a:extLst>
+                          <a:ext uri="{FF2B5EF4-FFF2-40B4-BE49-F238E27FC236}">
+                            <a16:creationId xmlns:a16="http://schemas.microsoft.com/office/drawing/2014/main" id="{2E53BAC9-C379-4218-9530-3445DFD3EB6E}"/>
+                          </a:ext>
+                        </a:extLst>
+                      </p:cNvPr>
+                      <p:cNvPicPr/>
+                      <p:nvPr/>
+                    </p:nvPicPr>
+                    <p:blipFill>
+                      <a:blip r:embed="rId17"/>
+                      <a:stretch>
+                        <a:fillRect/>
+                      </a:stretch>
+                    </p:blipFill>
+                    <p:spPr>
+                      <a:xfrm>
+                        <a:off x="849468" y="5840196"/>
+                        <a:ext cx="190500" cy="209550"/>
+                      </a:xfrm>
+                      <a:prstGeom prst="rect">
+                        <a:avLst/>
+                      </a:prstGeom>
+                    </p:spPr>
+                  </p:pic>
+                </p:oleObj>
+              </mc:Fallback>
+            </mc:AlternateContent>
+          </a:graphicData>
+        </a:graphic>
+      </p:graphicFrame>
+      <p:sp>
+        <p:nvSpPr>
+          <p:cNvPr id="31" name="楕円 30">
+            <a:extLst>
+              <a:ext uri="{FF2B5EF4-FFF2-40B4-BE49-F238E27FC236}">
+                <a16:creationId xmlns:a16="http://schemas.microsoft.com/office/drawing/2014/main" id="{BF35D25C-A3F0-4528-ACDF-E5F7D61F35A2}"/>
+              </a:ext>
+            </a:extLst>
+          </p:cNvPr>
+          <p:cNvSpPr>
+            <a:spLocks noChangeAspect="1"/>
+          </p:cNvSpPr>
+          <p:nvPr/>
+        </p:nvSpPr>
+        <p:spPr>
+          <a:xfrm>
+            <a:off x="983432" y="5589256"/>
+            <a:ext cx="288000" cy="288000"/>
+          </a:xfrm>
+          <a:prstGeom prst="ellipse">
+            <a:avLst/>
+          </a:prstGeom>
+          <a:solidFill>
+            <a:schemeClr val="bg1"/>
+          </a:solidFill>
+          <a:ln w="9525">
+            <a:solidFill>
+              <a:schemeClr val="tx1"/>
+            </a:solidFill>
+          </a:ln>
+        </p:spPr>
+        <p:style>
+          <a:lnRef idx="2">
+            <a:schemeClr val="accent1">
+              <a:shade val="50000"/>
+            </a:schemeClr>
+          </a:lnRef>
+          <a:fillRef idx="1">
+            <a:schemeClr val="accent1"/>
+          </a:fillRef>
+          <a:effectRef idx="0">
+            <a:schemeClr val="accent1"/>
+          </a:effectRef>
+          <a:fontRef idx="minor">
+            <a:schemeClr val="lt1"/>
+          </a:fontRef>
+        </p:style>
+        <p:txBody>
+          <a:bodyPr rtlCol="0" anchor="t"/>
+          <a:lstStyle/>
+          <a:p>
+            <a:pPr algn="l"/>
+            <a:endParaRPr lang="ja-JP" altLang="en-US" dirty="0">
+              <a:solidFill>
+                <a:schemeClr val="tx1"/>
+              </a:solidFill>
+            </a:endParaRPr>
+          </a:p>
+        </p:txBody>
+      </p:sp>
+      <p:graphicFrame>
+        <p:nvGraphicFramePr>
+          <p:cNvPr id="32" name="オブジェクト 31">
+            <a:extLst>
+              <a:ext uri="{FF2B5EF4-FFF2-40B4-BE49-F238E27FC236}">
+                <a16:creationId xmlns:a16="http://schemas.microsoft.com/office/drawing/2014/main" id="{3D649242-9927-4707-8253-B08D13AEE925}"/>
+              </a:ext>
+            </a:extLst>
+          </p:cNvPr>
+          <p:cNvGraphicFramePr>
+            <a:graphicFrameLocks noChangeAspect="1"/>
+          </p:cNvGraphicFramePr>
+          <p:nvPr>
+            <p:extLst>
+              <p:ext uri="{D42A27DB-BD31-4B8C-83A1-F6EECF244321}">
+                <p14:modId xmlns:p14="http://schemas.microsoft.com/office/powerpoint/2010/main" val="261522147"/>
+              </p:ext>
+            </p:extLst>
+          </p:nvPr>
+        </p:nvGraphicFramePr>
+        <p:xfrm>
+          <a:off x="2576189" y="2638581"/>
+          <a:ext cx="266220" cy="342900"/>
+        </p:xfrm>
+        <a:graphic>
+          <a:graphicData uri="http://schemas.openxmlformats.org/presentationml/2006/ole">
+            <mc:AlternateContent xmlns:mc="http://schemas.openxmlformats.org/markup-compatibility/2006">
+              <mc:Choice xmlns:v="urn:schemas-microsoft-com:vml" Requires="v">
+                <p:oleObj name="Equation" r:id="rId18" imgW="177480" imgH="228600" progId="Equation.DSMT4">
+                  <p:embed/>
+                </p:oleObj>
+              </mc:Choice>
+              <mc:Fallback>
+                <p:oleObj name="Equation" r:id="rId18" imgW="177480" imgH="228600" progId="Equation.DSMT4">
+                  <p:embed/>
+                  <p:pic>
+                    <p:nvPicPr>
+                      <p:cNvPr id="61" name="オブジェクト 60">
+                        <a:extLst>
+                          <a:ext uri="{FF2B5EF4-FFF2-40B4-BE49-F238E27FC236}">
+                            <a16:creationId xmlns:a16="http://schemas.microsoft.com/office/drawing/2014/main" id="{B2AE2AEB-9DD8-4B1B-B111-03F3090D407E}"/>
+                          </a:ext>
+                        </a:extLst>
+                      </p:cNvPr>
+                      <p:cNvPicPr/>
+                      <p:nvPr/>
+                    </p:nvPicPr>
+                    <p:blipFill>
+                      <a:blip r:embed="rId19"/>
+                      <a:stretch>
+                        <a:fillRect/>
+                      </a:stretch>
+                    </p:blipFill>
+                    <p:spPr>
+                      <a:xfrm>
+                        <a:off x="2576189" y="2638581"/>
+                        <a:ext cx="266220" cy="342900"/>
+                      </a:xfrm>
+                      <a:prstGeom prst="rect">
+                        <a:avLst/>
+                      </a:prstGeom>
+                    </p:spPr>
+                  </p:pic>
+                </p:oleObj>
+              </mc:Fallback>
+            </mc:AlternateContent>
+          </a:graphicData>
+        </a:graphic>
+      </p:graphicFrame>
+      <p:graphicFrame>
+        <p:nvGraphicFramePr>
+          <p:cNvPr id="33" name="オブジェクト 32">
+            <a:extLst>
+              <a:ext uri="{FF2B5EF4-FFF2-40B4-BE49-F238E27FC236}">
+                <a16:creationId xmlns:a16="http://schemas.microsoft.com/office/drawing/2014/main" id="{78F45D4E-68EB-4E0E-A3BF-B8E5B6247A5A}"/>
+              </a:ext>
+            </a:extLst>
+          </p:cNvPr>
+          <p:cNvGraphicFramePr>
+            <a:graphicFrameLocks noChangeAspect="1"/>
+          </p:cNvGraphicFramePr>
+          <p:nvPr>
+            <p:extLst>
+              <p:ext uri="{D42A27DB-BD31-4B8C-83A1-F6EECF244321}">
+                <p14:modId xmlns:p14="http://schemas.microsoft.com/office/powerpoint/2010/main" val="3952135185"/>
+              </p:ext>
+            </p:extLst>
+          </p:nvPr>
+        </p:nvGraphicFramePr>
+        <p:xfrm>
+          <a:off x="2700450" y="3974634"/>
+          <a:ext cx="266220" cy="342900"/>
+        </p:xfrm>
+        <a:graphic>
+          <a:graphicData uri="http://schemas.openxmlformats.org/presentationml/2006/ole">
+            <mc:AlternateContent xmlns:mc="http://schemas.openxmlformats.org/markup-compatibility/2006">
+              <mc:Choice xmlns:v="urn:schemas-microsoft-com:vml" Requires="v">
+                <p:oleObj name="Equation" r:id="rId20" imgW="177480" imgH="228600" progId="Equation.DSMT4">
+                  <p:embed/>
+                </p:oleObj>
+              </mc:Choice>
+              <mc:Fallback>
+                <p:oleObj name="Equation" r:id="rId20" imgW="177480" imgH="228600" progId="Equation.DSMT4">
+                  <p:embed/>
+                  <p:pic>
+                    <p:nvPicPr>
+                      <p:cNvPr id="62" name="オブジェクト 61">
+                        <a:extLst>
+                          <a:ext uri="{FF2B5EF4-FFF2-40B4-BE49-F238E27FC236}">
+                            <a16:creationId xmlns:a16="http://schemas.microsoft.com/office/drawing/2014/main" id="{25C41C9A-DB1B-487D-96F0-E721205170AC}"/>
+                          </a:ext>
+                        </a:extLst>
+                      </p:cNvPr>
+                      <p:cNvPicPr/>
+                      <p:nvPr/>
+                    </p:nvPicPr>
+                    <p:blipFill>
+                      <a:blip r:embed="rId21"/>
+                      <a:stretch>
+                        <a:fillRect/>
+                      </a:stretch>
+                    </p:blipFill>
+                    <p:spPr>
+                      <a:xfrm>
+                        <a:off x="2700450" y="3974634"/>
+                        <a:ext cx="266220" cy="342900"/>
+                      </a:xfrm>
+                      <a:prstGeom prst="rect">
+                        <a:avLst/>
+                      </a:prstGeom>
+                    </p:spPr>
+                  </p:pic>
+                </p:oleObj>
+              </mc:Fallback>
+            </mc:AlternateContent>
+          </a:graphicData>
+        </a:graphic>
+      </p:graphicFrame>
+      <p:graphicFrame>
+        <p:nvGraphicFramePr>
+          <p:cNvPr id="34" name="オブジェクト 33">
+            <a:extLst>
+              <a:ext uri="{FF2B5EF4-FFF2-40B4-BE49-F238E27FC236}">
+                <a16:creationId xmlns:a16="http://schemas.microsoft.com/office/drawing/2014/main" id="{43A40B16-9DBF-45C7-AECB-7C2D1A71256B}"/>
+              </a:ext>
+            </a:extLst>
+          </p:cNvPr>
+          <p:cNvGraphicFramePr>
+            <a:graphicFrameLocks noChangeAspect="1"/>
+          </p:cNvGraphicFramePr>
+          <p:nvPr>
+            <p:extLst>
+              <p:ext uri="{D42A27DB-BD31-4B8C-83A1-F6EECF244321}">
+                <p14:modId xmlns:p14="http://schemas.microsoft.com/office/powerpoint/2010/main" val="4179270079"/>
+              </p:ext>
+            </p:extLst>
+          </p:nvPr>
+        </p:nvGraphicFramePr>
+        <p:xfrm>
+          <a:off x="1665561" y="4978400"/>
+          <a:ext cx="247650" cy="342900"/>
+        </p:xfrm>
+        <a:graphic>
+          <a:graphicData uri="http://schemas.openxmlformats.org/presentationml/2006/ole">
+            <mc:AlternateContent xmlns:mc="http://schemas.openxmlformats.org/markup-compatibility/2006">
+              <mc:Choice xmlns:v="urn:schemas-microsoft-com:vml" Requires="v">
+                <p:oleObj name="Equation" r:id="rId22" imgW="164880" imgH="228600" progId="Equation.DSMT4">
+                  <p:embed/>
+                </p:oleObj>
+              </mc:Choice>
+              <mc:Fallback>
+                <p:oleObj name="Equation" r:id="rId22" imgW="164880" imgH="228600" progId="Equation.DSMT4">
+                  <p:embed/>
+                  <p:pic>
+                    <p:nvPicPr>
+                      <p:cNvPr id="63" name="オブジェクト 62">
+                        <a:extLst>
+                          <a:ext uri="{FF2B5EF4-FFF2-40B4-BE49-F238E27FC236}">
+                            <a16:creationId xmlns:a16="http://schemas.microsoft.com/office/drawing/2014/main" id="{452EDA13-5EDA-4577-98B2-AE8F652C9680}"/>
+                          </a:ext>
+                        </a:extLst>
+                      </p:cNvPr>
+                      <p:cNvPicPr/>
+                      <p:nvPr/>
+                    </p:nvPicPr>
+                    <p:blipFill>
+                      <a:blip r:embed="rId23"/>
+                      <a:stretch>
+                        <a:fillRect/>
+                      </a:stretch>
+                    </p:blipFill>
+                    <p:spPr>
+                      <a:xfrm>
+                        <a:off x="1665561" y="4978400"/>
+                        <a:ext cx="247650" cy="342900"/>
+                      </a:xfrm>
+                      <a:prstGeom prst="rect">
+                        <a:avLst/>
+                      </a:prstGeom>
+                    </p:spPr>
+                  </p:pic>
+                </p:oleObj>
+              </mc:Fallback>
+            </mc:AlternateContent>
+          </a:graphicData>
+        </a:graphic>
+      </p:graphicFrame>
+      <p:graphicFrame>
+        <p:nvGraphicFramePr>
+          <p:cNvPr id="35" name="オブジェクト 34">
+            <a:extLst>
+              <a:ext uri="{FF2B5EF4-FFF2-40B4-BE49-F238E27FC236}">
+                <a16:creationId xmlns:a16="http://schemas.microsoft.com/office/drawing/2014/main" id="{F724AD4F-FDFA-4F45-AE76-2A654B823067}"/>
+              </a:ext>
+            </a:extLst>
+          </p:cNvPr>
+          <p:cNvGraphicFramePr>
+            <a:graphicFrameLocks noChangeAspect="1"/>
+          </p:cNvGraphicFramePr>
+          <p:nvPr>
+            <p:extLst>
+              <p:ext uri="{D42A27DB-BD31-4B8C-83A1-F6EECF244321}">
+                <p14:modId xmlns:p14="http://schemas.microsoft.com/office/powerpoint/2010/main" val="2754582162"/>
+              </p:ext>
+            </p:extLst>
+          </p:nvPr>
+        </p:nvGraphicFramePr>
+        <p:xfrm>
+          <a:off x="301885" y="4657476"/>
+          <a:ext cx="971550" cy="914400"/>
+        </p:xfrm>
+        <a:graphic>
+          <a:graphicData uri="http://schemas.openxmlformats.org/presentationml/2006/ole">
+            <mc:AlternateContent xmlns:mc="http://schemas.openxmlformats.org/markup-compatibility/2006">
+              <mc:Choice xmlns:v="urn:schemas-microsoft-com:vml" Requires="v">
+                <p:oleObj name="Equation" r:id="rId24" imgW="647640" imgH="609480" progId="Equation.DSMT4">
+                  <p:embed/>
+                </p:oleObj>
+              </mc:Choice>
+              <mc:Fallback>
+                <p:oleObj name="Equation" r:id="rId24" imgW="647640" imgH="609480" progId="Equation.DSMT4">
+                  <p:embed/>
+                  <p:pic>
+                    <p:nvPicPr>
+                      <p:cNvPr id="42" name="オブジェクト 41">
+                        <a:extLst>
+                          <a:ext uri="{FF2B5EF4-FFF2-40B4-BE49-F238E27FC236}">
+                            <a16:creationId xmlns:a16="http://schemas.microsoft.com/office/drawing/2014/main" id="{D90D0135-3F25-488C-A866-8F845B7D7B8B}"/>
+                          </a:ext>
+                        </a:extLst>
+                      </p:cNvPr>
+                      <p:cNvPicPr/>
+                      <p:nvPr/>
+                    </p:nvPicPr>
+                    <p:blipFill>
+                      <a:blip r:embed="rId25"/>
+                      <a:stretch>
+                        <a:fillRect/>
+                      </a:stretch>
+                    </p:blipFill>
+                    <p:spPr>
+                      <a:xfrm>
+                        <a:off x="301885" y="4657476"/>
+                        <a:ext cx="971550" cy="914400"/>
+                      </a:xfrm>
+                      <a:prstGeom prst="rect">
+                        <a:avLst/>
+                      </a:prstGeom>
+                    </p:spPr>
+                  </p:pic>
+                </p:oleObj>
+              </mc:Fallback>
+            </mc:AlternateContent>
+          </a:graphicData>
+        </a:graphic>
+      </p:graphicFrame>
+      <p:graphicFrame>
+        <p:nvGraphicFramePr>
+          <p:cNvPr id="36" name="オブジェクト 35">
+            <a:extLst>
+              <a:ext uri="{FF2B5EF4-FFF2-40B4-BE49-F238E27FC236}">
+                <a16:creationId xmlns:a16="http://schemas.microsoft.com/office/drawing/2014/main" id="{1B845FBC-ECAE-425B-8E09-C1EF4E8F521E}"/>
+              </a:ext>
+            </a:extLst>
+          </p:cNvPr>
+          <p:cNvGraphicFramePr>
+            <a:graphicFrameLocks noChangeAspect="1"/>
+          </p:cNvGraphicFramePr>
+          <p:nvPr>
+            <p:extLst>
+              <p:ext uri="{D42A27DB-BD31-4B8C-83A1-F6EECF244321}">
+                <p14:modId xmlns:p14="http://schemas.microsoft.com/office/powerpoint/2010/main" val="3114200310"/>
+              </p:ext>
+            </p:extLst>
+          </p:nvPr>
+        </p:nvGraphicFramePr>
+        <p:xfrm>
+          <a:off x="1630363" y="4043363"/>
+          <a:ext cx="933450" cy="914400"/>
+        </p:xfrm>
+        <a:graphic>
+          <a:graphicData uri="http://schemas.openxmlformats.org/presentationml/2006/ole">
+            <mc:AlternateContent xmlns:mc="http://schemas.openxmlformats.org/markup-compatibility/2006">
+              <mc:Choice xmlns:v="urn:schemas-microsoft-com:vml" Requires="v">
+                <p:oleObj name="Equation" r:id="rId26" imgW="622080" imgH="609480" progId="Equation.DSMT4">
+                  <p:embed/>
+                </p:oleObj>
+              </mc:Choice>
+              <mc:Fallback>
+                <p:oleObj name="Equation" r:id="rId26" imgW="622080" imgH="609480" progId="Equation.DSMT4">
+                  <p:embed/>
+                  <p:pic>
+                    <p:nvPicPr>
+                      <p:cNvPr id="43" name="オブジェクト 42">
+                        <a:extLst>
+                          <a:ext uri="{FF2B5EF4-FFF2-40B4-BE49-F238E27FC236}">
+                            <a16:creationId xmlns:a16="http://schemas.microsoft.com/office/drawing/2014/main" id="{7A33BC11-5EDA-48E8-AF86-62429DF4838E}"/>
+                          </a:ext>
+                        </a:extLst>
+                      </p:cNvPr>
+                      <p:cNvPicPr/>
+                      <p:nvPr/>
+                    </p:nvPicPr>
+                    <p:blipFill>
+                      <a:blip r:embed="rId27"/>
+                      <a:stretch>
+                        <a:fillRect/>
+                      </a:stretch>
+                    </p:blipFill>
+                    <p:spPr>
+                      <a:xfrm>
+                        <a:off x="1630363" y="4043363"/>
+                        <a:ext cx="933450" cy="914400"/>
+                      </a:xfrm>
+                      <a:prstGeom prst="rect">
+                        <a:avLst/>
+                      </a:prstGeom>
+                    </p:spPr>
+                  </p:pic>
+                </p:oleObj>
+              </mc:Fallback>
+            </mc:AlternateContent>
+          </a:graphicData>
+        </a:graphic>
+      </p:graphicFrame>
+      <p:graphicFrame>
+        <p:nvGraphicFramePr>
+          <p:cNvPr id="37" name="オブジェクト 36">
+            <a:extLst>
+              <a:ext uri="{FF2B5EF4-FFF2-40B4-BE49-F238E27FC236}">
+                <a16:creationId xmlns:a16="http://schemas.microsoft.com/office/drawing/2014/main" id="{6F0696E7-AC53-4B1F-884D-BF41F9A5C4AF}"/>
+              </a:ext>
+            </a:extLst>
+          </p:cNvPr>
+          <p:cNvGraphicFramePr>
+            <a:graphicFrameLocks noChangeAspect="1"/>
+          </p:cNvGraphicFramePr>
+          <p:nvPr>
+            <p:extLst>
+              <p:ext uri="{D42A27DB-BD31-4B8C-83A1-F6EECF244321}">
+                <p14:modId xmlns:p14="http://schemas.microsoft.com/office/powerpoint/2010/main" val="1481903794"/>
+              </p:ext>
+            </p:extLst>
+          </p:nvPr>
+        </p:nvGraphicFramePr>
+        <p:xfrm>
+          <a:off x="2011088" y="3064441"/>
+          <a:ext cx="971550" cy="914400"/>
+        </p:xfrm>
+        <a:graphic>
+          <a:graphicData uri="http://schemas.openxmlformats.org/presentationml/2006/ole">
+            <mc:AlternateContent xmlns:mc="http://schemas.openxmlformats.org/markup-compatibility/2006">
+              <mc:Choice xmlns:v="urn:schemas-microsoft-com:vml" Requires="v">
+                <p:oleObj name="Equation" r:id="rId28" imgW="647640" imgH="609480" progId="Equation.DSMT4">
+                  <p:embed/>
+                </p:oleObj>
+              </mc:Choice>
+              <mc:Fallback>
+                <p:oleObj name="Equation" r:id="rId28" imgW="647640" imgH="609480" progId="Equation.DSMT4">
+                  <p:embed/>
+                  <p:pic>
+                    <p:nvPicPr>
+                      <p:cNvPr id="47" name="オブジェクト 46">
+                        <a:extLst>
+                          <a:ext uri="{FF2B5EF4-FFF2-40B4-BE49-F238E27FC236}">
+                            <a16:creationId xmlns:a16="http://schemas.microsoft.com/office/drawing/2014/main" id="{627AE2D4-D446-4178-B050-D475041F4359}"/>
+                          </a:ext>
+                        </a:extLst>
+                      </p:cNvPr>
+                      <p:cNvPicPr/>
+                      <p:nvPr/>
+                    </p:nvPicPr>
+                    <p:blipFill>
+                      <a:blip r:embed="rId29"/>
+                      <a:stretch>
+                        <a:fillRect/>
+                      </a:stretch>
+                    </p:blipFill>
+                    <p:spPr>
+                      <a:xfrm>
+                        <a:off x="2011088" y="3064441"/>
+                        <a:ext cx="971550" cy="914400"/>
+                      </a:xfrm>
+                      <a:prstGeom prst="rect">
+                        <a:avLst/>
+                      </a:prstGeom>
+                    </p:spPr>
+                  </p:pic>
+                </p:oleObj>
+              </mc:Fallback>
+            </mc:AlternateContent>
+          </a:graphicData>
+        </a:graphic>
+      </p:graphicFrame>
+      <p:graphicFrame>
+        <p:nvGraphicFramePr>
+          <p:cNvPr id="38" name="オブジェクト 37">
+            <a:extLst>
+              <a:ext uri="{FF2B5EF4-FFF2-40B4-BE49-F238E27FC236}">
+                <a16:creationId xmlns:a16="http://schemas.microsoft.com/office/drawing/2014/main" id="{732D3D50-EE54-4CB1-802D-80E20A95DF8F}"/>
+              </a:ext>
+            </a:extLst>
+          </p:cNvPr>
+          <p:cNvGraphicFramePr>
+            <a:graphicFrameLocks noChangeAspect="1"/>
+          </p:cNvGraphicFramePr>
+          <p:nvPr>
+            <p:extLst>
+              <p:ext uri="{D42A27DB-BD31-4B8C-83A1-F6EECF244321}">
+                <p14:modId xmlns:p14="http://schemas.microsoft.com/office/powerpoint/2010/main" val="429329930"/>
+              </p:ext>
+            </p:extLst>
+          </p:nvPr>
+        </p:nvGraphicFramePr>
+        <p:xfrm>
+          <a:off x="1455738" y="2078038"/>
+          <a:ext cx="952500" cy="914400"/>
+        </p:xfrm>
+        <a:graphic>
+          <a:graphicData uri="http://schemas.openxmlformats.org/presentationml/2006/ole">
+            <mc:AlternateContent xmlns:mc="http://schemas.openxmlformats.org/markup-compatibility/2006">
+              <mc:Choice xmlns:v="urn:schemas-microsoft-com:vml" Requires="v">
+                <p:oleObj name="Equation" r:id="rId30" imgW="634680" imgH="609480" progId="Equation.DSMT4">
+                  <p:embed/>
+                </p:oleObj>
+              </mc:Choice>
+              <mc:Fallback>
+                <p:oleObj name="Equation" r:id="rId30" imgW="634680" imgH="609480" progId="Equation.DSMT4">
+                  <p:embed/>
+                  <p:pic>
+                    <p:nvPicPr>
+                      <p:cNvPr id="49" name="オブジェクト 48">
+                        <a:extLst>
+                          <a:ext uri="{FF2B5EF4-FFF2-40B4-BE49-F238E27FC236}">
+                            <a16:creationId xmlns:a16="http://schemas.microsoft.com/office/drawing/2014/main" id="{B7CDD368-3341-441A-9577-691CAE6AF9C5}"/>
+                          </a:ext>
+                        </a:extLst>
+                      </p:cNvPr>
+                      <p:cNvPicPr/>
+                      <p:nvPr/>
+                    </p:nvPicPr>
+                    <p:blipFill>
+                      <a:blip r:embed="rId31"/>
+                      <a:stretch>
+                        <a:fillRect/>
+                      </a:stretch>
+                    </p:blipFill>
+                    <p:spPr>
+                      <a:xfrm>
+                        <a:off x="1455738" y="2078038"/>
+                        <a:ext cx="952500" cy="914400"/>
                       </a:xfrm>
                       <a:prstGeom prst="rect">
                         <a:avLst/>
@@ -10578,36 +12374,6 @@
           <a:chExt cx="0" cy="0"/>
         </a:xfrm>
       </p:grpSpPr>
-      <p:pic>
-        <p:nvPicPr>
-          <p:cNvPr id="7" name="図 6">
-            <a:extLst>
-              <a:ext uri="{FF2B5EF4-FFF2-40B4-BE49-F238E27FC236}">
-                <a16:creationId xmlns:a16="http://schemas.microsoft.com/office/drawing/2014/main" id="{289E6394-62FF-4B72-8282-1FFC9683CF61}"/>
-              </a:ext>
-            </a:extLst>
-          </p:cNvPr>
-          <p:cNvPicPr>
-            <a:picLocks noChangeAspect="1"/>
-          </p:cNvPicPr>
-          <p:nvPr/>
-        </p:nvPicPr>
-        <p:blipFill>
-          <a:blip r:embed="rId2"/>
-          <a:stretch>
-            <a:fillRect/>
-          </a:stretch>
-        </p:blipFill>
-        <p:spPr>
-          <a:xfrm>
-            <a:off x="5159896" y="2780928"/>
-            <a:ext cx="4876800" cy="2926080"/>
-          </a:xfrm>
-          <a:prstGeom prst="rect">
-            <a:avLst/>
-          </a:prstGeom>
-        </p:spPr>
-      </p:pic>
       <p:sp>
         <p:nvSpPr>
           <p:cNvPr id="2" name="タイトル 1">
@@ -10626,7 +12392,9 @@
         </p:nvSpPr>
         <p:spPr/>
         <p:txBody>
-          <a:bodyPr/>
+          <a:bodyPr>
+            <a:normAutofit/>
+          </a:bodyPr>
           <a:lstStyle/>
           <a:p>
             <a:r>
@@ -10648,7 +12416,19 @@
               <a:rPr lang="en-US" altLang="ja-JP" sz="2400" b="0" i="0" u="none" strike="noStrike" dirty="0">
                 <a:cs typeface="Courier New" panose="02070309020205020404" pitchFamily="49" charset="0"/>
               </a:rPr>
-              <a:t>Run Forward Kinematics Function and Robot Arm Pose Draw by </a:t>
+              <a:t>Run of Forward Kinematics Function and </a:t>
+            </a:r>
+            <a:r>
+              <a:rPr lang="en-US" altLang="ja-JP" sz="2400" dirty="0">
+                <a:cs typeface="Courier New" panose="02070309020205020404" pitchFamily="49" charset="0"/>
+              </a:rPr>
+              <a:t>Draw of </a:t>
+            </a:r>
+            <a:r>
+              <a:rPr lang="en-US" altLang="ja-JP" sz="2400" b="0" i="0" u="none" strike="noStrike" dirty="0">
+                <a:cs typeface="Courier New" panose="02070309020205020404" pitchFamily="49" charset="0"/>
+              </a:rPr>
+              <a:t>Robot Arm Pose by </a:t>
             </a:r>
             <a:r>
               <a:rPr lang="en-US" altLang="ja-JP" sz="2400" b="0" i="0" u="none" strike="noStrike" dirty="0" err="1">
@@ -10762,7 +12542,7 @@
         <p:spPr>
           <a:xfrm>
             <a:off x="640196" y="1556792"/>
-            <a:ext cx="5298245" cy="4524315"/>
+            <a:ext cx="5391219" cy="3970318"/>
           </a:xfrm>
           <a:prstGeom prst="rect">
             <a:avLst/>
@@ -10920,58 +12700,6 @@
                 <a:latin typeface="Courier New" panose="02070309020205020404" pitchFamily="49" charset="0"/>
                 <a:cs typeface="Courier New" panose="02070309020205020404" pitchFamily="49" charset="0"/>
               </a:rPr>
-              <a:t>    //  Console out the joint angle vector</a:t>
-            </a:r>
-          </a:p>
-          <a:p>
-            <a:r>
-              <a:rPr kumimoji="1" lang="en-US" altLang="ja-JP" sz="1200" dirty="0">
-                <a:latin typeface="Courier New" panose="02070309020205020404" pitchFamily="49" charset="0"/>
-                <a:cs typeface="Courier New" panose="02070309020205020404" pitchFamily="49" charset="0"/>
-              </a:rPr>
-              <a:t>    std::</a:t>
-            </a:r>
-            <a:r>
-              <a:rPr kumimoji="1" lang="en-US" altLang="ja-JP" sz="1200" dirty="0" err="1">
-                <a:latin typeface="Courier New" panose="02070309020205020404" pitchFamily="49" charset="0"/>
-                <a:cs typeface="Courier New" panose="02070309020205020404" pitchFamily="49" charset="0"/>
-              </a:rPr>
-              <a:t>cout</a:t>
-            </a:r>
-            <a:r>
-              <a:rPr kumimoji="1" lang="en-US" altLang="ja-JP" sz="1200" dirty="0">
-                <a:latin typeface="Courier New" panose="02070309020205020404" pitchFamily="49" charset="0"/>
-                <a:cs typeface="Courier New" panose="02070309020205020404" pitchFamily="49" charset="0"/>
-              </a:rPr>
-              <a:t> &lt;&lt; q &lt;&lt; std::</a:t>
-            </a:r>
-            <a:r>
-              <a:rPr kumimoji="1" lang="en-US" altLang="ja-JP" sz="1200" dirty="0" err="1">
-                <a:latin typeface="Courier New" panose="02070309020205020404" pitchFamily="49" charset="0"/>
-                <a:cs typeface="Courier New" panose="02070309020205020404" pitchFamily="49" charset="0"/>
-              </a:rPr>
-              <a:t>endl</a:t>
-            </a:r>
-            <a:r>
-              <a:rPr kumimoji="1" lang="en-US" altLang="ja-JP" sz="1200" dirty="0">
-                <a:latin typeface="Courier New" panose="02070309020205020404" pitchFamily="49" charset="0"/>
-                <a:cs typeface="Courier New" panose="02070309020205020404" pitchFamily="49" charset="0"/>
-              </a:rPr>
-              <a:t>;</a:t>
-            </a:r>
-          </a:p>
-          <a:p>
-            <a:endParaRPr kumimoji="1" lang="en-US" altLang="ja-JP" sz="1200" dirty="0">
-              <a:latin typeface="Courier New" panose="02070309020205020404" pitchFamily="49" charset="0"/>
-              <a:cs typeface="Courier New" panose="02070309020205020404" pitchFamily="49" charset="0"/>
-            </a:endParaRPr>
-          </a:p>
-          <a:p>
-            <a:r>
-              <a:rPr kumimoji="1" lang="en-US" altLang="ja-JP" sz="1200" dirty="0">
-                <a:latin typeface="Courier New" panose="02070309020205020404" pitchFamily="49" charset="0"/>
-                <a:cs typeface="Courier New" panose="02070309020205020404" pitchFamily="49" charset="0"/>
-              </a:rPr>
               <a:t>    //  Console out the pose matrix = a vector of poses</a:t>
             </a:r>
           </a:p>
@@ -11086,7 +12814,7 @@
         </p:nvSpPr>
         <p:spPr>
           <a:xfrm>
-            <a:off x="9135758" y="2887737"/>
+            <a:off x="6253561" y="2887737"/>
             <a:ext cx="2416046" cy="830997"/>
           </a:xfrm>
           <a:prstGeom prst="rect">
@@ -11293,7 +13021,7 @@
         </p:nvSpPr>
         <p:spPr>
           <a:xfrm>
-            <a:off x="609600" y="6019832"/>
+            <a:off x="609600" y="5949280"/>
             <a:ext cx="11031016" cy="276999"/>
           </a:xfrm>
           <a:prstGeom prst="rect">
@@ -11309,41 +13037,31 @@
           <a:p>
             <a:r>
               <a:rPr lang="en-US" altLang="ja-JP" sz="1200" dirty="0">
-                <a:cs typeface="Courier New" panose="02070309020205020404" pitchFamily="49" charset="0"/>
-              </a:rPr>
-              <a:t>Code is available at</a:t>
-            </a:r>
-            <a:r>
-              <a:rPr lang="ja-JP" altLang="en-US" sz="1200" dirty="0">
-                <a:cs typeface="Courier New" panose="02070309020205020404" pitchFamily="49" charset="0"/>
-              </a:rPr>
-              <a:t> </a:t>
-            </a:r>
-            <a:r>
-              <a:rPr lang="en-US" altLang="ja-JP" sz="1200" dirty="0">
-                <a:cs typeface="Courier New" panose="02070309020205020404" pitchFamily="49" charset="0"/>
-              </a:rPr>
-              <a:t>https://github.com/keitaronaruse/Naruse-robotics-tutorial/blob/main/src/cpp</a:t>
-            </a:r>
-            <a:r>
-              <a:rPr lang="en-US" altLang="ja-JP" sz="1200">
-                <a:cs typeface="Courier New" panose="02070309020205020404" pitchFamily="49" charset="0"/>
-              </a:rPr>
-              <a:t>/</a:t>
-            </a:r>
-            <a:r>
-              <a:rPr kumimoji="1" lang="en-US" altLang="ja-JP" sz="1200">
                 <a:latin typeface="Courier New" panose="02070309020205020404" pitchFamily="49" charset="0"/>
                 <a:cs typeface="Courier New" panose="02070309020205020404" pitchFamily="49" charset="0"/>
               </a:rPr>
-              <a:t>arm-pose.</a:t>
+              <a:t>Code is available at</a:t>
+            </a:r>
+            <a:r>
+              <a:rPr lang="ja-JP" altLang="en-US" sz="1200" dirty="0">
+                <a:latin typeface="Courier New" panose="02070309020205020404" pitchFamily="49" charset="0"/>
+                <a:cs typeface="Courier New" panose="02070309020205020404" pitchFamily="49" charset="0"/>
+              </a:rPr>
+              <a:t> </a:t>
+            </a:r>
+            <a:r>
+              <a:rPr lang="en-US" altLang="ja-JP" sz="1200" dirty="0">
+                <a:latin typeface="Courier New" panose="02070309020205020404" pitchFamily="49" charset="0"/>
+                <a:cs typeface="Courier New" panose="02070309020205020404" pitchFamily="49" charset="0"/>
+              </a:rPr>
+              <a:t>https://github.com/keitaronaruse/Naruse-robotics-tutorial/blob/main/src/cpp/</a:t>
             </a:r>
             <a:r>
               <a:rPr kumimoji="1" lang="en-US" altLang="ja-JP" sz="1200" dirty="0">
                 <a:latin typeface="Courier New" panose="02070309020205020404" pitchFamily="49" charset="0"/>
                 <a:cs typeface="Courier New" panose="02070309020205020404" pitchFamily="49" charset="0"/>
               </a:rPr>
-              <a:t>plt</a:t>
+              <a:t>arm-pose.plt</a:t>
             </a:r>
             <a:endParaRPr lang="en-US" altLang="ja-JP" sz="1200" dirty="0">
               <a:latin typeface="Courier New" panose="02070309020205020404" pitchFamily="49" charset="0"/>
@@ -11352,6 +13070,105 @@
           </a:p>
         </p:txBody>
       </p:sp>
+      <p:pic>
+        <p:nvPicPr>
+          <p:cNvPr id="12" name="図 11">
+            <a:extLst>
+              <a:ext uri="{FF2B5EF4-FFF2-40B4-BE49-F238E27FC236}">
+                <a16:creationId xmlns:a16="http://schemas.microsoft.com/office/drawing/2014/main" id="{CE44C9BD-4FEA-4012-8137-6D1C2D9202DC}"/>
+              </a:ext>
+            </a:extLst>
+          </p:cNvPr>
+          <p:cNvPicPr>
+            <a:picLocks noChangeAspect="1"/>
+          </p:cNvPicPr>
+          <p:nvPr/>
+        </p:nvPicPr>
+        <p:blipFill>
+          <a:blip r:embed="rId2"/>
+          <a:stretch>
+            <a:fillRect/>
+          </a:stretch>
+        </p:blipFill>
+        <p:spPr>
+          <a:xfrm>
+            <a:off x="8669607" y="2924944"/>
+            <a:ext cx="3076575" cy="2924175"/>
+          </a:xfrm>
+          <a:prstGeom prst="rect">
+            <a:avLst/>
+          </a:prstGeom>
+        </p:spPr>
+      </p:pic>
+      <p:graphicFrame>
+        <p:nvGraphicFramePr>
+          <p:cNvPr id="13" name="オブジェクト 12">
+            <a:extLst>
+              <a:ext uri="{FF2B5EF4-FFF2-40B4-BE49-F238E27FC236}">
+                <a16:creationId xmlns:a16="http://schemas.microsoft.com/office/drawing/2014/main" id="{02B293B9-5F21-4A15-909D-BB1C1B842C0B}"/>
+              </a:ext>
+            </a:extLst>
+          </p:cNvPr>
+          <p:cNvGraphicFramePr>
+            <a:graphicFrameLocks noChangeAspect="1"/>
+          </p:cNvGraphicFramePr>
+          <p:nvPr>
+            <p:extLst>
+              <p:ext uri="{D42A27DB-BD31-4B8C-83A1-F6EECF244321}">
+                <p14:modId xmlns:p14="http://schemas.microsoft.com/office/powerpoint/2010/main" val="3912121994"/>
+              </p:ext>
+            </p:extLst>
+          </p:nvPr>
+        </p:nvGraphicFramePr>
+        <p:xfrm>
+          <a:off x="5938441" y="4509120"/>
+          <a:ext cx="2381250" cy="1219200"/>
+        </p:xfrm>
+        <a:graphic>
+          <a:graphicData uri="http://schemas.openxmlformats.org/presentationml/2006/ole">
+            <mc:AlternateContent xmlns:mc="http://schemas.openxmlformats.org/markup-compatibility/2006">
+              <mc:Choice xmlns:v="urn:schemas-microsoft-com:vml" Requires="v">
+                <p:oleObj name="Equation" r:id="rId3" imgW="1587240" imgH="812520" progId="Equation.DSMT4">
+                  <p:embed/>
+                </p:oleObj>
+              </mc:Choice>
+              <mc:Fallback>
+                <p:oleObj name="Equation" r:id="rId3" imgW="1587240" imgH="812520" progId="Equation.DSMT4">
+                  <p:embed/>
+                  <p:pic>
+                    <p:nvPicPr>
+                      <p:cNvPr id="7" name="オブジェクト 6">
+                        <a:extLst>
+                          <a:ext uri="{FF2B5EF4-FFF2-40B4-BE49-F238E27FC236}">
+                            <a16:creationId xmlns:a16="http://schemas.microsoft.com/office/drawing/2014/main" id="{2745BBA3-9512-4955-8E3E-0F9A9AC58DE0}"/>
+                          </a:ext>
+                        </a:extLst>
+                      </p:cNvPr>
+                      <p:cNvPicPr/>
+                      <p:nvPr/>
+                    </p:nvPicPr>
+                    <p:blipFill>
+                      <a:blip r:embed="rId4"/>
+                      <a:stretch>
+                        <a:fillRect/>
+                      </a:stretch>
+                    </p:blipFill>
+                    <p:spPr>
+                      <a:xfrm>
+                        <a:off x="5938441" y="4509120"/>
+                        <a:ext cx="2381250" cy="1219200"/>
+                      </a:xfrm>
+                      <a:prstGeom prst="rect">
+                        <a:avLst/>
+                      </a:prstGeom>
+                    </p:spPr>
+                  </p:pic>
+                </p:oleObj>
+              </mc:Fallback>
+            </mc:AlternateContent>
+          </a:graphicData>
+        </a:graphic>
+      </p:graphicFrame>
     </p:spTree>
     <p:extLst>
       <p:ext uri="{BB962C8B-B14F-4D97-AF65-F5344CB8AC3E}">

--- a/doc/slides/Robot-Arm-Forward-Kinematics-CPP-Code.pptx
+++ b/doc/slides/Robot-Arm-Forward-Kinematics-CPP-Code.pptx
@@ -231,7 +231,7 @@
           <a:p>
             <a:fld id="{9BDC461C-9488-4B33-8404-FB69A384252D}" type="datetimeFigureOut">
               <a:rPr kumimoji="1" lang="ja-JP" altLang="en-US" smtClean="0"/>
-              <a:t>2021/3/16</a:t>
+              <a:t>2021/4/4</a:t>
             </a:fld>
             <a:endParaRPr kumimoji="1" lang="ja-JP" altLang="en-US"/>
           </a:p>
@@ -408,7 +408,7 @@
           <a:p>
             <a:fld id="{4F23D6BA-2164-40E7-BA8B-970E642CDFC3}" type="datetimeFigureOut">
               <a:rPr kumimoji="1" lang="ja-JP" altLang="en-US" smtClean="0"/>
-              <a:t>2021/3/16</a:t>
+              <a:t>2021/4/4</a:t>
             </a:fld>
             <a:endParaRPr kumimoji="1" lang="ja-JP" altLang="en-US"/>
           </a:p>
@@ -895,7 +895,7 @@
           <a:p>
             <a:r>
               <a:rPr kumimoji="1" lang="en-US" altLang="ja-JP"/>
-              <a:t>2021-03-16</a:t>
+              <a:t>2021-04-04</a:t>
             </a:r>
             <a:endParaRPr kumimoji="1" lang="ja-JP" altLang="en-US"/>
           </a:p>
@@ -1107,7 +1107,7 @@
           <a:p>
             <a:r>
               <a:rPr kumimoji="1" lang="en-US" altLang="ja-JP"/>
-              <a:t>2021-03-16</a:t>
+              <a:t>2021-04-04</a:t>
             </a:r>
             <a:endParaRPr kumimoji="1" lang="ja-JP" altLang="en-US"/>
           </a:p>
@@ -1324,7 +1324,7 @@
           <a:p>
             <a:r>
               <a:rPr kumimoji="1" lang="en-US" altLang="ja-JP"/>
-              <a:t>2021-03-16</a:t>
+              <a:t>2021-04-04</a:t>
             </a:r>
             <a:endParaRPr kumimoji="1" lang="ja-JP" altLang="en-US"/>
           </a:p>
@@ -1560,7 +1560,7 @@
           <a:p>
             <a:r>
               <a:rPr kumimoji="1" lang="en-US" altLang="ja-JP"/>
-              <a:t>2021-03-16</a:t>
+              <a:t>2021-04-04</a:t>
             </a:r>
             <a:endParaRPr kumimoji="1" lang="ja-JP" altLang="en-US" dirty="0"/>
           </a:p>
@@ -1815,7 +1815,7 @@
           <a:p>
             <a:r>
               <a:rPr kumimoji="1" lang="en-US" altLang="ja-JP"/>
-              <a:t>2021-03-16</a:t>
+              <a:t>2021-04-04</a:t>
             </a:r>
             <a:endParaRPr kumimoji="1" lang="ja-JP" altLang="en-US"/>
           </a:p>
@@ -2177,7 +2177,7 @@
           <a:p>
             <a:r>
               <a:rPr kumimoji="1" lang="en-US" altLang="ja-JP"/>
-              <a:t>2021-03-16</a:t>
+              <a:t>2021-04-04</a:t>
             </a:r>
             <a:endParaRPr kumimoji="1" lang="ja-JP" altLang="en-US"/>
           </a:p>
@@ -2678,7 +2678,7 @@
           <a:p>
             <a:r>
               <a:rPr kumimoji="1" lang="en-US" altLang="ja-JP"/>
-              <a:t>2021-03-16</a:t>
+              <a:t>2021-04-04</a:t>
             </a:r>
             <a:endParaRPr kumimoji="1" lang="ja-JP" altLang="en-US"/>
           </a:p>
@@ -2806,7 +2806,7 @@
           <a:p>
             <a:r>
               <a:rPr kumimoji="1" lang="en-US" altLang="ja-JP"/>
-              <a:t>2021-03-16</a:t>
+              <a:t>2021-04-04</a:t>
             </a:r>
             <a:endParaRPr kumimoji="1" lang="ja-JP" altLang="en-US"/>
           </a:p>
@@ -2905,7 +2905,7 @@
           <a:p>
             <a:r>
               <a:rPr kumimoji="1" lang="en-US" altLang="ja-JP"/>
-              <a:t>2021-03-16</a:t>
+              <a:t>2021-04-04</a:t>
             </a:r>
             <a:endParaRPr kumimoji="1" lang="ja-JP" altLang="en-US"/>
           </a:p>
@@ -3222,7 +3222,7 @@
           <a:p>
             <a:r>
               <a:rPr kumimoji="1" lang="en-US" altLang="ja-JP"/>
-              <a:t>2021-03-16</a:t>
+              <a:t>2021-04-04</a:t>
             </a:r>
             <a:endParaRPr kumimoji="1" lang="ja-JP" altLang="en-US"/>
           </a:p>
@@ -3487,7 +3487,7 @@
           <a:p>
             <a:r>
               <a:rPr kumimoji="1" lang="en-US" altLang="ja-JP"/>
-              <a:t>2021-03-16</a:t>
+              <a:t>2021-04-04</a:t>
             </a:r>
             <a:endParaRPr kumimoji="1" lang="ja-JP" altLang="en-US"/>
           </a:p>
@@ -3732,7 +3732,7 @@
           <a:p>
             <a:r>
               <a:rPr lang="en-US" altLang="ja-JP"/>
-              <a:t>2021-03-16</a:t>
+              <a:t>2021-04-04</a:t>
             </a:r>
             <a:endParaRPr lang="ja-JP" altLang="en-US" dirty="0"/>
           </a:p>
@@ -6217,7 +6217,7 @@
           <a:p>
             <a:r>
               <a:rPr kumimoji="1" lang="en-US" altLang="ja-JP"/>
-              <a:t>2021-03-16</a:t>
+              <a:t>2021-04-04</a:t>
             </a:r>
             <a:endParaRPr kumimoji="1" lang="ja-JP" altLang="en-US"/>
           </a:p>
@@ -8448,7 +8448,7 @@
           <a:p>
             <a:r>
               <a:rPr kumimoji="1" lang="en-US" altLang="ja-JP"/>
-              <a:t>2021-03-16</a:t>
+              <a:t>2021-04-04</a:t>
             </a:r>
             <a:endParaRPr kumimoji="1" lang="ja-JP" altLang="en-US"/>
           </a:p>
@@ -8919,7 +8919,7 @@
           <a:p>
             <a:r>
               <a:rPr kumimoji="1" lang="en-US" altLang="ja-JP"/>
-              <a:t>2021-03-16</a:t>
+              <a:t>2021-04-04</a:t>
             </a:r>
             <a:endParaRPr kumimoji="1" lang="ja-JP" altLang="en-US"/>
           </a:p>
@@ -9191,7 +9191,7 @@
                   <a:schemeClr val="tx1"/>
                 </a:solidFill>
               </a:rPr>
-              <a:t>For cos() and sin() out</a:t>
+              <a:t>For cos() and sin() </a:t>
             </a:r>
           </a:p>
         </p:txBody>
@@ -9279,7 +9279,23 @@
                   <a:schemeClr val="tx1"/>
                 </a:solidFill>
               </a:rPr>
-              <a:t>For vectors and matrices with Eigen</a:t>
+              <a:t>For vectors and </a:t>
+            </a:r>
+            <a:r>
+              <a:rPr lang="en-US" altLang="ja-JP">
+                <a:solidFill>
+                  <a:schemeClr val="tx1"/>
+                </a:solidFill>
+              </a:rPr>
+              <a:t>matrices in </a:t>
+            </a:r>
+            <a:r>
+              <a:rPr lang="en-US" altLang="ja-JP" dirty="0">
+                <a:solidFill>
+                  <a:schemeClr val="tx1"/>
+                </a:solidFill>
+              </a:rPr>
+              <a:t>Eigen</a:t>
             </a:r>
           </a:p>
         </p:txBody>
@@ -10099,7 +10115,7 @@
           <a:p>
             <a:r>
               <a:rPr kumimoji="1" lang="en-US" altLang="ja-JP"/>
-              <a:t>2021-03-16</a:t>
+              <a:t>2021-04-04</a:t>
             </a:r>
             <a:endParaRPr kumimoji="1" lang="ja-JP" altLang="en-US"/>
           </a:p>
@@ -12463,7 +12479,7 @@
           <a:p>
             <a:r>
               <a:rPr kumimoji="1" lang="en-US" altLang="ja-JP"/>
-              <a:t>2021-03-16</a:t>
+              <a:t>2021-04-04</a:t>
             </a:r>
             <a:endParaRPr kumimoji="1" lang="ja-JP" altLang="en-US"/>
           </a:p>
